--- a/docs/CS115 Final Presentation.pptx
+++ b/docs/CS115 Final Presentation.pptx
@@ -1,21 +1,22 @@
 
 <file path=ppt/presentation.xml><?xml version="1.0" encoding="utf-8"?>
-<p:presentation xmlns:a="http://schemas.openxmlformats.org/drawingml/2006/main" xmlns:r="http://schemas.openxmlformats.org/officeDocument/2006/relationships" xmlns:mc="http://schemas.openxmlformats.org/markup-compatibility/2006" xmlns:mv="urn:schemas-microsoft-com:mac:vml" xmlns:p="http://schemas.openxmlformats.org/presentationml/2006/main" xmlns:c="http://schemas.openxmlformats.org/drawingml/2006/chart" xmlns:dgm="http://schemas.openxmlformats.org/drawingml/2006/diagram" xmlns:o="urn:schemas-microsoft-com:office:office" xmlns:v="urn:schemas-microsoft-com:vml" xmlns:pvml="urn:schemas-microsoft-com:office:powerpoint" xmlns:com="http://schemas.openxmlformats.org/drawingml/2006/compatibility" xmlns:p14="http://schemas.microsoft.com/office/powerpoint/2010/main" saveSubsetFonts="1" autoCompressPictures="0" strictFirstAndLastChars="0">
+<p:presentation xmlns:a="http://schemas.openxmlformats.org/drawingml/2006/main" xmlns:r="http://schemas.openxmlformats.org/officeDocument/2006/relationships" xmlns:p="http://schemas.openxmlformats.org/presentationml/2006/main" strictFirstAndLastChars="0" saveSubsetFonts="1" autoCompressPictures="0">
   <p:sldMasterIdLst>
-    <p:sldMasterId id="2147483654" r:id="rId4"/>
+    <p:sldMasterId id="2147483654" r:id="rId1"/>
   </p:sldMasterIdLst>
   <p:notesMasterIdLst>
-    <p:notesMasterId r:id="rId5"/>
+    <p:notesMasterId r:id="rId6"/>
   </p:notesMasterIdLst>
   <p:sldIdLst>
-    <p:sldId id="256" r:id="rId6"/>
-    <p:sldId id="257" r:id="rId7"/>
-    <p:sldId id="258" r:id="rId8"/>
+    <p:sldId id="256" r:id="rId2"/>
+    <p:sldId id="257" r:id="rId3"/>
+    <p:sldId id="258" r:id="rId4"/>
+    <p:sldId id="259" r:id="rId5"/>
   </p:sldIdLst>
-  <p:sldSz cy="5143500" cx="9144000"/>
-  <p:notesSz cy="9144000" cx="6858000"/>
+  <p:sldSz cx="9144000" cy="5143500" type="screen16x9"/>
+  <p:notesSz cx="6858000" cy="9144000"/>
   <p:defaultTextStyle>
-    <a:defPPr algn="l" rtl="0" marR="0">
+    <a:defPPr marR="0" algn="l" rtl="0">
       <a:lnSpc>
         <a:spcPct val="100000"/>
       </a:lnSpc>
@@ -26,7 +27,7 @@
         <a:spcPts val="0"/>
       </a:spcAft>
     </a:defPPr>
-    <a:lvl1pPr algn="l" rtl="0" marR="0">
+    <a:lvl1pPr marR="0" algn="l" rtl="0">
       <a:lnSpc>
         <a:spcPct val="100000"/>
       </a:lnSpc>
@@ -37,7 +38,7 @@
         <a:spcPts val="0"/>
       </a:spcAft>
       <a:buNone/>
-      <a:defRPr strike="noStrike" u="none" b="0" cap="none" baseline="0" sz="1400" i="0">
+      <a:defRPr sz="1400" b="0" i="0" u="none" strike="noStrike" cap="none" baseline="0">
         <a:solidFill>
           <a:srgbClr val="000000"/>
         </a:solidFill>
@@ -45,10 +46,9 @@
         <a:ea typeface="Arial"/>
         <a:cs typeface="Arial"/>
         <a:sym typeface="Arial"/>
-        <a:rtl val="0"/>
       </a:defRPr>
     </a:lvl1pPr>
-    <a:lvl2pPr algn="l" rtl="0" marR="0">
+    <a:lvl2pPr marR="0" algn="l" rtl="0">
       <a:lnSpc>
         <a:spcPct val="100000"/>
       </a:lnSpc>
@@ -59,7 +59,7 @@
         <a:spcPts val="0"/>
       </a:spcAft>
       <a:buNone/>
-      <a:defRPr strike="noStrike" u="none" b="0" cap="none" baseline="0" sz="1400" i="0">
+      <a:defRPr sz="1400" b="0" i="0" u="none" strike="noStrike" cap="none" baseline="0">
         <a:solidFill>
           <a:srgbClr val="000000"/>
         </a:solidFill>
@@ -67,10 +67,9 @@
         <a:ea typeface="Arial"/>
         <a:cs typeface="Arial"/>
         <a:sym typeface="Arial"/>
-        <a:rtl val="0"/>
       </a:defRPr>
     </a:lvl2pPr>
-    <a:lvl3pPr algn="l" rtl="0" marR="0">
+    <a:lvl3pPr marR="0" algn="l" rtl="0">
       <a:lnSpc>
         <a:spcPct val="100000"/>
       </a:lnSpc>
@@ -81,7 +80,7 @@
         <a:spcPts val="0"/>
       </a:spcAft>
       <a:buNone/>
-      <a:defRPr strike="noStrike" u="none" b="0" cap="none" baseline="0" sz="1400" i="0">
+      <a:defRPr sz="1400" b="0" i="0" u="none" strike="noStrike" cap="none" baseline="0">
         <a:solidFill>
           <a:srgbClr val="000000"/>
         </a:solidFill>
@@ -89,10 +88,9 @@
         <a:ea typeface="Arial"/>
         <a:cs typeface="Arial"/>
         <a:sym typeface="Arial"/>
-        <a:rtl val="0"/>
       </a:defRPr>
     </a:lvl3pPr>
-    <a:lvl4pPr algn="l" rtl="0" marR="0">
+    <a:lvl4pPr marR="0" algn="l" rtl="0">
       <a:lnSpc>
         <a:spcPct val="100000"/>
       </a:lnSpc>
@@ -103,7 +101,7 @@
         <a:spcPts val="0"/>
       </a:spcAft>
       <a:buNone/>
-      <a:defRPr strike="noStrike" u="none" b="0" cap="none" baseline="0" sz="1400" i="0">
+      <a:defRPr sz="1400" b="0" i="0" u="none" strike="noStrike" cap="none" baseline="0">
         <a:solidFill>
           <a:srgbClr val="000000"/>
         </a:solidFill>
@@ -111,10 +109,9 @@
         <a:ea typeface="Arial"/>
         <a:cs typeface="Arial"/>
         <a:sym typeface="Arial"/>
-        <a:rtl val="0"/>
       </a:defRPr>
     </a:lvl4pPr>
-    <a:lvl5pPr algn="l" rtl="0" marR="0">
+    <a:lvl5pPr marR="0" algn="l" rtl="0">
       <a:lnSpc>
         <a:spcPct val="100000"/>
       </a:lnSpc>
@@ -125,7 +122,7 @@
         <a:spcPts val="0"/>
       </a:spcAft>
       <a:buNone/>
-      <a:defRPr strike="noStrike" u="none" b="0" cap="none" baseline="0" sz="1400" i="0">
+      <a:defRPr sz="1400" b="0" i="0" u="none" strike="noStrike" cap="none" baseline="0">
         <a:solidFill>
           <a:srgbClr val="000000"/>
         </a:solidFill>
@@ -133,10 +130,9 @@
         <a:ea typeface="Arial"/>
         <a:cs typeface="Arial"/>
         <a:sym typeface="Arial"/>
-        <a:rtl val="0"/>
       </a:defRPr>
     </a:lvl5pPr>
-    <a:lvl6pPr algn="l" rtl="0" marR="0">
+    <a:lvl6pPr marR="0" algn="l" rtl="0">
       <a:lnSpc>
         <a:spcPct val="100000"/>
       </a:lnSpc>
@@ -147,7 +143,7 @@
         <a:spcPts val="0"/>
       </a:spcAft>
       <a:buNone/>
-      <a:defRPr strike="noStrike" u="none" b="0" cap="none" baseline="0" sz="1400" i="0">
+      <a:defRPr sz="1400" b="0" i="0" u="none" strike="noStrike" cap="none" baseline="0">
         <a:solidFill>
           <a:srgbClr val="000000"/>
         </a:solidFill>
@@ -155,10 +151,9 @@
         <a:ea typeface="Arial"/>
         <a:cs typeface="Arial"/>
         <a:sym typeface="Arial"/>
-        <a:rtl val="0"/>
       </a:defRPr>
     </a:lvl6pPr>
-    <a:lvl7pPr algn="l" rtl="0" marR="0">
+    <a:lvl7pPr marR="0" algn="l" rtl="0">
       <a:lnSpc>
         <a:spcPct val="100000"/>
       </a:lnSpc>
@@ -169,7 +164,7 @@
         <a:spcPts val="0"/>
       </a:spcAft>
       <a:buNone/>
-      <a:defRPr strike="noStrike" u="none" b="0" cap="none" baseline="0" sz="1400" i="0">
+      <a:defRPr sz="1400" b="0" i="0" u="none" strike="noStrike" cap="none" baseline="0">
         <a:solidFill>
           <a:srgbClr val="000000"/>
         </a:solidFill>
@@ -177,10 +172,9 @@
         <a:ea typeface="Arial"/>
         <a:cs typeface="Arial"/>
         <a:sym typeface="Arial"/>
-        <a:rtl val="0"/>
       </a:defRPr>
     </a:lvl7pPr>
-    <a:lvl8pPr algn="l" rtl="0" marR="0">
+    <a:lvl8pPr marR="0" algn="l" rtl="0">
       <a:lnSpc>
         <a:spcPct val="100000"/>
       </a:lnSpc>
@@ -191,7 +185,7 @@
         <a:spcPts val="0"/>
       </a:spcAft>
       <a:buNone/>
-      <a:defRPr strike="noStrike" u="none" b="0" cap="none" baseline="0" sz="1400" i="0">
+      <a:defRPr sz="1400" b="0" i="0" u="none" strike="noStrike" cap="none" baseline="0">
         <a:solidFill>
           <a:srgbClr val="000000"/>
         </a:solidFill>
@@ -199,10 +193,9 @@
         <a:ea typeface="Arial"/>
         <a:cs typeface="Arial"/>
         <a:sym typeface="Arial"/>
-        <a:rtl val="0"/>
       </a:defRPr>
     </a:lvl8pPr>
-    <a:lvl9pPr algn="l" rtl="0" marR="0">
+    <a:lvl9pPr marR="0" algn="l" rtl="0">
       <a:lnSpc>
         <a:spcPct val="100000"/>
       </a:lnSpc>
@@ -213,7 +206,7 @@
         <a:spcPts val="0"/>
       </a:spcAft>
       <a:buNone/>
-      <a:defRPr strike="noStrike" u="none" b="0" cap="none" baseline="0" sz="1400" i="0">
+      <a:defRPr sz="1400" b="0" i="0" u="none" strike="noStrike" cap="none" baseline="0">
         <a:solidFill>
           <a:srgbClr val="000000"/>
         </a:solidFill>
@@ -221,7 +214,6 @@
         <a:ea typeface="Arial"/>
         <a:cs typeface="Arial"/>
         <a:sym typeface="Arial"/>
-        <a:rtl val="0"/>
       </a:defRPr>
     </a:lvl9pPr>
   </p:defaultTextStyle>
@@ -229,8 +221,13 @@
 </file>
 
 <file path=ppt/notesMasters/notesMaster1.xml><?xml version="1.0" encoding="utf-8"?>
-<p:notesMaster xmlns:a="http://schemas.openxmlformats.org/drawingml/2006/main" xmlns:r="http://schemas.openxmlformats.org/officeDocument/2006/relationships" xmlns:mc="http://schemas.openxmlformats.org/markup-compatibility/2006" xmlns:mv="urn:schemas-microsoft-com:mac:vml" xmlns:p="http://schemas.openxmlformats.org/presentationml/2006/main" xmlns:c="http://schemas.openxmlformats.org/drawingml/2006/chart" xmlns:dgm="http://schemas.openxmlformats.org/drawingml/2006/diagram" xmlns:o="urn:schemas-microsoft-com:office:office" xmlns:v="urn:schemas-microsoft-com:vml" xmlns:pvml="urn:schemas-microsoft-com:office:powerpoint" xmlns:com="http://schemas.openxmlformats.org/drawingml/2006/compatibility" xmlns:p14="http://schemas.microsoft.com/office/powerpoint/2010/main">
+<p:notesMaster xmlns:a="http://schemas.openxmlformats.org/drawingml/2006/main" xmlns:r="http://schemas.openxmlformats.org/officeDocument/2006/relationships" xmlns:p="http://schemas.openxmlformats.org/presentationml/2006/main">
   <p:cSld>
+    <p:bg>
+      <p:bgRef idx="1001">
+        <a:schemeClr val="bg1"/>
+      </p:bgRef>
+    </p:bg>
     <p:spTree>
       <p:nvGrpSpPr>
         <p:cNvPr id="1" name="Shape 1"/>
@@ -239,39 +236,46 @@
       </p:nvGrpSpPr>
       <p:grpSpPr>
         <a:xfrm>
-          <a:off y="0" x="0"/>
-          <a:ext cy="0" cx="0"/>
-          <a:chOff y="0" x="0"/>
-          <a:chExt cy="0" cx="0"/>
+          <a:off x="0" y="0"/>
+          <a:ext cx="0" cy="0"/>
+          <a:chOff x="0" y="0"/>
+          <a:chExt cx="0" cy="0"/>
         </a:xfrm>
       </p:grpSpPr>
       <p:sp>
         <p:nvSpPr>
           <p:cNvPr id="2" name="Shape 2"/>
-          <p:cNvSpPr/>
+          <p:cNvSpPr>
+            <a:spLocks noGrp="1" noRot="1" noChangeAspect="1"/>
+          </p:cNvSpPr>
           <p:nvPr>
-            <p:ph idx="2" type="sldImg"/>
+            <p:ph type="sldImg" idx="2"/>
           </p:nvPr>
         </p:nvSpPr>
         <p:spPr>
           <a:xfrm>
-            <a:off y="685800" x="381187"/>
-            <a:ext cy="3429000" cx="6096299"/>
+            <a:off x="381187" y="685800"/>
+            <a:ext cx="6096299" cy="3429000"/>
           </a:xfrm>
           <a:custGeom>
+            <a:avLst/>
+            <a:gdLst/>
+            <a:ahLst/>
+            <a:cxnLst/>
+            <a:rect l="0" t="0" r="0" b="0"/>
             <a:pathLst>
-              <a:path w="120000" extrusionOk="0" h="120000">
+              <a:path w="120000" h="120000" extrusionOk="0">
                 <a:moveTo>
-                  <a:pt y="0" x="0"/>
+                  <a:pt x="0" y="0"/>
                 </a:moveTo>
                 <a:lnTo>
-                  <a:pt y="0" x="120000"/>
+                  <a:pt x="120000" y="0"/>
                 </a:lnTo>
                 <a:lnTo>
-                  <a:pt y="120000" x="120000"/>
+                  <a:pt x="120000" y="120000"/>
                 </a:lnTo>
                 <a:lnTo>
-                  <a:pt y="120000" x="0"/>
+                  <a:pt x="0" y="120000"/>
                 </a:lnTo>
                 <a:close/>
               </a:path>
@@ -284,23 +288,25 @@
             </a:solidFill>
             <a:prstDash val="solid"/>
             <a:round/>
-            <a:headEnd w="med" len="med" type="none"/>
-            <a:tailEnd w="med" len="med" type="none"/>
+            <a:headEnd type="none" w="med" len="med"/>
+            <a:tailEnd type="none" w="med" len="med"/>
           </a:ln>
         </p:spPr>
       </p:sp>
       <p:sp>
         <p:nvSpPr>
           <p:cNvPr id="3" name="Shape 3"/>
-          <p:cNvSpPr txBox="1"/>
+          <p:cNvSpPr txBox="1">
+            <a:spLocks noGrp="1"/>
+          </p:cNvSpPr>
           <p:nvPr>
-            <p:ph idx="1" type="body"/>
+            <p:ph type="body" idx="1"/>
           </p:nvPr>
         </p:nvSpPr>
         <p:spPr>
           <a:xfrm>
-            <a:off y="4343400" x="685800"/>
-            <a:ext cy="4114800" cx="5486399"/>
+            <a:off x="685800" y="4343400"/>
+            <a:ext cx="5486399" cy="4114800"/>
           </a:xfrm>
           <a:prstGeom prst="rect">
             <a:avLst/>
@@ -311,7 +317,7 @@
           </a:ln>
         </p:spPr>
         <p:txBody>
-          <a:bodyPr bIns="91425" rIns="91425" lIns="91425" tIns="91425" anchor="t" anchorCtr="0"/>
+          <a:bodyPr lIns="91425" tIns="91425" rIns="91425" bIns="91425" anchor="t" anchorCtr="0"/>
           <a:lstStyle>
             <a:lvl1pPr>
               <a:spcBef>
@@ -368,59 +374,160 @@
               <a:defRPr sz="1100"/>
             </a:lvl9pPr>
           </a:lstStyle>
-          <a:p/>
+          <a:p>
+            <a:endParaRPr/>
+          </a:p>
         </p:txBody>
       </p:sp>
     </p:spTree>
   </p:cSld>
-  <p:clrMap accent2="accent2" accent3="accent3" accent4="accent4" accent5="accent5" accent6="accent6" hlink="hlink" tx2="lt2" tx1="dk1" bg2="dk2" bg1="lt1" folHlink="folHlink" accent1="accent1"/>
+  <p:clrMap bg1="lt1" tx1="dk1" bg2="dk2" tx2="lt2" accent1="accent1" accent2="accent2" accent3="accent3" accent4="accent4" accent5="accent5" accent6="accent6" hlink="hlink" folHlink="folHlink"/>
+  <p:notesStyle>
+    <a:lvl1pPr marL="0" algn="l" defTabSz="914400" rtl="0" eaLnBrk="1" latinLnBrk="0" hangingPunct="1">
+      <a:defRPr sz="1200" kern="1200">
+        <a:solidFill>
+          <a:schemeClr val="tx1"/>
+        </a:solidFill>
+        <a:latin typeface="+mn-lt"/>
+        <a:ea typeface="+mn-ea"/>
+        <a:cs typeface="+mn-cs"/>
+      </a:defRPr>
+    </a:lvl1pPr>
+    <a:lvl2pPr marL="457200" algn="l" defTabSz="914400" rtl="0" eaLnBrk="1" latinLnBrk="0" hangingPunct="1">
+      <a:defRPr sz="1200" kern="1200">
+        <a:solidFill>
+          <a:schemeClr val="tx1"/>
+        </a:solidFill>
+        <a:latin typeface="+mn-lt"/>
+        <a:ea typeface="+mn-ea"/>
+        <a:cs typeface="+mn-cs"/>
+      </a:defRPr>
+    </a:lvl2pPr>
+    <a:lvl3pPr marL="914400" algn="l" defTabSz="914400" rtl="0" eaLnBrk="1" latinLnBrk="0" hangingPunct="1">
+      <a:defRPr sz="1200" kern="1200">
+        <a:solidFill>
+          <a:schemeClr val="tx1"/>
+        </a:solidFill>
+        <a:latin typeface="+mn-lt"/>
+        <a:ea typeface="+mn-ea"/>
+        <a:cs typeface="+mn-cs"/>
+      </a:defRPr>
+    </a:lvl3pPr>
+    <a:lvl4pPr marL="1371600" algn="l" defTabSz="914400" rtl="0" eaLnBrk="1" latinLnBrk="0" hangingPunct="1">
+      <a:defRPr sz="1200" kern="1200">
+        <a:solidFill>
+          <a:schemeClr val="tx1"/>
+        </a:solidFill>
+        <a:latin typeface="+mn-lt"/>
+        <a:ea typeface="+mn-ea"/>
+        <a:cs typeface="+mn-cs"/>
+      </a:defRPr>
+    </a:lvl4pPr>
+    <a:lvl5pPr marL="1828800" algn="l" defTabSz="914400" rtl="0" eaLnBrk="1" latinLnBrk="0" hangingPunct="1">
+      <a:defRPr sz="1200" kern="1200">
+        <a:solidFill>
+          <a:schemeClr val="tx1"/>
+        </a:solidFill>
+        <a:latin typeface="+mn-lt"/>
+        <a:ea typeface="+mn-ea"/>
+        <a:cs typeface="+mn-cs"/>
+      </a:defRPr>
+    </a:lvl5pPr>
+    <a:lvl6pPr marL="2286000" algn="l" defTabSz="914400" rtl="0" eaLnBrk="1" latinLnBrk="0" hangingPunct="1">
+      <a:defRPr sz="1200" kern="1200">
+        <a:solidFill>
+          <a:schemeClr val="tx1"/>
+        </a:solidFill>
+        <a:latin typeface="+mn-lt"/>
+        <a:ea typeface="+mn-ea"/>
+        <a:cs typeface="+mn-cs"/>
+      </a:defRPr>
+    </a:lvl6pPr>
+    <a:lvl7pPr marL="2743200" algn="l" defTabSz="914400" rtl="0" eaLnBrk="1" latinLnBrk="0" hangingPunct="1">
+      <a:defRPr sz="1200" kern="1200">
+        <a:solidFill>
+          <a:schemeClr val="tx1"/>
+        </a:solidFill>
+        <a:latin typeface="+mn-lt"/>
+        <a:ea typeface="+mn-ea"/>
+        <a:cs typeface="+mn-cs"/>
+      </a:defRPr>
+    </a:lvl7pPr>
+    <a:lvl8pPr marL="3200400" algn="l" defTabSz="914400" rtl="0" eaLnBrk="1" latinLnBrk="0" hangingPunct="1">
+      <a:defRPr sz="1200" kern="1200">
+        <a:solidFill>
+          <a:schemeClr val="tx1"/>
+        </a:solidFill>
+        <a:latin typeface="+mn-lt"/>
+        <a:ea typeface="+mn-ea"/>
+        <a:cs typeface="+mn-cs"/>
+      </a:defRPr>
+    </a:lvl8pPr>
+    <a:lvl9pPr marL="3657600" algn="l" defTabSz="914400" rtl="0" eaLnBrk="1" latinLnBrk="0" hangingPunct="1">
+      <a:defRPr sz="1200" kern="1200">
+        <a:solidFill>
+          <a:schemeClr val="tx1"/>
+        </a:solidFill>
+        <a:latin typeface="+mn-lt"/>
+        <a:ea typeface="+mn-ea"/>
+        <a:cs typeface="+mn-cs"/>
+      </a:defRPr>
+    </a:lvl9pPr>
+  </p:notesStyle>
 </p:notesMaster>
 </file>
 
 <file path=ppt/notesSlides/notesSlide1.xml><?xml version="1.0" encoding="utf-8"?>
-<p:notes xmlns:a="http://schemas.openxmlformats.org/drawingml/2006/main" xmlns:r="http://schemas.openxmlformats.org/officeDocument/2006/relationships" xmlns:mc="http://schemas.openxmlformats.org/markup-compatibility/2006" xmlns:mv="urn:schemas-microsoft-com:mac:vml" xmlns:p="http://schemas.openxmlformats.org/presentationml/2006/main" xmlns:c="http://schemas.openxmlformats.org/drawingml/2006/chart" xmlns:dgm="http://schemas.openxmlformats.org/drawingml/2006/diagram" xmlns:o="urn:schemas-microsoft-com:office:office" xmlns:v="urn:schemas-microsoft-com:vml" xmlns:pvml="urn:schemas-microsoft-com:office:powerpoint" xmlns:com="http://schemas.openxmlformats.org/drawingml/2006/compatibility" xmlns:p14="http://schemas.microsoft.com/office/powerpoint/2010/main" showMasterSp="0" showMasterPhAnim="0">
+<p:notes xmlns:a="http://schemas.openxmlformats.org/drawingml/2006/main" xmlns:r="http://schemas.openxmlformats.org/officeDocument/2006/relationships" xmlns:p="http://schemas.openxmlformats.org/presentationml/2006/main" showMasterSp="0" showMasterPhAnim="0">
   <p:cSld>
     <p:spTree>
       <p:nvGrpSpPr>
-        <p:cNvPr id="73" name="Shape 73"/>
+        <p:cNvPr id="1" name="Shape 73"/>
         <p:cNvGrpSpPr/>
         <p:nvPr/>
       </p:nvGrpSpPr>
       <p:grpSpPr>
         <a:xfrm>
-          <a:off y="0" x="0"/>
-          <a:ext cy="0" cx="0"/>
-          <a:chOff y="0" x="0"/>
-          <a:chExt cy="0" cx="0"/>
+          <a:off x="0" y="0"/>
+          <a:ext cx="0" cy="0"/>
+          <a:chOff x="0" y="0"/>
+          <a:chExt cx="0" cy="0"/>
         </a:xfrm>
       </p:grpSpPr>
       <p:sp>
         <p:nvSpPr>
           <p:cNvPr id="74" name="Shape 74"/>
-          <p:cNvSpPr/>
+          <p:cNvSpPr>
+            <a:spLocks noGrp="1" noRot="1" noChangeAspect="1"/>
+          </p:cNvSpPr>
           <p:nvPr>
-            <p:ph idx="2" type="sldImg"/>
+            <p:ph type="sldImg" idx="2"/>
           </p:nvPr>
         </p:nvSpPr>
         <p:spPr>
           <a:xfrm>
-            <a:off y="685800" x="381187"/>
-            <a:ext cy="3429000" cx="6096299"/>
+            <a:off x="381187" y="685800"/>
+            <a:ext cx="6096299" cy="3429000"/>
           </a:xfrm>
           <a:custGeom>
+            <a:avLst/>
+            <a:gdLst/>
+            <a:ahLst/>
+            <a:cxnLst/>
+            <a:rect l="0" t="0" r="0" b="0"/>
             <a:pathLst>
-              <a:path w="120000" extrusionOk="0" h="120000">
+              <a:path w="120000" h="120000" extrusionOk="0">
                 <a:moveTo>
-                  <a:pt y="0" x="0"/>
+                  <a:pt x="0" y="0"/>
                 </a:moveTo>
                 <a:lnTo>
-                  <a:pt y="0" x="120000"/>
+                  <a:pt x="120000" y="0"/>
                 </a:lnTo>
                 <a:lnTo>
-                  <a:pt y="120000" x="120000"/>
+                  <a:pt x="120000" y="120000"/>
                 </a:lnTo>
                 <a:lnTo>
-                  <a:pt y="120000" x="0"/>
+                  <a:pt x="0" y="120000"/>
                 </a:lnTo>
                 <a:close/>
               </a:path>
@@ -433,30 +540,32 @@
             </a:solidFill>
             <a:prstDash val="solid"/>
             <a:round/>
-            <a:headEnd w="med" len="med" type="none"/>
-            <a:tailEnd w="med" len="med" type="none"/>
+            <a:headEnd type="none" w="med" len="med"/>
+            <a:tailEnd type="none" w="med" len="med"/>
           </a:ln>
         </p:spPr>
       </p:sp>
       <p:sp>
         <p:nvSpPr>
           <p:cNvPr id="75" name="Shape 75"/>
-          <p:cNvSpPr txBox="1"/>
+          <p:cNvSpPr txBox="1">
+            <a:spLocks noGrp="1"/>
+          </p:cNvSpPr>
           <p:nvPr>
-            <p:ph idx="1" type="body"/>
+            <p:ph type="body" idx="1"/>
           </p:nvPr>
         </p:nvSpPr>
         <p:spPr>
           <a:xfrm>
-            <a:off y="4343400" x="685800"/>
-            <a:ext cy="4114800" cx="5486399"/>
+            <a:off x="685800" y="4343400"/>
+            <a:ext cx="5486399" cy="4114800"/>
           </a:xfrm>
           <a:prstGeom prst="rect">
             <a:avLst/>
           </a:prstGeom>
         </p:spPr>
         <p:txBody>
-          <a:bodyPr bIns="91425" rIns="91425" lIns="91425" tIns="91425" anchor="t" anchorCtr="0">
+          <a:bodyPr lIns="91425" tIns="91425" rIns="91425" bIns="91425" anchor="t" anchorCtr="0">
             <a:noAutofit/>
           </a:bodyPr>
           <a:lstStyle/>
@@ -467,9 +576,6 @@
               </a:spcBef>
               <a:buNone/>
             </a:pPr>
-            <a:r>
-              <a:t/>
-            </a:r>
             <a:endParaRPr/>
           </a:p>
         </p:txBody>
@@ -483,49 +589,56 @@
 </file>
 
 <file path=ppt/notesSlides/notesSlide2.xml><?xml version="1.0" encoding="utf-8"?>
-<p:notes xmlns:a="http://schemas.openxmlformats.org/drawingml/2006/main" xmlns:r="http://schemas.openxmlformats.org/officeDocument/2006/relationships" xmlns:mc="http://schemas.openxmlformats.org/markup-compatibility/2006" xmlns:mv="urn:schemas-microsoft-com:mac:vml" xmlns:p="http://schemas.openxmlformats.org/presentationml/2006/main" xmlns:c="http://schemas.openxmlformats.org/drawingml/2006/chart" xmlns:dgm="http://schemas.openxmlformats.org/drawingml/2006/diagram" xmlns:o="urn:schemas-microsoft-com:office:office" xmlns:v="urn:schemas-microsoft-com:vml" xmlns:pvml="urn:schemas-microsoft-com:office:powerpoint" xmlns:com="http://schemas.openxmlformats.org/drawingml/2006/compatibility" xmlns:p14="http://schemas.microsoft.com/office/powerpoint/2010/main" showMasterSp="0" showMasterPhAnim="0">
+<p:notes xmlns:a="http://schemas.openxmlformats.org/drawingml/2006/main" xmlns:r="http://schemas.openxmlformats.org/officeDocument/2006/relationships" xmlns:p="http://schemas.openxmlformats.org/presentationml/2006/main" showMasterSp="0" showMasterPhAnim="0">
   <p:cSld>
     <p:spTree>
       <p:nvGrpSpPr>
-        <p:cNvPr id="79" name="Shape 79"/>
+        <p:cNvPr id="1" name="Shape 79"/>
         <p:cNvGrpSpPr/>
         <p:nvPr/>
       </p:nvGrpSpPr>
       <p:grpSpPr>
         <a:xfrm>
-          <a:off y="0" x="0"/>
-          <a:ext cy="0" cx="0"/>
-          <a:chOff y="0" x="0"/>
-          <a:chExt cy="0" cx="0"/>
+          <a:off x="0" y="0"/>
+          <a:ext cx="0" cy="0"/>
+          <a:chOff x="0" y="0"/>
+          <a:chExt cx="0" cy="0"/>
         </a:xfrm>
       </p:grpSpPr>
       <p:sp>
         <p:nvSpPr>
           <p:cNvPr id="80" name="Shape 80"/>
-          <p:cNvSpPr/>
+          <p:cNvSpPr>
+            <a:spLocks noGrp="1" noRot="1" noChangeAspect="1"/>
+          </p:cNvSpPr>
           <p:nvPr>
-            <p:ph idx="2" type="sldImg"/>
+            <p:ph type="sldImg" idx="2"/>
           </p:nvPr>
         </p:nvSpPr>
         <p:spPr>
           <a:xfrm>
-            <a:off y="685800" x="381187"/>
-            <a:ext cy="3429000" cx="6096299"/>
+            <a:off x="381187" y="685800"/>
+            <a:ext cx="6096299" cy="3429000"/>
           </a:xfrm>
           <a:custGeom>
+            <a:avLst/>
+            <a:gdLst/>
+            <a:ahLst/>
+            <a:cxnLst/>
+            <a:rect l="0" t="0" r="0" b="0"/>
             <a:pathLst>
-              <a:path w="120000" extrusionOk="0" h="120000">
+              <a:path w="120000" h="120000" extrusionOk="0">
                 <a:moveTo>
-                  <a:pt y="0" x="0"/>
+                  <a:pt x="0" y="0"/>
                 </a:moveTo>
                 <a:lnTo>
-                  <a:pt y="0" x="120000"/>
+                  <a:pt x="120000" y="0"/>
                 </a:lnTo>
                 <a:lnTo>
-                  <a:pt y="120000" x="120000"/>
+                  <a:pt x="120000" y="120000"/>
                 </a:lnTo>
                 <a:lnTo>
-                  <a:pt y="120000" x="0"/>
+                  <a:pt x="0" y="120000"/>
                 </a:lnTo>
                 <a:close/>
               </a:path>
@@ -538,30 +651,32 @@
             </a:solidFill>
             <a:prstDash val="solid"/>
             <a:round/>
-            <a:headEnd w="med" len="med" type="none"/>
-            <a:tailEnd w="med" len="med" type="none"/>
+            <a:headEnd type="none" w="med" len="med"/>
+            <a:tailEnd type="none" w="med" len="med"/>
           </a:ln>
         </p:spPr>
       </p:sp>
       <p:sp>
         <p:nvSpPr>
           <p:cNvPr id="81" name="Shape 81"/>
-          <p:cNvSpPr txBox="1"/>
+          <p:cNvSpPr txBox="1">
+            <a:spLocks noGrp="1"/>
+          </p:cNvSpPr>
           <p:nvPr>
-            <p:ph idx="1" type="body"/>
+            <p:ph type="body" idx="1"/>
           </p:nvPr>
         </p:nvSpPr>
         <p:spPr>
           <a:xfrm>
-            <a:off y="4343400" x="685800"/>
-            <a:ext cy="4114800" cx="5486399"/>
+            <a:off x="685800" y="4343400"/>
+            <a:ext cx="5486399" cy="4114800"/>
           </a:xfrm>
           <a:prstGeom prst="rect">
             <a:avLst/>
           </a:prstGeom>
         </p:spPr>
         <p:txBody>
-          <a:bodyPr bIns="91425" rIns="91425" lIns="91425" tIns="91425" anchor="t" anchorCtr="0">
+          <a:bodyPr lIns="91425" tIns="91425" rIns="91425" bIns="91425" anchor="t" anchorCtr="0">
             <a:noAutofit/>
           </a:bodyPr>
           <a:lstStyle/>
@@ -572,9 +687,6 @@
               </a:spcBef>
               <a:buNone/>
             </a:pPr>
-            <a:r>
-              <a:t/>
-            </a:r>
             <a:endParaRPr/>
           </a:p>
         </p:txBody>
@@ -588,49 +700,56 @@
 </file>
 
 <file path=ppt/notesSlides/notesSlide3.xml><?xml version="1.0" encoding="utf-8"?>
-<p:notes xmlns:a="http://schemas.openxmlformats.org/drawingml/2006/main" xmlns:r="http://schemas.openxmlformats.org/officeDocument/2006/relationships" xmlns:mc="http://schemas.openxmlformats.org/markup-compatibility/2006" xmlns:mv="urn:schemas-microsoft-com:mac:vml" xmlns:p="http://schemas.openxmlformats.org/presentationml/2006/main" xmlns:c="http://schemas.openxmlformats.org/drawingml/2006/chart" xmlns:dgm="http://schemas.openxmlformats.org/drawingml/2006/diagram" xmlns:o="urn:schemas-microsoft-com:office:office" xmlns:v="urn:schemas-microsoft-com:vml" xmlns:pvml="urn:schemas-microsoft-com:office:powerpoint" xmlns:com="http://schemas.openxmlformats.org/drawingml/2006/compatibility" xmlns:p14="http://schemas.microsoft.com/office/powerpoint/2010/main" showMasterSp="0" showMasterPhAnim="0">
+<p:notes xmlns:a="http://schemas.openxmlformats.org/drawingml/2006/main" xmlns:r="http://schemas.openxmlformats.org/officeDocument/2006/relationships" xmlns:p="http://schemas.openxmlformats.org/presentationml/2006/main" showMasterSp="0" showMasterPhAnim="0">
   <p:cSld>
     <p:spTree>
       <p:nvGrpSpPr>
-        <p:cNvPr id="86" name="Shape 86"/>
+        <p:cNvPr id="1" name="Shape 86"/>
         <p:cNvGrpSpPr/>
         <p:nvPr/>
       </p:nvGrpSpPr>
       <p:grpSpPr>
         <a:xfrm>
-          <a:off y="0" x="0"/>
-          <a:ext cy="0" cx="0"/>
-          <a:chOff y="0" x="0"/>
-          <a:chExt cy="0" cx="0"/>
+          <a:off x="0" y="0"/>
+          <a:ext cx="0" cy="0"/>
+          <a:chOff x="0" y="0"/>
+          <a:chExt cx="0" cy="0"/>
         </a:xfrm>
       </p:grpSpPr>
       <p:sp>
         <p:nvSpPr>
           <p:cNvPr id="87" name="Shape 87"/>
-          <p:cNvSpPr/>
+          <p:cNvSpPr>
+            <a:spLocks noGrp="1" noRot="1" noChangeAspect="1"/>
+          </p:cNvSpPr>
           <p:nvPr>
-            <p:ph idx="2" type="sldImg"/>
+            <p:ph type="sldImg" idx="2"/>
           </p:nvPr>
         </p:nvSpPr>
         <p:spPr>
           <a:xfrm>
-            <a:off y="685800" x="381187"/>
-            <a:ext cy="3429000" cx="6096299"/>
+            <a:off x="381187" y="685800"/>
+            <a:ext cx="6096299" cy="3429000"/>
           </a:xfrm>
           <a:custGeom>
+            <a:avLst/>
+            <a:gdLst/>
+            <a:ahLst/>
+            <a:cxnLst/>
+            <a:rect l="0" t="0" r="0" b="0"/>
             <a:pathLst>
-              <a:path w="120000" extrusionOk="0" h="120000">
+              <a:path w="120000" h="120000" extrusionOk="0">
                 <a:moveTo>
-                  <a:pt y="0" x="0"/>
+                  <a:pt x="0" y="0"/>
                 </a:moveTo>
                 <a:lnTo>
-                  <a:pt y="0" x="120000"/>
+                  <a:pt x="120000" y="0"/>
                 </a:lnTo>
                 <a:lnTo>
-                  <a:pt y="120000" x="120000"/>
+                  <a:pt x="120000" y="120000"/>
                 </a:lnTo>
                 <a:lnTo>
-                  <a:pt y="120000" x="0"/>
+                  <a:pt x="0" y="120000"/>
                 </a:lnTo>
                 <a:close/>
               </a:path>
@@ -643,30 +762,32 @@
             </a:solidFill>
             <a:prstDash val="solid"/>
             <a:round/>
-            <a:headEnd w="med" len="med" type="none"/>
-            <a:tailEnd w="med" len="med" type="none"/>
+            <a:headEnd type="none" w="med" len="med"/>
+            <a:tailEnd type="none" w="med" len="med"/>
           </a:ln>
         </p:spPr>
       </p:sp>
       <p:sp>
         <p:nvSpPr>
           <p:cNvPr id="88" name="Shape 88"/>
-          <p:cNvSpPr txBox="1"/>
+          <p:cNvSpPr txBox="1">
+            <a:spLocks noGrp="1"/>
+          </p:cNvSpPr>
           <p:nvPr>
-            <p:ph idx="1" type="body"/>
+            <p:ph type="body" idx="1"/>
           </p:nvPr>
         </p:nvSpPr>
         <p:spPr>
           <a:xfrm>
-            <a:off y="4343400" x="685800"/>
-            <a:ext cy="4114800" cx="5486399"/>
+            <a:off x="685800" y="4343400"/>
+            <a:ext cx="5486399" cy="4114800"/>
           </a:xfrm>
           <a:prstGeom prst="rect">
             <a:avLst/>
           </a:prstGeom>
         </p:spPr>
         <p:txBody>
-          <a:bodyPr bIns="91425" rIns="91425" lIns="91425" tIns="91425" anchor="t" anchorCtr="0">
+          <a:bodyPr lIns="91425" tIns="91425" rIns="91425" bIns="91425" anchor="t" anchorCtr="0">
             <a:noAutofit/>
           </a:bodyPr>
           <a:lstStyle/>
@@ -677,9 +798,6 @@
               </a:spcBef>
               <a:buNone/>
             </a:pPr>
-            <a:r>
-              <a:t/>
-            </a:r>
             <a:endParaRPr/>
           </a:p>
         </p:txBody>
@@ -693,20 +811,20 @@
 </file>
 
 <file path=ppt/slideLayouts/slideLayout1.xml><?xml version="1.0" encoding="utf-8"?>
-<p:sldLayout xmlns:a="http://schemas.openxmlformats.org/drawingml/2006/main" xmlns:r="http://schemas.openxmlformats.org/officeDocument/2006/relationships" xmlns:mc="http://schemas.openxmlformats.org/markup-compatibility/2006" xmlns:mv="urn:schemas-microsoft-com:mac:vml" xmlns:p="http://schemas.openxmlformats.org/presentationml/2006/main" xmlns:c="http://schemas.openxmlformats.org/drawingml/2006/chart" xmlns:dgm="http://schemas.openxmlformats.org/drawingml/2006/diagram" xmlns:o="urn:schemas-microsoft-com:office:office" xmlns:v="urn:schemas-microsoft-com:vml" xmlns:pvml="urn:schemas-microsoft-com:office:powerpoint" xmlns:com="http://schemas.openxmlformats.org/drawingml/2006/compatibility" xmlns:p14="http://schemas.microsoft.com/office/powerpoint/2010/main" type="title">
+<p:sldLayout xmlns:a="http://schemas.openxmlformats.org/drawingml/2006/main" xmlns:r="http://schemas.openxmlformats.org/officeDocument/2006/relationships" xmlns:p="http://schemas.openxmlformats.org/presentationml/2006/main" type="title">
   <p:cSld name="Title Slide">
     <p:spTree>
       <p:nvGrpSpPr>
-        <p:cNvPr id="7" name="Shape 7"/>
+        <p:cNvPr id="1" name="Shape 7"/>
         <p:cNvGrpSpPr/>
         <p:nvPr/>
       </p:nvGrpSpPr>
       <p:grpSpPr>
         <a:xfrm>
-          <a:off y="0" x="0"/>
-          <a:ext cy="0" cx="0"/>
-          <a:chOff y="0" x="0"/>
-          <a:chExt cy="0" cx="0"/>
+          <a:off x="0" y="0"/>
+          <a:ext cx="0" cy="0"/>
+          <a:chOff x="0" y="0"/>
+          <a:chExt cx="0" cy="0"/>
         </a:xfrm>
       </p:grpSpPr>
       <p:sp>
@@ -717,8 +835,8 @@
         </p:nvSpPr>
         <p:spPr>
           <a:xfrm>
-            <a:off y="1200150" x="0"/>
-            <a:ext cy="2743199" cx="9144000"/>
+            <a:off x="0" y="1200150"/>
+            <a:ext cx="9144000" cy="2743199"/>
           </a:xfrm>
           <a:prstGeom prst="rect">
             <a:avLst/>
@@ -733,7 +851,7 @@
           </a:ln>
         </p:spPr>
         <p:txBody>
-          <a:bodyPr bIns="45700" rIns="91425" lIns="91425" tIns="45700" anchor="ctr" anchorCtr="0">
+          <a:bodyPr lIns="91425" tIns="45700" rIns="91425" bIns="45700" anchor="ctr" anchorCtr="0">
             <a:noAutofit/>
           </a:bodyPr>
           <a:lstStyle/>
@@ -744,9 +862,6 @@
               </a:spcBef>
               <a:buNone/>
             </a:pPr>
-            <a:r>
-              <a:t/>
-            </a:r>
             <a:endParaRPr/>
           </a:p>
         </p:txBody>
@@ -759,10 +874,10 @@
         </p:nvGrpSpPr>
         <p:grpSpPr>
           <a:xfrm>
-            <a:off y="-1078" x="0"/>
-            <a:ext cy="5144627" cx="1827407"/>
-            <a:chOff y="-1438" x="0"/>
-            <a:chExt cy="6859503" cx="798029"/>
+            <a:off x="0" y="-1078"/>
+            <a:ext cx="1827407" cy="5144627"/>
+            <a:chOff x="0" y="-1438"/>
+            <a:chExt cx="798029" cy="6859503"/>
           </a:xfrm>
         </p:grpSpPr>
         <p:sp>
@@ -773,26 +888,31 @@
           </p:nvSpPr>
           <p:spPr>
             <a:xfrm>
-              <a:off y="-1438" x="0"/>
-              <a:ext cy="6858065" cx="798029"/>
+              <a:off x="0" y="-1438"/>
+              <a:ext cx="798029" cy="6858065"/>
             </a:xfrm>
             <a:custGeom>
+              <a:avLst/>
+              <a:gdLst/>
+              <a:ahLst/>
+              <a:cxnLst/>
+              <a:rect l="0" t="0" r="0" b="0"/>
               <a:pathLst>
-                <a:path w="500332" extrusionOk="0" h="6875253">
+                <a:path w="500332" h="6875253" extrusionOk="0">
                   <a:moveTo>
-                    <a:pt y="0" x="0"/>
+                    <a:pt x="0" y="0"/>
                   </a:moveTo>
                   <a:lnTo>
-                    <a:pt y="0" x="500332"/>
-                  </a:lnTo>
-                  <a:lnTo>
-                    <a:pt y="6875253" x="301925"/>
-                  </a:lnTo>
-                  <a:lnTo>
-                    <a:pt y="6875253" x="0"/>
-                  </a:lnTo>
-                  <a:lnTo>
-                    <a:pt y="0" x="0"/>
+                    <a:pt x="500332" y="0"/>
+                  </a:lnTo>
+                  <a:lnTo>
+                    <a:pt x="301925" y="6875253"/>
+                  </a:lnTo>
+                  <a:lnTo>
+                    <a:pt x="0" y="6875253"/>
+                  </a:lnTo>
+                  <a:lnTo>
+                    <a:pt x="0" y="0"/>
                   </a:lnTo>
                   <a:close/>
                 </a:path>
@@ -808,7 +928,7 @@
             </a:ln>
           </p:spPr>
           <p:txBody>
-            <a:bodyPr bIns="45700" rIns="91425" lIns="91425" tIns="45700" anchor="ctr" anchorCtr="0">
+            <a:bodyPr lIns="91425" tIns="45700" rIns="91425" bIns="45700" anchor="ctr" anchorCtr="0">
               <a:noAutofit/>
             </a:bodyPr>
             <a:lstStyle/>
@@ -819,9 +939,6 @@
                 </a:spcBef>
                 <a:buNone/>
               </a:pPr>
-              <a:r>
-                <a:t/>
-              </a:r>
               <a:endParaRPr/>
             </a:p>
           </p:txBody>
@@ -834,26 +951,31 @@
           </p:nvSpPr>
           <p:spPr>
             <a:xfrm>
-              <a:off y="0" x="0"/>
-              <a:ext cy="6858065" cx="399014"/>
+              <a:off x="0" y="0"/>
+              <a:ext cx="399014" cy="6858065"/>
             </a:xfrm>
             <a:custGeom>
+              <a:avLst/>
+              <a:gdLst/>
+              <a:ahLst/>
+              <a:cxnLst/>
+              <a:rect l="0" t="0" r="0" b="0"/>
               <a:pathLst>
-                <a:path w="500332" extrusionOk="0" h="6875253">
+                <a:path w="500332" h="6875253" extrusionOk="0">
                   <a:moveTo>
-                    <a:pt y="0" x="0"/>
+                    <a:pt x="0" y="0"/>
                   </a:moveTo>
                   <a:lnTo>
-                    <a:pt y="0" x="500332"/>
-                  </a:lnTo>
-                  <a:lnTo>
-                    <a:pt y="6875253" x="301925"/>
-                  </a:lnTo>
-                  <a:lnTo>
-                    <a:pt y="6875253" x="0"/>
-                  </a:lnTo>
-                  <a:lnTo>
-                    <a:pt y="0" x="0"/>
+                    <a:pt x="500332" y="0"/>
+                  </a:lnTo>
+                  <a:lnTo>
+                    <a:pt x="301925" y="6875253"/>
+                  </a:lnTo>
+                  <a:lnTo>
+                    <a:pt x="0" y="6875253"/>
+                  </a:lnTo>
+                  <a:lnTo>
+                    <a:pt x="0" y="0"/>
                   </a:lnTo>
                   <a:close/>
                 </a:path>
@@ -869,7 +991,7 @@
             </a:ln>
           </p:spPr>
           <p:txBody>
-            <a:bodyPr bIns="45700" rIns="91425" lIns="91425" tIns="45700" anchor="ctr" anchorCtr="0">
+            <a:bodyPr lIns="91425" tIns="45700" rIns="91425" bIns="45700" anchor="ctr" anchorCtr="0">
               <a:noAutofit/>
             </a:bodyPr>
             <a:lstStyle/>
@@ -880,9 +1002,6 @@
                 </a:spcBef>
                 <a:buNone/>
               </a:pPr>
-              <a:r>
-                <a:t/>
-              </a:r>
               <a:endParaRPr/>
             </a:p>
           </p:txBody>
@@ -896,10 +1015,10 @@
         </p:nvGrpSpPr>
         <p:grpSpPr>
           <a:xfrm flipH="1">
-            <a:off y="0" x="7316591"/>
-            <a:ext cy="5144627" cx="1827407"/>
-            <a:chOff y="-1438" x="0"/>
-            <a:chExt cy="6859503" cx="798029"/>
+            <a:off x="7316591" y="0"/>
+            <a:ext cx="1827407" cy="5144627"/>
+            <a:chOff x="0" y="-1438"/>
+            <a:chExt cx="798029" cy="6859503"/>
           </a:xfrm>
         </p:grpSpPr>
         <p:sp>
@@ -910,26 +1029,31 @@
           </p:nvSpPr>
           <p:spPr>
             <a:xfrm>
-              <a:off y="-1438" x="0"/>
-              <a:ext cy="6858065" cx="798029"/>
+              <a:off x="0" y="-1438"/>
+              <a:ext cx="798029" cy="6858065"/>
             </a:xfrm>
             <a:custGeom>
+              <a:avLst/>
+              <a:gdLst/>
+              <a:ahLst/>
+              <a:cxnLst/>
+              <a:rect l="0" t="0" r="0" b="0"/>
               <a:pathLst>
-                <a:path w="500332" extrusionOk="0" h="6875253">
+                <a:path w="500332" h="6875253" extrusionOk="0">
                   <a:moveTo>
-                    <a:pt y="0" x="0"/>
+                    <a:pt x="0" y="0"/>
                   </a:moveTo>
                   <a:lnTo>
-                    <a:pt y="0" x="500332"/>
-                  </a:lnTo>
-                  <a:lnTo>
-                    <a:pt y="6875253" x="301925"/>
-                  </a:lnTo>
-                  <a:lnTo>
-                    <a:pt y="6875253" x="0"/>
-                  </a:lnTo>
-                  <a:lnTo>
-                    <a:pt y="0" x="0"/>
+                    <a:pt x="500332" y="0"/>
+                  </a:lnTo>
+                  <a:lnTo>
+                    <a:pt x="301925" y="6875253"/>
+                  </a:lnTo>
+                  <a:lnTo>
+                    <a:pt x="0" y="6875253"/>
+                  </a:lnTo>
+                  <a:lnTo>
+                    <a:pt x="0" y="0"/>
                   </a:lnTo>
                   <a:close/>
                 </a:path>
@@ -945,7 +1069,7 @@
             </a:ln>
           </p:spPr>
           <p:txBody>
-            <a:bodyPr bIns="45700" rIns="91425" lIns="91425" tIns="45700" anchor="ctr" anchorCtr="0">
+            <a:bodyPr lIns="91425" tIns="45700" rIns="91425" bIns="45700" anchor="ctr" anchorCtr="0">
               <a:noAutofit/>
             </a:bodyPr>
             <a:lstStyle/>
@@ -956,9 +1080,6 @@
                 </a:spcBef>
                 <a:buNone/>
               </a:pPr>
-              <a:r>
-                <a:t/>
-              </a:r>
               <a:endParaRPr/>
             </a:p>
           </p:txBody>
@@ -971,26 +1092,31 @@
           </p:nvSpPr>
           <p:spPr>
             <a:xfrm>
-              <a:off y="0" x="0"/>
-              <a:ext cy="6858065" cx="399014"/>
+              <a:off x="0" y="0"/>
+              <a:ext cx="399014" cy="6858065"/>
             </a:xfrm>
             <a:custGeom>
+              <a:avLst/>
+              <a:gdLst/>
+              <a:ahLst/>
+              <a:cxnLst/>
+              <a:rect l="0" t="0" r="0" b="0"/>
               <a:pathLst>
-                <a:path w="500332" extrusionOk="0" h="6875253">
+                <a:path w="500332" h="6875253" extrusionOk="0">
                   <a:moveTo>
-                    <a:pt y="0" x="0"/>
+                    <a:pt x="0" y="0"/>
                   </a:moveTo>
                   <a:lnTo>
-                    <a:pt y="0" x="500332"/>
-                  </a:lnTo>
-                  <a:lnTo>
-                    <a:pt y="6875253" x="301925"/>
-                  </a:lnTo>
-                  <a:lnTo>
-                    <a:pt y="6875253" x="0"/>
-                  </a:lnTo>
-                  <a:lnTo>
-                    <a:pt y="0" x="0"/>
+                    <a:pt x="500332" y="0"/>
+                  </a:lnTo>
+                  <a:lnTo>
+                    <a:pt x="301925" y="6875253"/>
+                  </a:lnTo>
+                  <a:lnTo>
+                    <a:pt x="0" y="6875253"/>
+                  </a:lnTo>
+                  <a:lnTo>
+                    <a:pt x="0" y="0"/>
                   </a:lnTo>
                   <a:close/>
                 </a:path>
@@ -1006,7 +1132,7 @@
             </a:ln>
           </p:spPr>
           <p:txBody>
-            <a:bodyPr bIns="45700" rIns="91425" lIns="91425" tIns="45700" anchor="ctr" anchorCtr="0">
+            <a:bodyPr lIns="91425" tIns="45700" rIns="91425" bIns="45700" anchor="ctr" anchorCtr="0">
               <a:noAutofit/>
             </a:bodyPr>
             <a:lstStyle/>
@@ -1017,9 +1143,6 @@
                 </a:spcBef>
                 <a:buNone/>
               </a:pPr>
-              <a:r>
-                <a:t/>
-              </a:r>
               <a:endParaRPr/>
             </a:p>
           </p:txBody>
@@ -1028,22 +1151,24 @@
       <p:sp>
         <p:nvSpPr>
           <p:cNvPr id="15" name="Shape 15"/>
-          <p:cNvSpPr txBox="1"/>
+          <p:cNvSpPr txBox="1">
+            <a:spLocks noGrp="1"/>
+          </p:cNvSpPr>
           <p:nvPr>
             <p:ph type="ctrTitle"/>
           </p:nvPr>
         </p:nvSpPr>
         <p:spPr>
           <a:xfrm>
-            <a:off y="1568184" x="685800"/>
-            <a:ext cy="1238099" cx="7772400"/>
+            <a:off x="685800" y="1568184"/>
+            <a:ext cx="7772400" cy="1238099"/>
           </a:xfrm>
           <a:prstGeom prst="rect">
             <a:avLst/>
           </a:prstGeom>
         </p:spPr>
         <p:txBody>
-          <a:bodyPr bIns="91425" rIns="91425" lIns="91425" tIns="91425" anchor="b" anchorCtr="0"/>
+          <a:bodyPr lIns="91425" tIns="91425" rIns="91425" bIns="91425" anchor="b" anchorCtr="0"/>
           <a:lstStyle>
             <a:lvl1pPr algn="ctr">
               <a:spcBef>
@@ -1109,28 +1234,32 @@
               <a:defRPr sz="4800"/>
             </a:lvl9pPr>
           </a:lstStyle>
-          <a:p/>
+          <a:p>
+            <a:endParaRPr/>
+          </a:p>
         </p:txBody>
       </p:sp>
       <p:sp>
         <p:nvSpPr>
           <p:cNvPr id="16" name="Shape 16"/>
-          <p:cNvSpPr txBox="1"/>
+          <p:cNvSpPr txBox="1">
+            <a:spLocks noGrp="1"/>
+          </p:cNvSpPr>
           <p:nvPr>
-            <p:ph idx="1" type="subTitle"/>
+            <p:ph type="subTitle" idx="1"/>
           </p:nvPr>
         </p:nvSpPr>
         <p:spPr>
           <a:xfrm>
-            <a:off y="2914650" x="685800"/>
-            <a:ext cy="658500" cx="7772400"/>
+            <a:off x="685800" y="2914650"/>
+            <a:ext cx="7772400" cy="658500"/>
           </a:xfrm>
           <a:prstGeom prst="rect">
             <a:avLst/>
           </a:prstGeom>
         </p:spPr>
         <p:txBody>
-          <a:bodyPr bIns="91425" rIns="91425" lIns="91425" tIns="91425" anchor="t" anchorCtr="0"/>
+          <a:bodyPr lIns="91425" tIns="91425" rIns="91425" bIns="91425" anchor="t" anchorCtr="0"/>
           <a:lstStyle>
             <a:lvl1pPr algn="ctr">
               <a:spcBef>
@@ -1266,7 +1395,9 @@
               </a:defRPr>
             </a:lvl9pPr>
           </a:lstStyle>
-          <a:p/>
+          <a:p>
+            <a:endParaRPr/>
+          </a:p>
         </p:txBody>
       </p:sp>
     </p:spTree>
@@ -1278,20 +1409,20 @@
 </file>
 
 <file path=ppt/slideLayouts/slideLayout2.xml><?xml version="1.0" encoding="utf-8"?>
-<p:sldLayout xmlns:a="http://schemas.openxmlformats.org/drawingml/2006/main" xmlns:r="http://schemas.openxmlformats.org/officeDocument/2006/relationships" xmlns:mc="http://schemas.openxmlformats.org/markup-compatibility/2006" xmlns:mv="urn:schemas-microsoft-com:mac:vml" xmlns:p="http://schemas.openxmlformats.org/presentationml/2006/main" xmlns:c="http://schemas.openxmlformats.org/drawingml/2006/chart" xmlns:dgm="http://schemas.openxmlformats.org/drawingml/2006/diagram" xmlns:o="urn:schemas-microsoft-com:office:office" xmlns:v="urn:schemas-microsoft-com:vml" xmlns:pvml="urn:schemas-microsoft-com:office:powerpoint" xmlns:com="http://schemas.openxmlformats.org/drawingml/2006/compatibility" xmlns:p14="http://schemas.microsoft.com/office/powerpoint/2010/main" type="tx">
+<p:sldLayout xmlns:a="http://schemas.openxmlformats.org/drawingml/2006/main" xmlns:r="http://schemas.openxmlformats.org/officeDocument/2006/relationships" xmlns:p="http://schemas.openxmlformats.org/presentationml/2006/main" type="tx">
   <p:cSld name="Title and Body">
     <p:spTree>
       <p:nvGrpSpPr>
-        <p:cNvPr id="17" name="Shape 17"/>
+        <p:cNvPr id="1" name="Shape 17"/>
         <p:cNvGrpSpPr/>
         <p:nvPr/>
       </p:nvGrpSpPr>
       <p:grpSpPr>
         <a:xfrm>
-          <a:off y="0" x="0"/>
-          <a:ext cy="0" cx="0"/>
-          <a:chOff y="0" x="0"/>
-          <a:chExt cy="0" cx="0"/>
+          <a:off x="0" y="0"/>
+          <a:ext cx="0" cy="0"/>
+          <a:chOff x="0" y="0"/>
+          <a:chExt cx="0" cy="0"/>
         </a:xfrm>
       </p:grpSpPr>
       <p:sp>
@@ -1302,8 +1433,8 @@
         </p:nvSpPr>
         <p:spPr>
           <a:xfrm>
-            <a:off y="-1078" x="0"/>
-            <a:ext cy="1144199" cx="9144000"/>
+            <a:off x="0" y="-1078"/>
+            <a:ext cx="9144000" cy="1144199"/>
           </a:xfrm>
           <a:prstGeom prst="rect">
             <a:avLst/>
@@ -1318,7 +1449,7 @@
           </a:ln>
         </p:spPr>
         <p:txBody>
-          <a:bodyPr bIns="45700" rIns="91425" lIns="91425" tIns="45700" anchor="ctr" anchorCtr="0">
+          <a:bodyPr lIns="91425" tIns="45700" rIns="91425" bIns="45700" anchor="ctr" anchorCtr="0">
             <a:noAutofit/>
           </a:bodyPr>
           <a:lstStyle/>
@@ -1329,9 +1460,6 @@
               </a:spcBef>
               <a:buNone/>
             </a:pPr>
-            <a:r>
-              <a:t/>
-            </a:r>
             <a:endParaRPr/>
           </a:p>
         </p:txBody>
@@ -1344,10 +1472,10 @@
         </p:nvGrpSpPr>
         <p:grpSpPr>
           <a:xfrm>
-            <a:off y="-1078" x="0"/>
-            <a:ext cy="5144627" cx="649180"/>
-            <a:chOff y="-1438" x="0"/>
-            <a:chExt cy="6859503" cx="649180"/>
+            <a:off x="0" y="-1078"/>
+            <a:ext cx="649180" cy="5144627"/>
+            <a:chOff x="0" y="-1438"/>
+            <a:chExt cx="649180" cy="6859503"/>
           </a:xfrm>
         </p:grpSpPr>
         <p:sp>
@@ -1358,26 +1486,31 @@
           </p:nvSpPr>
           <p:spPr>
             <a:xfrm>
-              <a:off y="-1438" x="0"/>
-              <a:ext cy="6858065" cx="649180"/>
+              <a:off x="0" y="-1438"/>
+              <a:ext cx="649180" cy="6858065"/>
             </a:xfrm>
             <a:custGeom>
+              <a:avLst/>
+              <a:gdLst/>
+              <a:ahLst/>
+              <a:cxnLst/>
+              <a:rect l="0" t="0" r="0" b="0"/>
               <a:pathLst>
-                <a:path w="500332" extrusionOk="0" h="6875253">
+                <a:path w="500332" h="6875253" extrusionOk="0">
                   <a:moveTo>
-                    <a:pt y="0" x="0"/>
+                    <a:pt x="0" y="0"/>
                   </a:moveTo>
                   <a:lnTo>
-                    <a:pt y="0" x="500332"/>
-                  </a:lnTo>
-                  <a:lnTo>
-                    <a:pt y="6875253" x="301925"/>
-                  </a:lnTo>
-                  <a:lnTo>
-                    <a:pt y="6875253" x="0"/>
-                  </a:lnTo>
-                  <a:lnTo>
-                    <a:pt y="0" x="0"/>
+                    <a:pt x="500332" y="0"/>
+                  </a:lnTo>
+                  <a:lnTo>
+                    <a:pt x="301925" y="6875253"/>
+                  </a:lnTo>
+                  <a:lnTo>
+                    <a:pt x="0" y="6875253"/>
+                  </a:lnTo>
+                  <a:lnTo>
+                    <a:pt x="0" y="0"/>
                   </a:lnTo>
                   <a:close/>
                 </a:path>
@@ -1393,7 +1526,7 @@
             </a:ln>
           </p:spPr>
           <p:txBody>
-            <a:bodyPr bIns="45700" rIns="91425" lIns="91425" tIns="45700" anchor="ctr" anchorCtr="0">
+            <a:bodyPr lIns="91425" tIns="45700" rIns="91425" bIns="45700" anchor="ctr" anchorCtr="0">
               <a:noAutofit/>
             </a:bodyPr>
             <a:lstStyle/>
@@ -1404,9 +1537,6 @@
                 </a:spcBef>
                 <a:buNone/>
               </a:pPr>
-              <a:r>
-                <a:t/>
-              </a:r>
               <a:endParaRPr/>
             </a:p>
           </p:txBody>
@@ -1419,26 +1549,31 @@
           </p:nvSpPr>
           <p:spPr>
             <a:xfrm>
-              <a:off y="0" x="0"/>
-              <a:ext cy="6858065" cx="500331"/>
+              <a:off x="0" y="0"/>
+              <a:ext cx="500331" cy="6858065"/>
             </a:xfrm>
             <a:custGeom>
+              <a:avLst/>
+              <a:gdLst/>
+              <a:ahLst/>
+              <a:cxnLst/>
+              <a:rect l="0" t="0" r="0" b="0"/>
               <a:pathLst>
-                <a:path w="500332" extrusionOk="0" h="6875253">
+                <a:path w="500332" h="6875253" extrusionOk="0">
                   <a:moveTo>
-                    <a:pt y="0" x="0"/>
+                    <a:pt x="0" y="0"/>
                   </a:moveTo>
                   <a:lnTo>
-                    <a:pt y="0" x="500332"/>
-                  </a:lnTo>
-                  <a:lnTo>
-                    <a:pt y="6875253" x="301925"/>
-                  </a:lnTo>
-                  <a:lnTo>
-                    <a:pt y="6875253" x="0"/>
-                  </a:lnTo>
-                  <a:lnTo>
-                    <a:pt y="0" x="0"/>
+                    <a:pt x="500332" y="0"/>
+                  </a:lnTo>
+                  <a:lnTo>
+                    <a:pt x="301925" y="6875253"/>
+                  </a:lnTo>
+                  <a:lnTo>
+                    <a:pt x="0" y="6875253"/>
+                  </a:lnTo>
+                  <a:lnTo>
+                    <a:pt x="0" y="0"/>
                   </a:lnTo>
                   <a:close/>
                 </a:path>
@@ -1454,7 +1589,7 @@
             </a:ln>
           </p:spPr>
           <p:txBody>
-            <a:bodyPr bIns="45700" rIns="91425" lIns="91425" tIns="45700" anchor="ctr" anchorCtr="0">
+            <a:bodyPr lIns="91425" tIns="45700" rIns="91425" bIns="45700" anchor="ctr" anchorCtr="0">
               <a:noAutofit/>
             </a:bodyPr>
             <a:lstStyle/>
@@ -1465,9 +1600,6 @@
                 </a:spcBef>
                 <a:buNone/>
               </a:pPr>
-              <a:r>
-                <a:t/>
-              </a:r>
               <a:endParaRPr/>
             </a:p>
           </p:txBody>
@@ -1481,10 +1613,10 @@
         </p:nvGrpSpPr>
         <p:grpSpPr>
           <a:xfrm flipH="1">
-            <a:off y="0" x="8494493"/>
-            <a:ext cy="5144627" cx="649180"/>
-            <a:chOff y="-1438" x="0"/>
-            <a:chExt cy="6859503" cx="649180"/>
+            <a:off x="8494493" y="0"/>
+            <a:ext cx="649180" cy="5144627"/>
+            <a:chOff x="0" y="-1438"/>
+            <a:chExt cx="649180" cy="6859503"/>
           </a:xfrm>
         </p:grpSpPr>
         <p:sp>
@@ -1495,26 +1627,31 @@
           </p:nvSpPr>
           <p:spPr>
             <a:xfrm>
-              <a:off y="-1438" x="0"/>
-              <a:ext cy="6858065" cx="649180"/>
+              <a:off x="0" y="-1438"/>
+              <a:ext cx="649180" cy="6858065"/>
             </a:xfrm>
             <a:custGeom>
+              <a:avLst/>
+              <a:gdLst/>
+              <a:ahLst/>
+              <a:cxnLst/>
+              <a:rect l="0" t="0" r="0" b="0"/>
               <a:pathLst>
-                <a:path w="500332" extrusionOk="0" h="6875253">
+                <a:path w="500332" h="6875253" extrusionOk="0">
                   <a:moveTo>
-                    <a:pt y="0" x="0"/>
+                    <a:pt x="0" y="0"/>
                   </a:moveTo>
                   <a:lnTo>
-                    <a:pt y="0" x="500332"/>
-                  </a:lnTo>
-                  <a:lnTo>
-                    <a:pt y="6875253" x="301925"/>
-                  </a:lnTo>
-                  <a:lnTo>
-                    <a:pt y="6875253" x="0"/>
-                  </a:lnTo>
-                  <a:lnTo>
-                    <a:pt y="0" x="0"/>
+                    <a:pt x="500332" y="0"/>
+                  </a:lnTo>
+                  <a:lnTo>
+                    <a:pt x="301925" y="6875253"/>
+                  </a:lnTo>
+                  <a:lnTo>
+                    <a:pt x="0" y="6875253"/>
+                  </a:lnTo>
+                  <a:lnTo>
+                    <a:pt x="0" y="0"/>
                   </a:lnTo>
                   <a:close/>
                 </a:path>
@@ -1530,7 +1667,7 @@
             </a:ln>
           </p:spPr>
           <p:txBody>
-            <a:bodyPr bIns="45700" rIns="91425" lIns="91425" tIns="45700" anchor="ctr" anchorCtr="0">
+            <a:bodyPr lIns="91425" tIns="45700" rIns="91425" bIns="45700" anchor="ctr" anchorCtr="0">
               <a:noAutofit/>
             </a:bodyPr>
             <a:lstStyle/>
@@ -1541,9 +1678,6 @@
                 </a:spcBef>
                 <a:buNone/>
               </a:pPr>
-              <a:r>
-                <a:t/>
-              </a:r>
               <a:endParaRPr/>
             </a:p>
           </p:txBody>
@@ -1556,26 +1690,31 @@
           </p:nvSpPr>
           <p:spPr>
             <a:xfrm>
-              <a:off y="0" x="0"/>
-              <a:ext cy="6858065" cx="500331"/>
+              <a:off x="0" y="0"/>
+              <a:ext cx="500331" cy="6858065"/>
             </a:xfrm>
             <a:custGeom>
+              <a:avLst/>
+              <a:gdLst/>
+              <a:ahLst/>
+              <a:cxnLst/>
+              <a:rect l="0" t="0" r="0" b="0"/>
               <a:pathLst>
-                <a:path w="500332" extrusionOk="0" h="6875253">
+                <a:path w="500332" h="6875253" extrusionOk="0">
                   <a:moveTo>
-                    <a:pt y="0" x="0"/>
+                    <a:pt x="0" y="0"/>
                   </a:moveTo>
                   <a:lnTo>
-                    <a:pt y="0" x="500332"/>
-                  </a:lnTo>
-                  <a:lnTo>
-                    <a:pt y="6875253" x="301925"/>
-                  </a:lnTo>
-                  <a:lnTo>
-                    <a:pt y="6875253" x="0"/>
-                  </a:lnTo>
-                  <a:lnTo>
-                    <a:pt y="0" x="0"/>
+                    <a:pt x="500332" y="0"/>
+                  </a:lnTo>
+                  <a:lnTo>
+                    <a:pt x="301925" y="6875253"/>
+                  </a:lnTo>
+                  <a:lnTo>
+                    <a:pt x="0" y="6875253"/>
+                  </a:lnTo>
+                  <a:lnTo>
+                    <a:pt x="0" y="0"/>
                   </a:lnTo>
                   <a:close/>
                 </a:path>
@@ -1591,7 +1730,7 @@
             </a:ln>
           </p:spPr>
           <p:txBody>
-            <a:bodyPr bIns="45700" rIns="91425" lIns="91425" tIns="45700" anchor="ctr" anchorCtr="0">
+            <a:bodyPr lIns="91425" tIns="45700" rIns="91425" bIns="45700" anchor="ctr" anchorCtr="0">
               <a:noAutofit/>
             </a:bodyPr>
             <a:lstStyle/>
@@ -1602,9 +1741,6 @@
                 </a:spcBef>
                 <a:buNone/>
               </a:pPr>
-              <a:r>
-                <a:t/>
-              </a:r>
               <a:endParaRPr/>
             </a:p>
           </p:txBody>
@@ -1618,8 +1754,8 @@
         </p:nvSpPr>
         <p:spPr>
           <a:xfrm>
-            <a:off y="4743450" x="0"/>
-            <a:ext cy="401099" cx="9144000"/>
+            <a:off x="0" y="4743450"/>
+            <a:ext cx="9144000" cy="401099"/>
           </a:xfrm>
           <a:prstGeom prst="rect">
             <a:avLst/>
@@ -1634,7 +1770,7 @@
           </a:ln>
         </p:spPr>
         <p:txBody>
-          <a:bodyPr bIns="45700" rIns="91425" lIns="91425" tIns="45700" anchor="ctr" anchorCtr="0">
+          <a:bodyPr lIns="91425" tIns="45700" rIns="91425" bIns="45700" anchor="ctr" anchorCtr="0">
             <a:noAutofit/>
           </a:bodyPr>
           <a:lstStyle/>
@@ -1645,9 +1781,6 @@
               </a:spcBef>
               <a:buNone/>
             </a:pPr>
-            <a:r>
-              <a:t/>
-            </a:r>
             <a:endParaRPr/>
           </a:p>
         </p:txBody>
@@ -1655,22 +1788,24 @@
       <p:sp>
         <p:nvSpPr>
           <p:cNvPr id="26" name="Shape 26"/>
-          <p:cNvSpPr txBox="1"/>
+          <p:cNvSpPr txBox="1">
+            <a:spLocks noGrp="1"/>
+          </p:cNvSpPr>
           <p:nvPr>
             <p:ph type="title"/>
           </p:nvPr>
         </p:nvSpPr>
         <p:spPr>
           <a:xfrm>
-            <a:off y="205978" x="457200"/>
-            <a:ext cy="857400" cx="8229600"/>
+            <a:off x="457200" y="205978"/>
+            <a:ext cx="8229600" cy="857400"/>
           </a:xfrm>
           <a:prstGeom prst="rect">
             <a:avLst/>
           </a:prstGeom>
         </p:spPr>
         <p:txBody>
-          <a:bodyPr bIns="91425" rIns="91425" lIns="91425" tIns="91425" anchor="b" anchorCtr="0"/>
+          <a:bodyPr lIns="91425" tIns="91425" rIns="91425" bIns="91425" anchor="b" anchorCtr="0"/>
           <a:lstStyle>
             <a:lvl1pPr>
               <a:spcBef>
@@ -1727,28 +1862,32 @@
               <a:defRPr/>
             </a:lvl9pPr>
           </a:lstStyle>
-          <a:p/>
+          <a:p>
+            <a:endParaRPr/>
+          </a:p>
         </p:txBody>
       </p:sp>
       <p:sp>
         <p:nvSpPr>
           <p:cNvPr id="27" name="Shape 27"/>
-          <p:cNvSpPr txBox="1"/>
+          <p:cNvSpPr txBox="1">
+            <a:spLocks noGrp="1"/>
+          </p:cNvSpPr>
           <p:nvPr>
-            <p:ph idx="1" type="body"/>
+            <p:ph type="body" idx="1"/>
           </p:nvPr>
         </p:nvSpPr>
         <p:spPr>
           <a:xfrm>
-            <a:off y="1200150" x="457200"/>
-            <a:ext cy="3725699" cx="8229600"/>
+            <a:off x="457200" y="1200150"/>
+            <a:ext cx="8229600" cy="3725699"/>
           </a:xfrm>
           <a:prstGeom prst="rect">
             <a:avLst/>
           </a:prstGeom>
         </p:spPr>
         <p:txBody>
-          <a:bodyPr bIns="91425" rIns="91425" lIns="91425" tIns="91425" anchor="t" anchorCtr="0"/>
+          <a:bodyPr lIns="91425" tIns="91425" rIns="91425" bIns="91425" anchor="t" anchorCtr="0"/>
           <a:lstStyle>
             <a:lvl1pPr>
               <a:spcBef>
@@ -1805,7 +1944,9 @@
               <a:defRPr/>
             </a:lvl9pPr>
           </a:lstStyle>
-          <a:p/>
+          <a:p>
+            <a:endParaRPr/>
+          </a:p>
         </p:txBody>
       </p:sp>
     </p:spTree>
@@ -1817,20 +1958,20 @@
 </file>
 
 <file path=ppt/slideLayouts/slideLayout3.xml><?xml version="1.0" encoding="utf-8"?>
-<p:sldLayout xmlns:a="http://schemas.openxmlformats.org/drawingml/2006/main" xmlns:r="http://schemas.openxmlformats.org/officeDocument/2006/relationships" xmlns:mc="http://schemas.openxmlformats.org/markup-compatibility/2006" xmlns:mv="urn:schemas-microsoft-com:mac:vml" xmlns:p="http://schemas.openxmlformats.org/presentationml/2006/main" xmlns:c="http://schemas.openxmlformats.org/drawingml/2006/chart" xmlns:dgm="http://schemas.openxmlformats.org/drawingml/2006/diagram" xmlns:o="urn:schemas-microsoft-com:office:office" xmlns:v="urn:schemas-microsoft-com:vml" xmlns:pvml="urn:schemas-microsoft-com:office:powerpoint" xmlns:com="http://schemas.openxmlformats.org/drawingml/2006/compatibility" xmlns:p14="http://schemas.microsoft.com/office/powerpoint/2010/main" type="twoColTx">
+<p:sldLayout xmlns:a="http://schemas.openxmlformats.org/drawingml/2006/main" xmlns:r="http://schemas.openxmlformats.org/officeDocument/2006/relationships" xmlns:p="http://schemas.openxmlformats.org/presentationml/2006/main" type="twoColTx">
   <p:cSld name="Title and Two Columns">
     <p:spTree>
       <p:nvGrpSpPr>
-        <p:cNvPr id="28" name="Shape 28"/>
+        <p:cNvPr id="1" name="Shape 28"/>
         <p:cNvGrpSpPr/>
         <p:nvPr/>
       </p:nvGrpSpPr>
       <p:grpSpPr>
         <a:xfrm>
-          <a:off y="0" x="0"/>
-          <a:ext cy="0" cx="0"/>
-          <a:chOff y="0" x="0"/>
-          <a:chExt cy="0" cx="0"/>
+          <a:off x="0" y="0"/>
+          <a:ext cx="0" cy="0"/>
+          <a:chOff x="0" y="0"/>
+          <a:chExt cx="0" cy="0"/>
         </a:xfrm>
       </p:grpSpPr>
       <p:sp>
@@ -1841,8 +1982,8 @@
         </p:nvSpPr>
         <p:spPr>
           <a:xfrm>
-            <a:off y="-1078" x="0"/>
-            <a:ext cy="1144199" cx="9144000"/>
+            <a:off x="0" y="-1078"/>
+            <a:ext cx="9144000" cy="1144199"/>
           </a:xfrm>
           <a:prstGeom prst="rect">
             <a:avLst/>
@@ -1857,7 +1998,7 @@
           </a:ln>
         </p:spPr>
         <p:txBody>
-          <a:bodyPr bIns="45700" rIns="91425" lIns="91425" tIns="45700" anchor="ctr" anchorCtr="0">
+          <a:bodyPr lIns="91425" tIns="45700" rIns="91425" bIns="45700" anchor="ctr" anchorCtr="0">
             <a:noAutofit/>
           </a:bodyPr>
           <a:lstStyle/>
@@ -1868,9 +2009,6 @@
               </a:spcBef>
               <a:buNone/>
             </a:pPr>
-            <a:r>
-              <a:t/>
-            </a:r>
             <a:endParaRPr/>
           </a:p>
         </p:txBody>
@@ -1883,10 +2021,10 @@
         </p:nvGrpSpPr>
         <p:grpSpPr>
           <a:xfrm>
-            <a:off y="-1078" x="0"/>
-            <a:ext cy="5144627" cx="649180"/>
-            <a:chOff y="-1438" x="0"/>
-            <a:chExt cy="6859503" cx="649180"/>
+            <a:off x="0" y="-1078"/>
+            <a:ext cx="649180" cy="5144627"/>
+            <a:chOff x="0" y="-1438"/>
+            <a:chExt cx="649180" cy="6859503"/>
           </a:xfrm>
         </p:grpSpPr>
         <p:sp>
@@ -1897,26 +2035,31 @@
           </p:nvSpPr>
           <p:spPr>
             <a:xfrm>
-              <a:off y="-1438" x="0"/>
-              <a:ext cy="6858065" cx="649180"/>
+              <a:off x="0" y="-1438"/>
+              <a:ext cx="649180" cy="6858065"/>
             </a:xfrm>
             <a:custGeom>
+              <a:avLst/>
+              <a:gdLst/>
+              <a:ahLst/>
+              <a:cxnLst/>
+              <a:rect l="0" t="0" r="0" b="0"/>
               <a:pathLst>
-                <a:path w="500332" extrusionOk="0" h="6875253">
+                <a:path w="500332" h="6875253" extrusionOk="0">
                   <a:moveTo>
-                    <a:pt y="0" x="0"/>
+                    <a:pt x="0" y="0"/>
                   </a:moveTo>
                   <a:lnTo>
-                    <a:pt y="0" x="500332"/>
-                  </a:lnTo>
-                  <a:lnTo>
-                    <a:pt y="6875253" x="301925"/>
-                  </a:lnTo>
-                  <a:lnTo>
-                    <a:pt y="6875253" x="0"/>
-                  </a:lnTo>
-                  <a:lnTo>
-                    <a:pt y="0" x="0"/>
+                    <a:pt x="500332" y="0"/>
+                  </a:lnTo>
+                  <a:lnTo>
+                    <a:pt x="301925" y="6875253"/>
+                  </a:lnTo>
+                  <a:lnTo>
+                    <a:pt x="0" y="6875253"/>
+                  </a:lnTo>
+                  <a:lnTo>
+                    <a:pt x="0" y="0"/>
                   </a:lnTo>
                   <a:close/>
                 </a:path>
@@ -1932,7 +2075,7 @@
             </a:ln>
           </p:spPr>
           <p:txBody>
-            <a:bodyPr bIns="45700" rIns="91425" lIns="91425" tIns="45700" anchor="ctr" anchorCtr="0">
+            <a:bodyPr lIns="91425" tIns="45700" rIns="91425" bIns="45700" anchor="ctr" anchorCtr="0">
               <a:noAutofit/>
             </a:bodyPr>
             <a:lstStyle/>
@@ -1943,9 +2086,6 @@
                 </a:spcBef>
                 <a:buNone/>
               </a:pPr>
-              <a:r>
-                <a:t/>
-              </a:r>
               <a:endParaRPr/>
             </a:p>
           </p:txBody>
@@ -1958,26 +2098,31 @@
           </p:nvSpPr>
           <p:spPr>
             <a:xfrm>
-              <a:off y="0" x="0"/>
-              <a:ext cy="6858065" cx="500331"/>
+              <a:off x="0" y="0"/>
+              <a:ext cx="500331" cy="6858065"/>
             </a:xfrm>
             <a:custGeom>
+              <a:avLst/>
+              <a:gdLst/>
+              <a:ahLst/>
+              <a:cxnLst/>
+              <a:rect l="0" t="0" r="0" b="0"/>
               <a:pathLst>
-                <a:path w="500332" extrusionOk="0" h="6875253">
+                <a:path w="500332" h="6875253" extrusionOk="0">
                   <a:moveTo>
-                    <a:pt y="0" x="0"/>
+                    <a:pt x="0" y="0"/>
                   </a:moveTo>
                   <a:lnTo>
-                    <a:pt y="0" x="500332"/>
-                  </a:lnTo>
-                  <a:lnTo>
-                    <a:pt y="6875253" x="301925"/>
-                  </a:lnTo>
-                  <a:lnTo>
-                    <a:pt y="6875253" x="0"/>
-                  </a:lnTo>
-                  <a:lnTo>
-                    <a:pt y="0" x="0"/>
+                    <a:pt x="500332" y="0"/>
+                  </a:lnTo>
+                  <a:lnTo>
+                    <a:pt x="301925" y="6875253"/>
+                  </a:lnTo>
+                  <a:lnTo>
+                    <a:pt x="0" y="6875253"/>
+                  </a:lnTo>
+                  <a:lnTo>
+                    <a:pt x="0" y="0"/>
                   </a:lnTo>
                   <a:close/>
                 </a:path>
@@ -1993,7 +2138,7 @@
             </a:ln>
           </p:spPr>
           <p:txBody>
-            <a:bodyPr bIns="45700" rIns="91425" lIns="91425" tIns="45700" anchor="ctr" anchorCtr="0">
+            <a:bodyPr lIns="91425" tIns="45700" rIns="91425" bIns="45700" anchor="ctr" anchorCtr="0">
               <a:noAutofit/>
             </a:bodyPr>
             <a:lstStyle/>
@@ -2004,9 +2149,6 @@
                 </a:spcBef>
                 <a:buNone/>
               </a:pPr>
-              <a:r>
-                <a:t/>
-              </a:r>
               <a:endParaRPr/>
             </a:p>
           </p:txBody>
@@ -2020,10 +2162,10 @@
         </p:nvGrpSpPr>
         <p:grpSpPr>
           <a:xfrm flipH="1">
-            <a:off y="0" x="8494493"/>
-            <a:ext cy="5144627" cx="649180"/>
-            <a:chOff y="-1438" x="0"/>
-            <a:chExt cy="6859503" cx="649180"/>
+            <a:off x="8494493" y="0"/>
+            <a:ext cx="649180" cy="5144627"/>
+            <a:chOff x="0" y="-1438"/>
+            <a:chExt cx="649180" cy="6859503"/>
           </a:xfrm>
         </p:grpSpPr>
         <p:sp>
@@ -2034,26 +2176,31 @@
           </p:nvSpPr>
           <p:spPr>
             <a:xfrm>
-              <a:off y="-1438" x="0"/>
-              <a:ext cy="6858065" cx="649180"/>
+              <a:off x="0" y="-1438"/>
+              <a:ext cx="649180" cy="6858065"/>
             </a:xfrm>
             <a:custGeom>
+              <a:avLst/>
+              <a:gdLst/>
+              <a:ahLst/>
+              <a:cxnLst/>
+              <a:rect l="0" t="0" r="0" b="0"/>
               <a:pathLst>
-                <a:path w="500332" extrusionOk="0" h="6875253">
+                <a:path w="500332" h="6875253" extrusionOk="0">
                   <a:moveTo>
-                    <a:pt y="0" x="0"/>
+                    <a:pt x="0" y="0"/>
                   </a:moveTo>
                   <a:lnTo>
-                    <a:pt y="0" x="500332"/>
-                  </a:lnTo>
-                  <a:lnTo>
-                    <a:pt y="6875253" x="301925"/>
-                  </a:lnTo>
-                  <a:lnTo>
-                    <a:pt y="6875253" x="0"/>
-                  </a:lnTo>
-                  <a:lnTo>
-                    <a:pt y="0" x="0"/>
+                    <a:pt x="500332" y="0"/>
+                  </a:lnTo>
+                  <a:lnTo>
+                    <a:pt x="301925" y="6875253"/>
+                  </a:lnTo>
+                  <a:lnTo>
+                    <a:pt x="0" y="6875253"/>
+                  </a:lnTo>
+                  <a:lnTo>
+                    <a:pt x="0" y="0"/>
                   </a:lnTo>
                   <a:close/>
                 </a:path>
@@ -2069,7 +2216,7 @@
             </a:ln>
           </p:spPr>
           <p:txBody>
-            <a:bodyPr bIns="45700" rIns="91425" lIns="91425" tIns="45700" anchor="ctr" anchorCtr="0">
+            <a:bodyPr lIns="91425" tIns="45700" rIns="91425" bIns="45700" anchor="ctr" anchorCtr="0">
               <a:noAutofit/>
             </a:bodyPr>
             <a:lstStyle/>
@@ -2080,9 +2227,6 @@
                 </a:spcBef>
                 <a:buNone/>
               </a:pPr>
-              <a:r>
-                <a:t/>
-              </a:r>
               <a:endParaRPr/>
             </a:p>
           </p:txBody>
@@ -2095,26 +2239,31 @@
           </p:nvSpPr>
           <p:spPr>
             <a:xfrm>
-              <a:off y="0" x="0"/>
-              <a:ext cy="6858065" cx="500331"/>
+              <a:off x="0" y="0"/>
+              <a:ext cx="500331" cy="6858065"/>
             </a:xfrm>
             <a:custGeom>
+              <a:avLst/>
+              <a:gdLst/>
+              <a:ahLst/>
+              <a:cxnLst/>
+              <a:rect l="0" t="0" r="0" b="0"/>
               <a:pathLst>
-                <a:path w="500332" extrusionOk="0" h="6875253">
+                <a:path w="500332" h="6875253" extrusionOk="0">
                   <a:moveTo>
-                    <a:pt y="0" x="0"/>
+                    <a:pt x="0" y="0"/>
                   </a:moveTo>
                   <a:lnTo>
-                    <a:pt y="0" x="500332"/>
-                  </a:lnTo>
-                  <a:lnTo>
-                    <a:pt y="6875253" x="301925"/>
-                  </a:lnTo>
-                  <a:lnTo>
-                    <a:pt y="6875253" x="0"/>
-                  </a:lnTo>
-                  <a:lnTo>
-                    <a:pt y="0" x="0"/>
+                    <a:pt x="500332" y="0"/>
+                  </a:lnTo>
+                  <a:lnTo>
+                    <a:pt x="301925" y="6875253"/>
+                  </a:lnTo>
+                  <a:lnTo>
+                    <a:pt x="0" y="6875253"/>
+                  </a:lnTo>
+                  <a:lnTo>
+                    <a:pt x="0" y="0"/>
                   </a:lnTo>
                   <a:close/>
                 </a:path>
@@ -2130,7 +2279,7 @@
             </a:ln>
           </p:spPr>
           <p:txBody>
-            <a:bodyPr bIns="45700" rIns="91425" lIns="91425" tIns="45700" anchor="ctr" anchorCtr="0">
+            <a:bodyPr lIns="91425" tIns="45700" rIns="91425" bIns="45700" anchor="ctr" anchorCtr="0">
               <a:noAutofit/>
             </a:bodyPr>
             <a:lstStyle/>
@@ -2141,9 +2290,6 @@
                 </a:spcBef>
                 <a:buNone/>
               </a:pPr>
-              <a:r>
-                <a:t/>
-              </a:r>
               <a:endParaRPr/>
             </a:p>
           </p:txBody>
@@ -2157,8 +2303,8 @@
         </p:nvSpPr>
         <p:spPr>
           <a:xfrm>
-            <a:off y="4743450" x="0"/>
-            <a:ext cy="401099" cx="9144000"/>
+            <a:off x="0" y="4743450"/>
+            <a:ext cx="9144000" cy="401099"/>
           </a:xfrm>
           <a:prstGeom prst="rect">
             <a:avLst/>
@@ -2173,7 +2319,7 @@
           </a:ln>
         </p:spPr>
         <p:txBody>
-          <a:bodyPr bIns="45700" rIns="91425" lIns="91425" tIns="45700" anchor="ctr" anchorCtr="0">
+          <a:bodyPr lIns="91425" tIns="45700" rIns="91425" bIns="45700" anchor="ctr" anchorCtr="0">
             <a:noAutofit/>
           </a:bodyPr>
           <a:lstStyle/>
@@ -2184,9 +2330,6 @@
               </a:spcBef>
               <a:buNone/>
             </a:pPr>
-            <a:r>
-              <a:t/>
-            </a:r>
             <a:endParaRPr/>
           </a:p>
         </p:txBody>
@@ -2194,22 +2337,24 @@
       <p:sp>
         <p:nvSpPr>
           <p:cNvPr id="37" name="Shape 37"/>
-          <p:cNvSpPr txBox="1"/>
+          <p:cNvSpPr txBox="1">
+            <a:spLocks noGrp="1"/>
+          </p:cNvSpPr>
           <p:nvPr>
             <p:ph type="title"/>
           </p:nvPr>
         </p:nvSpPr>
         <p:spPr>
           <a:xfrm>
-            <a:off y="205978" x="457200"/>
-            <a:ext cy="857400" cx="8229600"/>
+            <a:off x="457200" y="205978"/>
+            <a:ext cx="8229600" cy="857400"/>
           </a:xfrm>
           <a:prstGeom prst="rect">
             <a:avLst/>
           </a:prstGeom>
         </p:spPr>
         <p:txBody>
-          <a:bodyPr bIns="91425" rIns="91425" lIns="91425" tIns="91425" anchor="b" anchorCtr="0"/>
+          <a:bodyPr lIns="91425" tIns="91425" rIns="91425" bIns="91425" anchor="b" anchorCtr="0"/>
           <a:lstStyle>
             <a:lvl1pPr>
               <a:spcBef>
@@ -2266,28 +2411,32 @@
               <a:defRPr/>
             </a:lvl9pPr>
           </a:lstStyle>
-          <a:p/>
+          <a:p>
+            <a:endParaRPr/>
+          </a:p>
         </p:txBody>
       </p:sp>
       <p:sp>
         <p:nvSpPr>
           <p:cNvPr id="38" name="Shape 38"/>
-          <p:cNvSpPr txBox="1"/>
+          <p:cNvSpPr txBox="1">
+            <a:spLocks noGrp="1"/>
+          </p:cNvSpPr>
           <p:nvPr>
-            <p:ph idx="1" type="body"/>
+            <p:ph type="body" idx="1"/>
           </p:nvPr>
         </p:nvSpPr>
         <p:spPr>
           <a:xfrm>
-            <a:off y="1200150" x="457200"/>
-            <a:ext cy="3725699" cx="3994500"/>
+            <a:off x="457200" y="1200150"/>
+            <a:ext cx="3994500" cy="3725699"/>
           </a:xfrm>
           <a:prstGeom prst="rect">
             <a:avLst/>
           </a:prstGeom>
         </p:spPr>
         <p:txBody>
-          <a:bodyPr bIns="91425" rIns="91425" lIns="91425" tIns="91425" anchor="t" anchorCtr="0"/>
+          <a:bodyPr lIns="91425" tIns="91425" rIns="91425" bIns="91425" anchor="t" anchorCtr="0"/>
           <a:lstStyle>
             <a:lvl1pPr>
               <a:spcBef>
@@ -2344,28 +2493,32 @@
               <a:defRPr/>
             </a:lvl9pPr>
           </a:lstStyle>
-          <a:p/>
+          <a:p>
+            <a:endParaRPr/>
+          </a:p>
         </p:txBody>
       </p:sp>
       <p:sp>
         <p:nvSpPr>
           <p:cNvPr id="39" name="Shape 39"/>
-          <p:cNvSpPr txBox="1"/>
+          <p:cNvSpPr txBox="1">
+            <a:spLocks noGrp="1"/>
+          </p:cNvSpPr>
           <p:nvPr>
-            <p:ph idx="2" type="body"/>
+            <p:ph type="body" idx="2"/>
           </p:nvPr>
         </p:nvSpPr>
         <p:spPr>
           <a:xfrm>
-            <a:off y="1200150" x="4692273"/>
-            <a:ext cy="3725699" cx="3994500"/>
+            <a:off x="4692273" y="1200150"/>
+            <a:ext cx="3994500" cy="3725699"/>
           </a:xfrm>
           <a:prstGeom prst="rect">
             <a:avLst/>
           </a:prstGeom>
         </p:spPr>
         <p:txBody>
-          <a:bodyPr bIns="91425" rIns="91425" lIns="91425" tIns="91425" anchor="t" anchorCtr="0"/>
+          <a:bodyPr lIns="91425" tIns="91425" rIns="91425" bIns="91425" anchor="t" anchorCtr="0"/>
           <a:lstStyle>
             <a:lvl1pPr>
               <a:spcBef>
@@ -2422,7 +2575,9 @@
               <a:defRPr/>
             </a:lvl9pPr>
           </a:lstStyle>
-          <a:p/>
+          <a:p>
+            <a:endParaRPr/>
+          </a:p>
         </p:txBody>
       </p:sp>
     </p:spTree>
@@ -2434,20 +2589,20 @@
 </file>
 
 <file path=ppt/slideLayouts/slideLayout4.xml><?xml version="1.0" encoding="utf-8"?>
-<p:sldLayout xmlns:a="http://schemas.openxmlformats.org/drawingml/2006/main" xmlns:r="http://schemas.openxmlformats.org/officeDocument/2006/relationships" xmlns:mc="http://schemas.openxmlformats.org/markup-compatibility/2006" xmlns:mv="urn:schemas-microsoft-com:mac:vml" xmlns:p="http://schemas.openxmlformats.org/presentationml/2006/main" xmlns:c="http://schemas.openxmlformats.org/drawingml/2006/chart" xmlns:dgm="http://schemas.openxmlformats.org/drawingml/2006/diagram" xmlns:o="urn:schemas-microsoft-com:office:office" xmlns:v="urn:schemas-microsoft-com:vml" xmlns:pvml="urn:schemas-microsoft-com:office:powerpoint" xmlns:com="http://schemas.openxmlformats.org/drawingml/2006/compatibility" xmlns:p14="http://schemas.microsoft.com/office/powerpoint/2010/main" type="titleOnly">
+<p:sldLayout xmlns:a="http://schemas.openxmlformats.org/drawingml/2006/main" xmlns:r="http://schemas.openxmlformats.org/officeDocument/2006/relationships" xmlns:p="http://schemas.openxmlformats.org/presentationml/2006/main" type="titleOnly">
   <p:cSld name="Title Only">
     <p:spTree>
       <p:nvGrpSpPr>
-        <p:cNvPr id="40" name="Shape 40"/>
+        <p:cNvPr id="1" name="Shape 40"/>
         <p:cNvGrpSpPr/>
         <p:nvPr/>
       </p:nvGrpSpPr>
       <p:grpSpPr>
         <a:xfrm>
-          <a:off y="0" x="0"/>
-          <a:ext cy="0" cx="0"/>
-          <a:chOff y="0" x="0"/>
-          <a:chExt cy="0" cx="0"/>
+          <a:off x="0" y="0"/>
+          <a:ext cx="0" cy="0"/>
+          <a:chOff x="0" y="0"/>
+          <a:chExt cx="0" cy="0"/>
         </a:xfrm>
       </p:grpSpPr>
       <p:sp>
@@ -2458,8 +2613,8 @@
         </p:nvSpPr>
         <p:spPr>
           <a:xfrm>
-            <a:off y="-1078" x="0"/>
-            <a:ext cy="1144199" cx="9144000"/>
+            <a:off x="0" y="-1078"/>
+            <a:ext cx="9144000" cy="1144199"/>
           </a:xfrm>
           <a:prstGeom prst="rect">
             <a:avLst/>
@@ -2474,7 +2629,7 @@
           </a:ln>
         </p:spPr>
         <p:txBody>
-          <a:bodyPr bIns="45700" rIns="91425" lIns="91425" tIns="45700" anchor="ctr" anchorCtr="0">
+          <a:bodyPr lIns="91425" tIns="45700" rIns="91425" bIns="45700" anchor="ctr" anchorCtr="0">
             <a:noAutofit/>
           </a:bodyPr>
           <a:lstStyle/>
@@ -2485,9 +2640,6 @@
               </a:spcBef>
               <a:buNone/>
             </a:pPr>
-            <a:r>
-              <a:t/>
-            </a:r>
             <a:endParaRPr/>
           </a:p>
         </p:txBody>
@@ -2500,10 +2652,10 @@
         </p:nvGrpSpPr>
         <p:grpSpPr>
           <a:xfrm>
-            <a:off y="-1078" x="0"/>
-            <a:ext cy="5144627" cx="649180"/>
-            <a:chOff y="-1438" x="0"/>
-            <a:chExt cy="6859503" cx="649180"/>
+            <a:off x="0" y="-1078"/>
+            <a:ext cx="649180" cy="5144627"/>
+            <a:chOff x="0" y="-1438"/>
+            <a:chExt cx="649180" cy="6859503"/>
           </a:xfrm>
         </p:grpSpPr>
         <p:sp>
@@ -2514,26 +2666,31 @@
           </p:nvSpPr>
           <p:spPr>
             <a:xfrm>
-              <a:off y="-1438" x="0"/>
-              <a:ext cy="6858065" cx="649180"/>
+              <a:off x="0" y="-1438"/>
+              <a:ext cx="649180" cy="6858065"/>
             </a:xfrm>
             <a:custGeom>
+              <a:avLst/>
+              <a:gdLst/>
+              <a:ahLst/>
+              <a:cxnLst/>
+              <a:rect l="0" t="0" r="0" b="0"/>
               <a:pathLst>
-                <a:path w="500332" extrusionOk="0" h="6875253">
+                <a:path w="500332" h="6875253" extrusionOk="0">
                   <a:moveTo>
-                    <a:pt y="0" x="0"/>
+                    <a:pt x="0" y="0"/>
                   </a:moveTo>
                   <a:lnTo>
-                    <a:pt y="0" x="500332"/>
-                  </a:lnTo>
-                  <a:lnTo>
-                    <a:pt y="6875253" x="301925"/>
-                  </a:lnTo>
-                  <a:lnTo>
-                    <a:pt y="6875253" x="0"/>
-                  </a:lnTo>
-                  <a:lnTo>
-                    <a:pt y="0" x="0"/>
+                    <a:pt x="500332" y="0"/>
+                  </a:lnTo>
+                  <a:lnTo>
+                    <a:pt x="301925" y="6875253"/>
+                  </a:lnTo>
+                  <a:lnTo>
+                    <a:pt x="0" y="6875253"/>
+                  </a:lnTo>
+                  <a:lnTo>
+                    <a:pt x="0" y="0"/>
                   </a:lnTo>
                   <a:close/>
                 </a:path>
@@ -2549,7 +2706,7 @@
             </a:ln>
           </p:spPr>
           <p:txBody>
-            <a:bodyPr bIns="45700" rIns="91425" lIns="91425" tIns="45700" anchor="ctr" anchorCtr="0">
+            <a:bodyPr lIns="91425" tIns="45700" rIns="91425" bIns="45700" anchor="ctr" anchorCtr="0">
               <a:noAutofit/>
             </a:bodyPr>
             <a:lstStyle/>
@@ -2560,9 +2717,6 @@
                 </a:spcBef>
                 <a:buNone/>
               </a:pPr>
-              <a:r>
-                <a:t/>
-              </a:r>
               <a:endParaRPr/>
             </a:p>
           </p:txBody>
@@ -2575,26 +2729,31 @@
           </p:nvSpPr>
           <p:spPr>
             <a:xfrm>
-              <a:off y="0" x="0"/>
-              <a:ext cy="6858065" cx="500331"/>
+              <a:off x="0" y="0"/>
+              <a:ext cx="500331" cy="6858065"/>
             </a:xfrm>
             <a:custGeom>
+              <a:avLst/>
+              <a:gdLst/>
+              <a:ahLst/>
+              <a:cxnLst/>
+              <a:rect l="0" t="0" r="0" b="0"/>
               <a:pathLst>
-                <a:path w="500332" extrusionOk="0" h="6875253">
+                <a:path w="500332" h="6875253" extrusionOk="0">
                   <a:moveTo>
-                    <a:pt y="0" x="0"/>
+                    <a:pt x="0" y="0"/>
                   </a:moveTo>
                   <a:lnTo>
-                    <a:pt y="0" x="500332"/>
-                  </a:lnTo>
-                  <a:lnTo>
-                    <a:pt y="6875253" x="301925"/>
-                  </a:lnTo>
-                  <a:lnTo>
-                    <a:pt y="6875253" x="0"/>
-                  </a:lnTo>
-                  <a:lnTo>
-                    <a:pt y="0" x="0"/>
+                    <a:pt x="500332" y="0"/>
+                  </a:lnTo>
+                  <a:lnTo>
+                    <a:pt x="301925" y="6875253"/>
+                  </a:lnTo>
+                  <a:lnTo>
+                    <a:pt x="0" y="6875253"/>
+                  </a:lnTo>
+                  <a:lnTo>
+                    <a:pt x="0" y="0"/>
                   </a:lnTo>
                   <a:close/>
                 </a:path>
@@ -2610,7 +2769,7 @@
             </a:ln>
           </p:spPr>
           <p:txBody>
-            <a:bodyPr bIns="45700" rIns="91425" lIns="91425" tIns="45700" anchor="ctr" anchorCtr="0">
+            <a:bodyPr lIns="91425" tIns="45700" rIns="91425" bIns="45700" anchor="ctr" anchorCtr="0">
               <a:noAutofit/>
             </a:bodyPr>
             <a:lstStyle/>
@@ -2621,9 +2780,6 @@
                 </a:spcBef>
                 <a:buNone/>
               </a:pPr>
-              <a:r>
-                <a:t/>
-              </a:r>
               <a:endParaRPr/>
             </a:p>
           </p:txBody>
@@ -2637,10 +2793,10 @@
         </p:nvGrpSpPr>
         <p:grpSpPr>
           <a:xfrm flipH="1">
-            <a:off y="0" x="8494493"/>
-            <a:ext cy="5144627" cx="649180"/>
-            <a:chOff y="-1438" x="0"/>
-            <a:chExt cy="6859503" cx="649180"/>
+            <a:off x="8494493" y="0"/>
+            <a:ext cx="649180" cy="5144627"/>
+            <a:chOff x="0" y="-1438"/>
+            <a:chExt cx="649180" cy="6859503"/>
           </a:xfrm>
         </p:grpSpPr>
         <p:sp>
@@ -2651,26 +2807,31 @@
           </p:nvSpPr>
           <p:spPr>
             <a:xfrm>
-              <a:off y="-1438" x="0"/>
-              <a:ext cy="6858065" cx="649180"/>
+              <a:off x="0" y="-1438"/>
+              <a:ext cx="649180" cy="6858065"/>
             </a:xfrm>
             <a:custGeom>
+              <a:avLst/>
+              <a:gdLst/>
+              <a:ahLst/>
+              <a:cxnLst/>
+              <a:rect l="0" t="0" r="0" b="0"/>
               <a:pathLst>
-                <a:path w="500332" extrusionOk="0" h="6875253">
+                <a:path w="500332" h="6875253" extrusionOk="0">
                   <a:moveTo>
-                    <a:pt y="0" x="0"/>
+                    <a:pt x="0" y="0"/>
                   </a:moveTo>
                   <a:lnTo>
-                    <a:pt y="0" x="500332"/>
-                  </a:lnTo>
-                  <a:lnTo>
-                    <a:pt y="6875253" x="301925"/>
-                  </a:lnTo>
-                  <a:lnTo>
-                    <a:pt y="6875253" x="0"/>
-                  </a:lnTo>
-                  <a:lnTo>
-                    <a:pt y="0" x="0"/>
+                    <a:pt x="500332" y="0"/>
+                  </a:lnTo>
+                  <a:lnTo>
+                    <a:pt x="301925" y="6875253"/>
+                  </a:lnTo>
+                  <a:lnTo>
+                    <a:pt x="0" y="6875253"/>
+                  </a:lnTo>
+                  <a:lnTo>
+                    <a:pt x="0" y="0"/>
                   </a:lnTo>
                   <a:close/>
                 </a:path>
@@ -2686,7 +2847,7 @@
             </a:ln>
           </p:spPr>
           <p:txBody>
-            <a:bodyPr bIns="45700" rIns="91425" lIns="91425" tIns="45700" anchor="ctr" anchorCtr="0">
+            <a:bodyPr lIns="91425" tIns="45700" rIns="91425" bIns="45700" anchor="ctr" anchorCtr="0">
               <a:noAutofit/>
             </a:bodyPr>
             <a:lstStyle/>
@@ -2697,9 +2858,6 @@
                 </a:spcBef>
                 <a:buNone/>
               </a:pPr>
-              <a:r>
-                <a:t/>
-              </a:r>
               <a:endParaRPr/>
             </a:p>
           </p:txBody>
@@ -2712,26 +2870,31 @@
           </p:nvSpPr>
           <p:spPr>
             <a:xfrm>
-              <a:off y="0" x="0"/>
-              <a:ext cy="6858065" cx="500331"/>
+              <a:off x="0" y="0"/>
+              <a:ext cx="500331" cy="6858065"/>
             </a:xfrm>
             <a:custGeom>
+              <a:avLst/>
+              <a:gdLst/>
+              <a:ahLst/>
+              <a:cxnLst/>
+              <a:rect l="0" t="0" r="0" b="0"/>
               <a:pathLst>
-                <a:path w="500332" extrusionOk="0" h="6875253">
+                <a:path w="500332" h="6875253" extrusionOk="0">
                   <a:moveTo>
-                    <a:pt y="0" x="0"/>
+                    <a:pt x="0" y="0"/>
                   </a:moveTo>
                   <a:lnTo>
-                    <a:pt y="0" x="500332"/>
-                  </a:lnTo>
-                  <a:lnTo>
-                    <a:pt y="6875253" x="301925"/>
-                  </a:lnTo>
-                  <a:lnTo>
-                    <a:pt y="6875253" x="0"/>
-                  </a:lnTo>
-                  <a:lnTo>
-                    <a:pt y="0" x="0"/>
+                    <a:pt x="500332" y="0"/>
+                  </a:lnTo>
+                  <a:lnTo>
+                    <a:pt x="301925" y="6875253"/>
+                  </a:lnTo>
+                  <a:lnTo>
+                    <a:pt x="0" y="6875253"/>
+                  </a:lnTo>
+                  <a:lnTo>
+                    <a:pt x="0" y="0"/>
                   </a:lnTo>
                   <a:close/>
                 </a:path>
@@ -2747,7 +2910,7 @@
             </a:ln>
           </p:spPr>
           <p:txBody>
-            <a:bodyPr bIns="45700" rIns="91425" lIns="91425" tIns="45700" anchor="ctr" anchorCtr="0">
+            <a:bodyPr lIns="91425" tIns="45700" rIns="91425" bIns="45700" anchor="ctr" anchorCtr="0">
               <a:noAutofit/>
             </a:bodyPr>
             <a:lstStyle/>
@@ -2758,9 +2921,6 @@
                 </a:spcBef>
                 <a:buNone/>
               </a:pPr>
-              <a:r>
-                <a:t/>
-              </a:r>
               <a:endParaRPr/>
             </a:p>
           </p:txBody>
@@ -2774,8 +2934,8 @@
         </p:nvSpPr>
         <p:spPr>
           <a:xfrm>
-            <a:off y="4743450" x="0"/>
-            <a:ext cy="401099" cx="9144000"/>
+            <a:off x="0" y="4743450"/>
+            <a:ext cx="9144000" cy="401099"/>
           </a:xfrm>
           <a:prstGeom prst="rect">
             <a:avLst/>
@@ -2790,7 +2950,7 @@
           </a:ln>
         </p:spPr>
         <p:txBody>
-          <a:bodyPr bIns="45700" rIns="91425" lIns="91425" tIns="45700" anchor="ctr" anchorCtr="0">
+          <a:bodyPr lIns="91425" tIns="45700" rIns="91425" bIns="45700" anchor="ctr" anchorCtr="0">
             <a:noAutofit/>
           </a:bodyPr>
           <a:lstStyle/>
@@ -2801,9 +2961,6 @@
               </a:spcBef>
               <a:buNone/>
             </a:pPr>
-            <a:r>
-              <a:t/>
-            </a:r>
             <a:endParaRPr/>
           </a:p>
         </p:txBody>
@@ -2811,22 +2968,24 @@
       <p:sp>
         <p:nvSpPr>
           <p:cNvPr id="49" name="Shape 49"/>
-          <p:cNvSpPr txBox="1"/>
+          <p:cNvSpPr txBox="1">
+            <a:spLocks noGrp="1"/>
+          </p:cNvSpPr>
           <p:nvPr>
             <p:ph type="title"/>
           </p:nvPr>
         </p:nvSpPr>
         <p:spPr>
           <a:xfrm>
-            <a:off y="205978" x="457200"/>
-            <a:ext cy="857400" cx="8229600"/>
+            <a:off x="457200" y="205978"/>
+            <a:ext cx="8229600" cy="857400"/>
           </a:xfrm>
           <a:prstGeom prst="rect">
             <a:avLst/>
           </a:prstGeom>
         </p:spPr>
         <p:txBody>
-          <a:bodyPr bIns="91425" rIns="91425" lIns="91425" tIns="91425" anchor="b" anchorCtr="0"/>
+          <a:bodyPr lIns="91425" tIns="91425" rIns="91425" bIns="91425" anchor="b" anchorCtr="0"/>
           <a:lstStyle>
             <a:lvl1pPr>
               <a:spcBef>
@@ -2883,7 +3042,9 @@
               <a:defRPr/>
             </a:lvl9pPr>
           </a:lstStyle>
-          <a:p/>
+          <a:p>
+            <a:endParaRPr/>
+          </a:p>
         </p:txBody>
       </p:sp>
     </p:spTree>
@@ -2895,20 +3056,20 @@
 </file>
 
 <file path=ppt/slideLayouts/slideLayout5.xml><?xml version="1.0" encoding="utf-8"?>
-<p:sldLayout xmlns:a="http://schemas.openxmlformats.org/drawingml/2006/main" xmlns:r="http://schemas.openxmlformats.org/officeDocument/2006/relationships" xmlns:mc="http://schemas.openxmlformats.org/markup-compatibility/2006" xmlns:mv="urn:schemas-microsoft-com:mac:vml" xmlns:p="http://schemas.openxmlformats.org/presentationml/2006/main" xmlns:c="http://schemas.openxmlformats.org/drawingml/2006/chart" xmlns:dgm="http://schemas.openxmlformats.org/drawingml/2006/diagram" xmlns:o="urn:schemas-microsoft-com:office:office" xmlns:v="urn:schemas-microsoft-com:vml" xmlns:pvml="urn:schemas-microsoft-com:office:powerpoint" xmlns:com="http://schemas.openxmlformats.org/drawingml/2006/compatibility" xmlns:p14="http://schemas.microsoft.com/office/powerpoint/2010/main">
+<p:sldLayout xmlns:a="http://schemas.openxmlformats.org/drawingml/2006/main" xmlns:r="http://schemas.openxmlformats.org/officeDocument/2006/relationships" xmlns:p="http://schemas.openxmlformats.org/presentationml/2006/main">
   <p:cSld name="Caption">
     <p:spTree>
       <p:nvGrpSpPr>
-        <p:cNvPr id="50" name="Shape 50"/>
+        <p:cNvPr id="1" name="Shape 50"/>
         <p:cNvGrpSpPr/>
         <p:nvPr/>
       </p:nvGrpSpPr>
       <p:grpSpPr>
         <a:xfrm>
-          <a:off y="0" x="0"/>
-          <a:ext cy="0" cx="0"/>
-          <a:chOff y="0" x="0"/>
-          <a:chExt cy="0" cx="0"/>
+          <a:off x="0" y="0"/>
+          <a:ext cx="0" cy="0"/>
+          <a:chOff x="0" y="0"/>
+          <a:chExt cx="0" cy="0"/>
         </a:xfrm>
       </p:grpSpPr>
       <p:sp>
@@ -2919,8 +3080,8 @@
         </p:nvSpPr>
         <p:spPr>
           <a:xfrm>
-            <a:off y="-1078" x="0"/>
-            <a:ext cy="1144199" cx="9144000"/>
+            <a:off x="0" y="-1078"/>
+            <a:ext cx="9144000" cy="1144199"/>
           </a:xfrm>
           <a:prstGeom prst="rect">
             <a:avLst/>
@@ -2935,7 +3096,7 @@
           </a:ln>
         </p:spPr>
         <p:txBody>
-          <a:bodyPr bIns="45700" rIns="91425" lIns="91425" tIns="45700" anchor="ctr" anchorCtr="0">
+          <a:bodyPr lIns="91425" tIns="45700" rIns="91425" bIns="45700" anchor="ctr" anchorCtr="0">
             <a:noAutofit/>
           </a:bodyPr>
           <a:lstStyle/>
@@ -2946,9 +3107,6 @@
               </a:spcBef>
               <a:buNone/>
             </a:pPr>
-            <a:r>
-              <a:t/>
-            </a:r>
             <a:endParaRPr/>
           </a:p>
         </p:txBody>
@@ -2961,10 +3119,10 @@
         </p:nvGrpSpPr>
         <p:grpSpPr>
           <a:xfrm>
-            <a:off y="-1078" x="0"/>
-            <a:ext cy="5144627" cx="649180"/>
-            <a:chOff y="-1438" x="0"/>
-            <a:chExt cy="6859503" cx="649180"/>
+            <a:off x="0" y="-1078"/>
+            <a:ext cx="649180" cy="5144627"/>
+            <a:chOff x="0" y="-1438"/>
+            <a:chExt cx="649180" cy="6859503"/>
           </a:xfrm>
         </p:grpSpPr>
         <p:sp>
@@ -2975,26 +3133,31 @@
           </p:nvSpPr>
           <p:spPr>
             <a:xfrm>
-              <a:off y="-1438" x="0"/>
-              <a:ext cy="6858065" cx="649180"/>
+              <a:off x="0" y="-1438"/>
+              <a:ext cx="649180" cy="6858065"/>
             </a:xfrm>
             <a:custGeom>
+              <a:avLst/>
+              <a:gdLst/>
+              <a:ahLst/>
+              <a:cxnLst/>
+              <a:rect l="0" t="0" r="0" b="0"/>
               <a:pathLst>
-                <a:path w="500332" extrusionOk="0" h="6875253">
+                <a:path w="500332" h="6875253" extrusionOk="0">
                   <a:moveTo>
-                    <a:pt y="0" x="0"/>
+                    <a:pt x="0" y="0"/>
                   </a:moveTo>
                   <a:lnTo>
-                    <a:pt y="0" x="500332"/>
-                  </a:lnTo>
-                  <a:lnTo>
-                    <a:pt y="6875253" x="301925"/>
-                  </a:lnTo>
-                  <a:lnTo>
-                    <a:pt y="6875253" x="0"/>
-                  </a:lnTo>
-                  <a:lnTo>
-                    <a:pt y="0" x="0"/>
+                    <a:pt x="500332" y="0"/>
+                  </a:lnTo>
+                  <a:lnTo>
+                    <a:pt x="301925" y="6875253"/>
+                  </a:lnTo>
+                  <a:lnTo>
+                    <a:pt x="0" y="6875253"/>
+                  </a:lnTo>
+                  <a:lnTo>
+                    <a:pt x="0" y="0"/>
                   </a:lnTo>
                   <a:close/>
                 </a:path>
@@ -3010,7 +3173,7 @@
             </a:ln>
           </p:spPr>
           <p:txBody>
-            <a:bodyPr bIns="45700" rIns="91425" lIns="91425" tIns="45700" anchor="ctr" anchorCtr="0">
+            <a:bodyPr lIns="91425" tIns="45700" rIns="91425" bIns="45700" anchor="ctr" anchorCtr="0">
               <a:noAutofit/>
             </a:bodyPr>
             <a:lstStyle/>
@@ -3021,9 +3184,6 @@
                 </a:spcBef>
                 <a:buNone/>
               </a:pPr>
-              <a:r>
-                <a:t/>
-              </a:r>
               <a:endParaRPr/>
             </a:p>
           </p:txBody>
@@ -3036,26 +3196,31 @@
           </p:nvSpPr>
           <p:spPr>
             <a:xfrm>
-              <a:off y="0" x="0"/>
-              <a:ext cy="6858065" cx="500331"/>
+              <a:off x="0" y="0"/>
+              <a:ext cx="500331" cy="6858065"/>
             </a:xfrm>
             <a:custGeom>
+              <a:avLst/>
+              <a:gdLst/>
+              <a:ahLst/>
+              <a:cxnLst/>
+              <a:rect l="0" t="0" r="0" b="0"/>
               <a:pathLst>
-                <a:path w="500332" extrusionOk="0" h="6875253">
+                <a:path w="500332" h="6875253" extrusionOk="0">
                   <a:moveTo>
-                    <a:pt y="0" x="0"/>
+                    <a:pt x="0" y="0"/>
                   </a:moveTo>
                   <a:lnTo>
-                    <a:pt y="0" x="500332"/>
-                  </a:lnTo>
-                  <a:lnTo>
-                    <a:pt y="6875253" x="301925"/>
-                  </a:lnTo>
-                  <a:lnTo>
-                    <a:pt y="6875253" x="0"/>
-                  </a:lnTo>
-                  <a:lnTo>
-                    <a:pt y="0" x="0"/>
+                    <a:pt x="500332" y="0"/>
+                  </a:lnTo>
+                  <a:lnTo>
+                    <a:pt x="301925" y="6875253"/>
+                  </a:lnTo>
+                  <a:lnTo>
+                    <a:pt x="0" y="6875253"/>
+                  </a:lnTo>
+                  <a:lnTo>
+                    <a:pt x="0" y="0"/>
                   </a:lnTo>
                   <a:close/>
                 </a:path>
@@ -3071,7 +3236,7 @@
             </a:ln>
           </p:spPr>
           <p:txBody>
-            <a:bodyPr bIns="45700" rIns="91425" lIns="91425" tIns="45700" anchor="ctr" anchorCtr="0">
+            <a:bodyPr lIns="91425" tIns="45700" rIns="91425" bIns="45700" anchor="ctr" anchorCtr="0">
               <a:noAutofit/>
             </a:bodyPr>
             <a:lstStyle/>
@@ -3082,9 +3247,6 @@
                 </a:spcBef>
                 <a:buNone/>
               </a:pPr>
-              <a:r>
-                <a:t/>
-              </a:r>
               <a:endParaRPr/>
             </a:p>
           </p:txBody>
@@ -3098,10 +3260,10 @@
         </p:nvGrpSpPr>
         <p:grpSpPr>
           <a:xfrm flipH="1">
-            <a:off y="0" x="8494493"/>
-            <a:ext cy="5144627" cx="649180"/>
-            <a:chOff y="-1438" x="0"/>
-            <a:chExt cy="6859503" cx="649180"/>
+            <a:off x="8494493" y="0"/>
+            <a:ext cx="649180" cy="5144627"/>
+            <a:chOff x="0" y="-1438"/>
+            <a:chExt cx="649180" cy="6859503"/>
           </a:xfrm>
         </p:grpSpPr>
         <p:sp>
@@ -3112,26 +3274,31 @@
           </p:nvSpPr>
           <p:spPr>
             <a:xfrm>
-              <a:off y="-1438" x="0"/>
-              <a:ext cy="6858065" cx="649180"/>
+              <a:off x="0" y="-1438"/>
+              <a:ext cx="649180" cy="6858065"/>
             </a:xfrm>
             <a:custGeom>
+              <a:avLst/>
+              <a:gdLst/>
+              <a:ahLst/>
+              <a:cxnLst/>
+              <a:rect l="0" t="0" r="0" b="0"/>
               <a:pathLst>
-                <a:path w="500332" extrusionOk="0" h="6875253">
+                <a:path w="500332" h="6875253" extrusionOk="0">
                   <a:moveTo>
-                    <a:pt y="0" x="0"/>
+                    <a:pt x="0" y="0"/>
                   </a:moveTo>
                   <a:lnTo>
-                    <a:pt y="0" x="500332"/>
-                  </a:lnTo>
-                  <a:lnTo>
-                    <a:pt y="6875253" x="301925"/>
-                  </a:lnTo>
-                  <a:lnTo>
-                    <a:pt y="6875253" x="0"/>
-                  </a:lnTo>
-                  <a:lnTo>
-                    <a:pt y="0" x="0"/>
+                    <a:pt x="500332" y="0"/>
+                  </a:lnTo>
+                  <a:lnTo>
+                    <a:pt x="301925" y="6875253"/>
+                  </a:lnTo>
+                  <a:lnTo>
+                    <a:pt x="0" y="6875253"/>
+                  </a:lnTo>
+                  <a:lnTo>
+                    <a:pt x="0" y="0"/>
                   </a:lnTo>
                   <a:close/>
                 </a:path>
@@ -3147,7 +3314,7 @@
             </a:ln>
           </p:spPr>
           <p:txBody>
-            <a:bodyPr bIns="45700" rIns="91425" lIns="91425" tIns="45700" anchor="ctr" anchorCtr="0">
+            <a:bodyPr lIns="91425" tIns="45700" rIns="91425" bIns="45700" anchor="ctr" anchorCtr="0">
               <a:noAutofit/>
             </a:bodyPr>
             <a:lstStyle/>
@@ -3158,9 +3325,6 @@
                 </a:spcBef>
                 <a:buNone/>
               </a:pPr>
-              <a:r>
-                <a:t/>
-              </a:r>
               <a:endParaRPr/>
             </a:p>
           </p:txBody>
@@ -3173,26 +3337,31 @@
           </p:nvSpPr>
           <p:spPr>
             <a:xfrm>
-              <a:off y="0" x="0"/>
-              <a:ext cy="6858065" cx="500331"/>
+              <a:off x="0" y="0"/>
+              <a:ext cx="500331" cy="6858065"/>
             </a:xfrm>
             <a:custGeom>
+              <a:avLst/>
+              <a:gdLst/>
+              <a:ahLst/>
+              <a:cxnLst/>
+              <a:rect l="0" t="0" r="0" b="0"/>
               <a:pathLst>
-                <a:path w="500332" extrusionOk="0" h="6875253">
+                <a:path w="500332" h="6875253" extrusionOk="0">
                   <a:moveTo>
-                    <a:pt y="0" x="0"/>
+                    <a:pt x="0" y="0"/>
                   </a:moveTo>
                   <a:lnTo>
-                    <a:pt y="0" x="500332"/>
-                  </a:lnTo>
-                  <a:lnTo>
-                    <a:pt y="6875253" x="301925"/>
-                  </a:lnTo>
-                  <a:lnTo>
-                    <a:pt y="6875253" x="0"/>
-                  </a:lnTo>
-                  <a:lnTo>
-                    <a:pt y="0" x="0"/>
+                    <a:pt x="500332" y="0"/>
+                  </a:lnTo>
+                  <a:lnTo>
+                    <a:pt x="301925" y="6875253"/>
+                  </a:lnTo>
+                  <a:lnTo>
+                    <a:pt x="0" y="6875253"/>
+                  </a:lnTo>
+                  <a:lnTo>
+                    <a:pt x="0" y="0"/>
                   </a:lnTo>
                   <a:close/>
                 </a:path>
@@ -3208,7 +3377,7 @@
             </a:ln>
           </p:spPr>
           <p:txBody>
-            <a:bodyPr bIns="45700" rIns="91425" lIns="91425" tIns="45700" anchor="ctr" anchorCtr="0">
+            <a:bodyPr lIns="91425" tIns="45700" rIns="91425" bIns="45700" anchor="ctr" anchorCtr="0">
               <a:noAutofit/>
             </a:bodyPr>
             <a:lstStyle/>
@@ -3219,9 +3388,6 @@
                 </a:spcBef>
                 <a:buNone/>
               </a:pPr>
-              <a:r>
-                <a:t/>
-              </a:r>
               <a:endParaRPr/>
             </a:p>
           </p:txBody>
@@ -3235,8 +3401,8 @@
         </p:nvSpPr>
         <p:spPr>
           <a:xfrm>
-            <a:off y="4743450" x="0"/>
-            <a:ext cy="401099" cx="9144000"/>
+            <a:off x="0" y="4743450"/>
+            <a:ext cx="9144000" cy="401099"/>
           </a:xfrm>
           <a:prstGeom prst="rect">
             <a:avLst/>
@@ -3251,7 +3417,7 @@
           </a:ln>
         </p:spPr>
         <p:txBody>
-          <a:bodyPr bIns="45700" rIns="91425" lIns="91425" tIns="45700" anchor="ctr" anchorCtr="0">
+          <a:bodyPr lIns="91425" tIns="45700" rIns="91425" bIns="45700" anchor="ctr" anchorCtr="0">
             <a:noAutofit/>
           </a:bodyPr>
           <a:lstStyle/>
@@ -3262,9 +3428,6 @@
               </a:spcBef>
               <a:buNone/>
             </a:pPr>
-            <a:r>
-              <a:t/>
-            </a:r>
             <a:endParaRPr/>
           </a:p>
         </p:txBody>
@@ -3272,22 +3435,24 @@
       <p:sp>
         <p:nvSpPr>
           <p:cNvPr id="59" name="Shape 59"/>
-          <p:cNvSpPr txBox="1"/>
+          <p:cNvSpPr txBox="1">
+            <a:spLocks noGrp="1"/>
+          </p:cNvSpPr>
           <p:nvPr>
-            <p:ph idx="1" type="body"/>
+            <p:ph type="body" idx="1"/>
           </p:nvPr>
         </p:nvSpPr>
         <p:spPr>
           <a:xfrm>
-            <a:off y="4406309" x="457200"/>
-            <a:ext cy="519599" cx="8229600"/>
+            <a:off x="457200" y="4406309"/>
+            <a:ext cx="8229600" cy="519599"/>
           </a:xfrm>
           <a:prstGeom prst="rect">
             <a:avLst/>
           </a:prstGeom>
         </p:spPr>
         <p:txBody>
-          <a:bodyPr bIns="91425" rIns="91425" lIns="91425" tIns="91425" anchor="t" anchorCtr="0"/>
+          <a:bodyPr lIns="91425" tIns="91425" rIns="91425" bIns="91425" anchor="t" anchorCtr="0"/>
           <a:lstStyle>
             <a:lvl1pPr algn="ctr">
               <a:spcBef>
@@ -3305,7 +3470,9 @@
               </a:defRPr>
             </a:lvl1pPr>
           </a:lstStyle>
-          <a:p/>
+          <a:p>
+            <a:endParaRPr/>
+          </a:p>
         </p:txBody>
       </p:sp>
     </p:spTree>
@@ -3317,20 +3484,20 @@
 </file>
 
 <file path=ppt/slideLayouts/slideLayout6.xml><?xml version="1.0" encoding="utf-8"?>
-<p:sldLayout xmlns:a="http://schemas.openxmlformats.org/drawingml/2006/main" xmlns:r="http://schemas.openxmlformats.org/officeDocument/2006/relationships" xmlns:mc="http://schemas.openxmlformats.org/markup-compatibility/2006" xmlns:mv="urn:schemas-microsoft-com:mac:vml" xmlns:p="http://schemas.openxmlformats.org/presentationml/2006/main" xmlns:c="http://schemas.openxmlformats.org/drawingml/2006/chart" xmlns:dgm="http://schemas.openxmlformats.org/drawingml/2006/diagram" xmlns:o="urn:schemas-microsoft-com:office:office" xmlns:v="urn:schemas-microsoft-com:vml" xmlns:pvml="urn:schemas-microsoft-com:office:powerpoint" xmlns:com="http://schemas.openxmlformats.org/drawingml/2006/compatibility" xmlns:p14="http://schemas.microsoft.com/office/powerpoint/2010/main" type="blank">
+<p:sldLayout xmlns:a="http://schemas.openxmlformats.org/drawingml/2006/main" xmlns:r="http://schemas.openxmlformats.org/officeDocument/2006/relationships" xmlns:p="http://schemas.openxmlformats.org/presentationml/2006/main" type="blank">
   <p:cSld name="Blank">
     <p:spTree>
       <p:nvGrpSpPr>
-        <p:cNvPr id="60" name="Shape 60"/>
+        <p:cNvPr id="1" name="Shape 60"/>
         <p:cNvGrpSpPr/>
         <p:nvPr/>
       </p:nvGrpSpPr>
       <p:grpSpPr>
         <a:xfrm>
-          <a:off y="0" x="0"/>
-          <a:ext cy="0" cx="0"/>
-          <a:chOff y="0" x="0"/>
-          <a:chExt cy="0" cx="0"/>
+          <a:off x="0" y="0"/>
+          <a:ext cx="0" cy="0"/>
+          <a:chOff x="0" y="0"/>
+          <a:chExt cx="0" cy="0"/>
         </a:xfrm>
       </p:grpSpPr>
       <p:sp>
@@ -3341,8 +3508,8 @@
         </p:nvSpPr>
         <p:spPr>
           <a:xfrm>
-            <a:off y="-1078" x="0"/>
-            <a:ext cy="1144199" cx="9144000"/>
+            <a:off x="0" y="-1078"/>
+            <a:ext cx="9144000" cy="1144199"/>
           </a:xfrm>
           <a:prstGeom prst="rect">
             <a:avLst/>
@@ -3357,7 +3524,7 @@
           </a:ln>
         </p:spPr>
         <p:txBody>
-          <a:bodyPr bIns="45700" rIns="91425" lIns="91425" tIns="45700" anchor="ctr" anchorCtr="0">
+          <a:bodyPr lIns="91425" tIns="45700" rIns="91425" bIns="45700" anchor="ctr" anchorCtr="0">
             <a:noAutofit/>
           </a:bodyPr>
           <a:lstStyle/>
@@ -3368,9 +3535,6 @@
               </a:spcBef>
               <a:buNone/>
             </a:pPr>
-            <a:r>
-              <a:t/>
-            </a:r>
             <a:endParaRPr/>
           </a:p>
         </p:txBody>
@@ -3383,10 +3547,10 @@
         </p:nvGrpSpPr>
         <p:grpSpPr>
           <a:xfrm>
-            <a:off y="-1078" x="0"/>
-            <a:ext cy="5144627" cx="649180"/>
-            <a:chOff y="-1438" x="0"/>
-            <a:chExt cy="6859503" cx="649180"/>
+            <a:off x="0" y="-1078"/>
+            <a:ext cx="649180" cy="5144627"/>
+            <a:chOff x="0" y="-1438"/>
+            <a:chExt cx="649180" cy="6859503"/>
           </a:xfrm>
         </p:grpSpPr>
         <p:sp>
@@ -3397,26 +3561,31 @@
           </p:nvSpPr>
           <p:spPr>
             <a:xfrm>
-              <a:off y="-1438" x="0"/>
-              <a:ext cy="6858065" cx="649180"/>
+              <a:off x="0" y="-1438"/>
+              <a:ext cx="649180" cy="6858065"/>
             </a:xfrm>
             <a:custGeom>
+              <a:avLst/>
+              <a:gdLst/>
+              <a:ahLst/>
+              <a:cxnLst/>
+              <a:rect l="0" t="0" r="0" b="0"/>
               <a:pathLst>
-                <a:path w="500332" extrusionOk="0" h="6875253">
+                <a:path w="500332" h="6875253" extrusionOk="0">
                   <a:moveTo>
-                    <a:pt y="0" x="0"/>
+                    <a:pt x="0" y="0"/>
                   </a:moveTo>
                   <a:lnTo>
-                    <a:pt y="0" x="500332"/>
-                  </a:lnTo>
-                  <a:lnTo>
-                    <a:pt y="6875253" x="301925"/>
-                  </a:lnTo>
-                  <a:lnTo>
-                    <a:pt y="6875253" x="0"/>
-                  </a:lnTo>
-                  <a:lnTo>
-                    <a:pt y="0" x="0"/>
+                    <a:pt x="500332" y="0"/>
+                  </a:lnTo>
+                  <a:lnTo>
+                    <a:pt x="301925" y="6875253"/>
+                  </a:lnTo>
+                  <a:lnTo>
+                    <a:pt x="0" y="6875253"/>
+                  </a:lnTo>
+                  <a:lnTo>
+                    <a:pt x="0" y="0"/>
                   </a:lnTo>
                   <a:close/>
                 </a:path>
@@ -3432,7 +3601,7 @@
             </a:ln>
           </p:spPr>
           <p:txBody>
-            <a:bodyPr bIns="45700" rIns="91425" lIns="91425" tIns="45700" anchor="ctr" anchorCtr="0">
+            <a:bodyPr lIns="91425" tIns="45700" rIns="91425" bIns="45700" anchor="ctr" anchorCtr="0">
               <a:noAutofit/>
             </a:bodyPr>
             <a:lstStyle/>
@@ -3443,9 +3612,6 @@
                 </a:spcBef>
                 <a:buNone/>
               </a:pPr>
-              <a:r>
-                <a:t/>
-              </a:r>
               <a:endParaRPr/>
             </a:p>
           </p:txBody>
@@ -3458,26 +3624,31 @@
           </p:nvSpPr>
           <p:spPr>
             <a:xfrm>
-              <a:off y="0" x="0"/>
-              <a:ext cy="6858065" cx="500331"/>
+              <a:off x="0" y="0"/>
+              <a:ext cx="500331" cy="6858065"/>
             </a:xfrm>
             <a:custGeom>
+              <a:avLst/>
+              <a:gdLst/>
+              <a:ahLst/>
+              <a:cxnLst/>
+              <a:rect l="0" t="0" r="0" b="0"/>
               <a:pathLst>
-                <a:path w="500332" extrusionOk="0" h="6875253">
+                <a:path w="500332" h="6875253" extrusionOk="0">
                   <a:moveTo>
-                    <a:pt y="0" x="0"/>
+                    <a:pt x="0" y="0"/>
                   </a:moveTo>
                   <a:lnTo>
-                    <a:pt y="0" x="500332"/>
-                  </a:lnTo>
-                  <a:lnTo>
-                    <a:pt y="6875253" x="301925"/>
-                  </a:lnTo>
-                  <a:lnTo>
-                    <a:pt y="6875253" x="0"/>
-                  </a:lnTo>
-                  <a:lnTo>
-                    <a:pt y="0" x="0"/>
+                    <a:pt x="500332" y="0"/>
+                  </a:lnTo>
+                  <a:lnTo>
+                    <a:pt x="301925" y="6875253"/>
+                  </a:lnTo>
+                  <a:lnTo>
+                    <a:pt x="0" y="6875253"/>
+                  </a:lnTo>
+                  <a:lnTo>
+                    <a:pt x="0" y="0"/>
                   </a:lnTo>
                   <a:close/>
                 </a:path>
@@ -3493,7 +3664,7 @@
             </a:ln>
           </p:spPr>
           <p:txBody>
-            <a:bodyPr bIns="45700" rIns="91425" lIns="91425" tIns="45700" anchor="ctr" anchorCtr="0">
+            <a:bodyPr lIns="91425" tIns="45700" rIns="91425" bIns="45700" anchor="ctr" anchorCtr="0">
               <a:noAutofit/>
             </a:bodyPr>
             <a:lstStyle/>
@@ -3504,9 +3675,6 @@
                 </a:spcBef>
                 <a:buNone/>
               </a:pPr>
-              <a:r>
-                <a:t/>
-              </a:r>
               <a:endParaRPr/>
             </a:p>
           </p:txBody>
@@ -3520,10 +3688,10 @@
         </p:nvGrpSpPr>
         <p:grpSpPr>
           <a:xfrm flipH="1">
-            <a:off y="0" x="8494493"/>
-            <a:ext cy="5144627" cx="649180"/>
-            <a:chOff y="-1438" x="0"/>
-            <a:chExt cy="6859503" cx="649180"/>
+            <a:off x="8494493" y="0"/>
+            <a:ext cx="649180" cy="5144627"/>
+            <a:chOff x="0" y="-1438"/>
+            <a:chExt cx="649180" cy="6859503"/>
           </a:xfrm>
         </p:grpSpPr>
         <p:sp>
@@ -3534,26 +3702,31 @@
           </p:nvSpPr>
           <p:spPr>
             <a:xfrm>
-              <a:off y="-1438" x="0"/>
-              <a:ext cy="6858065" cx="649180"/>
+              <a:off x="0" y="-1438"/>
+              <a:ext cx="649180" cy="6858065"/>
             </a:xfrm>
             <a:custGeom>
+              <a:avLst/>
+              <a:gdLst/>
+              <a:ahLst/>
+              <a:cxnLst/>
+              <a:rect l="0" t="0" r="0" b="0"/>
               <a:pathLst>
-                <a:path w="500332" extrusionOk="0" h="6875253">
+                <a:path w="500332" h="6875253" extrusionOk="0">
                   <a:moveTo>
-                    <a:pt y="0" x="0"/>
+                    <a:pt x="0" y="0"/>
                   </a:moveTo>
                   <a:lnTo>
-                    <a:pt y="0" x="500332"/>
-                  </a:lnTo>
-                  <a:lnTo>
-                    <a:pt y="6875253" x="301925"/>
-                  </a:lnTo>
-                  <a:lnTo>
-                    <a:pt y="6875253" x="0"/>
-                  </a:lnTo>
-                  <a:lnTo>
-                    <a:pt y="0" x="0"/>
+                    <a:pt x="500332" y="0"/>
+                  </a:lnTo>
+                  <a:lnTo>
+                    <a:pt x="301925" y="6875253"/>
+                  </a:lnTo>
+                  <a:lnTo>
+                    <a:pt x="0" y="6875253"/>
+                  </a:lnTo>
+                  <a:lnTo>
+                    <a:pt x="0" y="0"/>
                   </a:lnTo>
                   <a:close/>
                 </a:path>
@@ -3569,7 +3742,7 @@
             </a:ln>
           </p:spPr>
           <p:txBody>
-            <a:bodyPr bIns="45700" rIns="91425" lIns="91425" tIns="45700" anchor="ctr" anchorCtr="0">
+            <a:bodyPr lIns="91425" tIns="45700" rIns="91425" bIns="45700" anchor="ctr" anchorCtr="0">
               <a:noAutofit/>
             </a:bodyPr>
             <a:lstStyle/>
@@ -3580,9 +3753,6 @@
                 </a:spcBef>
                 <a:buNone/>
               </a:pPr>
-              <a:r>
-                <a:t/>
-              </a:r>
               <a:endParaRPr/>
             </a:p>
           </p:txBody>
@@ -3595,26 +3765,31 @@
           </p:nvSpPr>
           <p:spPr>
             <a:xfrm>
-              <a:off y="0" x="0"/>
-              <a:ext cy="6858065" cx="500331"/>
+              <a:off x="0" y="0"/>
+              <a:ext cx="500331" cy="6858065"/>
             </a:xfrm>
             <a:custGeom>
+              <a:avLst/>
+              <a:gdLst/>
+              <a:ahLst/>
+              <a:cxnLst/>
+              <a:rect l="0" t="0" r="0" b="0"/>
               <a:pathLst>
-                <a:path w="500332" extrusionOk="0" h="6875253">
+                <a:path w="500332" h="6875253" extrusionOk="0">
                   <a:moveTo>
-                    <a:pt y="0" x="0"/>
+                    <a:pt x="0" y="0"/>
                   </a:moveTo>
                   <a:lnTo>
-                    <a:pt y="0" x="500332"/>
-                  </a:lnTo>
-                  <a:lnTo>
-                    <a:pt y="6875253" x="301925"/>
-                  </a:lnTo>
-                  <a:lnTo>
-                    <a:pt y="6875253" x="0"/>
-                  </a:lnTo>
-                  <a:lnTo>
-                    <a:pt y="0" x="0"/>
+                    <a:pt x="500332" y="0"/>
+                  </a:lnTo>
+                  <a:lnTo>
+                    <a:pt x="301925" y="6875253"/>
+                  </a:lnTo>
+                  <a:lnTo>
+                    <a:pt x="0" y="6875253"/>
+                  </a:lnTo>
+                  <a:lnTo>
+                    <a:pt x="0" y="0"/>
                   </a:lnTo>
                   <a:close/>
                 </a:path>
@@ -3630,7 +3805,7 @@
             </a:ln>
           </p:spPr>
           <p:txBody>
-            <a:bodyPr bIns="45700" rIns="91425" lIns="91425" tIns="45700" anchor="ctr" anchorCtr="0">
+            <a:bodyPr lIns="91425" tIns="45700" rIns="91425" bIns="45700" anchor="ctr" anchorCtr="0">
               <a:noAutofit/>
             </a:bodyPr>
             <a:lstStyle/>
@@ -3641,9 +3816,6 @@
                 </a:spcBef>
                 <a:buNone/>
               </a:pPr>
-              <a:r>
-                <a:t/>
-              </a:r>
               <a:endParaRPr/>
             </a:p>
           </p:txBody>
@@ -3657,8 +3829,8 @@
         </p:nvSpPr>
         <p:spPr>
           <a:xfrm>
-            <a:off y="4743450" x="0"/>
-            <a:ext cy="401099" cx="9144000"/>
+            <a:off x="0" y="4743450"/>
+            <a:ext cx="9144000" cy="401099"/>
           </a:xfrm>
           <a:prstGeom prst="rect">
             <a:avLst/>
@@ -3673,7 +3845,7 @@
           </a:ln>
         </p:spPr>
         <p:txBody>
-          <a:bodyPr bIns="45700" rIns="91425" lIns="91425" tIns="45700" anchor="ctr" anchorCtr="0">
+          <a:bodyPr lIns="91425" tIns="45700" rIns="91425" bIns="45700" anchor="ctr" anchorCtr="0">
             <a:noAutofit/>
           </a:bodyPr>
           <a:lstStyle/>
@@ -3684,9 +3856,6 @@
               </a:spcBef>
               <a:buNone/>
             </a:pPr>
-            <a:r>
-              <a:t/>
-            </a:r>
             <a:endParaRPr/>
           </a:p>
         </p:txBody>
@@ -3700,41 +3869,44 @@
 </file>
 
 <file path=ppt/slideMasters/slideMaster1.xml><?xml version="1.0" encoding="utf-8"?>
-<p:sldMaster xmlns:a="http://schemas.openxmlformats.org/drawingml/2006/main" xmlns:r="http://schemas.openxmlformats.org/officeDocument/2006/relationships" xmlns:mc="http://schemas.openxmlformats.org/markup-compatibility/2006" xmlns:mv="urn:schemas-microsoft-com:mac:vml" xmlns:p="http://schemas.openxmlformats.org/presentationml/2006/main" xmlns:c="http://schemas.openxmlformats.org/drawingml/2006/chart" xmlns:dgm="http://schemas.openxmlformats.org/drawingml/2006/diagram" xmlns:o="urn:schemas-microsoft-com:office:office" xmlns:v="urn:schemas-microsoft-com:vml" xmlns:pvml="urn:schemas-microsoft-com:office:powerpoint" xmlns:com="http://schemas.openxmlformats.org/drawingml/2006/compatibility" xmlns:p14="http://schemas.microsoft.com/office/powerpoint/2010/main">
+<p:sldMaster xmlns:a="http://schemas.openxmlformats.org/drawingml/2006/main" xmlns:r="http://schemas.openxmlformats.org/officeDocument/2006/relationships" xmlns:p="http://schemas.openxmlformats.org/presentationml/2006/main">
   <p:cSld>
     <p:bg>
       <p:bgPr>
         <a:solidFill>
           <a:srgbClr val="D9D2E9"/>
         </a:solidFill>
+        <a:effectLst/>
       </p:bgPr>
     </p:bg>
     <p:spTree>
       <p:nvGrpSpPr>
-        <p:cNvPr id="4" name="Shape 4"/>
+        <p:cNvPr id="1" name="Shape 4"/>
         <p:cNvGrpSpPr/>
         <p:nvPr/>
       </p:nvGrpSpPr>
       <p:grpSpPr>
         <a:xfrm>
-          <a:off y="0" x="0"/>
-          <a:ext cy="0" cx="0"/>
-          <a:chOff y="0" x="0"/>
-          <a:chExt cy="0" cx="0"/>
+          <a:off x="0" y="0"/>
+          <a:ext cx="0" cy="0"/>
+          <a:chOff x="0" y="0"/>
+          <a:chExt cx="0" cy="0"/>
         </a:xfrm>
       </p:grpSpPr>
       <p:sp>
         <p:nvSpPr>
           <p:cNvPr id="5" name="Shape 5"/>
-          <p:cNvSpPr txBox="1"/>
+          <p:cNvSpPr txBox="1">
+            <a:spLocks noGrp="1"/>
+          </p:cNvSpPr>
           <p:nvPr>
             <p:ph type="title"/>
           </p:nvPr>
         </p:nvSpPr>
         <p:spPr>
           <a:xfrm>
-            <a:off y="205978" x="457200"/>
-            <a:ext cy="857400" cx="8229600"/>
+            <a:off x="457200" y="205978"/>
+            <a:ext cx="8229600" cy="857400"/>
           </a:xfrm>
           <a:prstGeom prst="rect">
             <a:avLst/>
@@ -3745,7 +3917,7 @@
           </a:ln>
         </p:spPr>
         <p:txBody>
-          <a:bodyPr bIns="91425" rIns="91425" lIns="91425" tIns="91425" anchor="b" anchorCtr="0"/>
+          <a:bodyPr lIns="91425" tIns="91425" rIns="91425" bIns="91425" anchor="b" anchorCtr="0"/>
           <a:lstStyle>
             <a:lvl1pPr>
               <a:spcBef>
@@ -3757,7 +3929,7 @@
               <a:buSzPct val="100000"/>
               <a:buFont typeface="Trebuchet MS"/>
               <a:buNone/>
-              <a:defRPr b="1" sz="3600">
+              <a:defRPr sz="3600" b="1">
                 <a:solidFill>
                   <a:schemeClr val="lt2"/>
                 </a:solidFill>
@@ -3777,7 +3949,7 @@
               <a:buSzPct val="100000"/>
               <a:buFont typeface="Trebuchet MS"/>
               <a:buNone/>
-              <a:defRPr b="1" sz="3600">
+              <a:defRPr sz="3600" b="1">
                 <a:solidFill>
                   <a:schemeClr val="lt2"/>
                 </a:solidFill>
@@ -3797,7 +3969,7 @@
               <a:buSzPct val="100000"/>
               <a:buFont typeface="Trebuchet MS"/>
               <a:buNone/>
-              <a:defRPr b="1" sz="3600">
+              <a:defRPr sz="3600" b="1">
                 <a:solidFill>
                   <a:schemeClr val="lt2"/>
                 </a:solidFill>
@@ -3817,7 +3989,7 @@
               <a:buSzPct val="100000"/>
               <a:buFont typeface="Trebuchet MS"/>
               <a:buNone/>
-              <a:defRPr b="1" sz="3600">
+              <a:defRPr sz="3600" b="1">
                 <a:solidFill>
                   <a:schemeClr val="lt2"/>
                 </a:solidFill>
@@ -3837,7 +4009,7 @@
               <a:buSzPct val="100000"/>
               <a:buFont typeface="Trebuchet MS"/>
               <a:buNone/>
-              <a:defRPr b="1" sz="3600">
+              <a:defRPr sz="3600" b="1">
                 <a:solidFill>
                   <a:schemeClr val="lt2"/>
                 </a:solidFill>
@@ -3857,7 +4029,7 @@
               <a:buSzPct val="100000"/>
               <a:buFont typeface="Trebuchet MS"/>
               <a:buNone/>
-              <a:defRPr b="1" sz="3600">
+              <a:defRPr sz="3600" b="1">
                 <a:solidFill>
                   <a:schemeClr val="lt2"/>
                 </a:solidFill>
@@ -3877,7 +4049,7 @@
               <a:buSzPct val="100000"/>
               <a:buFont typeface="Trebuchet MS"/>
               <a:buNone/>
-              <a:defRPr b="1" sz="3600">
+              <a:defRPr sz="3600" b="1">
                 <a:solidFill>
                   <a:schemeClr val="lt2"/>
                 </a:solidFill>
@@ -3897,7 +4069,7 @@
               <a:buSzPct val="100000"/>
               <a:buFont typeface="Trebuchet MS"/>
               <a:buNone/>
-              <a:defRPr b="1" sz="3600">
+              <a:defRPr sz="3600" b="1">
                 <a:solidFill>
                   <a:schemeClr val="lt2"/>
                 </a:solidFill>
@@ -3917,7 +4089,7 @@
               <a:buSzPct val="100000"/>
               <a:buFont typeface="Trebuchet MS"/>
               <a:buNone/>
-              <a:defRPr b="1" sz="3600">
+              <a:defRPr sz="3600" b="1">
                 <a:solidFill>
                   <a:schemeClr val="lt2"/>
                 </a:solidFill>
@@ -3928,21 +4100,25 @@
               </a:defRPr>
             </a:lvl9pPr>
           </a:lstStyle>
-          <a:p/>
+          <a:p>
+            <a:endParaRPr/>
+          </a:p>
         </p:txBody>
       </p:sp>
       <p:sp>
         <p:nvSpPr>
           <p:cNvPr id="6" name="Shape 6"/>
-          <p:cNvSpPr txBox="1"/>
+          <p:cNvSpPr txBox="1">
+            <a:spLocks noGrp="1"/>
+          </p:cNvSpPr>
           <p:nvPr>
-            <p:ph idx="1" type="body"/>
+            <p:ph type="body" idx="1"/>
           </p:nvPr>
         </p:nvSpPr>
         <p:spPr>
           <a:xfrm>
-            <a:off y="1200150" x="457200"/>
-            <a:ext cy="3725699" cx="8229600"/>
+            <a:off x="457200" y="1200150"/>
+            <a:ext cx="8229600" cy="3725699"/>
           </a:xfrm>
           <a:prstGeom prst="rect">
             <a:avLst/>
@@ -3953,7 +4129,7 @@
           </a:ln>
         </p:spPr>
         <p:txBody>
-          <a:bodyPr bIns="91425" rIns="91425" lIns="91425" tIns="91425" anchor="t" anchorCtr="0"/>
+          <a:bodyPr lIns="91425" tIns="91425" rIns="91425" bIns="91425" anchor="t" anchorCtr="0"/>
           <a:lstStyle>
             <a:lvl1pPr>
               <a:spcBef>
@@ -4127,12 +4303,14 @@
               </a:defRPr>
             </a:lvl9pPr>
           </a:lstStyle>
-          <a:p/>
+          <a:p>
+            <a:endParaRPr/>
+          </a:p>
         </p:txBody>
       </p:sp>
     </p:spTree>
   </p:cSld>
-  <p:clrMap accent2="accent2" accent3="accent3" accent4="accent4" accent5="accent5" accent6="accent6" hlink="hlink" tx2="lt2" tx1="dk1" bg2="dk2" bg1="lt1" folHlink="folHlink" accent1="accent1"/>
+  <p:clrMap bg1="lt1" tx1="dk1" bg2="dk2" tx2="lt2" accent1="accent1" accent2="accent2" accent3="accent3" accent4="accent4" accent5="accent5" accent6="accent6" hlink="hlink" folHlink="folHlink"/>
   <p:sldLayoutIdLst>
     <p:sldLayoutId id="2147483648" r:id="rId1"/>
     <p:sldLayoutId id="2147483649" r:id="rId2"/>
@@ -4141,10 +4319,10 @@
     <p:sldLayoutId id="2147483652" r:id="rId5"/>
     <p:sldLayoutId id="2147483653" r:id="rId6"/>
   </p:sldLayoutIdLst>
-  <p:hf dt="0" ftr="0" sldNum="0" hdr="0"/>
+  <p:hf sldNum="0" hdr="0" ftr="0" dt="0"/>
   <p:txStyles>
     <p:titleStyle>
-      <a:defPPr algn="l" rtl="0" marR="0">
+      <a:defPPr marR="0" algn="l" rtl="0">
         <a:lnSpc>
           <a:spcPct val="100000"/>
         </a:lnSpc>
@@ -4155,7 +4333,7 @@
           <a:spcPts val="0"/>
         </a:spcAft>
       </a:defPPr>
-      <a:lvl1pPr algn="l" rtl="0" marR="0">
+      <a:lvl1pPr marR="0" algn="l" rtl="0">
         <a:lnSpc>
           <a:spcPct val="100000"/>
         </a:lnSpc>
@@ -4166,7 +4344,7 @@
           <a:spcPts val="0"/>
         </a:spcAft>
         <a:buNone/>
-        <a:defRPr strike="noStrike" u="none" b="0" cap="none" baseline="0" sz="1400" i="0">
+        <a:defRPr sz="1400" b="0" i="0" u="none" strike="noStrike" cap="none" baseline="0">
           <a:solidFill>
             <a:srgbClr val="000000"/>
           </a:solidFill>
@@ -4174,10 +4352,9 @@
           <a:ea typeface="Arial"/>
           <a:cs typeface="Arial"/>
           <a:sym typeface="Arial"/>
-          <a:rtl val="0"/>
         </a:defRPr>
       </a:lvl1pPr>
-      <a:lvl2pPr algn="l" rtl="0" marR="0">
+      <a:lvl2pPr marR="0" algn="l" rtl="0">
         <a:lnSpc>
           <a:spcPct val="100000"/>
         </a:lnSpc>
@@ -4188,7 +4365,7 @@
           <a:spcPts val="0"/>
         </a:spcAft>
         <a:buNone/>
-        <a:defRPr strike="noStrike" u="none" b="0" cap="none" baseline="0" sz="1400" i="0">
+        <a:defRPr sz="1400" b="0" i="0" u="none" strike="noStrike" cap="none" baseline="0">
           <a:solidFill>
             <a:srgbClr val="000000"/>
           </a:solidFill>
@@ -4196,12 +4373,11 @@
           <a:ea typeface="Arial"/>
           <a:cs typeface="Arial"/>
           <a:sym typeface="Arial"/>
-          <a:rtl val="0"/>
         </a:defRPr>
       </a:lvl2pPr>
     </p:titleStyle>
     <p:bodyStyle>
-      <a:defPPr algn="l" rtl="0" marR="0">
+      <a:defPPr marR="0" algn="l" rtl="0">
         <a:lnSpc>
           <a:spcPct val="100000"/>
         </a:lnSpc>
@@ -4212,7 +4388,7 @@
           <a:spcPts val="0"/>
         </a:spcAft>
       </a:defPPr>
-      <a:lvl1pPr algn="l" rtl="0" marR="0">
+      <a:lvl1pPr marR="0" algn="l" rtl="0">
         <a:lnSpc>
           <a:spcPct val="100000"/>
         </a:lnSpc>
@@ -4223,7 +4399,7 @@
           <a:spcPts val="0"/>
         </a:spcAft>
         <a:buNone/>
-        <a:defRPr strike="noStrike" u="none" b="0" cap="none" baseline="0" sz="1400" i="0">
+        <a:defRPr sz="1400" b="0" i="0" u="none" strike="noStrike" cap="none" baseline="0">
           <a:solidFill>
             <a:srgbClr val="000000"/>
           </a:solidFill>
@@ -4231,10 +4407,9 @@
           <a:ea typeface="Arial"/>
           <a:cs typeface="Arial"/>
           <a:sym typeface="Arial"/>
-          <a:rtl val="0"/>
         </a:defRPr>
       </a:lvl1pPr>
-      <a:lvl2pPr algn="l" rtl="0" marR="0">
+      <a:lvl2pPr marR="0" algn="l" rtl="0">
         <a:lnSpc>
           <a:spcPct val="100000"/>
         </a:lnSpc>
@@ -4245,7 +4420,7 @@
           <a:spcPts val="0"/>
         </a:spcAft>
         <a:buNone/>
-        <a:defRPr strike="noStrike" u="none" b="0" cap="none" baseline="0" sz="1400" i="0">
+        <a:defRPr sz="1400" b="0" i="0" u="none" strike="noStrike" cap="none" baseline="0">
           <a:solidFill>
             <a:srgbClr val="000000"/>
           </a:solidFill>
@@ -4253,10 +4428,9 @@
           <a:ea typeface="Arial"/>
           <a:cs typeface="Arial"/>
           <a:sym typeface="Arial"/>
-          <a:rtl val="0"/>
         </a:defRPr>
       </a:lvl2pPr>
-      <a:lvl3pPr algn="l" rtl="0" marR="0">
+      <a:lvl3pPr marR="0" algn="l" rtl="0">
         <a:lnSpc>
           <a:spcPct val="100000"/>
         </a:lnSpc>
@@ -4267,7 +4441,7 @@
           <a:spcPts val="0"/>
         </a:spcAft>
         <a:buNone/>
-        <a:defRPr strike="noStrike" u="none" b="0" cap="none" baseline="0" sz="1400" i="0">
+        <a:defRPr sz="1400" b="0" i="0" u="none" strike="noStrike" cap="none" baseline="0">
           <a:solidFill>
             <a:srgbClr val="000000"/>
           </a:solidFill>
@@ -4275,10 +4449,9 @@
           <a:ea typeface="Arial"/>
           <a:cs typeface="Arial"/>
           <a:sym typeface="Arial"/>
-          <a:rtl val="0"/>
         </a:defRPr>
       </a:lvl3pPr>
-      <a:lvl4pPr algn="l" rtl="0" marR="0">
+      <a:lvl4pPr marR="0" algn="l" rtl="0">
         <a:lnSpc>
           <a:spcPct val="100000"/>
         </a:lnSpc>
@@ -4289,7 +4462,7 @@
           <a:spcPts val="0"/>
         </a:spcAft>
         <a:buNone/>
-        <a:defRPr strike="noStrike" u="none" b="0" cap="none" baseline="0" sz="1400" i="0">
+        <a:defRPr sz="1400" b="0" i="0" u="none" strike="noStrike" cap="none" baseline="0">
           <a:solidFill>
             <a:srgbClr val="000000"/>
           </a:solidFill>
@@ -4297,10 +4470,9 @@
           <a:ea typeface="Arial"/>
           <a:cs typeface="Arial"/>
           <a:sym typeface="Arial"/>
-          <a:rtl val="0"/>
         </a:defRPr>
       </a:lvl4pPr>
-      <a:lvl5pPr algn="l" rtl="0" marR="0">
+      <a:lvl5pPr marR="0" algn="l" rtl="0">
         <a:lnSpc>
           <a:spcPct val="100000"/>
         </a:lnSpc>
@@ -4311,7 +4483,7 @@
           <a:spcPts val="0"/>
         </a:spcAft>
         <a:buNone/>
-        <a:defRPr strike="noStrike" u="none" b="0" cap="none" baseline="0" sz="1400" i="0">
+        <a:defRPr sz="1400" b="0" i="0" u="none" strike="noStrike" cap="none" baseline="0">
           <a:solidFill>
             <a:srgbClr val="000000"/>
           </a:solidFill>
@@ -4319,10 +4491,9 @@
           <a:ea typeface="Arial"/>
           <a:cs typeface="Arial"/>
           <a:sym typeface="Arial"/>
-          <a:rtl val="0"/>
         </a:defRPr>
       </a:lvl5pPr>
-      <a:lvl6pPr algn="l" rtl="0" marR="0">
+      <a:lvl6pPr marR="0" algn="l" rtl="0">
         <a:lnSpc>
           <a:spcPct val="100000"/>
         </a:lnSpc>
@@ -4333,7 +4504,7 @@
           <a:spcPts val="0"/>
         </a:spcAft>
         <a:buNone/>
-        <a:defRPr strike="noStrike" u="none" b="0" cap="none" baseline="0" sz="1400" i="0">
+        <a:defRPr sz="1400" b="0" i="0" u="none" strike="noStrike" cap="none" baseline="0">
           <a:solidFill>
             <a:srgbClr val="000000"/>
           </a:solidFill>
@@ -4341,10 +4512,9 @@
           <a:ea typeface="Arial"/>
           <a:cs typeface="Arial"/>
           <a:sym typeface="Arial"/>
-          <a:rtl val="0"/>
         </a:defRPr>
       </a:lvl6pPr>
-      <a:lvl7pPr algn="l" rtl="0" marR="0">
+      <a:lvl7pPr marR="0" algn="l" rtl="0">
         <a:lnSpc>
           <a:spcPct val="100000"/>
         </a:lnSpc>
@@ -4355,7 +4525,7 @@
           <a:spcPts val="0"/>
         </a:spcAft>
         <a:buNone/>
-        <a:defRPr strike="noStrike" u="none" b="0" cap="none" baseline="0" sz="1400" i="0">
+        <a:defRPr sz="1400" b="0" i="0" u="none" strike="noStrike" cap="none" baseline="0">
           <a:solidFill>
             <a:srgbClr val="000000"/>
           </a:solidFill>
@@ -4363,10 +4533,9 @@
           <a:ea typeface="Arial"/>
           <a:cs typeface="Arial"/>
           <a:sym typeface="Arial"/>
-          <a:rtl val="0"/>
         </a:defRPr>
       </a:lvl7pPr>
-      <a:lvl8pPr algn="l" rtl="0" marR="0">
+      <a:lvl8pPr marR="0" algn="l" rtl="0">
         <a:lnSpc>
           <a:spcPct val="100000"/>
         </a:lnSpc>
@@ -4377,7 +4546,7 @@
           <a:spcPts val="0"/>
         </a:spcAft>
         <a:buNone/>
-        <a:defRPr strike="noStrike" u="none" b="0" cap="none" baseline="0" sz="1400" i="0">
+        <a:defRPr sz="1400" b="0" i="0" u="none" strike="noStrike" cap="none" baseline="0">
           <a:solidFill>
             <a:srgbClr val="000000"/>
           </a:solidFill>
@@ -4385,10 +4554,9 @@
           <a:ea typeface="Arial"/>
           <a:cs typeface="Arial"/>
           <a:sym typeface="Arial"/>
-          <a:rtl val="0"/>
         </a:defRPr>
       </a:lvl8pPr>
-      <a:lvl9pPr algn="l" rtl="0" marR="0">
+      <a:lvl9pPr marR="0" algn="l" rtl="0">
         <a:lnSpc>
           <a:spcPct val="100000"/>
         </a:lnSpc>
@@ -4399,7 +4567,7 @@
           <a:spcPts val="0"/>
         </a:spcAft>
         <a:buNone/>
-        <a:defRPr strike="noStrike" u="none" b="0" cap="none" baseline="0" sz="1400" i="0">
+        <a:defRPr sz="1400" b="0" i="0" u="none" strike="noStrike" cap="none" baseline="0">
           <a:solidFill>
             <a:srgbClr val="000000"/>
           </a:solidFill>
@@ -4407,12 +4575,11 @@
           <a:ea typeface="Arial"/>
           <a:cs typeface="Arial"/>
           <a:sym typeface="Arial"/>
-          <a:rtl val="0"/>
         </a:defRPr>
       </a:lvl9pPr>
     </p:bodyStyle>
     <p:otherStyle>
-      <a:defPPr algn="l" rtl="0" marR="0">
+      <a:defPPr marR="0" algn="l" rtl="0">
         <a:lnSpc>
           <a:spcPct val="100000"/>
         </a:lnSpc>
@@ -4423,7 +4590,7 @@
           <a:spcPts val="0"/>
         </a:spcAft>
       </a:defPPr>
-      <a:lvl1pPr algn="l" rtl="0" marR="0">
+      <a:lvl1pPr marR="0" algn="l" rtl="0">
         <a:lnSpc>
           <a:spcPct val="100000"/>
         </a:lnSpc>
@@ -4434,7 +4601,7 @@
           <a:spcPts val="0"/>
         </a:spcAft>
         <a:buNone/>
-        <a:defRPr strike="noStrike" u="none" b="0" cap="none" baseline="0" sz="1400" i="0">
+        <a:defRPr sz="1400" b="0" i="0" u="none" strike="noStrike" cap="none" baseline="0">
           <a:solidFill>
             <a:srgbClr val="000000"/>
           </a:solidFill>
@@ -4442,10 +4609,9 @@
           <a:ea typeface="Arial"/>
           <a:cs typeface="Arial"/>
           <a:sym typeface="Arial"/>
-          <a:rtl val="0"/>
         </a:defRPr>
       </a:lvl1pPr>
-      <a:lvl2pPr algn="l" rtl="0" marR="0">
+      <a:lvl2pPr marR="0" algn="l" rtl="0">
         <a:lnSpc>
           <a:spcPct val="100000"/>
         </a:lnSpc>
@@ -4456,7 +4622,7 @@
           <a:spcPts val="0"/>
         </a:spcAft>
         <a:buNone/>
-        <a:defRPr strike="noStrike" u="none" b="0" cap="none" baseline="0" sz="1400" i="0">
+        <a:defRPr sz="1400" b="0" i="0" u="none" strike="noStrike" cap="none" baseline="0">
           <a:solidFill>
             <a:srgbClr val="000000"/>
           </a:solidFill>
@@ -4464,10 +4630,9 @@
           <a:ea typeface="Arial"/>
           <a:cs typeface="Arial"/>
           <a:sym typeface="Arial"/>
-          <a:rtl val="0"/>
         </a:defRPr>
       </a:lvl2pPr>
-      <a:lvl3pPr algn="l" rtl="0" marR="0">
+      <a:lvl3pPr marR="0" algn="l" rtl="0">
         <a:lnSpc>
           <a:spcPct val="100000"/>
         </a:lnSpc>
@@ -4478,7 +4643,7 @@
           <a:spcPts val="0"/>
         </a:spcAft>
         <a:buNone/>
-        <a:defRPr strike="noStrike" u="none" b="0" cap="none" baseline="0" sz="1400" i="0">
+        <a:defRPr sz="1400" b="0" i="0" u="none" strike="noStrike" cap="none" baseline="0">
           <a:solidFill>
             <a:srgbClr val="000000"/>
           </a:solidFill>
@@ -4486,10 +4651,9 @@
           <a:ea typeface="Arial"/>
           <a:cs typeface="Arial"/>
           <a:sym typeface="Arial"/>
-          <a:rtl val="0"/>
         </a:defRPr>
       </a:lvl3pPr>
-      <a:lvl4pPr algn="l" rtl="0" marR="0">
+      <a:lvl4pPr marR="0" algn="l" rtl="0">
         <a:lnSpc>
           <a:spcPct val="100000"/>
         </a:lnSpc>
@@ -4500,7 +4664,7 @@
           <a:spcPts val="0"/>
         </a:spcAft>
         <a:buNone/>
-        <a:defRPr strike="noStrike" u="none" b="0" cap="none" baseline="0" sz="1400" i="0">
+        <a:defRPr sz="1400" b="0" i="0" u="none" strike="noStrike" cap="none" baseline="0">
           <a:solidFill>
             <a:srgbClr val="000000"/>
           </a:solidFill>
@@ -4508,10 +4672,9 @@
           <a:ea typeface="Arial"/>
           <a:cs typeface="Arial"/>
           <a:sym typeface="Arial"/>
-          <a:rtl val="0"/>
         </a:defRPr>
       </a:lvl4pPr>
-      <a:lvl5pPr algn="l" rtl="0" marR="0">
+      <a:lvl5pPr marR="0" algn="l" rtl="0">
         <a:lnSpc>
           <a:spcPct val="100000"/>
         </a:lnSpc>
@@ -4522,7 +4685,7 @@
           <a:spcPts val="0"/>
         </a:spcAft>
         <a:buNone/>
-        <a:defRPr strike="noStrike" u="none" b="0" cap="none" baseline="0" sz="1400" i="0">
+        <a:defRPr sz="1400" b="0" i="0" u="none" strike="noStrike" cap="none" baseline="0">
           <a:solidFill>
             <a:srgbClr val="000000"/>
           </a:solidFill>
@@ -4530,10 +4693,9 @@
           <a:ea typeface="Arial"/>
           <a:cs typeface="Arial"/>
           <a:sym typeface="Arial"/>
-          <a:rtl val="0"/>
         </a:defRPr>
       </a:lvl5pPr>
-      <a:lvl6pPr algn="l" rtl="0" marR="0">
+      <a:lvl6pPr marR="0" algn="l" rtl="0">
         <a:lnSpc>
           <a:spcPct val="100000"/>
         </a:lnSpc>
@@ -4544,7 +4706,7 @@
           <a:spcPts val="0"/>
         </a:spcAft>
         <a:buNone/>
-        <a:defRPr strike="noStrike" u="none" b="0" cap="none" baseline="0" sz="1400" i="0">
+        <a:defRPr sz="1400" b="0" i="0" u="none" strike="noStrike" cap="none" baseline="0">
           <a:solidFill>
             <a:srgbClr val="000000"/>
           </a:solidFill>
@@ -4552,10 +4714,9 @@
           <a:ea typeface="Arial"/>
           <a:cs typeface="Arial"/>
           <a:sym typeface="Arial"/>
-          <a:rtl val="0"/>
         </a:defRPr>
       </a:lvl6pPr>
-      <a:lvl7pPr algn="l" rtl="0" marR="0">
+      <a:lvl7pPr marR="0" algn="l" rtl="0">
         <a:lnSpc>
           <a:spcPct val="100000"/>
         </a:lnSpc>
@@ -4566,7 +4727,7 @@
           <a:spcPts val="0"/>
         </a:spcAft>
         <a:buNone/>
-        <a:defRPr strike="noStrike" u="none" b="0" cap="none" baseline="0" sz="1400" i="0">
+        <a:defRPr sz="1400" b="0" i="0" u="none" strike="noStrike" cap="none" baseline="0">
           <a:solidFill>
             <a:srgbClr val="000000"/>
           </a:solidFill>
@@ -4574,10 +4735,9 @@
           <a:ea typeface="Arial"/>
           <a:cs typeface="Arial"/>
           <a:sym typeface="Arial"/>
-          <a:rtl val="0"/>
         </a:defRPr>
       </a:lvl7pPr>
-      <a:lvl8pPr algn="l" rtl="0" marR="0">
+      <a:lvl8pPr marR="0" algn="l" rtl="0">
         <a:lnSpc>
           <a:spcPct val="100000"/>
         </a:lnSpc>
@@ -4588,7 +4748,7 @@
           <a:spcPts val="0"/>
         </a:spcAft>
         <a:buNone/>
-        <a:defRPr strike="noStrike" u="none" b="0" cap="none" baseline="0" sz="1400" i="0">
+        <a:defRPr sz="1400" b="0" i="0" u="none" strike="noStrike" cap="none" baseline="0">
           <a:solidFill>
             <a:srgbClr val="000000"/>
           </a:solidFill>
@@ -4596,10 +4756,9 @@
           <a:ea typeface="Arial"/>
           <a:cs typeface="Arial"/>
           <a:sym typeface="Arial"/>
-          <a:rtl val="0"/>
         </a:defRPr>
       </a:lvl8pPr>
-      <a:lvl9pPr algn="l" rtl="0" marR="0">
+      <a:lvl9pPr marR="0" algn="l" rtl="0">
         <a:lnSpc>
           <a:spcPct val="100000"/>
         </a:lnSpc>
@@ -4610,7 +4769,7 @@
           <a:spcPts val="0"/>
         </a:spcAft>
         <a:buNone/>
-        <a:defRPr strike="noStrike" u="none" b="0" cap="none" baseline="0" sz="1400" i="0">
+        <a:defRPr sz="1400" b="0" i="0" u="none" strike="noStrike" cap="none" baseline="0">
           <a:solidFill>
             <a:srgbClr val="000000"/>
           </a:solidFill>
@@ -4618,7 +4777,6 @@
           <a:ea typeface="Arial"/>
           <a:cs typeface="Arial"/>
           <a:sym typeface="Arial"/>
-          <a:rtl val="0"/>
         </a:defRPr>
       </a:lvl9pPr>
     </p:otherStyle>
@@ -4627,41 +4785,43 @@
 </file>
 
 <file path=ppt/slides/slide1.xml><?xml version="1.0" encoding="utf-8"?>
-<p:sld xmlns:a="http://schemas.openxmlformats.org/drawingml/2006/main" xmlns:r="http://schemas.openxmlformats.org/officeDocument/2006/relationships" xmlns:mc="http://schemas.openxmlformats.org/markup-compatibility/2006" xmlns:mv="urn:schemas-microsoft-com:mac:vml" xmlns:p="http://schemas.openxmlformats.org/presentationml/2006/main" xmlns:c="http://schemas.openxmlformats.org/drawingml/2006/chart" xmlns:dgm="http://schemas.openxmlformats.org/drawingml/2006/diagram" xmlns:o="urn:schemas-microsoft-com:office:office" xmlns:v="urn:schemas-microsoft-com:vml" xmlns:pvml="urn:schemas-microsoft-com:office:powerpoint" xmlns:com="http://schemas.openxmlformats.org/drawingml/2006/compatibility" xmlns:p14="http://schemas.microsoft.com/office/powerpoint/2010/main">
+<p:sld xmlns:a="http://schemas.openxmlformats.org/drawingml/2006/main" xmlns:r="http://schemas.openxmlformats.org/officeDocument/2006/relationships" xmlns:p="http://schemas.openxmlformats.org/presentationml/2006/main">
   <p:cSld>
     <p:spTree>
       <p:nvGrpSpPr>
-        <p:cNvPr id="69" name="Shape 69"/>
+        <p:cNvPr id="1" name="Shape 69"/>
         <p:cNvGrpSpPr/>
         <p:nvPr/>
       </p:nvGrpSpPr>
       <p:grpSpPr>
         <a:xfrm>
-          <a:off y="0" x="0"/>
-          <a:ext cy="0" cx="0"/>
-          <a:chOff y="0" x="0"/>
-          <a:chExt cy="0" cx="0"/>
+          <a:off x="0" y="0"/>
+          <a:ext cx="0" cy="0"/>
+          <a:chOff x="0" y="0"/>
+          <a:chExt cx="0" cy="0"/>
         </a:xfrm>
       </p:grpSpPr>
       <p:sp>
         <p:nvSpPr>
           <p:cNvPr id="70" name="Shape 70"/>
-          <p:cNvSpPr txBox="1"/>
+          <p:cNvSpPr txBox="1">
+            <a:spLocks noGrp="1"/>
+          </p:cNvSpPr>
           <p:nvPr>
             <p:ph type="ctrTitle"/>
           </p:nvPr>
         </p:nvSpPr>
         <p:spPr>
           <a:xfrm>
-            <a:off y="1046875" x="216450"/>
-            <a:ext cy="1248000" cx="8824499"/>
+            <a:off x="216450" y="1046875"/>
+            <a:ext cx="8824499" cy="1248000"/>
           </a:xfrm>
           <a:prstGeom prst="rect">
             <a:avLst/>
           </a:prstGeom>
         </p:spPr>
         <p:txBody>
-          <a:bodyPr bIns="91425" rIns="91425" lIns="91425" tIns="91425" anchor="b" anchorCtr="0">
+          <a:bodyPr lIns="91425" tIns="91425" rIns="91425" bIns="91425" anchor="b" anchorCtr="0">
             <a:noAutofit/>
           </a:bodyPr>
           <a:lstStyle/>
@@ -4686,22 +4846,24 @@
       <p:sp>
         <p:nvSpPr>
           <p:cNvPr id="71" name="Shape 71"/>
-          <p:cNvSpPr txBox="1"/>
+          <p:cNvSpPr txBox="1">
+            <a:spLocks noGrp="1"/>
+          </p:cNvSpPr>
           <p:nvPr>
-            <p:ph idx="1" type="subTitle"/>
+            <p:ph type="subTitle" idx="1"/>
           </p:nvPr>
         </p:nvSpPr>
         <p:spPr>
           <a:xfrm>
-            <a:off y="1918500" x="0"/>
-            <a:ext cy="2194799" cx="9144000"/>
+            <a:off x="0" y="1918500"/>
+            <a:ext cx="9144000" cy="2194799"/>
           </a:xfrm>
           <a:prstGeom prst="rect">
             <a:avLst/>
           </a:prstGeom>
         </p:spPr>
         <p:txBody>
-          <a:bodyPr bIns="91425" rIns="91425" lIns="91425" tIns="91425" anchor="t" anchorCtr="0">
+          <a:bodyPr lIns="91425" tIns="91425" rIns="91425" bIns="91425" anchor="t" anchorCtr="0">
             <a:noAutofit/>
           </a:bodyPr>
           <a:lstStyle/>
@@ -4712,9 +4874,6 @@
               </a:spcBef>
               <a:buNone/>
             </a:pPr>
-            <a:r>
-              <a:t/>
-            </a:r>
             <a:endParaRPr b="1">
               <a:solidFill>
                 <a:srgbClr val="000000"/>
@@ -4722,14 +4881,14 @@
             </a:endParaRPr>
           </a:p>
           <a:p>
-            <a:pPr rtl="0" indent="0" marL="0">
+            <a:pPr marL="0" indent="0" rtl="0">
               <a:spcBef>
                 <a:spcPts val="0"/>
               </a:spcBef>
               <a:buNone/>
             </a:pPr>
             <a:r>
-              <a:rPr b="1" lang="en">
+              <a:rPr lang="en" b="1">
                 <a:solidFill>
                   <a:srgbClr val="000000"/>
                 </a:solidFill>
@@ -4738,14 +4897,14 @@
             </a:r>
           </a:p>
           <a:p>
-            <a:pPr rtl="0" indent="0" marL="0">
+            <a:pPr marL="0" indent="0" rtl="0">
               <a:spcBef>
                 <a:spcPts val="0"/>
               </a:spcBef>
               <a:buNone/>
             </a:pPr>
             <a:r>
-              <a:rPr b="1" lang="en">
+              <a:rPr lang="en" b="1">
                 <a:solidFill>
                   <a:srgbClr val="000000"/>
                 </a:solidFill>
@@ -4754,14 +4913,14 @@
             </a:r>
           </a:p>
           <a:p>
-            <a:pPr rtl="0" indent="0" marL="0">
+            <a:pPr marL="0" indent="0" rtl="0">
               <a:spcBef>
                 <a:spcPts val="0"/>
               </a:spcBef>
               <a:buNone/>
             </a:pPr>
             <a:r>
-              <a:rPr b="1" lang="en">
+              <a:rPr lang="en" b="1">
                 <a:solidFill>
                   <a:srgbClr val="000000"/>
                 </a:solidFill>
@@ -4770,14 +4929,14 @@
             </a:r>
           </a:p>
           <a:p>
-            <a:pPr indent="0" marL="0">
+            <a:pPr marL="0" indent="0">
               <a:spcBef>
                 <a:spcPts val="0"/>
               </a:spcBef>
               <a:buNone/>
             </a:pPr>
             <a:r>
-              <a:rPr b="1" lang="en">
+              <a:rPr lang="en" b="1">
                 <a:solidFill>
                   <a:srgbClr val="000000"/>
                 </a:solidFill>
@@ -4795,8 +4954,8 @@
         </p:nvSpPr>
         <p:spPr>
           <a:xfrm>
-            <a:off y="374575" x="0"/>
-            <a:ext cy="672299" cx="9144000"/>
+            <a:off x="0" y="374575"/>
+            <a:ext cx="9144000" cy="672299"/>
           </a:xfrm>
           <a:prstGeom prst="rect">
             <a:avLst/>
@@ -4807,7 +4966,7 @@
           </a:ln>
         </p:spPr>
         <p:txBody>
-          <a:bodyPr bIns="91425" rIns="91425" lIns="91425" tIns="91425" anchor="t" anchorCtr="0">
+          <a:bodyPr lIns="91425" tIns="91425" rIns="91425" bIns="91425" anchor="t" anchorCtr="0">
             <a:noAutofit/>
           </a:bodyPr>
           <a:lstStyle/>
@@ -4818,9 +4977,6 @@
               </a:spcBef>
               <a:buNone/>
             </a:pPr>
-            <a:r>
-              <a:t/>
-            </a:r>
             <a:endParaRPr sz="1800"/>
           </a:p>
         </p:txBody>
@@ -4837,41 +4993,43 @@
 </file>
 
 <file path=ppt/slides/slide2.xml><?xml version="1.0" encoding="utf-8"?>
-<p:sld xmlns:a="http://schemas.openxmlformats.org/drawingml/2006/main" xmlns:r="http://schemas.openxmlformats.org/officeDocument/2006/relationships" xmlns:mc="http://schemas.openxmlformats.org/markup-compatibility/2006" xmlns:mv="urn:schemas-microsoft-com:mac:vml" xmlns:p="http://schemas.openxmlformats.org/presentationml/2006/main" xmlns:c="http://schemas.openxmlformats.org/drawingml/2006/chart" xmlns:dgm="http://schemas.openxmlformats.org/drawingml/2006/diagram" xmlns:o="urn:schemas-microsoft-com:office:office" xmlns:v="urn:schemas-microsoft-com:vml" xmlns:pvml="urn:schemas-microsoft-com:office:powerpoint" xmlns:com="http://schemas.openxmlformats.org/drawingml/2006/compatibility" xmlns:p14="http://schemas.microsoft.com/office/powerpoint/2010/main">
+<p:sld xmlns:a="http://schemas.openxmlformats.org/drawingml/2006/main" xmlns:r="http://schemas.openxmlformats.org/officeDocument/2006/relationships" xmlns:p="http://schemas.openxmlformats.org/presentationml/2006/main">
   <p:cSld>
     <p:spTree>
       <p:nvGrpSpPr>
-        <p:cNvPr id="76" name="Shape 76"/>
+        <p:cNvPr id="1" name="Shape 76"/>
         <p:cNvGrpSpPr/>
         <p:nvPr/>
       </p:nvGrpSpPr>
       <p:grpSpPr>
         <a:xfrm>
-          <a:off y="0" x="0"/>
-          <a:ext cy="0" cx="0"/>
-          <a:chOff y="0" x="0"/>
-          <a:chExt cy="0" cx="0"/>
+          <a:off x="0" y="0"/>
+          <a:ext cx="0" cy="0"/>
+          <a:chOff x="0" y="0"/>
+          <a:chExt cx="0" cy="0"/>
         </a:xfrm>
       </p:grpSpPr>
       <p:sp>
         <p:nvSpPr>
           <p:cNvPr id="77" name="Shape 77"/>
-          <p:cNvSpPr txBox="1"/>
+          <p:cNvSpPr txBox="1">
+            <a:spLocks noGrp="1"/>
+          </p:cNvSpPr>
           <p:nvPr>
             <p:ph type="title"/>
           </p:nvPr>
         </p:nvSpPr>
         <p:spPr>
           <a:xfrm>
-            <a:off y="205978" x="457200"/>
-            <a:ext cy="857400" cx="8229600"/>
+            <a:off x="457200" y="205978"/>
+            <a:ext cx="8229600" cy="857400"/>
           </a:xfrm>
           <a:prstGeom prst="rect">
             <a:avLst/>
           </a:prstGeom>
         </p:spPr>
         <p:txBody>
-          <a:bodyPr bIns="91425" rIns="91425" lIns="91425" tIns="91425" anchor="b" anchorCtr="0">
+          <a:bodyPr lIns="91425" tIns="91425" rIns="91425" bIns="91425" anchor="b" anchorCtr="0">
             <a:noAutofit/>
           </a:bodyPr>
           <a:lstStyle/>
@@ -4896,27 +5054,29 @@
       <p:sp>
         <p:nvSpPr>
           <p:cNvPr id="78" name="Shape 78"/>
-          <p:cNvSpPr txBox="1"/>
+          <p:cNvSpPr txBox="1">
+            <a:spLocks noGrp="1"/>
+          </p:cNvSpPr>
           <p:nvPr>
-            <p:ph idx="1" type="body"/>
+            <p:ph type="body" idx="1"/>
           </p:nvPr>
         </p:nvSpPr>
         <p:spPr>
           <a:xfrm>
-            <a:off y="1200150" x="457200"/>
-            <a:ext cy="3725699" cx="8229600"/>
+            <a:off x="457200" y="1200150"/>
+            <a:ext cx="8229600" cy="3725699"/>
           </a:xfrm>
           <a:prstGeom prst="rect">
             <a:avLst/>
           </a:prstGeom>
         </p:spPr>
         <p:txBody>
-          <a:bodyPr bIns="91425" rIns="91425" lIns="91425" tIns="91425" anchor="t" anchorCtr="0">
+          <a:bodyPr lIns="91425" tIns="91425" rIns="91425" bIns="91425" anchor="t" anchorCtr="0">
             <a:noAutofit/>
           </a:bodyPr>
           <a:lstStyle/>
           <a:p>
-            <a:pPr rtl="0" lvl="0">
+            <a:pPr lvl="0" rtl="0">
               <a:lnSpc>
                 <a:spcPct val="115000"/>
               </a:lnSpc>
@@ -4931,7 +5091,7 @@
               <a:buNone/>
             </a:pPr>
             <a:r>
-              <a:rPr sz="2400" lang="en">
+              <a:rPr lang="en" sz="2400">
                 <a:solidFill>
                   <a:schemeClr val="dk1"/>
                 </a:solidFill>
@@ -4944,7 +5104,7 @@
             </a:r>
           </a:p>
           <a:p>
-            <a:pPr rtl="0" lvl="0">
+            <a:pPr lvl="0" rtl="0">
               <a:lnSpc>
                 <a:spcPct val="115000"/>
               </a:lnSpc>
@@ -4957,9 +5117,6 @@
               <a:buFont typeface="Arial"/>
               <a:buNone/>
             </a:pPr>
-            <a:r>
-              <a:t/>
-            </a:r>
             <a:endParaRPr sz="2400">
               <a:solidFill>
                 <a:schemeClr val="dk1"/>
@@ -4971,7 +5128,7 @@
             </a:endParaRPr>
           </a:p>
           <a:p>
-            <a:pPr rtl="0" lvl="0">
+            <a:pPr lvl="0" rtl="0">
               <a:lnSpc>
                 <a:spcPct val="115000"/>
               </a:lnSpc>
@@ -4986,7 +5143,7 @@
               <a:buNone/>
             </a:pPr>
             <a:r>
-              <a:rPr sz="2400" lang="en">
+              <a:rPr lang="en" sz="2400">
                 <a:solidFill>
                   <a:schemeClr val="dk1"/>
                 </a:solidFill>
@@ -4999,7 +5156,7 @@
             </a:r>
           </a:p>
           <a:p>
-            <a:pPr rtl="0" lvl="0">
+            <a:pPr lvl="0" rtl="0">
               <a:lnSpc>
                 <a:spcPct val="115000"/>
               </a:lnSpc>
@@ -5012,9 +5169,6 @@
               <a:buFont typeface="Arial"/>
               <a:buNone/>
             </a:pPr>
-            <a:r>
-              <a:t/>
-            </a:r>
             <a:endParaRPr sz="3200">
               <a:solidFill>
                 <a:schemeClr val="dk1"/>
@@ -5032,9 +5186,6 @@
               </a:spcBef>
               <a:buNone/>
             </a:pPr>
-            <a:r>
-              <a:t/>
-            </a:r>
             <a:endParaRPr>
               <a:solidFill>
                 <a:srgbClr val="000000"/>
@@ -5055,41 +5206,43 @@
 </file>
 
 <file path=ppt/slides/slide3.xml><?xml version="1.0" encoding="utf-8"?>
-<p:sld xmlns:a="http://schemas.openxmlformats.org/drawingml/2006/main" xmlns:r="http://schemas.openxmlformats.org/officeDocument/2006/relationships" xmlns:mc="http://schemas.openxmlformats.org/markup-compatibility/2006" xmlns:mv="urn:schemas-microsoft-com:mac:vml" xmlns:p="http://schemas.openxmlformats.org/presentationml/2006/main" xmlns:c="http://schemas.openxmlformats.org/drawingml/2006/chart" xmlns:dgm="http://schemas.openxmlformats.org/drawingml/2006/diagram" xmlns:o="urn:schemas-microsoft-com:office:office" xmlns:v="urn:schemas-microsoft-com:vml" xmlns:pvml="urn:schemas-microsoft-com:office:powerpoint" xmlns:com="http://schemas.openxmlformats.org/drawingml/2006/compatibility" xmlns:p14="http://schemas.microsoft.com/office/powerpoint/2010/main">
+<p:sld xmlns:a="http://schemas.openxmlformats.org/drawingml/2006/main" xmlns:r="http://schemas.openxmlformats.org/officeDocument/2006/relationships" xmlns:p="http://schemas.openxmlformats.org/presentationml/2006/main">
   <p:cSld>
     <p:spTree>
       <p:nvGrpSpPr>
-        <p:cNvPr id="82" name="Shape 82"/>
+        <p:cNvPr id="1" name="Shape 82"/>
         <p:cNvGrpSpPr/>
         <p:nvPr/>
       </p:nvGrpSpPr>
       <p:grpSpPr>
         <a:xfrm>
-          <a:off y="0" x="0"/>
-          <a:ext cy="0" cx="0"/>
-          <a:chOff y="0" x="0"/>
-          <a:chExt cy="0" cx="0"/>
+          <a:off x="0" y="0"/>
+          <a:ext cx="0" cy="0"/>
+          <a:chOff x="0" y="0"/>
+          <a:chExt cx="0" cy="0"/>
         </a:xfrm>
       </p:grpSpPr>
       <p:sp>
         <p:nvSpPr>
           <p:cNvPr id="83" name="Shape 83"/>
-          <p:cNvSpPr txBox="1"/>
+          <p:cNvSpPr txBox="1">
+            <a:spLocks noGrp="1"/>
+          </p:cNvSpPr>
           <p:nvPr>
             <p:ph type="title"/>
           </p:nvPr>
         </p:nvSpPr>
         <p:spPr>
           <a:xfrm>
-            <a:off y="205978" x="457200"/>
-            <a:ext cy="857400" cx="8229600"/>
+            <a:off x="457200" y="205978"/>
+            <a:ext cx="8229600" cy="857400"/>
           </a:xfrm>
           <a:prstGeom prst="rect">
             <a:avLst/>
           </a:prstGeom>
         </p:spPr>
         <p:txBody>
-          <a:bodyPr bIns="91425" rIns="91425" lIns="91425" tIns="91425" anchor="b" anchorCtr="0">
+          <a:bodyPr lIns="91425" tIns="91425" rIns="91425" bIns="91425" anchor="b" anchorCtr="0">
             <a:noAutofit/>
           </a:bodyPr>
           <a:lstStyle/>
@@ -5127,8 +5280,8 @@
         </p:blipFill>
         <p:spPr>
           <a:xfrm>
-            <a:off y="1204850" x="5228712"/>
-            <a:ext cy="3458075" cx="3458075"/>
+            <a:off x="5228712" y="1204850"/>
+            <a:ext cx="3458075" cy="3458075"/>
           </a:xfrm>
           <a:prstGeom prst="rect">
             <a:avLst/>
@@ -5147,8 +5300,8 @@
         </p:nvSpPr>
         <p:spPr>
           <a:xfrm>
-            <a:off y="1237000" x="577400"/>
-            <a:ext cy="3425999" cx="4312199"/>
+            <a:off x="577400" y="1237000"/>
+            <a:ext cx="4312199" cy="3425999"/>
           </a:xfrm>
           <a:prstGeom prst="rect">
             <a:avLst/>
@@ -5159,12 +5312,12 @@
           </a:ln>
         </p:spPr>
         <p:txBody>
-          <a:bodyPr bIns="91425" rIns="91425" lIns="91425" tIns="91425" anchor="t" anchorCtr="0">
+          <a:bodyPr lIns="91425" tIns="91425" rIns="91425" bIns="91425" anchor="t" anchorCtr="0">
             <a:noAutofit/>
           </a:bodyPr>
           <a:lstStyle/>
           <a:p>
-            <a:pPr rtl="0" lvl="0" indent="-317500" marL="457200">
+            <a:pPr marL="457200" lvl="0" indent="-317500" rtl="0">
               <a:spcBef>
                 <a:spcPts val="0"/>
               </a:spcBef>
@@ -5176,24 +5329,21 @@
               <a:buChar char="●"/>
             </a:pPr>
             <a:r>
-              <a:rPr lang="en"/>
+              <a:rPr lang="en" dirty="0"/>
               <a:t>Pieces move in different directions.</a:t>
             </a:r>
           </a:p>
           <a:p>
-            <a:pPr rtl="0" lvl="0">
+            <a:pPr lvl="0" rtl="0">
               <a:spcBef>
                 <a:spcPts val="0"/>
               </a:spcBef>
               <a:buNone/>
             </a:pPr>
-            <a:r>
-              <a:t/>
-            </a:r>
-            <a:endParaRPr/>
+            <a:endParaRPr dirty="0"/>
           </a:p>
           <a:p>
-            <a:pPr rtl="0" lvl="0" indent="-317500" marL="457200">
+            <a:pPr marL="457200" lvl="0" indent="-317500" rtl="0">
               <a:spcBef>
                 <a:spcPts val="0"/>
               </a:spcBef>
@@ -5205,24 +5355,21 @@
               <a:buChar char="●"/>
             </a:pPr>
             <a:r>
-              <a:rPr lang="en"/>
+              <a:rPr lang="en" dirty="0"/>
               <a:t>Players strike two compatible pieces to combine them into a new piece.</a:t>
             </a:r>
           </a:p>
           <a:p>
-            <a:pPr rtl="0" lvl="0">
+            <a:pPr lvl="0" rtl="0">
               <a:spcBef>
                 <a:spcPts val="0"/>
               </a:spcBef>
               <a:buNone/>
             </a:pPr>
-            <a:r>
-              <a:t/>
-            </a:r>
-            <a:endParaRPr/>
+            <a:endParaRPr dirty="0"/>
           </a:p>
           <a:p>
-            <a:pPr rtl="0" lvl="0" indent="-317500" marL="457200">
+            <a:pPr marL="457200" lvl="0" indent="-317500" rtl="0">
               <a:spcBef>
                 <a:spcPts val="0"/>
               </a:spcBef>
@@ -5234,24 +5381,21 @@
               <a:buChar char="●"/>
             </a:pPr>
             <a:r>
-              <a:rPr lang="en"/>
+              <a:rPr lang="en" dirty="0"/>
               <a:t>Forming a new piece through gameplay is called a reaction.</a:t>
             </a:r>
           </a:p>
           <a:p>
-            <a:pPr rtl="0" lvl="0">
+            <a:pPr lvl="0" rtl="0">
               <a:spcBef>
                 <a:spcPts val="0"/>
               </a:spcBef>
               <a:buNone/>
             </a:pPr>
-            <a:r>
-              <a:t/>
-            </a:r>
-            <a:endParaRPr/>
+            <a:endParaRPr dirty="0"/>
           </a:p>
           <a:p>
-            <a:pPr rtl="0" lvl="0" indent="-317500" marL="457200">
+            <a:pPr marL="457200" lvl="0" indent="-317500" rtl="0">
               <a:spcBef>
                 <a:spcPts val="0"/>
               </a:spcBef>
@@ -5263,24 +5407,21 @@
               <a:buChar char="●"/>
             </a:pPr>
             <a:r>
-              <a:rPr lang="en"/>
+              <a:rPr lang="en" dirty="0"/>
               <a:t>Via experimentation, a player learns new combinations.</a:t>
             </a:r>
           </a:p>
           <a:p>
-            <a:pPr rtl="0" lvl="0">
+            <a:pPr lvl="0" rtl="0">
               <a:spcBef>
                 <a:spcPts val="0"/>
               </a:spcBef>
               <a:buNone/>
             </a:pPr>
-            <a:r>
-              <a:t/>
-            </a:r>
-            <a:endParaRPr/>
+            <a:endParaRPr dirty="0"/>
           </a:p>
           <a:p>
-            <a:pPr rtl="0" lvl="0" indent="-317500" marL="457200">
+            <a:pPr marL="457200" lvl="0" indent="-317500" rtl="0">
               <a:spcBef>
                 <a:spcPts val="0"/>
               </a:spcBef>
@@ -5292,7 +5433,7 @@
               <a:buChar char="●"/>
             </a:pPr>
             <a:r>
-              <a:rPr lang="en"/>
+              <a:rPr lang="en" dirty="0"/>
               <a:t>The goal is to bring all pieces into their designated squares.</a:t>
             </a:r>
           </a:p>
@@ -5309,10 +5450,66 @@
 </p:sld>
 </file>
 
+<file path=ppt/slides/slide4.xml><?xml version="1.0" encoding="utf-8"?>
+<p:sld xmlns:a="http://schemas.openxmlformats.org/drawingml/2006/main" xmlns:r="http://schemas.openxmlformats.org/officeDocument/2006/relationships" xmlns:p="http://schemas.openxmlformats.org/presentationml/2006/main">
+  <p:cSld>
+    <p:spTree>
+      <p:nvGrpSpPr>
+        <p:cNvPr id="1" name=""/>
+        <p:cNvGrpSpPr/>
+        <p:nvPr/>
+      </p:nvGrpSpPr>
+      <p:grpSpPr>
+        <a:xfrm>
+          <a:off x="0" y="0"/>
+          <a:ext cx="0" cy="0"/>
+          <a:chOff x="0" y="0"/>
+          <a:chExt cx="0" cy="0"/>
+        </a:xfrm>
+      </p:grpSpPr>
+      <p:sp>
+        <p:nvSpPr>
+          <p:cNvPr id="2" name="Title 1"/>
+          <p:cNvSpPr>
+            <a:spLocks noGrp="1"/>
+          </p:cNvSpPr>
+          <p:nvPr>
+            <p:ph type="title"/>
+          </p:nvPr>
+        </p:nvSpPr>
+        <p:spPr/>
+        <p:txBody>
+          <a:bodyPr/>
+          <a:lstStyle/>
+          <a:p>
+            <a:r>
+              <a:rPr lang="en-US" dirty="0" smtClean="0">
+                <a:solidFill>
+                  <a:schemeClr val="tx1"/>
+                </a:solidFill>
+              </a:rPr>
+              <a:t>Demo</a:t>
+            </a:r>
+            <a:endParaRPr lang="en-US" dirty="0">
+              <a:solidFill>
+                <a:schemeClr val="tx1"/>
+              </a:solidFill>
+            </a:endParaRPr>
+          </a:p>
+        </p:txBody>
+      </p:sp>
+    </p:spTree>
+  </p:cSld>
+  <p:clrMapOvr>
+    <a:masterClrMapping/>
+  </p:clrMapOvr>
+</p:sld>
+</file>
+
 <file path=ppt/theme/theme1.xml><?xml version="1.0" encoding="utf-8"?>
-<a:theme xmlns:a="http://schemas.openxmlformats.org/drawingml/2006/main" xmlns:r="http://schemas.openxmlformats.org/officeDocument/2006/relationships" name="Custom Theme">
+<a:theme xmlns:a="http://schemas.openxmlformats.org/drawingml/2006/main" name="spotlight">
   <a:themeElements>
-    <a:clrScheme name="Default">
+    <a:clrScheme name="Custom 439">
       <a:dk1>
         <a:srgbClr val="000000"/>
       </a:dk1>
@@ -5320,34 +5517,34 @@
         <a:srgbClr val="FFFFFF"/>
       </a:lt1>
       <a:dk2>
-        <a:srgbClr val="158158"/>
+        <a:srgbClr val="5C6E95"/>
       </a:dk2>
       <a:lt2>
-        <a:srgbClr val="F3F3F3"/>
+        <a:srgbClr val="ACB4C2"/>
       </a:lt2>
       <a:accent1>
-        <a:srgbClr val="058DC7"/>
+        <a:srgbClr val="667E50"/>
       </a:accent1>
       <a:accent2>
-        <a:srgbClr val="50B432"/>
+        <a:srgbClr val="CFBF73"/>
       </a:accent2>
       <a:accent3>
-        <a:srgbClr val="ED561B"/>
+        <a:srgbClr val="8C7C82"/>
       </a:accent3>
       <a:accent4>
-        <a:srgbClr val="EDEF00"/>
+        <a:srgbClr val="9ABF87"/>
       </a:accent4>
       <a:accent5>
-        <a:srgbClr val="24CBE5"/>
+        <a:srgbClr val="CF9462"/>
       </a:accent5>
       <a:accent6>
-        <a:srgbClr val="64E572"/>
+        <a:srgbClr val="A25642"/>
       </a:accent6>
       <a:hlink>
-        <a:srgbClr val="2200CC"/>
+        <a:srgbClr val="5173A5"/>
       </a:hlink>
       <a:folHlink>
-        <a:srgbClr val="551A8B"/>
+        <a:srgbClr val="687282"/>
       </a:folHlink>
     </a:clrScheme>
     <a:fontScheme name="Office">
@@ -5355,69 +5552,69 @@
         <a:latin typeface="Arial"/>
         <a:ea typeface=""/>
         <a:cs typeface=""/>
-        <a:font typeface="ＭＳ Ｐゴシック" script="Jpan"/>
-        <a:font typeface="맑은 고딕" script="Hang"/>
-        <a:font typeface="宋体" script="Hans"/>
-        <a:font typeface="新細明體" script="Hant"/>
-        <a:font typeface="Times New Roman" script="Arab"/>
-        <a:font typeface="Times New Roman" script="Hebr"/>
-        <a:font typeface="Angsana New" script="Thai"/>
-        <a:font typeface="Nyala" script="Ethi"/>
-        <a:font typeface="Vrinda" script="Beng"/>
-        <a:font typeface="Shruti" script="Gujr"/>
-        <a:font typeface="MoolBoran" script="Khmr"/>
-        <a:font typeface="Tunga" script="Knda"/>
-        <a:font typeface="Raavi" script="Guru"/>
-        <a:font typeface="Euphemia" script="Cans"/>
-        <a:font typeface="Plantagenet Cherokee" script="Cher"/>
-        <a:font typeface="Microsoft Yi Baiti" script="Yiii"/>
-        <a:font typeface="Microsoft Himalaya" script="Tibt"/>
-        <a:font typeface="MV Boli" script="Thaa"/>
-        <a:font typeface="Mangal" script="Deva"/>
-        <a:font typeface="Gautami" script="Telu"/>
-        <a:font typeface="Latha" script="Taml"/>
-        <a:font typeface="Estrangelo Edessa" script="Syrc"/>
-        <a:font typeface="Kalinga" script="Orya"/>
-        <a:font typeface="Kartika" script="Mlym"/>
-        <a:font typeface="DokChampa" script="Laoo"/>
-        <a:font typeface="Iskoola Pota" script="Sinh"/>
-        <a:font typeface="Mongolian Baiti" script="Mong"/>
-        <a:font typeface="Times New Roman" script="Viet"/>
-        <a:font typeface="Microsoft Uighur" script="Uigh"/>
+        <a:font script="Jpan" typeface="ＭＳ Ｐゴシック"/>
+        <a:font script="Hang" typeface="맑은 고딕"/>
+        <a:font script="Hans" typeface="宋体"/>
+        <a:font script="Hant" typeface="新細明體"/>
+        <a:font script="Arab" typeface="Times New Roman"/>
+        <a:font script="Hebr" typeface="Times New Roman"/>
+        <a:font script="Thai" typeface="Angsana New"/>
+        <a:font script="Ethi" typeface="Nyala"/>
+        <a:font script="Beng" typeface="Vrinda"/>
+        <a:font script="Gujr" typeface="Shruti"/>
+        <a:font script="Khmr" typeface="MoolBoran"/>
+        <a:font script="Knda" typeface="Tunga"/>
+        <a:font script="Guru" typeface="Raavi"/>
+        <a:font script="Cans" typeface="Euphemia"/>
+        <a:font script="Cher" typeface="Plantagenet Cherokee"/>
+        <a:font script="Yiii" typeface="Microsoft Yi Baiti"/>
+        <a:font script="Tibt" typeface="Microsoft Himalaya"/>
+        <a:font script="Thaa" typeface="MV Boli"/>
+        <a:font script="Deva" typeface="Mangal"/>
+        <a:font script="Telu" typeface="Gautami"/>
+        <a:font script="Taml" typeface="Latha"/>
+        <a:font script="Syrc" typeface="Estrangelo Edessa"/>
+        <a:font script="Orya" typeface="Kalinga"/>
+        <a:font script="Mlym" typeface="Kartika"/>
+        <a:font script="Laoo" typeface="DokChampa"/>
+        <a:font script="Sinh" typeface="Iskoola Pota"/>
+        <a:font script="Mong" typeface="Mongolian Baiti"/>
+        <a:font script="Viet" typeface="Times New Roman"/>
+        <a:font script="Uigh" typeface="Microsoft Uighur"/>
       </a:majorFont>
       <a:minorFont>
         <a:latin typeface="Arial"/>
         <a:ea typeface=""/>
         <a:cs typeface=""/>
-        <a:font typeface="ＭＳ Ｐゴシック" script="Jpan"/>
-        <a:font typeface="맑은 고딕" script="Hang"/>
-        <a:font typeface="宋体" script="Hans"/>
-        <a:font typeface="新細明體" script="Hant"/>
-        <a:font typeface="Times New Roman" script="Arab"/>
-        <a:font typeface="Times New Roman" script="Hebr"/>
-        <a:font typeface="Angsana New" script="Thai"/>
-        <a:font typeface="Nyala" script="Ethi"/>
-        <a:font typeface="Vrinda" script="Beng"/>
-        <a:font typeface="Shruti" script="Gujr"/>
-        <a:font typeface="MoolBoran" script="Khmr"/>
-        <a:font typeface="Tunga" script="Knda"/>
-        <a:font typeface="Raavi" script="Guru"/>
-        <a:font typeface="Euphemia" script="Cans"/>
-        <a:font typeface="Plantagenet Cherokee" script="Cher"/>
-        <a:font typeface="Microsoft Yi Baiti" script="Yiii"/>
-        <a:font typeface="Microsoft Himalaya" script="Tibt"/>
-        <a:font typeface="MV Boli" script="Thaa"/>
-        <a:font typeface="Mangal" script="Deva"/>
-        <a:font typeface="Gautami" script="Telu"/>
-        <a:font typeface="Latha" script="Taml"/>
-        <a:font typeface="Estrangelo Edessa" script="Syrc"/>
-        <a:font typeface="Kalinga" script="Orya"/>
-        <a:font typeface="Kartika" script="Mlym"/>
-        <a:font typeface="DokChampa" script="Laoo"/>
-        <a:font typeface="Iskoola Pota" script="Sinh"/>
-        <a:font typeface="Mongolian Baiti" script="Mong"/>
-        <a:font typeface="Times New Roman" script="Viet"/>
-        <a:font typeface="Microsoft Uighur" script="Uigh"/>
+        <a:font script="Jpan" typeface="ＭＳ Ｐゴシック"/>
+        <a:font script="Hang" typeface="맑은 고딕"/>
+        <a:font script="Hans" typeface="宋体"/>
+        <a:font script="Hant" typeface="新細明體"/>
+        <a:font script="Arab" typeface="Times New Roman"/>
+        <a:font script="Hebr" typeface="Times New Roman"/>
+        <a:font script="Thai" typeface="Angsana New"/>
+        <a:font script="Ethi" typeface="Nyala"/>
+        <a:font script="Beng" typeface="Vrinda"/>
+        <a:font script="Gujr" typeface="Shruti"/>
+        <a:font script="Khmr" typeface="MoolBoran"/>
+        <a:font script="Knda" typeface="Tunga"/>
+        <a:font script="Guru" typeface="Raavi"/>
+        <a:font script="Cans" typeface="Euphemia"/>
+        <a:font script="Cher" typeface="Plantagenet Cherokee"/>
+        <a:font script="Yiii" typeface="Microsoft Yi Baiti"/>
+        <a:font script="Tibt" typeface="Microsoft Himalaya"/>
+        <a:font script="Thaa" typeface="MV Boli"/>
+        <a:font script="Deva" typeface="Mangal"/>
+        <a:font script="Telu" typeface="Gautami"/>
+        <a:font script="Taml" typeface="Latha"/>
+        <a:font script="Syrc" typeface="Estrangelo Edessa"/>
+        <a:font script="Orya" typeface="Kalinga"/>
+        <a:font script="Mlym" typeface="Kartika"/>
+        <a:font script="Laoo" typeface="DokChampa"/>
+        <a:font script="Sinh" typeface="Iskoola Pota"/>
+        <a:font script="Mong" typeface="Mongolian Baiti"/>
+        <a:font script="Viet" typeface="Times New Roman"/>
+        <a:font script="Uigh" typeface="Microsoft Uighur"/>
       </a:minorFont>
     </a:fontScheme>
     <a:fmtScheme name="Office">
@@ -5469,7 +5666,7 @@
         </a:gradFill>
       </a:fillStyleLst>
       <a:lnStyleLst>
-        <a:ln w="9525" algn="ctr" cap="flat" cmpd="sng">
+        <a:ln w="9525" cap="flat" cmpd="sng" algn="ctr">
           <a:solidFill>
             <a:schemeClr val="phClr">
               <a:shade val="95000"/>
@@ -5478,13 +5675,13 @@
           </a:solidFill>
           <a:prstDash val="solid"/>
         </a:ln>
-        <a:ln w="25400" algn="ctr" cap="flat" cmpd="sng">
+        <a:ln w="25400" cap="flat" cmpd="sng" algn="ctr">
           <a:solidFill>
             <a:schemeClr val="phClr"/>
           </a:solidFill>
           <a:prstDash val="solid"/>
         </a:ln>
-        <a:ln w="38100" algn="ctr" cap="flat" cmpd="sng">
+        <a:ln w="38100" cap="flat" cmpd="sng" algn="ctr">
           <a:solidFill>
             <a:schemeClr val="phClr"/>
           </a:solidFill>
@@ -5494,7 +5691,7 @@
       <a:effectStyleLst>
         <a:effectStyle>
           <a:effectLst>
-            <a:outerShdw rotWithShape="0" dir="5400000" blurRad="40000" dist="20000">
+            <a:outerShdw blurRad="40000" dist="20000" dir="5400000" rotWithShape="0">
               <a:srgbClr val="000000">
                 <a:alpha val="38000"/>
               </a:srgbClr>
@@ -5503,7 +5700,7 @@
         </a:effectStyle>
         <a:effectStyle>
           <a:effectLst>
-            <a:outerShdw rotWithShape="0" dir="5400000" blurRad="40000" dist="23000">
+            <a:outerShdw blurRad="40000" dist="23000" dir="5400000" rotWithShape="0">
               <a:srgbClr val="000000">
                 <a:alpha val="35000"/>
               </a:srgbClr>
@@ -5512,7 +5709,7 @@
         </a:effectStyle>
         <a:effectStyle>
           <a:effectLst>
-            <a:outerShdw rotWithShape="0" dir="5400000" blurRad="40000" dist="23000">
+            <a:outerShdw blurRad="40000" dist="23000" dir="5400000" rotWithShape="0">
               <a:srgbClr val="000000">
                 <a:alpha val="35000"/>
               </a:srgbClr>
@@ -5520,10 +5717,10 @@
           </a:effectLst>
           <a:scene3d>
             <a:camera prst="orthographicFront">
-              <a:rot rev="0" lon="0" lat="0"/>
+              <a:rot lat="0" lon="0" rev="0"/>
             </a:camera>
-            <a:lightRig dir="t" rig="threePt">
-              <a:rot rev="1200000" lon="0" lat="0"/>
+            <a:lightRig rig="threePt" dir="t">
+              <a:rot lat="0" lon="0" rev="1200000"/>
             </a:lightRig>
           </a:scene3d>
           <a:sp3d>
@@ -5558,7 +5755,7 @@
             </a:gs>
           </a:gsLst>
           <a:path path="circle">
-            <a:fillToRect t="-80000" b="180000" r="50000" l="50000"/>
+            <a:fillToRect l="50000" t="-80000" r="50000" b="180000"/>
           </a:path>
         </a:gradFill>
         <a:gradFill rotWithShape="1">
@@ -5577,19 +5774,21 @@
             </a:gs>
           </a:gsLst>
           <a:path path="circle">
-            <a:fillToRect t="50000" b="50000" r="50000" l="50000"/>
+            <a:fillToRect l="50000" t="50000" r="50000" b="50000"/>
           </a:path>
         </a:gradFill>
       </a:bgFillStyleLst>
     </a:fmtScheme>
   </a:themeElements>
+  <a:objectDefaults/>
+  <a:extraClrSchemeLst/>
 </a:theme>
 </file>
 
 <file path=ppt/theme/theme2.xml><?xml version="1.0" encoding="utf-8"?>
-<a:theme xmlns:a="http://schemas.openxmlformats.org/drawingml/2006/main" xmlns:r="http://schemas.openxmlformats.org/officeDocument/2006/relationships" name="spotlight">
+<a:theme xmlns:a="http://schemas.openxmlformats.org/drawingml/2006/main" name="Custom Theme">
   <a:themeElements>
-    <a:clrScheme name="Custom 439">
+    <a:clrScheme name="Default">
       <a:dk1>
         <a:srgbClr val="000000"/>
       </a:dk1>
@@ -5597,34 +5796,34 @@
         <a:srgbClr val="FFFFFF"/>
       </a:lt1>
       <a:dk2>
-        <a:srgbClr val="5C6E95"/>
+        <a:srgbClr val="158158"/>
       </a:dk2>
       <a:lt2>
-        <a:srgbClr val="ACB4C2"/>
+        <a:srgbClr val="F3F3F3"/>
       </a:lt2>
       <a:accent1>
-        <a:srgbClr val="667E50"/>
+        <a:srgbClr val="058DC7"/>
       </a:accent1>
       <a:accent2>
-        <a:srgbClr val="CFBF73"/>
+        <a:srgbClr val="50B432"/>
       </a:accent2>
       <a:accent3>
-        <a:srgbClr val="8C7C82"/>
+        <a:srgbClr val="ED561B"/>
       </a:accent3>
       <a:accent4>
-        <a:srgbClr val="9ABF87"/>
+        <a:srgbClr val="EDEF00"/>
       </a:accent4>
       <a:accent5>
-        <a:srgbClr val="CF9462"/>
+        <a:srgbClr val="24CBE5"/>
       </a:accent5>
       <a:accent6>
-        <a:srgbClr val="A25642"/>
+        <a:srgbClr val="64E572"/>
       </a:accent6>
       <a:hlink>
-        <a:srgbClr val="5173A5"/>
+        <a:srgbClr val="2200CC"/>
       </a:hlink>
       <a:folHlink>
-        <a:srgbClr val="687282"/>
+        <a:srgbClr val="551A8B"/>
       </a:folHlink>
     </a:clrScheme>
     <a:fontScheme name="Office">
@@ -5632,69 +5831,69 @@
         <a:latin typeface="Arial"/>
         <a:ea typeface=""/>
         <a:cs typeface=""/>
-        <a:font typeface="ＭＳ Ｐゴシック" script="Jpan"/>
-        <a:font typeface="맑은 고딕" script="Hang"/>
-        <a:font typeface="宋体" script="Hans"/>
-        <a:font typeface="新細明體" script="Hant"/>
-        <a:font typeface="Times New Roman" script="Arab"/>
-        <a:font typeface="Times New Roman" script="Hebr"/>
-        <a:font typeface="Angsana New" script="Thai"/>
-        <a:font typeface="Nyala" script="Ethi"/>
-        <a:font typeface="Vrinda" script="Beng"/>
-        <a:font typeface="Shruti" script="Gujr"/>
-        <a:font typeface="MoolBoran" script="Khmr"/>
-        <a:font typeface="Tunga" script="Knda"/>
-        <a:font typeface="Raavi" script="Guru"/>
-        <a:font typeface="Euphemia" script="Cans"/>
-        <a:font typeface="Plantagenet Cherokee" script="Cher"/>
-        <a:font typeface="Microsoft Yi Baiti" script="Yiii"/>
-        <a:font typeface="Microsoft Himalaya" script="Tibt"/>
-        <a:font typeface="MV Boli" script="Thaa"/>
-        <a:font typeface="Mangal" script="Deva"/>
-        <a:font typeface="Gautami" script="Telu"/>
-        <a:font typeface="Latha" script="Taml"/>
-        <a:font typeface="Estrangelo Edessa" script="Syrc"/>
-        <a:font typeface="Kalinga" script="Orya"/>
-        <a:font typeface="Kartika" script="Mlym"/>
-        <a:font typeface="DokChampa" script="Laoo"/>
-        <a:font typeface="Iskoola Pota" script="Sinh"/>
-        <a:font typeface="Mongolian Baiti" script="Mong"/>
-        <a:font typeface="Times New Roman" script="Viet"/>
-        <a:font typeface="Microsoft Uighur" script="Uigh"/>
+        <a:font script="Jpan" typeface="ＭＳ Ｐゴシック"/>
+        <a:font script="Hang" typeface="맑은 고딕"/>
+        <a:font script="Hans" typeface="宋体"/>
+        <a:font script="Hant" typeface="新細明體"/>
+        <a:font script="Arab" typeface="Times New Roman"/>
+        <a:font script="Hebr" typeface="Times New Roman"/>
+        <a:font script="Thai" typeface="Angsana New"/>
+        <a:font script="Ethi" typeface="Nyala"/>
+        <a:font script="Beng" typeface="Vrinda"/>
+        <a:font script="Gujr" typeface="Shruti"/>
+        <a:font script="Khmr" typeface="MoolBoran"/>
+        <a:font script="Knda" typeface="Tunga"/>
+        <a:font script="Guru" typeface="Raavi"/>
+        <a:font script="Cans" typeface="Euphemia"/>
+        <a:font script="Cher" typeface="Plantagenet Cherokee"/>
+        <a:font script="Yiii" typeface="Microsoft Yi Baiti"/>
+        <a:font script="Tibt" typeface="Microsoft Himalaya"/>
+        <a:font script="Thaa" typeface="MV Boli"/>
+        <a:font script="Deva" typeface="Mangal"/>
+        <a:font script="Telu" typeface="Gautami"/>
+        <a:font script="Taml" typeface="Latha"/>
+        <a:font script="Syrc" typeface="Estrangelo Edessa"/>
+        <a:font script="Orya" typeface="Kalinga"/>
+        <a:font script="Mlym" typeface="Kartika"/>
+        <a:font script="Laoo" typeface="DokChampa"/>
+        <a:font script="Sinh" typeface="Iskoola Pota"/>
+        <a:font script="Mong" typeface="Mongolian Baiti"/>
+        <a:font script="Viet" typeface="Times New Roman"/>
+        <a:font script="Uigh" typeface="Microsoft Uighur"/>
       </a:majorFont>
       <a:minorFont>
         <a:latin typeface="Arial"/>
         <a:ea typeface=""/>
         <a:cs typeface=""/>
-        <a:font typeface="ＭＳ Ｐゴシック" script="Jpan"/>
-        <a:font typeface="맑은 고딕" script="Hang"/>
-        <a:font typeface="宋体" script="Hans"/>
-        <a:font typeface="新細明體" script="Hant"/>
-        <a:font typeface="Times New Roman" script="Arab"/>
-        <a:font typeface="Times New Roman" script="Hebr"/>
-        <a:font typeface="Angsana New" script="Thai"/>
-        <a:font typeface="Nyala" script="Ethi"/>
-        <a:font typeface="Vrinda" script="Beng"/>
-        <a:font typeface="Shruti" script="Gujr"/>
-        <a:font typeface="MoolBoran" script="Khmr"/>
-        <a:font typeface="Tunga" script="Knda"/>
-        <a:font typeface="Raavi" script="Guru"/>
-        <a:font typeface="Euphemia" script="Cans"/>
-        <a:font typeface="Plantagenet Cherokee" script="Cher"/>
-        <a:font typeface="Microsoft Yi Baiti" script="Yiii"/>
-        <a:font typeface="Microsoft Himalaya" script="Tibt"/>
-        <a:font typeface="MV Boli" script="Thaa"/>
-        <a:font typeface="Mangal" script="Deva"/>
-        <a:font typeface="Gautami" script="Telu"/>
-        <a:font typeface="Latha" script="Taml"/>
-        <a:font typeface="Estrangelo Edessa" script="Syrc"/>
-        <a:font typeface="Kalinga" script="Orya"/>
-        <a:font typeface="Kartika" script="Mlym"/>
-        <a:font typeface="DokChampa" script="Laoo"/>
-        <a:font typeface="Iskoola Pota" script="Sinh"/>
-        <a:font typeface="Mongolian Baiti" script="Mong"/>
-        <a:font typeface="Times New Roman" script="Viet"/>
-        <a:font typeface="Microsoft Uighur" script="Uigh"/>
+        <a:font script="Jpan" typeface="ＭＳ Ｐゴシック"/>
+        <a:font script="Hang" typeface="맑은 고딕"/>
+        <a:font script="Hans" typeface="宋体"/>
+        <a:font script="Hant" typeface="新細明體"/>
+        <a:font script="Arab" typeface="Times New Roman"/>
+        <a:font script="Hebr" typeface="Times New Roman"/>
+        <a:font script="Thai" typeface="Angsana New"/>
+        <a:font script="Ethi" typeface="Nyala"/>
+        <a:font script="Beng" typeface="Vrinda"/>
+        <a:font script="Gujr" typeface="Shruti"/>
+        <a:font script="Khmr" typeface="MoolBoran"/>
+        <a:font script="Knda" typeface="Tunga"/>
+        <a:font script="Guru" typeface="Raavi"/>
+        <a:font script="Cans" typeface="Euphemia"/>
+        <a:font script="Cher" typeface="Plantagenet Cherokee"/>
+        <a:font script="Yiii" typeface="Microsoft Yi Baiti"/>
+        <a:font script="Tibt" typeface="Microsoft Himalaya"/>
+        <a:font script="Thaa" typeface="MV Boli"/>
+        <a:font script="Deva" typeface="Mangal"/>
+        <a:font script="Telu" typeface="Gautami"/>
+        <a:font script="Taml" typeface="Latha"/>
+        <a:font script="Syrc" typeface="Estrangelo Edessa"/>
+        <a:font script="Orya" typeface="Kalinga"/>
+        <a:font script="Mlym" typeface="Kartika"/>
+        <a:font script="Laoo" typeface="DokChampa"/>
+        <a:font script="Sinh" typeface="Iskoola Pota"/>
+        <a:font script="Mong" typeface="Mongolian Baiti"/>
+        <a:font script="Viet" typeface="Times New Roman"/>
+        <a:font script="Uigh" typeface="Microsoft Uighur"/>
       </a:minorFont>
     </a:fontScheme>
     <a:fmtScheme name="Office">
@@ -5746,7 +5945,7 @@
         </a:gradFill>
       </a:fillStyleLst>
       <a:lnStyleLst>
-        <a:ln w="9525" algn="ctr" cap="flat" cmpd="sng">
+        <a:ln w="9525" cap="flat" cmpd="sng" algn="ctr">
           <a:solidFill>
             <a:schemeClr val="phClr">
               <a:shade val="95000"/>
@@ -5755,13 +5954,13 @@
           </a:solidFill>
           <a:prstDash val="solid"/>
         </a:ln>
-        <a:ln w="25400" algn="ctr" cap="flat" cmpd="sng">
+        <a:ln w="25400" cap="flat" cmpd="sng" algn="ctr">
           <a:solidFill>
             <a:schemeClr val="phClr"/>
           </a:solidFill>
           <a:prstDash val="solid"/>
         </a:ln>
-        <a:ln w="38100" algn="ctr" cap="flat" cmpd="sng">
+        <a:ln w="38100" cap="flat" cmpd="sng" algn="ctr">
           <a:solidFill>
             <a:schemeClr val="phClr"/>
           </a:solidFill>
@@ -5771,7 +5970,7 @@
       <a:effectStyleLst>
         <a:effectStyle>
           <a:effectLst>
-            <a:outerShdw rotWithShape="0" dir="5400000" blurRad="40000" dist="20000">
+            <a:outerShdw blurRad="40000" dist="20000" dir="5400000" rotWithShape="0">
               <a:srgbClr val="000000">
                 <a:alpha val="38000"/>
               </a:srgbClr>
@@ -5780,7 +5979,7 @@
         </a:effectStyle>
         <a:effectStyle>
           <a:effectLst>
-            <a:outerShdw rotWithShape="0" dir="5400000" blurRad="40000" dist="23000">
+            <a:outerShdw blurRad="40000" dist="23000" dir="5400000" rotWithShape="0">
               <a:srgbClr val="000000">
                 <a:alpha val="35000"/>
               </a:srgbClr>
@@ -5789,7 +5988,7 @@
         </a:effectStyle>
         <a:effectStyle>
           <a:effectLst>
-            <a:outerShdw rotWithShape="0" dir="5400000" blurRad="40000" dist="23000">
+            <a:outerShdw blurRad="40000" dist="23000" dir="5400000" rotWithShape="0">
               <a:srgbClr val="000000">
                 <a:alpha val="35000"/>
               </a:srgbClr>
@@ -5797,10 +5996,10 @@
           </a:effectLst>
           <a:scene3d>
             <a:camera prst="orthographicFront">
-              <a:rot rev="0" lon="0" lat="0"/>
+              <a:rot lat="0" lon="0" rev="0"/>
             </a:camera>
-            <a:lightRig dir="t" rig="threePt">
-              <a:rot rev="1200000" lon="0" lat="0"/>
+            <a:lightRig rig="threePt" dir="t">
+              <a:rot lat="0" lon="0" rev="1200000"/>
             </a:lightRig>
           </a:scene3d>
           <a:sp3d>
@@ -5835,7 +6034,7 @@
             </a:gs>
           </a:gsLst>
           <a:path path="circle">
-            <a:fillToRect t="-80000" b="180000" r="50000" l="50000"/>
+            <a:fillToRect l="50000" t="-80000" r="50000" b="180000"/>
           </a:path>
         </a:gradFill>
         <a:gradFill rotWithShape="1">
@@ -5854,328 +6053,13 @@
             </a:gs>
           </a:gsLst>
           <a:path path="circle">
-            <a:fillToRect t="50000" b="50000" r="50000" l="50000"/>
+            <a:fillToRect l="50000" t="50000" r="50000" b="50000"/>
           </a:path>
         </a:gradFill>
       </a:bgFillStyleLst>
     </a:fmtScheme>
   </a:themeElements>
-</a:theme>
-</file>
-
-<file path=ppt/theme/theme3.xml><?xml version="1.0" encoding="utf-8"?>
-<a:theme xmlns:a="http://schemas.openxmlformats.org/drawingml/2006/main" xmlns:r="http://schemas.openxmlformats.org/officeDocument/2006/relationships" name="Office Theme">
-  <a:themeElements>
-    <a:clrScheme name="Office">
-      <a:dk1>
-        <a:sysClr val="windowText" lastClr="000000"/>
-      </a:dk1>
-      <a:lt1>
-        <a:sysClr val="window" lastClr="FFFFFF"/>
-      </a:lt1>
-      <a:dk2>
-        <a:srgbClr val="1F497D"/>
-      </a:dk2>
-      <a:lt2>
-        <a:srgbClr val="EEECE1"/>
-      </a:lt2>
-      <a:accent1>
-        <a:srgbClr val="4F81BD"/>
-      </a:accent1>
-      <a:accent2>
-        <a:srgbClr val="C0504D"/>
-      </a:accent2>
-      <a:accent3>
-        <a:srgbClr val="9BBB59"/>
-      </a:accent3>
-      <a:accent4>
-        <a:srgbClr val="8064A2"/>
-      </a:accent4>
-      <a:accent5>
-        <a:srgbClr val="4BACC6"/>
-      </a:accent5>
-      <a:accent6>
-        <a:srgbClr val="F79646"/>
-      </a:accent6>
-      <a:hlink>
-        <a:srgbClr val="0000FF"/>
-      </a:hlink>
-      <a:folHlink>
-        <a:srgbClr val="800080"/>
-      </a:folHlink>
-    </a:clrScheme>
-    <a:fontScheme name="Office">
-      <a:majorFont>
-        <a:latin typeface="Arial"/>
-        <a:ea typeface=""/>
-        <a:cs typeface=""/>
-        <a:font typeface="ＭＳ Ｐゴシック" script="Jpan"/>
-        <a:font typeface="맑은 고딕" script="Hang"/>
-        <a:font typeface="宋体" script="Hans"/>
-        <a:font typeface="新細明體" script="Hant"/>
-        <a:font typeface="Times New Roman" script="Arab"/>
-        <a:font typeface="Times New Roman" script="Hebr"/>
-        <a:font typeface="Angsana New" script="Thai"/>
-        <a:font typeface="Nyala" script="Ethi"/>
-        <a:font typeface="Vrinda" script="Beng"/>
-        <a:font typeface="Shruti" script="Gujr"/>
-        <a:font typeface="MoolBoran" script="Khmr"/>
-        <a:font typeface="Tunga" script="Knda"/>
-        <a:font typeface="Raavi" script="Guru"/>
-        <a:font typeface="Euphemia" script="Cans"/>
-        <a:font typeface="Plantagenet Cherokee" script="Cher"/>
-        <a:font typeface="Microsoft Yi Baiti" script="Yiii"/>
-        <a:font typeface="Microsoft Himalaya" script="Tibt"/>
-        <a:font typeface="MV Boli" script="Thaa"/>
-        <a:font typeface="Mangal" script="Deva"/>
-        <a:font typeface="Gautami" script="Telu"/>
-        <a:font typeface="Latha" script="Taml"/>
-        <a:font typeface="Estrangelo Edessa" script="Syrc"/>
-        <a:font typeface="Kalinga" script="Orya"/>
-        <a:font typeface="Kartika" script="Mlym"/>
-        <a:font typeface="DokChampa" script="Laoo"/>
-        <a:font typeface="Iskoola Pota" script="Sinh"/>
-        <a:font typeface="Mongolian Baiti" script="Mong"/>
-        <a:font typeface="Times New Roman" script="Viet"/>
-        <a:font typeface="Microsoft Uighur" script="Uigh"/>
-      </a:majorFont>
-      <a:minorFont>
-        <a:latin typeface="Arial"/>
-        <a:ea typeface=""/>
-        <a:cs typeface=""/>
-        <a:font typeface="ＭＳ Ｐゴシック" script="Jpan"/>
-        <a:font typeface="맑은 고딕" script="Hang"/>
-        <a:font typeface="宋体" script="Hans"/>
-        <a:font typeface="新細明體" script="Hant"/>
-        <a:font typeface="Times New Roman" script="Arab"/>
-        <a:font typeface="Times New Roman" script="Hebr"/>
-        <a:font typeface="Angsana New" script="Thai"/>
-        <a:font typeface="Nyala" script="Ethi"/>
-        <a:font typeface="Vrinda" script="Beng"/>
-        <a:font typeface="Shruti" script="Gujr"/>
-        <a:font typeface="MoolBoran" script="Khmr"/>
-        <a:font typeface="Tunga" script="Knda"/>
-        <a:font typeface="Raavi" script="Guru"/>
-        <a:font typeface="Euphemia" script="Cans"/>
-        <a:font typeface="Plantagenet Cherokee" script="Cher"/>
-        <a:font typeface="Microsoft Yi Baiti" script="Yiii"/>
-        <a:font typeface="Microsoft Himalaya" script="Tibt"/>
-        <a:font typeface="MV Boli" script="Thaa"/>
-        <a:font typeface="Mangal" script="Deva"/>
-        <a:font typeface="Gautami" script="Telu"/>
-        <a:font typeface="Latha" script="Taml"/>
-        <a:font typeface="Estrangelo Edessa" script="Syrc"/>
-        <a:font typeface="Kalinga" script="Orya"/>
-        <a:font typeface="Kartika" script="Mlym"/>
-        <a:font typeface="DokChampa" script="Laoo"/>
-        <a:font typeface="Iskoola Pota" script="Sinh"/>
-        <a:font typeface="Mongolian Baiti" script="Mong"/>
-        <a:font typeface="Times New Roman" script="Viet"/>
-        <a:font typeface="Microsoft Uighur" script="Uigh"/>
-      </a:minorFont>
-    </a:fontScheme>
-    <a:fmtScheme name="Office">
-      <a:fillStyleLst>
-        <a:solidFill>
-          <a:schemeClr val="phClr"/>
-        </a:solidFill>
-        <a:gradFill rotWithShape="1">
-          <a:gsLst>
-            <a:gs pos="0">
-              <a:schemeClr val="phClr">
-                <a:tint val="50000"/>
-                <a:satMod val="300000"/>
-              </a:schemeClr>
-            </a:gs>
-            <a:gs pos="35000">
-              <a:schemeClr val="phClr">
-                <a:tint val="37000"/>
-                <a:satMod val="300000"/>
-              </a:schemeClr>
-            </a:gs>
-            <a:gs pos="100000">
-              <a:schemeClr val="phClr">
-                <a:tint val="15000"/>
-                <a:satMod val="350000"/>
-              </a:schemeClr>
-            </a:gs>
-          </a:gsLst>
-          <a:lin ang="16200000" scaled="1"/>
-        </a:gradFill>
-        <a:gradFill rotWithShape="1">
-          <a:gsLst>
-            <a:gs pos="0">
-              <a:schemeClr val="phClr">
-                <a:tint val="100000"/>
-                <a:shade val="100000"/>
-                <a:satMod val="130000"/>
-              </a:schemeClr>
-            </a:gs>
-            <a:gs pos="100000">
-              <a:schemeClr val="phClr">
-                <a:tint val="50000"/>
-                <a:shade val="100000"/>
-                <a:satMod val="350000"/>
-              </a:schemeClr>
-            </a:gs>
-          </a:gsLst>
-          <a:lin ang="16200000" scaled="0"/>
-        </a:gradFill>
-      </a:fillStyleLst>
-      <a:lnStyleLst>
-        <a:ln w="9525" algn="ctr" cap="flat" cmpd="sng">
-          <a:solidFill>
-            <a:schemeClr val="phClr">
-              <a:shade val="95000"/>
-              <a:satMod val="105000"/>
-            </a:schemeClr>
-          </a:solidFill>
-          <a:prstDash val="solid"/>
-        </a:ln>
-        <a:ln w="25400" algn="ctr" cap="flat" cmpd="sng">
-          <a:solidFill>
-            <a:schemeClr val="phClr"/>
-          </a:solidFill>
-          <a:prstDash val="solid"/>
-        </a:ln>
-        <a:ln w="38100" algn="ctr" cap="flat" cmpd="sng">
-          <a:solidFill>
-            <a:schemeClr val="phClr"/>
-          </a:solidFill>
-          <a:prstDash val="solid"/>
-        </a:ln>
-      </a:lnStyleLst>
-      <a:effectStyleLst>
-        <a:effectStyle>
-          <a:effectLst>
-            <a:outerShdw rotWithShape="0" dir="5400000" blurRad="40000" dist="20000">
-              <a:srgbClr val="000000">
-                <a:alpha val="38000"/>
-              </a:srgbClr>
-            </a:outerShdw>
-          </a:effectLst>
-        </a:effectStyle>
-        <a:effectStyle>
-          <a:effectLst>
-            <a:outerShdw rotWithShape="0" dir="5400000" blurRad="40000" dist="23000">
-              <a:srgbClr val="000000">
-                <a:alpha val="35000"/>
-              </a:srgbClr>
-            </a:outerShdw>
-          </a:effectLst>
-        </a:effectStyle>
-        <a:effectStyle>
-          <a:effectLst>
-            <a:outerShdw rotWithShape="0" dir="5400000" blurRad="40000" dist="23000">
-              <a:srgbClr val="000000">
-                <a:alpha val="35000"/>
-              </a:srgbClr>
-            </a:outerShdw>
-          </a:effectLst>
-          <a:scene3d>
-            <a:camera prst="orthographicFront">
-              <a:rot rev="0" lon="0" lat="0"/>
-            </a:camera>
-            <a:lightRig dir="t" rig="threePt">
-              <a:rot rev="1200000" lon="0" lat="0"/>
-            </a:lightRig>
-          </a:scene3d>
-          <a:sp3d>
-            <a:bevelT w="63500" h="25400"/>
-          </a:sp3d>
-        </a:effectStyle>
-      </a:effectStyleLst>
-      <a:bgFillStyleLst>
-        <a:solidFill>
-          <a:schemeClr val="phClr"/>
-        </a:solidFill>
-        <a:gradFill rotWithShape="1">
-          <a:gsLst>
-            <a:gs pos="0">
-              <a:schemeClr val="phClr">
-                <a:tint val="40000"/>
-                <a:satMod val="350000"/>
-              </a:schemeClr>
-            </a:gs>
-            <a:gs pos="40000">
-              <a:schemeClr val="phClr">
-                <a:tint val="45000"/>
-                <a:shade val="99000"/>
-                <a:satMod val="350000"/>
-              </a:schemeClr>
-            </a:gs>
-            <a:gs pos="100000">
-              <a:schemeClr val="phClr">
-                <a:shade val="20000"/>
-                <a:satMod val="255000"/>
-              </a:schemeClr>
-            </a:gs>
-          </a:gsLst>
-          <a:path path="circle">
-            <a:fillToRect t="-80000" b="180000" r="50000" l="50000"/>
-          </a:path>
-        </a:gradFill>
-        <a:gradFill rotWithShape="1">
-          <a:gsLst>
-            <a:gs pos="0">
-              <a:schemeClr val="phClr">
-                <a:tint val="80000"/>
-                <a:satMod val="300000"/>
-              </a:schemeClr>
-            </a:gs>
-            <a:gs pos="100000">
-              <a:schemeClr val="phClr">
-                <a:shade val="30000"/>
-                <a:satMod val="200000"/>
-              </a:schemeClr>
-            </a:gs>
-          </a:gsLst>
-          <a:path path="circle">
-            <a:fillToRect t="50000" b="50000" r="50000" l="50000"/>
-          </a:path>
-        </a:gradFill>
-      </a:bgFillStyleLst>
-    </a:fmtScheme>
-  </a:themeElements>
-  <a:objectDefaults>
-    <a:spDef>
-      <a:spPr/>
-      <a:bodyPr/>
-      <a:lstStyle/>
-      <a:style>
-        <a:lnRef idx="1">
-          <a:schemeClr val="accent1"/>
-        </a:lnRef>
-        <a:fillRef idx="3">
-          <a:schemeClr val="accent1"/>
-        </a:fillRef>
-        <a:effectRef idx="2">
-          <a:schemeClr val="accent1"/>
-        </a:effectRef>
-        <a:fontRef idx="minor">
-          <a:schemeClr val="lt1"/>
-        </a:fontRef>
-      </a:style>
-    </a:spDef>
-    <a:lnDef>
-      <a:spPr/>
-      <a:bodyPr/>
-      <a:lstStyle/>
-      <a:style>
-        <a:lnRef idx="2">
-          <a:schemeClr val="accent1"/>
-        </a:lnRef>
-        <a:fillRef idx="0">
-          <a:schemeClr val="accent1"/>
-        </a:fillRef>
-        <a:effectRef idx="1">
-          <a:schemeClr val="accent1"/>
-        </a:effectRef>
-        <a:fontRef idx="minor">
-          <a:schemeClr val="tx1"/>
-        </a:fontRef>
-      </a:style>
-    </a:lnDef>
-  </a:objectDefaults>
+  <a:objectDefaults/>
+  <a:extraClrSchemeLst/>
 </a:theme>
 </file>
--- a/docs/CS115 Final Presentation.pptx
+++ b/docs/CS115 Final Presentation.pptx
@@ -1,22 +1,25 @@
 
 <file path=ppt/presentation.xml><?xml version="1.0" encoding="utf-8"?>
-<p:presentation xmlns:a="http://schemas.openxmlformats.org/drawingml/2006/main" xmlns:r="http://schemas.openxmlformats.org/officeDocument/2006/relationships" xmlns:p="http://schemas.openxmlformats.org/presentationml/2006/main" strictFirstAndLastChars="0" saveSubsetFonts="1" autoCompressPictures="0">
+<p:presentation xmlns:a="http://schemas.openxmlformats.org/drawingml/2006/main" xmlns:r="http://schemas.openxmlformats.org/officeDocument/2006/relationships" xmlns:mc="http://schemas.openxmlformats.org/markup-compatibility/2006" xmlns:mv="urn:schemas-microsoft-com:mac:vml" xmlns:p="http://schemas.openxmlformats.org/presentationml/2006/main" xmlns:c="http://schemas.openxmlformats.org/drawingml/2006/chart" xmlns:dgm="http://schemas.openxmlformats.org/drawingml/2006/diagram" xmlns:o="urn:schemas-microsoft-com:office:office" xmlns:v="urn:schemas-microsoft-com:vml" xmlns:pvml="urn:schemas-microsoft-com:office:powerpoint" xmlns:com="http://schemas.openxmlformats.org/drawingml/2006/compatibility" xmlns:p14="http://schemas.microsoft.com/office/powerpoint/2010/main" saveSubsetFonts="1" autoCompressPictures="0" strictFirstAndLastChars="0">
   <p:sldMasterIdLst>
-    <p:sldMasterId id="2147483654" r:id="rId1"/>
+    <p:sldMasterId id="2147483654" r:id="rId4"/>
   </p:sldMasterIdLst>
   <p:notesMasterIdLst>
-    <p:notesMasterId r:id="rId6"/>
+    <p:notesMasterId r:id="rId5"/>
   </p:notesMasterIdLst>
   <p:sldIdLst>
-    <p:sldId id="256" r:id="rId2"/>
-    <p:sldId id="257" r:id="rId3"/>
-    <p:sldId id="258" r:id="rId4"/>
-    <p:sldId id="259" r:id="rId5"/>
+    <p:sldId id="256" r:id="rId6"/>
+    <p:sldId id="257" r:id="rId7"/>
+    <p:sldId id="258" r:id="rId8"/>
+    <p:sldId id="259" r:id="rId9"/>
+    <p:sldId id="260" r:id="rId10"/>
+    <p:sldId id="261" r:id="rId11"/>
+    <p:sldId id="262" r:id="rId12"/>
   </p:sldIdLst>
-  <p:sldSz cx="9144000" cy="5143500" type="screen16x9"/>
-  <p:notesSz cx="6858000" cy="9144000"/>
+  <p:sldSz cy="5143500" cx="9144000"/>
+  <p:notesSz cy="9144000" cx="6858000"/>
   <p:defaultTextStyle>
-    <a:defPPr marR="0" algn="l" rtl="0">
+    <a:defPPr algn="l" rtl="0" marR="0">
       <a:lnSpc>
         <a:spcPct val="100000"/>
       </a:lnSpc>
@@ -27,7 +30,7 @@
         <a:spcPts val="0"/>
       </a:spcAft>
     </a:defPPr>
-    <a:lvl1pPr marR="0" algn="l" rtl="0">
+    <a:lvl1pPr algn="l" rtl="0" marR="0">
       <a:lnSpc>
         <a:spcPct val="100000"/>
       </a:lnSpc>
@@ -38,7 +41,7 @@
         <a:spcPts val="0"/>
       </a:spcAft>
       <a:buNone/>
-      <a:defRPr sz="1400" b="0" i="0" u="none" strike="noStrike" cap="none" baseline="0">
+      <a:defRPr strike="noStrike" u="none" b="0" cap="none" baseline="0" sz="1400" i="0">
         <a:solidFill>
           <a:srgbClr val="000000"/>
         </a:solidFill>
@@ -46,9 +49,10 @@
         <a:ea typeface="Arial"/>
         <a:cs typeface="Arial"/>
         <a:sym typeface="Arial"/>
+        <a:rtl val="0"/>
       </a:defRPr>
     </a:lvl1pPr>
-    <a:lvl2pPr marR="0" algn="l" rtl="0">
+    <a:lvl2pPr algn="l" rtl="0" marR="0">
       <a:lnSpc>
         <a:spcPct val="100000"/>
       </a:lnSpc>
@@ -59,7 +63,7 @@
         <a:spcPts val="0"/>
       </a:spcAft>
       <a:buNone/>
-      <a:defRPr sz="1400" b="0" i="0" u="none" strike="noStrike" cap="none" baseline="0">
+      <a:defRPr strike="noStrike" u="none" b="0" cap="none" baseline="0" sz="1400" i="0">
         <a:solidFill>
           <a:srgbClr val="000000"/>
         </a:solidFill>
@@ -67,9 +71,10 @@
         <a:ea typeface="Arial"/>
         <a:cs typeface="Arial"/>
         <a:sym typeface="Arial"/>
+        <a:rtl val="0"/>
       </a:defRPr>
     </a:lvl2pPr>
-    <a:lvl3pPr marR="0" algn="l" rtl="0">
+    <a:lvl3pPr algn="l" rtl="0" marR="0">
       <a:lnSpc>
         <a:spcPct val="100000"/>
       </a:lnSpc>
@@ -80,7 +85,7 @@
         <a:spcPts val="0"/>
       </a:spcAft>
       <a:buNone/>
-      <a:defRPr sz="1400" b="0" i="0" u="none" strike="noStrike" cap="none" baseline="0">
+      <a:defRPr strike="noStrike" u="none" b="0" cap="none" baseline="0" sz="1400" i="0">
         <a:solidFill>
           <a:srgbClr val="000000"/>
         </a:solidFill>
@@ -88,9 +93,10 @@
         <a:ea typeface="Arial"/>
         <a:cs typeface="Arial"/>
         <a:sym typeface="Arial"/>
+        <a:rtl val="0"/>
       </a:defRPr>
     </a:lvl3pPr>
-    <a:lvl4pPr marR="0" algn="l" rtl="0">
+    <a:lvl4pPr algn="l" rtl="0" marR="0">
       <a:lnSpc>
         <a:spcPct val="100000"/>
       </a:lnSpc>
@@ -101,7 +107,7 @@
         <a:spcPts val="0"/>
       </a:spcAft>
       <a:buNone/>
-      <a:defRPr sz="1400" b="0" i="0" u="none" strike="noStrike" cap="none" baseline="0">
+      <a:defRPr strike="noStrike" u="none" b="0" cap="none" baseline="0" sz="1400" i="0">
         <a:solidFill>
           <a:srgbClr val="000000"/>
         </a:solidFill>
@@ -109,9 +115,10 @@
         <a:ea typeface="Arial"/>
         <a:cs typeface="Arial"/>
         <a:sym typeface="Arial"/>
+        <a:rtl val="0"/>
       </a:defRPr>
     </a:lvl4pPr>
-    <a:lvl5pPr marR="0" algn="l" rtl="0">
+    <a:lvl5pPr algn="l" rtl="0" marR="0">
       <a:lnSpc>
         <a:spcPct val="100000"/>
       </a:lnSpc>
@@ -122,7 +129,7 @@
         <a:spcPts val="0"/>
       </a:spcAft>
       <a:buNone/>
-      <a:defRPr sz="1400" b="0" i="0" u="none" strike="noStrike" cap="none" baseline="0">
+      <a:defRPr strike="noStrike" u="none" b="0" cap="none" baseline="0" sz="1400" i="0">
         <a:solidFill>
           <a:srgbClr val="000000"/>
         </a:solidFill>
@@ -130,9 +137,10 @@
         <a:ea typeface="Arial"/>
         <a:cs typeface="Arial"/>
         <a:sym typeface="Arial"/>
+        <a:rtl val="0"/>
       </a:defRPr>
     </a:lvl5pPr>
-    <a:lvl6pPr marR="0" algn="l" rtl="0">
+    <a:lvl6pPr algn="l" rtl="0" marR="0">
       <a:lnSpc>
         <a:spcPct val="100000"/>
       </a:lnSpc>
@@ -143,7 +151,7 @@
         <a:spcPts val="0"/>
       </a:spcAft>
       <a:buNone/>
-      <a:defRPr sz="1400" b="0" i="0" u="none" strike="noStrike" cap="none" baseline="0">
+      <a:defRPr strike="noStrike" u="none" b="0" cap="none" baseline="0" sz="1400" i="0">
         <a:solidFill>
           <a:srgbClr val="000000"/>
         </a:solidFill>
@@ -151,9 +159,10 @@
         <a:ea typeface="Arial"/>
         <a:cs typeface="Arial"/>
         <a:sym typeface="Arial"/>
+        <a:rtl val="0"/>
       </a:defRPr>
     </a:lvl6pPr>
-    <a:lvl7pPr marR="0" algn="l" rtl="0">
+    <a:lvl7pPr algn="l" rtl="0" marR="0">
       <a:lnSpc>
         <a:spcPct val="100000"/>
       </a:lnSpc>
@@ -164,7 +173,7 @@
         <a:spcPts val="0"/>
       </a:spcAft>
       <a:buNone/>
-      <a:defRPr sz="1400" b="0" i="0" u="none" strike="noStrike" cap="none" baseline="0">
+      <a:defRPr strike="noStrike" u="none" b="0" cap="none" baseline="0" sz="1400" i="0">
         <a:solidFill>
           <a:srgbClr val="000000"/>
         </a:solidFill>
@@ -172,9 +181,10 @@
         <a:ea typeface="Arial"/>
         <a:cs typeface="Arial"/>
         <a:sym typeface="Arial"/>
+        <a:rtl val="0"/>
       </a:defRPr>
     </a:lvl7pPr>
-    <a:lvl8pPr marR="0" algn="l" rtl="0">
+    <a:lvl8pPr algn="l" rtl="0" marR="0">
       <a:lnSpc>
         <a:spcPct val="100000"/>
       </a:lnSpc>
@@ -185,7 +195,7 @@
         <a:spcPts val="0"/>
       </a:spcAft>
       <a:buNone/>
-      <a:defRPr sz="1400" b="0" i="0" u="none" strike="noStrike" cap="none" baseline="0">
+      <a:defRPr strike="noStrike" u="none" b="0" cap="none" baseline="0" sz="1400" i="0">
         <a:solidFill>
           <a:srgbClr val="000000"/>
         </a:solidFill>
@@ -193,9 +203,10 @@
         <a:ea typeface="Arial"/>
         <a:cs typeface="Arial"/>
         <a:sym typeface="Arial"/>
+        <a:rtl val="0"/>
       </a:defRPr>
     </a:lvl8pPr>
-    <a:lvl9pPr marR="0" algn="l" rtl="0">
+    <a:lvl9pPr algn="l" rtl="0" marR="0">
       <a:lnSpc>
         <a:spcPct val="100000"/>
       </a:lnSpc>
@@ -206,7 +217,7 @@
         <a:spcPts val="0"/>
       </a:spcAft>
       <a:buNone/>
-      <a:defRPr sz="1400" b="0" i="0" u="none" strike="noStrike" cap="none" baseline="0">
+      <a:defRPr strike="noStrike" u="none" b="0" cap="none" baseline="0" sz="1400" i="0">
         <a:solidFill>
           <a:srgbClr val="000000"/>
         </a:solidFill>
@@ -214,6 +225,7 @@
         <a:ea typeface="Arial"/>
         <a:cs typeface="Arial"/>
         <a:sym typeface="Arial"/>
+        <a:rtl val="0"/>
       </a:defRPr>
     </a:lvl9pPr>
   </p:defaultTextStyle>
@@ -221,13 +233,8 @@
 </file>
 
 <file path=ppt/notesMasters/notesMaster1.xml><?xml version="1.0" encoding="utf-8"?>
-<p:notesMaster xmlns:a="http://schemas.openxmlformats.org/drawingml/2006/main" xmlns:r="http://schemas.openxmlformats.org/officeDocument/2006/relationships" xmlns:p="http://schemas.openxmlformats.org/presentationml/2006/main">
+<p:notesMaster xmlns:a="http://schemas.openxmlformats.org/drawingml/2006/main" xmlns:r="http://schemas.openxmlformats.org/officeDocument/2006/relationships" xmlns:mc="http://schemas.openxmlformats.org/markup-compatibility/2006" xmlns:mv="urn:schemas-microsoft-com:mac:vml" xmlns:p="http://schemas.openxmlformats.org/presentationml/2006/main" xmlns:c="http://schemas.openxmlformats.org/drawingml/2006/chart" xmlns:dgm="http://schemas.openxmlformats.org/drawingml/2006/diagram" xmlns:o="urn:schemas-microsoft-com:office:office" xmlns:v="urn:schemas-microsoft-com:vml" xmlns:pvml="urn:schemas-microsoft-com:office:powerpoint" xmlns:com="http://schemas.openxmlformats.org/drawingml/2006/compatibility" xmlns:p14="http://schemas.microsoft.com/office/powerpoint/2010/main">
   <p:cSld>
-    <p:bg>
-      <p:bgRef idx="1001">
-        <a:schemeClr val="bg1"/>
-      </p:bgRef>
-    </p:bg>
     <p:spTree>
       <p:nvGrpSpPr>
         <p:cNvPr id="1" name="Shape 1"/>
@@ -236,46 +243,39 @@
       </p:nvGrpSpPr>
       <p:grpSpPr>
         <a:xfrm>
-          <a:off x="0" y="0"/>
-          <a:ext cx="0" cy="0"/>
-          <a:chOff x="0" y="0"/>
-          <a:chExt cx="0" cy="0"/>
+          <a:off y="0" x="0"/>
+          <a:ext cy="0" cx="0"/>
+          <a:chOff y="0" x="0"/>
+          <a:chExt cy="0" cx="0"/>
         </a:xfrm>
       </p:grpSpPr>
       <p:sp>
         <p:nvSpPr>
           <p:cNvPr id="2" name="Shape 2"/>
-          <p:cNvSpPr>
-            <a:spLocks noGrp="1" noRot="1" noChangeAspect="1"/>
-          </p:cNvSpPr>
+          <p:cNvSpPr/>
           <p:nvPr>
-            <p:ph type="sldImg" idx="2"/>
+            <p:ph idx="2" type="sldImg"/>
           </p:nvPr>
         </p:nvSpPr>
         <p:spPr>
           <a:xfrm>
-            <a:off x="381187" y="685800"/>
-            <a:ext cx="6096299" cy="3429000"/>
+            <a:off y="685800" x="381187"/>
+            <a:ext cy="3429000" cx="6096299"/>
           </a:xfrm>
           <a:custGeom>
-            <a:avLst/>
-            <a:gdLst/>
-            <a:ahLst/>
-            <a:cxnLst/>
-            <a:rect l="0" t="0" r="0" b="0"/>
             <a:pathLst>
-              <a:path w="120000" h="120000" extrusionOk="0">
+              <a:path w="120000" extrusionOk="0" h="120000">
                 <a:moveTo>
-                  <a:pt x="0" y="0"/>
+                  <a:pt y="0" x="0"/>
                 </a:moveTo>
                 <a:lnTo>
-                  <a:pt x="120000" y="0"/>
+                  <a:pt y="0" x="120000"/>
                 </a:lnTo>
                 <a:lnTo>
-                  <a:pt x="120000" y="120000"/>
+                  <a:pt y="120000" x="120000"/>
                 </a:lnTo>
                 <a:lnTo>
-                  <a:pt x="0" y="120000"/>
+                  <a:pt y="120000" x="0"/>
                 </a:lnTo>
                 <a:close/>
               </a:path>
@@ -288,25 +288,23 @@
             </a:solidFill>
             <a:prstDash val="solid"/>
             <a:round/>
-            <a:headEnd type="none" w="med" len="med"/>
-            <a:tailEnd type="none" w="med" len="med"/>
+            <a:headEnd w="med" len="med" type="none"/>
+            <a:tailEnd w="med" len="med" type="none"/>
           </a:ln>
         </p:spPr>
       </p:sp>
       <p:sp>
         <p:nvSpPr>
           <p:cNvPr id="3" name="Shape 3"/>
-          <p:cNvSpPr txBox="1">
-            <a:spLocks noGrp="1"/>
-          </p:cNvSpPr>
+          <p:cNvSpPr txBox="1"/>
           <p:nvPr>
-            <p:ph type="body" idx="1"/>
+            <p:ph idx="1" type="body"/>
           </p:nvPr>
         </p:nvSpPr>
         <p:spPr>
           <a:xfrm>
-            <a:off x="685800" y="4343400"/>
-            <a:ext cx="5486399" cy="4114800"/>
+            <a:off y="4343400" x="685800"/>
+            <a:ext cy="4114800" cx="5486399"/>
           </a:xfrm>
           <a:prstGeom prst="rect">
             <a:avLst/>
@@ -317,7 +315,7 @@
           </a:ln>
         </p:spPr>
         <p:txBody>
-          <a:bodyPr lIns="91425" tIns="91425" rIns="91425" bIns="91425" anchor="t" anchorCtr="0"/>
+          <a:bodyPr bIns="91425" rIns="91425" lIns="91425" tIns="91425" anchor="t" anchorCtr="0"/>
           <a:lstStyle>
             <a:lvl1pPr>
               <a:spcBef>
@@ -374,160 +372,59 @@
               <a:defRPr sz="1100"/>
             </a:lvl9pPr>
           </a:lstStyle>
-          <a:p>
-            <a:endParaRPr/>
-          </a:p>
+          <a:p/>
         </p:txBody>
       </p:sp>
     </p:spTree>
   </p:cSld>
-  <p:clrMap bg1="lt1" tx1="dk1" bg2="dk2" tx2="lt2" accent1="accent1" accent2="accent2" accent3="accent3" accent4="accent4" accent5="accent5" accent6="accent6" hlink="hlink" folHlink="folHlink"/>
-  <p:notesStyle>
-    <a:lvl1pPr marL="0" algn="l" defTabSz="914400" rtl="0" eaLnBrk="1" latinLnBrk="0" hangingPunct="1">
-      <a:defRPr sz="1200" kern="1200">
-        <a:solidFill>
-          <a:schemeClr val="tx1"/>
-        </a:solidFill>
-        <a:latin typeface="+mn-lt"/>
-        <a:ea typeface="+mn-ea"/>
-        <a:cs typeface="+mn-cs"/>
-      </a:defRPr>
-    </a:lvl1pPr>
-    <a:lvl2pPr marL="457200" algn="l" defTabSz="914400" rtl="0" eaLnBrk="1" latinLnBrk="0" hangingPunct="1">
-      <a:defRPr sz="1200" kern="1200">
-        <a:solidFill>
-          <a:schemeClr val="tx1"/>
-        </a:solidFill>
-        <a:latin typeface="+mn-lt"/>
-        <a:ea typeface="+mn-ea"/>
-        <a:cs typeface="+mn-cs"/>
-      </a:defRPr>
-    </a:lvl2pPr>
-    <a:lvl3pPr marL="914400" algn="l" defTabSz="914400" rtl="0" eaLnBrk="1" latinLnBrk="0" hangingPunct="1">
-      <a:defRPr sz="1200" kern="1200">
-        <a:solidFill>
-          <a:schemeClr val="tx1"/>
-        </a:solidFill>
-        <a:latin typeface="+mn-lt"/>
-        <a:ea typeface="+mn-ea"/>
-        <a:cs typeface="+mn-cs"/>
-      </a:defRPr>
-    </a:lvl3pPr>
-    <a:lvl4pPr marL="1371600" algn="l" defTabSz="914400" rtl="0" eaLnBrk="1" latinLnBrk="0" hangingPunct="1">
-      <a:defRPr sz="1200" kern="1200">
-        <a:solidFill>
-          <a:schemeClr val="tx1"/>
-        </a:solidFill>
-        <a:latin typeface="+mn-lt"/>
-        <a:ea typeface="+mn-ea"/>
-        <a:cs typeface="+mn-cs"/>
-      </a:defRPr>
-    </a:lvl4pPr>
-    <a:lvl5pPr marL="1828800" algn="l" defTabSz="914400" rtl="0" eaLnBrk="1" latinLnBrk="0" hangingPunct="1">
-      <a:defRPr sz="1200" kern="1200">
-        <a:solidFill>
-          <a:schemeClr val="tx1"/>
-        </a:solidFill>
-        <a:latin typeface="+mn-lt"/>
-        <a:ea typeface="+mn-ea"/>
-        <a:cs typeface="+mn-cs"/>
-      </a:defRPr>
-    </a:lvl5pPr>
-    <a:lvl6pPr marL="2286000" algn="l" defTabSz="914400" rtl="0" eaLnBrk="1" latinLnBrk="0" hangingPunct="1">
-      <a:defRPr sz="1200" kern="1200">
-        <a:solidFill>
-          <a:schemeClr val="tx1"/>
-        </a:solidFill>
-        <a:latin typeface="+mn-lt"/>
-        <a:ea typeface="+mn-ea"/>
-        <a:cs typeface="+mn-cs"/>
-      </a:defRPr>
-    </a:lvl6pPr>
-    <a:lvl7pPr marL="2743200" algn="l" defTabSz="914400" rtl="0" eaLnBrk="1" latinLnBrk="0" hangingPunct="1">
-      <a:defRPr sz="1200" kern="1200">
-        <a:solidFill>
-          <a:schemeClr val="tx1"/>
-        </a:solidFill>
-        <a:latin typeface="+mn-lt"/>
-        <a:ea typeface="+mn-ea"/>
-        <a:cs typeface="+mn-cs"/>
-      </a:defRPr>
-    </a:lvl7pPr>
-    <a:lvl8pPr marL="3200400" algn="l" defTabSz="914400" rtl="0" eaLnBrk="1" latinLnBrk="0" hangingPunct="1">
-      <a:defRPr sz="1200" kern="1200">
-        <a:solidFill>
-          <a:schemeClr val="tx1"/>
-        </a:solidFill>
-        <a:latin typeface="+mn-lt"/>
-        <a:ea typeface="+mn-ea"/>
-        <a:cs typeface="+mn-cs"/>
-      </a:defRPr>
-    </a:lvl8pPr>
-    <a:lvl9pPr marL="3657600" algn="l" defTabSz="914400" rtl="0" eaLnBrk="1" latinLnBrk="0" hangingPunct="1">
-      <a:defRPr sz="1200" kern="1200">
-        <a:solidFill>
-          <a:schemeClr val="tx1"/>
-        </a:solidFill>
-        <a:latin typeface="+mn-lt"/>
-        <a:ea typeface="+mn-ea"/>
-        <a:cs typeface="+mn-cs"/>
-      </a:defRPr>
-    </a:lvl9pPr>
-  </p:notesStyle>
+  <p:clrMap accent2="accent2" accent3="accent3" accent4="accent4" accent5="accent5" accent6="accent6" hlink="hlink" tx2="lt2" tx1="dk1" bg2="dk2" bg1="lt1" folHlink="folHlink" accent1="accent1"/>
 </p:notesMaster>
 </file>
 
 <file path=ppt/notesSlides/notesSlide1.xml><?xml version="1.0" encoding="utf-8"?>
-<p:notes xmlns:a="http://schemas.openxmlformats.org/drawingml/2006/main" xmlns:r="http://schemas.openxmlformats.org/officeDocument/2006/relationships" xmlns:p="http://schemas.openxmlformats.org/presentationml/2006/main" showMasterSp="0" showMasterPhAnim="0">
+<p:notes xmlns:a="http://schemas.openxmlformats.org/drawingml/2006/main" xmlns:r="http://schemas.openxmlformats.org/officeDocument/2006/relationships" xmlns:mc="http://schemas.openxmlformats.org/markup-compatibility/2006" xmlns:mv="urn:schemas-microsoft-com:mac:vml" xmlns:p="http://schemas.openxmlformats.org/presentationml/2006/main" xmlns:c="http://schemas.openxmlformats.org/drawingml/2006/chart" xmlns:dgm="http://schemas.openxmlformats.org/drawingml/2006/diagram" xmlns:o="urn:schemas-microsoft-com:office:office" xmlns:v="urn:schemas-microsoft-com:vml" xmlns:pvml="urn:schemas-microsoft-com:office:powerpoint" xmlns:com="http://schemas.openxmlformats.org/drawingml/2006/compatibility" xmlns:p14="http://schemas.microsoft.com/office/powerpoint/2010/main" showMasterSp="0" showMasterPhAnim="0">
   <p:cSld>
     <p:spTree>
       <p:nvGrpSpPr>
-        <p:cNvPr id="1" name="Shape 73"/>
+        <p:cNvPr id="73" name="Shape 73"/>
         <p:cNvGrpSpPr/>
         <p:nvPr/>
       </p:nvGrpSpPr>
       <p:grpSpPr>
         <a:xfrm>
-          <a:off x="0" y="0"/>
-          <a:ext cx="0" cy="0"/>
-          <a:chOff x="0" y="0"/>
-          <a:chExt cx="0" cy="0"/>
+          <a:off y="0" x="0"/>
+          <a:ext cy="0" cx="0"/>
+          <a:chOff y="0" x="0"/>
+          <a:chExt cy="0" cx="0"/>
         </a:xfrm>
       </p:grpSpPr>
       <p:sp>
         <p:nvSpPr>
           <p:cNvPr id="74" name="Shape 74"/>
-          <p:cNvSpPr>
-            <a:spLocks noGrp="1" noRot="1" noChangeAspect="1"/>
-          </p:cNvSpPr>
+          <p:cNvSpPr/>
           <p:nvPr>
-            <p:ph type="sldImg" idx="2"/>
+            <p:ph idx="2" type="sldImg"/>
           </p:nvPr>
         </p:nvSpPr>
         <p:spPr>
           <a:xfrm>
-            <a:off x="381187" y="685800"/>
-            <a:ext cx="6096299" cy="3429000"/>
+            <a:off y="685800" x="381187"/>
+            <a:ext cy="3429000" cx="6096299"/>
           </a:xfrm>
           <a:custGeom>
-            <a:avLst/>
-            <a:gdLst/>
-            <a:ahLst/>
-            <a:cxnLst/>
-            <a:rect l="0" t="0" r="0" b="0"/>
             <a:pathLst>
-              <a:path w="120000" h="120000" extrusionOk="0">
+              <a:path w="120000" extrusionOk="0" h="120000">
                 <a:moveTo>
-                  <a:pt x="0" y="0"/>
+                  <a:pt y="0" x="0"/>
                 </a:moveTo>
                 <a:lnTo>
-                  <a:pt x="120000" y="0"/>
+                  <a:pt y="0" x="120000"/>
                 </a:lnTo>
                 <a:lnTo>
-                  <a:pt x="120000" y="120000"/>
+                  <a:pt y="120000" x="120000"/>
                 </a:lnTo>
                 <a:lnTo>
-                  <a:pt x="0" y="120000"/>
+                  <a:pt y="120000" x="0"/>
                 </a:lnTo>
                 <a:close/>
               </a:path>
@@ -540,32 +437,30 @@
             </a:solidFill>
             <a:prstDash val="solid"/>
             <a:round/>
-            <a:headEnd type="none" w="med" len="med"/>
-            <a:tailEnd type="none" w="med" len="med"/>
+            <a:headEnd w="med" len="med" type="none"/>
+            <a:tailEnd w="med" len="med" type="none"/>
           </a:ln>
         </p:spPr>
       </p:sp>
       <p:sp>
         <p:nvSpPr>
           <p:cNvPr id="75" name="Shape 75"/>
-          <p:cNvSpPr txBox="1">
-            <a:spLocks noGrp="1"/>
-          </p:cNvSpPr>
+          <p:cNvSpPr txBox="1"/>
           <p:nvPr>
-            <p:ph type="body" idx="1"/>
+            <p:ph idx="1" type="body"/>
           </p:nvPr>
         </p:nvSpPr>
         <p:spPr>
           <a:xfrm>
-            <a:off x="685800" y="4343400"/>
-            <a:ext cx="5486399" cy="4114800"/>
+            <a:off y="4343400" x="685800"/>
+            <a:ext cy="4114800" cx="5486399"/>
           </a:xfrm>
           <a:prstGeom prst="rect">
             <a:avLst/>
           </a:prstGeom>
         </p:spPr>
         <p:txBody>
-          <a:bodyPr lIns="91425" tIns="91425" rIns="91425" bIns="91425" anchor="t" anchorCtr="0">
+          <a:bodyPr bIns="91425" rIns="91425" lIns="91425" tIns="91425" anchor="t" anchorCtr="0">
             <a:noAutofit/>
           </a:bodyPr>
           <a:lstStyle/>
@@ -576,7 +471,10 @@
               </a:spcBef>
               <a:buNone/>
             </a:pPr>
-            <a:endParaRPr/>
+            <a:r>
+              <a:rPr lang="en"/>
+              <a:t>Connor</a:t>
+            </a:r>
           </a:p>
         </p:txBody>
       </p:sp>
@@ -589,56 +487,49 @@
 </file>
 
 <file path=ppt/notesSlides/notesSlide2.xml><?xml version="1.0" encoding="utf-8"?>
-<p:notes xmlns:a="http://schemas.openxmlformats.org/drawingml/2006/main" xmlns:r="http://schemas.openxmlformats.org/officeDocument/2006/relationships" xmlns:p="http://schemas.openxmlformats.org/presentationml/2006/main" showMasterSp="0" showMasterPhAnim="0">
+<p:notes xmlns:a="http://schemas.openxmlformats.org/drawingml/2006/main" xmlns:r="http://schemas.openxmlformats.org/officeDocument/2006/relationships" xmlns:mc="http://schemas.openxmlformats.org/markup-compatibility/2006" xmlns:mv="urn:schemas-microsoft-com:mac:vml" xmlns:p="http://schemas.openxmlformats.org/presentationml/2006/main" xmlns:c="http://schemas.openxmlformats.org/drawingml/2006/chart" xmlns:dgm="http://schemas.openxmlformats.org/drawingml/2006/diagram" xmlns:o="urn:schemas-microsoft-com:office:office" xmlns:v="urn:schemas-microsoft-com:vml" xmlns:pvml="urn:schemas-microsoft-com:office:powerpoint" xmlns:com="http://schemas.openxmlformats.org/drawingml/2006/compatibility" xmlns:p14="http://schemas.microsoft.com/office/powerpoint/2010/main" showMasterSp="0" showMasterPhAnim="0">
   <p:cSld>
     <p:spTree>
       <p:nvGrpSpPr>
-        <p:cNvPr id="1" name="Shape 79"/>
+        <p:cNvPr id="79" name="Shape 79"/>
         <p:cNvGrpSpPr/>
         <p:nvPr/>
       </p:nvGrpSpPr>
       <p:grpSpPr>
         <a:xfrm>
-          <a:off x="0" y="0"/>
-          <a:ext cx="0" cy="0"/>
-          <a:chOff x="0" y="0"/>
-          <a:chExt cx="0" cy="0"/>
+          <a:off y="0" x="0"/>
+          <a:ext cy="0" cx="0"/>
+          <a:chOff y="0" x="0"/>
+          <a:chExt cy="0" cx="0"/>
         </a:xfrm>
       </p:grpSpPr>
       <p:sp>
         <p:nvSpPr>
           <p:cNvPr id="80" name="Shape 80"/>
-          <p:cNvSpPr>
-            <a:spLocks noGrp="1" noRot="1" noChangeAspect="1"/>
-          </p:cNvSpPr>
+          <p:cNvSpPr/>
           <p:nvPr>
-            <p:ph type="sldImg" idx="2"/>
+            <p:ph idx="2" type="sldImg"/>
           </p:nvPr>
         </p:nvSpPr>
         <p:spPr>
           <a:xfrm>
-            <a:off x="381187" y="685800"/>
-            <a:ext cx="6096299" cy="3429000"/>
+            <a:off y="685800" x="381187"/>
+            <a:ext cy="3429000" cx="6096299"/>
           </a:xfrm>
           <a:custGeom>
-            <a:avLst/>
-            <a:gdLst/>
-            <a:ahLst/>
-            <a:cxnLst/>
-            <a:rect l="0" t="0" r="0" b="0"/>
             <a:pathLst>
-              <a:path w="120000" h="120000" extrusionOk="0">
+              <a:path w="120000" extrusionOk="0" h="120000">
                 <a:moveTo>
-                  <a:pt x="0" y="0"/>
+                  <a:pt y="0" x="0"/>
                 </a:moveTo>
                 <a:lnTo>
-                  <a:pt x="120000" y="0"/>
+                  <a:pt y="0" x="120000"/>
                 </a:lnTo>
                 <a:lnTo>
-                  <a:pt x="120000" y="120000"/>
+                  <a:pt y="120000" x="120000"/>
                 </a:lnTo>
                 <a:lnTo>
-                  <a:pt x="0" y="120000"/>
+                  <a:pt y="120000" x="0"/>
                 </a:lnTo>
                 <a:close/>
               </a:path>
@@ -651,32 +542,30 @@
             </a:solidFill>
             <a:prstDash val="solid"/>
             <a:round/>
-            <a:headEnd type="none" w="med" len="med"/>
-            <a:tailEnd type="none" w="med" len="med"/>
+            <a:headEnd w="med" len="med" type="none"/>
+            <a:tailEnd w="med" len="med" type="none"/>
           </a:ln>
         </p:spPr>
       </p:sp>
       <p:sp>
         <p:nvSpPr>
           <p:cNvPr id="81" name="Shape 81"/>
-          <p:cNvSpPr txBox="1">
-            <a:spLocks noGrp="1"/>
-          </p:cNvSpPr>
+          <p:cNvSpPr txBox="1"/>
           <p:nvPr>
-            <p:ph type="body" idx="1"/>
+            <p:ph idx="1" type="body"/>
           </p:nvPr>
         </p:nvSpPr>
         <p:spPr>
           <a:xfrm>
-            <a:off x="685800" y="4343400"/>
-            <a:ext cx="5486399" cy="4114800"/>
+            <a:off y="4343400" x="685800"/>
+            <a:ext cy="4114800" cx="5486399"/>
           </a:xfrm>
           <a:prstGeom prst="rect">
             <a:avLst/>
           </a:prstGeom>
         </p:spPr>
         <p:txBody>
-          <a:bodyPr lIns="91425" tIns="91425" rIns="91425" bIns="91425" anchor="t" anchorCtr="0">
+          <a:bodyPr bIns="91425" rIns="91425" lIns="91425" tIns="91425" anchor="t" anchorCtr="0">
             <a:noAutofit/>
           </a:bodyPr>
           <a:lstStyle/>
@@ -687,7 +576,10 @@
               </a:spcBef>
               <a:buNone/>
             </a:pPr>
-            <a:endParaRPr/>
+            <a:r>
+              <a:rPr lang="en"/>
+              <a:t>Vanda</a:t>
+            </a:r>
           </a:p>
         </p:txBody>
       </p:sp>
@@ -700,56 +592,49 @@
 </file>
 
 <file path=ppt/notesSlides/notesSlide3.xml><?xml version="1.0" encoding="utf-8"?>
-<p:notes xmlns:a="http://schemas.openxmlformats.org/drawingml/2006/main" xmlns:r="http://schemas.openxmlformats.org/officeDocument/2006/relationships" xmlns:p="http://schemas.openxmlformats.org/presentationml/2006/main" showMasterSp="0" showMasterPhAnim="0">
+<p:notes xmlns:a="http://schemas.openxmlformats.org/drawingml/2006/main" xmlns:r="http://schemas.openxmlformats.org/officeDocument/2006/relationships" xmlns:mc="http://schemas.openxmlformats.org/markup-compatibility/2006" xmlns:mv="urn:schemas-microsoft-com:mac:vml" xmlns:p="http://schemas.openxmlformats.org/presentationml/2006/main" xmlns:c="http://schemas.openxmlformats.org/drawingml/2006/chart" xmlns:dgm="http://schemas.openxmlformats.org/drawingml/2006/diagram" xmlns:o="urn:schemas-microsoft-com:office:office" xmlns:v="urn:schemas-microsoft-com:vml" xmlns:pvml="urn:schemas-microsoft-com:office:powerpoint" xmlns:com="http://schemas.openxmlformats.org/drawingml/2006/compatibility" xmlns:p14="http://schemas.microsoft.com/office/powerpoint/2010/main" showMasterSp="0" showMasterPhAnim="0">
   <p:cSld>
     <p:spTree>
       <p:nvGrpSpPr>
-        <p:cNvPr id="1" name="Shape 86"/>
+        <p:cNvPr id="86" name="Shape 86"/>
         <p:cNvGrpSpPr/>
         <p:nvPr/>
       </p:nvGrpSpPr>
       <p:grpSpPr>
         <a:xfrm>
-          <a:off x="0" y="0"/>
-          <a:ext cx="0" cy="0"/>
-          <a:chOff x="0" y="0"/>
-          <a:chExt cx="0" cy="0"/>
+          <a:off y="0" x="0"/>
+          <a:ext cy="0" cx="0"/>
+          <a:chOff y="0" x="0"/>
+          <a:chExt cy="0" cx="0"/>
         </a:xfrm>
       </p:grpSpPr>
       <p:sp>
         <p:nvSpPr>
           <p:cNvPr id="87" name="Shape 87"/>
-          <p:cNvSpPr>
-            <a:spLocks noGrp="1" noRot="1" noChangeAspect="1"/>
-          </p:cNvSpPr>
+          <p:cNvSpPr/>
           <p:nvPr>
-            <p:ph type="sldImg" idx="2"/>
+            <p:ph idx="2" type="sldImg"/>
           </p:nvPr>
         </p:nvSpPr>
         <p:spPr>
           <a:xfrm>
-            <a:off x="381187" y="685800"/>
-            <a:ext cx="6096299" cy="3429000"/>
+            <a:off y="685800" x="381187"/>
+            <a:ext cy="3429000" cx="6096299"/>
           </a:xfrm>
           <a:custGeom>
-            <a:avLst/>
-            <a:gdLst/>
-            <a:ahLst/>
-            <a:cxnLst/>
-            <a:rect l="0" t="0" r="0" b="0"/>
             <a:pathLst>
-              <a:path w="120000" h="120000" extrusionOk="0">
+              <a:path w="120000" extrusionOk="0" h="120000">
                 <a:moveTo>
-                  <a:pt x="0" y="0"/>
+                  <a:pt y="0" x="0"/>
                 </a:moveTo>
                 <a:lnTo>
-                  <a:pt x="120000" y="0"/>
+                  <a:pt y="0" x="120000"/>
                 </a:lnTo>
                 <a:lnTo>
-                  <a:pt x="120000" y="120000"/>
+                  <a:pt y="120000" x="120000"/>
                 </a:lnTo>
                 <a:lnTo>
-                  <a:pt x="0" y="120000"/>
+                  <a:pt y="120000" x="0"/>
                 </a:lnTo>
                 <a:close/>
               </a:path>
@@ -762,32 +647,30 @@
             </a:solidFill>
             <a:prstDash val="solid"/>
             <a:round/>
-            <a:headEnd type="none" w="med" len="med"/>
-            <a:tailEnd type="none" w="med" len="med"/>
+            <a:headEnd w="med" len="med" type="none"/>
+            <a:tailEnd w="med" len="med" type="none"/>
           </a:ln>
         </p:spPr>
       </p:sp>
       <p:sp>
         <p:nvSpPr>
           <p:cNvPr id="88" name="Shape 88"/>
-          <p:cNvSpPr txBox="1">
-            <a:spLocks noGrp="1"/>
-          </p:cNvSpPr>
+          <p:cNvSpPr txBox="1"/>
           <p:nvPr>
-            <p:ph type="body" idx="1"/>
+            <p:ph idx="1" type="body"/>
           </p:nvPr>
         </p:nvSpPr>
         <p:spPr>
           <a:xfrm>
-            <a:off x="685800" y="4343400"/>
-            <a:ext cx="5486399" cy="4114800"/>
+            <a:off y="4343400" x="685800"/>
+            <a:ext cy="4114800" cx="5486399"/>
           </a:xfrm>
           <a:prstGeom prst="rect">
             <a:avLst/>
           </a:prstGeom>
         </p:spPr>
         <p:txBody>
-          <a:bodyPr lIns="91425" tIns="91425" rIns="91425" bIns="91425" anchor="t" anchorCtr="0">
+          <a:bodyPr bIns="91425" rIns="91425" lIns="91425" tIns="91425" anchor="t" anchorCtr="0">
             <a:noAutofit/>
           </a:bodyPr>
           <a:lstStyle/>
@@ -798,7 +681,430 @@
               </a:spcBef>
               <a:buNone/>
             </a:pPr>
-            <a:endParaRPr/>
+            <a:r>
+              <a:rPr lang="en"/>
+              <a:t>Jeffrey</a:t>
+            </a:r>
+          </a:p>
+        </p:txBody>
+      </p:sp>
+    </p:spTree>
+  </p:cSld>
+  <p:clrMapOvr>
+    <a:masterClrMapping/>
+  </p:clrMapOvr>
+</p:notes>
+</file>
+
+<file path=ppt/notesSlides/notesSlide4.xml><?xml version="1.0" encoding="utf-8"?>
+<p:notes xmlns:a="http://schemas.openxmlformats.org/drawingml/2006/main" xmlns:r="http://schemas.openxmlformats.org/officeDocument/2006/relationships" xmlns:mc="http://schemas.openxmlformats.org/markup-compatibility/2006" xmlns:mv="urn:schemas-microsoft-com:mac:vml" xmlns:p="http://schemas.openxmlformats.org/presentationml/2006/main" xmlns:c="http://schemas.openxmlformats.org/drawingml/2006/chart" xmlns:dgm="http://schemas.openxmlformats.org/drawingml/2006/diagram" xmlns:o="urn:schemas-microsoft-com:office:office" xmlns:v="urn:schemas-microsoft-com:vml" xmlns:pvml="urn:schemas-microsoft-com:office:powerpoint" xmlns:com="http://schemas.openxmlformats.org/drawingml/2006/compatibility" xmlns:p14="http://schemas.microsoft.com/office/powerpoint/2010/main" showMasterSp="0" showMasterPhAnim="0">
+  <p:cSld>
+    <p:spTree>
+      <p:nvGrpSpPr>
+        <p:cNvPr id="92" name="Shape 92"/>
+        <p:cNvGrpSpPr/>
+        <p:nvPr/>
+      </p:nvGrpSpPr>
+      <p:grpSpPr>
+        <a:xfrm>
+          <a:off y="0" x="0"/>
+          <a:ext cy="0" cx="0"/>
+          <a:chOff y="0" x="0"/>
+          <a:chExt cy="0" cx="0"/>
+        </a:xfrm>
+      </p:grpSpPr>
+      <p:sp>
+        <p:nvSpPr>
+          <p:cNvPr id="93" name="Shape 93"/>
+          <p:cNvSpPr/>
+          <p:nvPr>
+            <p:ph idx="2" type="sldImg"/>
+          </p:nvPr>
+        </p:nvSpPr>
+        <p:spPr>
+          <a:xfrm>
+            <a:off y="685800" x="381187"/>
+            <a:ext cy="3429000" cx="6096299"/>
+          </a:xfrm>
+          <a:custGeom>
+            <a:pathLst>
+              <a:path w="120000" extrusionOk="0" h="120000">
+                <a:moveTo>
+                  <a:pt y="0" x="0"/>
+                </a:moveTo>
+                <a:lnTo>
+                  <a:pt y="0" x="120000"/>
+                </a:lnTo>
+                <a:lnTo>
+                  <a:pt y="120000" x="120000"/>
+                </a:lnTo>
+                <a:lnTo>
+                  <a:pt y="120000" x="0"/>
+                </a:lnTo>
+                <a:close/>
+              </a:path>
+            </a:pathLst>
+          </a:custGeom>
+          <a:noFill/>
+          <a:ln w="9525" cap="flat">
+            <a:solidFill>
+              <a:srgbClr val="000000"/>
+            </a:solidFill>
+            <a:prstDash val="solid"/>
+            <a:round/>
+            <a:headEnd w="med" len="med" type="none"/>
+            <a:tailEnd w="med" len="med" type="none"/>
+          </a:ln>
+        </p:spPr>
+      </p:sp>
+      <p:sp>
+        <p:nvSpPr>
+          <p:cNvPr id="94" name="Shape 94"/>
+          <p:cNvSpPr txBox="1"/>
+          <p:nvPr>
+            <p:ph idx="1" type="body"/>
+          </p:nvPr>
+        </p:nvSpPr>
+        <p:spPr>
+          <a:xfrm>
+            <a:off y="4343400" x="685800"/>
+            <a:ext cy="4114800" cx="5486399"/>
+          </a:xfrm>
+          <a:prstGeom prst="rect">
+            <a:avLst/>
+          </a:prstGeom>
+        </p:spPr>
+        <p:txBody>
+          <a:bodyPr bIns="91425" rIns="91425" lIns="91425" tIns="91425" anchor="t" anchorCtr="0">
+            <a:noAutofit/>
+          </a:bodyPr>
+          <a:lstStyle/>
+          <a:p>
+            <a:pPr>
+              <a:spcBef>
+                <a:spcPts val="0"/>
+              </a:spcBef>
+              <a:buNone/>
+            </a:pPr>
+            <a:r>
+              <a:rPr lang="en"/>
+              <a:t>Adam</a:t>
+            </a:r>
+          </a:p>
+        </p:txBody>
+      </p:sp>
+    </p:spTree>
+  </p:cSld>
+  <p:clrMapOvr>
+    <a:masterClrMapping/>
+  </p:clrMapOvr>
+</p:notes>
+</file>
+
+<file path=ppt/notesSlides/notesSlide5.xml><?xml version="1.0" encoding="utf-8"?>
+<p:notes xmlns:a="http://schemas.openxmlformats.org/drawingml/2006/main" xmlns:r="http://schemas.openxmlformats.org/officeDocument/2006/relationships" xmlns:mc="http://schemas.openxmlformats.org/markup-compatibility/2006" xmlns:mv="urn:schemas-microsoft-com:mac:vml" xmlns:p="http://schemas.openxmlformats.org/presentationml/2006/main" xmlns:c="http://schemas.openxmlformats.org/drawingml/2006/chart" xmlns:dgm="http://schemas.openxmlformats.org/drawingml/2006/diagram" xmlns:o="urn:schemas-microsoft-com:office:office" xmlns:v="urn:schemas-microsoft-com:vml" xmlns:pvml="urn:schemas-microsoft-com:office:powerpoint" xmlns:com="http://schemas.openxmlformats.org/drawingml/2006/compatibility" xmlns:p14="http://schemas.microsoft.com/office/powerpoint/2010/main" showMasterSp="0" showMasterPhAnim="0">
+  <p:cSld>
+    <p:spTree>
+      <p:nvGrpSpPr>
+        <p:cNvPr id="100" name="Shape 100"/>
+        <p:cNvGrpSpPr/>
+        <p:nvPr/>
+      </p:nvGrpSpPr>
+      <p:grpSpPr>
+        <a:xfrm>
+          <a:off y="0" x="0"/>
+          <a:ext cy="0" cx="0"/>
+          <a:chOff y="0" x="0"/>
+          <a:chExt cy="0" cx="0"/>
+        </a:xfrm>
+      </p:grpSpPr>
+      <p:sp>
+        <p:nvSpPr>
+          <p:cNvPr id="101" name="Shape 101"/>
+          <p:cNvSpPr/>
+          <p:nvPr>
+            <p:ph idx="2" type="sldImg"/>
+          </p:nvPr>
+        </p:nvSpPr>
+        <p:spPr>
+          <a:xfrm>
+            <a:off y="685800" x="381187"/>
+            <a:ext cy="3429000" cx="6096299"/>
+          </a:xfrm>
+          <a:custGeom>
+            <a:pathLst>
+              <a:path w="120000" extrusionOk="0" h="120000">
+                <a:moveTo>
+                  <a:pt y="0" x="0"/>
+                </a:moveTo>
+                <a:lnTo>
+                  <a:pt y="0" x="120000"/>
+                </a:lnTo>
+                <a:lnTo>
+                  <a:pt y="120000" x="120000"/>
+                </a:lnTo>
+                <a:lnTo>
+                  <a:pt y="120000" x="0"/>
+                </a:lnTo>
+                <a:close/>
+              </a:path>
+            </a:pathLst>
+          </a:custGeom>
+          <a:noFill/>
+          <a:ln w="9525" cap="flat">
+            <a:solidFill>
+              <a:srgbClr val="000000"/>
+            </a:solidFill>
+            <a:prstDash val="solid"/>
+            <a:round/>
+            <a:headEnd w="med" len="med" type="none"/>
+            <a:tailEnd w="med" len="med" type="none"/>
+          </a:ln>
+        </p:spPr>
+      </p:sp>
+      <p:sp>
+        <p:nvSpPr>
+          <p:cNvPr id="102" name="Shape 102"/>
+          <p:cNvSpPr txBox="1"/>
+          <p:nvPr>
+            <p:ph idx="1" type="body"/>
+          </p:nvPr>
+        </p:nvSpPr>
+        <p:spPr>
+          <a:xfrm>
+            <a:off y="4343400" x="685800"/>
+            <a:ext cy="4114800" cx="5486399"/>
+          </a:xfrm>
+          <a:prstGeom prst="rect">
+            <a:avLst/>
+          </a:prstGeom>
+        </p:spPr>
+        <p:txBody>
+          <a:bodyPr bIns="91425" rIns="91425" lIns="91425" tIns="91425" anchor="t" anchorCtr="0">
+            <a:noAutofit/>
+          </a:bodyPr>
+          <a:lstStyle/>
+          <a:p>
+            <a:pPr>
+              <a:spcBef>
+                <a:spcPts val="0"/>
+              </a:spcBef>
+              <a:buNone/>
+            </a:pPr>
+            <a:r>
+              <a:rPr lang="en"/>
+              <a:t>Connor</a:t>
+            </a:r>
+          </a:p>
+        </p:txBody>
+      </p:sp>
+    </p:spTree>
+  </p:cSld>
+  <p:clrMapOvr>
+    <a:masterClrMapping/>
+  </p:clrMapOvr>
+</p:notes>
+</file>
+
+<file path=ppt/notesSlides/notesSlide6.xml><?xml version="1.0" encoding="utf-8"?>
+<p:notes xmlns:a="http://schemas.openxmlformats.org/drawingml/2006/main" xmlns:r="http://schemas.openxmlformats.org/officeDocument/2006/relationships" xmlns:mc="http://schemas.openxmlformats.org/markup-compatibility/2006" xmlns:mv="urn:schemas-microsoft-com:mac:vml" xmlns:p="http://schemas.openxmlformats.org/presentationml/2006/main" xmlns:c="http://schemas.openxmlformats.org/drawingml/2006/chart" xmlns:dgm="http://schemas.openxmlformats.org/drawingml/2006/diagram" xmlns:o="urn:schemas-microsoft-com:office:office" xmlns:v="urn:schemas-microsoft-com:vml" xmlns:pvml="urn:schemas-microsoft-com:office:powerpoint" xmlns:com="http://schemas.openxmlformats.org/drawingml/2006/compatibility" xmlns:p14="http://schemas.microsoft.com/office/powerpoint/2010/main" showMasterSp="0" showMasterPhAnim="0">
+  <p:cSld>
+    <p:spTree>
+      <p:nvGrpSpPr>
+        <p:cNvPr id="106" name="Shape 106"/>
+        <p:cNvGrpSpPr/>
+        <p:nvPr/>
+      </p:nvGrpSpPr>
+      <p:grpSpPr>
+        <a:xfrm>
+          <a:off y="0" x="0"/>
+          <a:ext cy="0" cx="0"/>
+          <a:chOff y="0" x="0"/>
+          <a:chExt cy="0" cx="0"/>
+        </a:xfrm>
+      </p:grpSpPr>
+      <p:sp>
+        <p:nvSpPr>
+          <p:cNvPr id="107" name="Shape 107"/>
+          <p:cNvSpPr/>
+          <p:nvPr>
+            <p:ph idx="2" type="sldImg"/>
+          </p:nvPr>
+        </p:nvSpPr>
+        <p:spPr>
+          <a:xfrm>
+            <a:off y="685800" x="381187"/>
+            <a:ext cy="3429000" cx="6096299"/>
+          </a:xfrm>
+          <a:custGeom>
+            <a:pathLst>
+              <a:path w="120000" extrusionOk="0" h="120000">
+                <a:moveTo>
+                  <a:pt y="0" x="0"/>
+                </a:moveTo>
+                <a:lnTo>
+                  <a:pt y="0" x="120000"/>
+                </a:lnTo>
+                <a:lnTo>
+                  <a:pt y="120000" x="120000"/>
+                </a:lnTo>
+                <a:lnTo>
+                  <a:pt y="120000" x="0"/>
+                </a:lnTo>
+                <a:close/>
+              </a:path>
+            </a:pathLst>
+          </a:custGeom>
+          <a:noFill/>
+          <a:ln w="9525" cap="flat">
+            <a:solidFill>
+              <a:srgbClr val="000000"/>
+            </a:solidFill>
+            <a:prstDash val="solid"/>
+            <a:round/>
+            <a:headEnd w="med" len="med" type="none"/>
+            <a:tailEnd w="med" len="med" type="none"/>
+          </a:ln>
+        </p:spPr>
+      </p:sp>
+      <p:sp>
+        <p:nvSpPr>
+          <p:cNvPr id="108" name="Shape 108"/>
+          <p:cNvSpPr txBox="1"/>
+          <p:nvPr>
+            <p:ph idx="1" type="body"/>
+          </p:nvPr>
+        </p:nvSpPr>
+        <p:spPr>
+          <a:xfrm>
+            <a:off y="4343400" x="685800"/>
+            <a:ext cy="4114800" cx="5486399"/>
+          </a:xfrm>
+          <a:prstGeom prst="rect">
+            <a:avLst/>
+          </a:prstGeom>
+        </p:spPr>
+        <p:txBody>
+          <a:bodyPr bIns="91425" rIns="91425" lIns="91425" tIns="91425" anchor="t" anchorCtr="0">
+            <a:noAutofit/>
+          </a:bodyPr>
+          <a:lstStyle/>
+          <a:p>
+            <a:pPr>
+              <a:spcBef>
+                <a:spcPts val="0"/>
+              </a:spcBef>
+              <a:buNone/>
+            </a:pPr>
+            <a:r>
+              <a:rPr lang="en"/>
+              <a:t>Adam</a:t>
+            </a:r>
+          </a:p>
+        </p:txBody>
+      </p:sp>
+    </p:spTree>
+  </p:cSld>
+  <p:clrMapOvr>
+    <a:masterClrMapping/>
+  </p:clrMapOvr>
+</p:notes>
+</file>
+
+<file path=ppt/notesSlides/notesSlide7.xml><?xml version="1.0" encoding="utf-8"?>
+<p:notes xmlns:a="http://schemas.openxmlformats.org/drawingml/2006/main" xmlns:r="http://schemas.openxmlformats.org/officeDocument/2006/relationships" xmlns:mc="http://schemas.openxmlformats.org/markup-compatibility/2006" xmlns:mv="urn:schemas-microsoft-com:mac:vml" xmlns:p="http://schemas.openxmlformats.org/presentationml/2006/main" xmlns:c="http://schemas.openxmlformats.org/drawingml/2006/chart" xmlns:dgm="http://schemas.openxmlformats.org/drawingml/2006/diagram" xmlns:o="urn:schemas-microsoft-com:office:office" xmlns:v="urn:schemas-microsoft-com:vml" xmlns:pvml="urn:schemas-microsoft-com:office:powerpoint" xmlns:com="http://schemas.openxmlformats.org/drawingml/2006/compatibility" xmlns:p14="http://schemas.microsoft.com/office/powerpoint/2010/main" showMasterSp="0" showMasterPhAnim="0">
+  <p:cSld>
+    <p:spTree>
+      <p:nvGrpSpPr>
+        <p:cNvPr id="114" name="Shape 114"/>
+        <p:cNvGrpSpPr/>
+        <p:nvPr/>
+      </p:nvGrpSpPr>
+      <p:grpSpPr>
+        <a:xfrm>
+          <a:off y="0" x="0"/>
+          <a:ext cy="0" cx="0"/>
+          <a:chOff y="0" x="0"/>
+          <a:chExt cy="0" cx="0"/>
+        </a:xfrm>
+      </p:grpSpPr>
+      <p:sp>
+        <p:nvSpPr>
+          <p:cNvPr id="115" name="Shape 115"/>
+          <p:cNvSpPr/>
+          <p:nvPr>
+            <p:ph idx="2" type="sldImg"/>
+          </p:nvPr>
+        </p:nvSpPr>
+        <p:spPr>
+          <a:xfrm>
+            <a:off y="685800" x="381187"/>
+            <a:ext cy="3429000" cx="6096299"/>
+          </a:xfrm>
+          <a:custGeom>
+            <a:pathLst>
+              <a:path w="120000" extrusionOk="0" h="120000">
+                <a:moveTo>
+                  <a:pt y="0" x="0"/>
+                </a:moveTo>
+                <a:lnTo>
+                  <a:pt y="0" x="120000"/>
+                </a:lnTo>
+                <a:lnTo>
+                  <a:pt y="120000" x="120000"/>
+                </a:lnTo>
+                <a:lnTo>
+                  <a:pt y="120000" x="0"/>
+                </a:lnTo>
+                <a:close/>
+              </a:path>
+            </a:pathLst>
+          </a:custGeom>
+          <a:noFill/>
+          <a:ln w="9525" cap="flat">
+            <a:solidFill>
+              <a:srgbClr val="000000"/>
+            </a:solidFill>
+            <a:prstDash val="solid"/>
+            <a:round/>
+            <a:headEnd w="med" len="med" type="none"/>
+            <a:tailEnd w="med" len="med" type="none"/>
+          </a:ln>
+        </p:spPr>
+      </p:sp>
+      <p:sp>
+        <p:nvSpPr>
+          <p:cNvPr id="116" name="Shape 116"/>
+          <p:cNvSpPr txBox="1"/>
+          <p:nvPr>
+            <p:ph idx="1" type="body"/>
+          </p:nvPr>
+        </p:nvSpPr>
+        <p:spPr>
+          <a:xfrm>
+            <a:off y="4343400" x="685800"/>
+            <a:ext cy="4114800" cx="5486399"/>
+          </a:xfrm>
+          <a:prstGeom prst="rect">
+            <a:avLst/>
+          </a:prstGeom>
+        </p:spPr>
+        <p:txBody>
+          <a:bodyPr bIns="91425" rIns="91425" lIns="91425" tIns="91425" anchor="t" anchorCtr="0">
+            <a:noAutofit/>
+          </a:bodyPr>
+          <a:lstStyle/>
+          <a:p>
+            <a:pPr>
+              <a:spcBef>
+                <a:spcPts val="0"/>
+              </a:spcBef>
+              <a:buNone/>
+            </a:pPr>
+            <a:r>
+              <a:rPr lang="en"/>
+              <a:t>Jeffrey</a:t>
+            </a:r>
           </a:p>
         </p:txBody>
       </p:sp>
@@ -811,20 +1117,20 @@
 </file>
 
 <file path=ppt/slideLayouts/slideLayout1.xml><?xml version="1.0" encoding="utf-8"?>
-<p:sldLayout xmlns:a="http://schemas.openxmlformats.org/drawingml/2006/main" xmlns:r="http://schemas.openxmlformats.org/officeDocument/2006/relationships" xmlns:p="http://schemas.openxmlformats.org/presentationml/2006/main" type="title">
+<p:sldLayout xmlns:a="http://schemas.openxmlformats.org/drawingml/2006/main" xmlns:r="http://schemas.openxmlformats.org/officeDocument/2006/relationships" xmlns:mc="http://schemas.openxmlformats.org/markup-compatibility/2006" xmlns:mv="urn:schemas-microsoft-com:mac:vml" xmlns:p="http://schemas.openxmlformats.org/presentationml/2006/main" xmlns:c="http://schemas.openxmlformats.org/drawingml/2006/chart" xmlns:dgm="http://schemas.openxmlformats.org/drawingml/2006/diagram" xmlns:o="urn:schemas-microsoft-com:office:office" xmlns:v="urn:schemas-microsoft-com:vml" xmlns:pvml="urn:schemas-microsoft-com:office:powerpoint" xmlns:com="http://schemas.openxmlformats.org/drawingml/2006/compatibility" xmlns:p14="http://schemas.microsoft.com/office/powerpoint/2010/main" type="title">
   <p:cSld name="Title Slide">
     <p:spTree>
       <p:nvGrpSpPr>
-        <p:cNvPr id="1" name="Shape 7"/>
+        <p:cNvPr id="7" name="Shape 7"/>
         <p:cNvGrpSpPr/>
         <p:nvPr/>
       </p:nvGrpSpPr>
       <p:grpSpPr>
         <a:xfrm>
-          <a:off x="0" y="0"/>
-          <a:ext cx="0" cy="0"/>
-          <a:chOff x="0" y="0"/>
-          <a:chExt cx="0" cy="0"/>
+          <a:off y="0" x="0"/>
+          <a:ext cy="0" cx="0"/>
+          <a:chOff y="0" x="0"/>
+          <a:chExt cy="0" cx="0"/>
         </a:xfrm>
       </p:grpSpPr>
       <p:sp>
@@ -835,8 +1141,8 @@
         </p:nvSpPr>
         <p:spPr>
           <a:xfrm>
-            <a:off x="0" y="1200150"/>
-            <a:ext cx="9144000" cy="2743199"/>
+            <a:off y="1200150" x="0"/>
+            <a:ext cy="2743199" cx="9144000"/>
           </a:xfrm>
           <a:prstGeom prst="rect">
             <a:avLst/>
@@ -851,7 +1157,7 @@
           </a:ln>
         </p:spPr>
         <p:txBody>
-          <a:bodyPr lIns="91425" tIns="45700" rIns="91425" bIns="45700" anchor="ctr" anchorCtr="0">
+          <a:bodyPr bIns="45700" rIns="91425" lIns="91425" tIns="45700" anchor="ctr" anchorCtr="0">
             <a:noAutofit/>
           </a:bodyPr>
           <a:lstStyle/>
@@ -862,6 +1168,9 @@
               </a:spcBef>
               <a:buNone/>
             </a:pPr>
+            <a:r>
+              <a:t/>
+            </a:r>
             <a:endParaRPr/>
           </a:p>
         </p:txBody>
@@ -874,10 +1183,10 @@
         </p:nvGrpSpPr>
         <p:grpSpPr>
           <a:xfrm>
-            <a:off x="0" y="-1078"/>
-            <a:ext cx="1827407" cy="5144627"/>
-            <a:chOff x="0" y="-1438"/>
-            <a:chExt cx="798029" cy="6859503"/>
+            <a:off y="-1078" x="0"/>
+            <a:ext cy="5144627" cx="1827407"/>
+            <a:chOff y="-1438" x="0"/>
+            <a:chExt cy="6859503" cx="798029"/>
           </a:xfrm>
         </p:grpSpPr>
         <p:sp>
@@ -888,31 +1197,26 @@
           </p:nvSpPr>
           <p:spPr>
             <a:xfrm>
-              <a:off x="0" y="-1438"/>
-              <a:ext cx="798029" cy="6858065"/>
+              <a:off y="-1438" x="0"/>
+              <a:ext cy="6858065" cx="798029"/>
             </a:xfrm>
             <a:custGeom>
-              <a:avLst/>
-              <a:gdLst/>
-              <a:ahLst/>
-              <a:cxnLst/>
-              <a:rect l="0" t="0" r="0" b="0"/>
               <a:pathLst>
-                <a:path w="500332" h="6875253" extrusionOk="0">
+                <a:path w="500332" extrusionOk="0" h="6875253">
                   <a:moveTo>
-                    <a:pt x="0" y="0"/>
+                    <a:pt y="0" x="0"/>
                   </a:moveTo>
                   <a:lnTo>
-                    <a:pt x="500332" y="0"/>
-                  </a:lnTo>
-                  <a:lnTo>
-                    <a:pt x="301925" y="6875253"/>
-                  </a:lnTo>
-                  <a:lnTo>
-                    <a:pt x="0" y="6875253"/>
-                  </a:lnTo>
-                  <a:lnTo>
-                    <a:pt x="0" y="0"/>
+                    <a:pt y="0" x="500332"/>
+                  </a:lnTo>
+                  <a:lnTo>
+                    <a:pt y="6875253" x="301925"/>
+                  </a:lnTo>
+                  <a:lnTo>
+                    <a:pt y="6875253" x="0"/>
+                  </a:lnTo>
+                  <a:lnTo>
+                    <a:pt y="0" x="0"/>
                   </a:lnTo>
                   <a:close/>
                 </a:path>
@@ -928,7 +1232,7 @@
             </a:ln>
           </p:spPr>
           <p:txBody>
-            <a:bodyPr lIns="91425" tIns="45700" rIns="91425" bIns="45700" anchor="ctr" anchorCtr="0">
+            <a:bodyPr bIns="45700" rIns="91425" lIns="91425" tIns="45700" anchor="ctr" anchorCtr="0">
               <a:noAutofit/>
             </a:bodyPr>
             <a:lstStyle/>
@@ -939,6 +1243,9 @@
                 </a:spcBef>
                 <a:buNone/>
               </a:pPr>
+              <a:r>
+                <a:t/>
+              </a:r>
               <a:endParaRPr/>
             </a:p>
           </p:txBody>
@@ -951,31 +1258,26 @@
           </p:nvSpPr>
           <p:spPr>
             <a:xfrm>
-              <a:off x="0" y="0"/>
-              <a:ext cx="399014" cy="6858065"/>
+              <a:off y="0" x="0"/>
+              <a:ext cy="6858065" cx="399014"/>
             </a:xfrm>
             <a:custGeom>
-              <a:avLst/>
-              <a:gdLst/>
-              <a:ahLst/>
-              <a:cxnLst/>
-              <a:rect l="0" t="0" r="0" b="0"/>
               <a:pathLst>
-                <a:path w="500332" h="6875253" extrusionOk="0">
+                <a:path w="500332" extrusionOk="0" h="6875253">
                   <a:moveTo>
-                    <a:pt x="0" y="0"/>
+                    <a:pt y="0" x="0"/>
                   </a:moveTo>
                   <a:lnTo>
-                    <a:pt x="500332" y="0"/>
-                  </a:lnTo>
-                  <a:lnTo>
-                    <a:pt x="301925" y="6875253"/>
-                  </a:lnTo>
-                  <a:lnTo>
-                    <a:pt x="0" y="6875253"/>
-                  </a:lnTo>
-                  <a:lnTo>
-                    <a:pt x="0" y="0"/>
+                    <a:pt y="0" x="500332"/>
+                  </a:lnTo>
+                  <a:lnTo>
+                    <a:pt y="6875253" x="301925"/>
+                  </a:lnTo>
+                  <a:lnTo>
+                    <a:pt y="6875253" x="0"/>
+                  </a:lnTo>
+                  <a:lnTo>
+                    <a:pt y="0" x="0"/>
                   </a:lnTo>
                   <a:close/>
                 </a:path>
@@ -991,7 +1293,7 @@
             </a:ln>
           </p:spPr>
           <p:txBody>
-            <a:bodyPr lIns="91425" tIns="45700" rIns="91425" bIns="45700" anchor="ctr" anchorCtr="0">
+            <a:bodyPr bIns="45700" rIns="91425" lIns="91425" tIns="45700" anchor="ctr" anchorCtr="0">
               <a:noAutofit/>
             </a:bodyPr>
             <a:lstStyle/>
@@ -1002,6 +1304,9 @@
                 </a:spcBef>
                 <a:buNone/>
               </a:pPr>
+              <a:r>
+                <a:t/>
+              </a:r>
               <a:endParaRPr/>
             </a:p>
           </p:txBody>
@@ -1015,10 +1320,10 @@
         </p:nvGrpSpPr>
         <p:grpSpPr>
           <a:xfrm flipH="1">
-            <a:off x="7316591" y="0"/>
-            <a:ext cx="1827407" cy="5144627"/>
-            <a:chOff x="0" y="-1438"/>
-            <a:chExt cx="798029" cy="6859503"/>
+            <a:off y="0" x="7316591"/>
+            <a:ext cy="5144627" cx="1827407"/>
+            <a:chOff y="-1438" x="0"/>
+            <a:chExt cy="6859503" cx="798029"/>
           </a:xfrm>
         </p:grpSpPr>
         <p:sp>
@@ -1029,31 +1334,26 @@
           </p:nvSpPr>
           <p:spPr>
             <a:xfrm>
-              <a:off x="0" y="-1438"/>
-              <a:ext cx="798029" cy="6858065"/>
+              <a:off y="-1438" x="0"/>
+              <a:ext cy="6858065" cx="798029"/>
             </a:xfrm>
             <a:custGeom>
-              <a:avLst/>
-              <a:gdLst/>
-              <a:ahLst/>
-              <a:cxnLst/>
-              <a:rect l="0" t="0" r="0" b="0"/>
               <a:pathLst>
-                <a:path w="500332" h="6875253" extrusionOk="0">
+                <a:path w="500332" extrusionOk="0" h="6875253">
                   <a:moveTo>
-                    <a:pt x="0" y="0"/>
+                    <a:pt y="0" x="0"/>
                   </a:moveTo>
                   <a:lnTo>
-                    <a:pt x="500332" y="0"/>
-                  </a:lnTo>
-                  <a:lnTo>
-                    <a:pt x="301925" y="6875253"/>
-                  </a:lnTo>
-                  <a:lnTo>
-                    <a:pt x="0" y="6875253"/>
-                  </a:lnTo>
-                  <a:lnTo>
-                    <a:pt x="0" y="0"/>
+                    <a:pt y="0" x="500332"/>
+                  </a:lnTo>
+                  <a:lnTo>
+                    <a:pt y="6875253" x="301925"/>
+                  </a:lnTo>
+                  <a:lnTo>
+                    <a:pt y="6875253" x="0"/>
+                  </a:lnTo>
+                  <a:lnTo>
+                    <a:pt y="0" x="0"/>
                   </a:lnTo>
                   <a:close/>
                 </a:path>
@@ -1069,7 +1369,7 @@
             </a:ln>
           </p:spPr>
           <p:txBody>
-            <a:bodyPr lIns="91425" tIns="45700" rIns="91425" bIns="45700" anchor="ctr" anchorCtr="0">
+            <a:bodyPr bIns="45700" rIns="91425" lIns="91425" tIns="45700" anchor="ctr" anchorCtr="0">
               <a:noAutofit/>
             </a:bodyPr>
             <a:lstStyle/>
@@ -1080,6 +1380,9 @@
                 </a:spcBef>
                 <a:buNone/>
               </a:pPr>
+              <a:r>
+                <a:t/>
+              </a:r>
               <a:endParaRPr/>
             </a:p>
           </p:txBody>
@@ -1092,31 +1395,26 @@
           </p:nvSpPr>
           <p:spPr>
             <a:xfrm>
-              <a:off x="0" y="0"/>
-              <a:ext cx="399014" cy="6858065"/>
+              <a:off y="0" x="0"/>
+              <a:ext cy="6858065" cx="399014"/>
             </a:xfrm>
             <a:custGeom>
-              <a:avLst/>
-              <a:gdLst/>
-              <a:ahLst/>
-              <a:cxnLst/>
-              <a:rect l="0" t="0" r="0" b="0"/>
               <a:pathLst>
-                <a:path w="500332" h="6875253" extrusionOk="0">
+                <a:path w="500332" extrusionOk="0" h="6875253">
                   <a:moveTo>
-                    <a:pt x="0" y="0"/>
+                    <a:pt y="0" x="0"/>
                   </a:moveTo>
                   <a:lnTo>
-                    <a:pt x="500332" y="0"/>
-                  </a:lnTo>
-                  <a:lnTo>
-                    <a:pt x="301925" y="6875253"/>
-                  </a:lnTo>
-                  <a:lnTo>
-                    <a:pt x="0" y="6875253"/>
-                  </a:lnTo>
-                  <a:lnTo>
-                    <a:pt x="0" y="0"/>
+                    <a:pt y="0" x="500332"/>
+                  </a:lnTo>
+                  <a:lnTo>
+                    <a:pt y="6875253" x="301925"/>
+                  </a:lnTo>
+                  <a:lnTo>
+                    <a:pt y="6875253" x="0"/>
+                  </a:lnTo>
+                  <a:lnTo>
+                    <a:pt y="0" x="0"/>
                   </a:lnTo>
                   <a:close/>
                 </a:path>
@@ -1132,7 +1430,7 @@
             </a:ln>
           </p:spPr>
           <p:txBody>
-            <a:bodyPr lIns="91425" tIns="45700" rIns="91425" bIns="45700" anchor="ctr" anchorCtr="0">
+            <a:bodyPr bIns="45700" rIns="91425" lIns="91425" tIns="45700" anchor="ctr" anchorCtr="0">
               <a:noAutofit/>
             </a:bodyPr>
             <a:lstStyle/>
@@ -1143,6 +1441,9 @@
                 </a:spcBef>
                 <a:buNone/>
               </a:pPr>
+              <a:r>
+                <a:t/>
+              </a:r>
               <a:endParaRPr/>
             </a:p>
           </p:txBody>
@@ -1151,24 +1452,22 @@
       <p:sp>
         <p:nvSpPr>
           <p:cNvPr id="15" name="Shape 15"/>
-          <p:cNvSpPr txBox="1">
-            <a:spLocks noGrp="1"/>
-          </p:cNvSpPr>
+          <p:cNvSpPr txBox="1"/>
           <p:nvPr>
             <p:ph type="ctrTitle"/>
           </p:nvPr>
         </p:nvSpPr>
         <p:spPr>
           <a:xfrm>
-            <a:off x="685800" y="1568184"/>
-            <a:ext cx="7772400" cy="1238099"/>
+            <a:off y="1568184" x="685800"/>
+            <a:ext cy="1238099" cx="7772400"/>
           </a:xfrm>
           <a:prstGeom prst="rect">
             <a:avLst/>
           </a:prstGeom>
         </p:spPr>
         <p:txBody>
-          <a:bodyPr lIns="91425" tIns="91425" rIns="91425" bIns="91425" anchor="b" anchorCtr="0"/>
+          <a:bodyPr bIns="91425" rIns="91425" lIns="91425" tIns="91425" anchor="b" anchorCtr="0"/>
           <a:lstStyle>
             <a:lvl1pPr algn="ctr">
               <a:spcBef>
@@ -1234,32 +1533,28 @@
               <a:defRPr sz="4800"/>
             </a:lvl9pPr>
           </a:lstStyle>
-          <a:p>
-            <a:endParaRPr/>
-          </a:p>
+          <a:p/>
         </p:txBody>
       </p:sp>
       <p:sp>
         <p:nvSpPr>
           <p:cNvPr id="16" name="Shape 16"/>
-          <p:cNvSpPr txBox="1">
-            <a:spLocks noGrp="1"/>
-          </p:cNvSpPr>
+          <p:cNvSpPr txBox="1"/>
           <p:nvPr>
-            <p:ph type="subTitle" idx="1"/>
+            <p:ph idx="1" type="subTitle"/>
           </p:nvPr>
         </p:nvSpPr>
         <p:spPr>
           <a:xfrm>
-            <a:off x="685800" y="2914650"/>
-            <a:ext cx="7772400" cy="658500"/>
+            <a:off y="2914650" x="685800"/>
+            <a:ext cy="658500" cx="7772400"/>
           </a:xfrm>
           <a:prstGeom prst="rect">
             <a:avLst/>
           </a:prstGeom>
         </p:spPr>
         <p:txBody>
-          <a:bodyPr lIns="91425" tIns="91425" rIns="91425" bIns="91425" anchor="t" anchorCtr="0"/>
+          <a:bodyPr bIns="91425" rIns="91425" lIns="91425" tIns="91425" anchor="t" anchorCtr="0"/>
           <a:lstStyle>
             <a:lvl1pPr algn="ctr">
               <a:spcBef>
@@ -1395,9 +1690,7 @@
               </a:defRPr>
             </a:lvl9pPr>
           </a:lstStyle>
-          <a:p>
-            <a:endParaRPr/>
-          </a:p>
+          <a:p/>
         </p:txBody>
       </p:sp>
     </p:spTree>
@@ -1409,20 +1702,20 @@
 </file>
 
 <file path=ppt/slideLayouts/slideLayout2.xml><?xml version="1.0" encoding="utf-8"?>
-<p:sldLayout xmlns:a="http://schemas.openxmlformats.org/drawingml/2006/main" xmlns:r="http://schemas.openxmlformats.org/officeDocument/2006/relationships" xmlns:p="http://schemas.openxmlformats.org/presentationml/2006/main" type="tx">
+<p:sldLayout xmlns:a="http://schemas.openxmlformats.org/drawingml/2006/main" xmlns:r="http://schemas.openxmlformats.org/officeDocument/2006/relationships" xmlns:mc="http://schemas.openxmlformats.org/markup-compatibility/2006" xmlns:mv="urn:schemas-microsoft-com:mac:vml" xmlns:p="http://schemas.openxmlformats.org/presentationml/2006/main" xmlns:c="http://schemas.openxmlformats.org/drawingml/2006/chart" xmlns:dgm="http://schemas.openxmlformats.org/drawingml/2006/diagram" xmlns:o="urn:schemas-microsoft-com:office:office" xmlns:v="urn:schemas-microsoft-com:vml" xmlns:pvml="urn:schemas-microsoft-com:office:powerpoint" xmlns:com="http://schemas.openxmlformats.org/drawingml/2006/compatibility" xmlns:p14="http://schemas.microsoft.com/office/powerpoint/2010/main" type="tx">
   <p:cSld name="Title and Body">
     <p:spTree>
       <p:nvGrpSpPr>
-        <p:cNvPr id="1" name="Shape 17"/>
+        <p:cNvPr id="17" name="Shape 17"/>
         <p:cNvGrpSpPr/>
         <p:nvPr/>
       </p:nvGrpSpPr>
       <p:grpSpPr>
         <a:xfrm>
-          <a:off x="0" y="0"/>
-          <a:ext cx="0" cy="0"/>
-          <a:chOff x="0" y="0"/>
-          <a:chExt cx="0" cy="0"/>
+          <a:off y="0" x="0"/>
+          <a:ext cy="0" cx="0"/>
+          <a:chOff y="0" x="0"/>
+          <a:chExt cy="0" cx="0"/>
         </a:xfrm>
       </p:grpSpPr>
       <p:sp>
@@ -1433,8 +1726,8 @@
         </p:nvSpPr>
         <p:spPr>
           <a:xfrm>
-            <a:off x="0" y="-1078"/>
-            <a:ext cx="9144000" cy="1144199"/>
+            <a:off y="-1078" x="0"/>
+            <a:ext cy="1144199" cx="9144000"/>
           </a:xfrm>
           <a:prstGeom prst="rect">
             <a:avLst/>
@@ -1449,7 +1742,7 @@
           </a:ln>
         </p:spPr>
         <p:txBody>
-          <a:bodyPr lIns="91425" tIns="45700" rIns="91425" bIns="45700" anchor="ctr" anchorCtr="0">
+          <a:bodyPr bIns="45700" rIns="91425" lIns="91425" tIns="45700" anchor="ctr" anchorCtr="0">
             <a:noAutofit/>
           </a:bodyPr>
           <a:lstStyle/>
@@ -1460,6 +1753,9 @@
               </a:spcBef>
               <a:buNone/>
             </a:pPr>
+            <a:r>
+              <a:t/>
+            </a:r>
             <a:endParaRPr/>
           </a:p>
         </p:txBody>
@@ -1472,10 +1768,10 @@
         </p:nvGrpSpPr>
         <p:grpSpPr>
           <a:xfrm>
-            <a:off x="0" y="-1078"/>
-            <a:ext cx="649180" cy="5144627"/>
-            <a:chOff x="0" y="-1438"/>
-            <a:chExt cx="649180" cy="6859503"/>
+            <a:off y="-1078" x="0"/>
+            <a:ext cy="5144627" cx="649180"/>
+            <a:chOff y="-1438" x="0"/>
+            <a:chExt cy="6859503" cx="649180"/>
           </a:xfrm>
         </p:grpSpPr>
         <p:sp>
@@ -1486,31 +1782,26 @@
           </p:nvSpPr>
           <p:spPr>
             <a:xfrm>
-              <a:off x="0" y="-1438"/>
-              <a:ext cx="649180" cy="6858065"/>
+              <a:off y="-1438" x="0"/>
+              <a:ext cy="6858065" cx="649180"/>
             </a:xfrm>
             <a:custGeom>
-              <a:avLst/>
-              <a:gdLst/>
-              <a:ahLst/>
-              <a:cxnLst/>
-              <a:rect l="0" t="0" r="0" b="0"/>
               <a:pathLst>
-                <a:path w="500332" h="6875253" extrusionOk="0">
+                <a:path w="500332" extrusionOk="0" h="6875253">
                   <a:moveTo>
-                    <a:pt x="0" y="0"/>
+                    <a:pt y="0" x="0"/>
                   </a:moveTo>
                   <a:lnTo>
-                    <a:pt x="500332" y="0"/>
-                  </a:lnTo>
-                  <a:lnTo>
-                    <a:pt x="301925" y="6875253"/>
-                  </a:lnTo>
-                  <a:lnTo>
-                    <a:pt x="0" y="6875253"/>
-                  </a:lnTo>
-                  <a:lnTo>
-                    <a:pt x="0" y="0"/>
+                    <a:pt y="0" x="500332"/>
+                  </a:lnTo>
+                  <a:lnTo>
+                    <a:pt y="6875253" x="301925"/>
+                  </a:lnTo>
+                  <a:lnTo>
+                    <a:pt y="6875253" x="0"/>
+                  </a:lnTo>
+                  <a:lnTo>
+                    <a:pt y="0" x="0"/>
                   </a:lnTo>
                   <a:close/>
                 </a:path>
@@ -1526,7 +1817,7 @@
             </a:ln>
           </p:spPr>
           <p:txBody>
-            <a:bodyPr lIns="91425" tIns="45700" rIns="91425" bIns="45700" anchor="ctr" anchorCtr="0">
+            <a:bodyPr bIns="45700" rIns="91425" lIns="91425" tIns="45700" anchor="ctr" anchorCtr="0">
               <a:noAutofit/>
             </a:bodyPr>
             <a:lstStyle/>
@@ -1537,6 +1828,9 @@
                 </a:spcBef>
                 <a:buNone/>
               </a:pPr>
+              <a:r>
+                <a:t/>
+              </a:r>
               <a:endParaRPr/>
             </a:p>
           </p:txBody>
@@ -1549,31 +1843,26 @@
           </p:nvSpPr>
           <p:spPr>
             <a:xfrm>
-              <a:off x="0" y="0"/>
-              <a:ext cx="500331" cy="6858065"/>
+              <a:off y="0" x="0"/>
+              <a:ext cy="6858065" cx="500331"/>
             </a:xfrm>
             <a:custGeom>
-              <a:avLst/>
-              <a:gdLst/>
-              <a:ahLst/>
-              <a:cxnLst/>
-              <a:rect l="0" t="0" r="0" b="0"/>
               <a:pathLst>
-                <a:path w="500332" h="6875253" extrusionOk="0">
+                <a:path w="500332" extrusionOk="0" h="6875253">
                   <a:moveTo>
-                    <a:pt x="0" y="0"/>
+                    <a:pt y="0" x="0"/>
                   </a:moveTo>
                   <a:lnTo>
-                    <a:pt x="500332" y="0"/>
-                  </a:lnTo>
-                  <a:lnTo>
-                    <a:pt x="301925" y="6875253"/>
-                  </a:lnTo>
-                  <a:lnTo>
-                    <a:pt x="0" y="6875253"/>
-                  </a:lnTo>
-                  <a:lnTo>
-                    <a:pt x="0" y="0"/>
+                    <a:pt y="0" x="500332"/>
+                  </a:lnTo>
+                  <a:lnTo>
+                    <a:pt y="6875253" x="301925"/>
+                  </a:lnTo>
+                  <a:lnTo>
+                    <a:pt y="6875253" x="0"/>
+                  </a:lnTo>
+                  <a:lnTo>
+                    <a:pt y="0" x="0"/>
                   </a:lnTo>
                   <a:close/>
                 </a:path>
@@ -1589,7 +1878,7 @@
             </a:ln>
           </p:spPr>
           <p:txBody>
-            <a:bodyPr lIns="91425" tIns="45700" rIns="91425" bIns="45700" anchor="ctr" anchorCtr="0">
+            <a:bodyPr bIns="45700" rIns="91425" lIns="91425" tIns="45700" anchor="ctr" anchorCtr="0">
               <a:noAutofit/>
             </a:bodyPr>
             <a:lstStyle/>
@@ -1600,6 +1889,9 @@
                 </a:spcBef>
                 <a:buNone/>
               </a:pPr>
+              <a:r>
+                <a:t/>
+              </a:r>
               <a:endParaRPr/>
             </a:p>
           </p:txBody>
@@ -1613,10 +1905,10 @@
         </p:nvGrpSpPr>
         <p:grpSpPr>
           <a:xfrm flipH="1">
-            <a:off x="8494493" y="0"/>
-            <a:ext cx="649180" cy="5144627"/>
-            <a:chOff x="0" y="-1438"/>
-            <a:chExt cx="649180" cy="6859503"/>
+            <a:off y="0" x="8494493"/>
+            <a:ext cy="5144627" cx="649180"/>
+            <a:chOff y="-1438" x="0"/>
+            <a:chExt cy="6859503" cx="649180"/>
           </a:xfrm>
         </p:grpSpPr>
         <p:sp>
@@ -1627,31 +1919,26 @@
           </p:nvSpPr>
           <p:spPr>
             <a:xfrm>
-              <a:off x="0" y="-1438"/>
-              <a:ext cx="649180" cy="6858065"/>
+              <a:off y="-1438" x="0"/>
+              <a:ext cy="6858065" cx="649180"/>
             </a:xfrm>
             <a:custGeom>
-              <a:avLst/>
-              <a:gdLst/>
-              <a:ahLst/>
-              <a:cxnLst/>
-              <a:rect l="0" t="0" r="0" b="0"/>
               <a:pathLst>
-                <a:path w="500332" h="6875253" extrusionOk="0">
+                <a:path w="500332" extrusionOk="0" h="6875253">
                   <a:moveTo>
-                    <a:pt x="0" y="0"/>
+                    <a:pt y="0" x="0"/>
                   </a:moveTo>
                   <a:lnTo>
-                    <a:pt x="500332" y="0"/>
-                  </a:lnTo>
-                  <a:lnTo>
-                    <a:pt x="301925" y="6875253"/>
-                  </a:lnTo>
-                  <a:lnTo>
-                    <a:pt x="0" y="6875253"/>
-                  </a:lnTo>
-                  <a:lnTo>
-                    <a:pt x="0" y="0"/>
+                    <a:pt y="0" x="500332"/>
+                  </a:lnTo>
+                  <a:lnTo>
+                    <a:pt y="6875253" x="301925"/>
+                  </a:lnTo>
+                  <a:lnTo>
+                    <a:pt y="6875253" x="0"/>
+                  </a:lnTo>
+                  <a:lnTo>
+                    <a:pt y="0" x="0"/>
                   </a:lnTo>
                   <a:close/>
                 </a:path>
@@ -1667,7 +1954,7 @@
             </a:ln>
           </p:spPr>
           <p:txBody>
-            <a:bodyPr lIns="91425" tIns="45700" rIns="91425" bIns="45700" anchor="ctr" anchorCtr="0">
+            <a:bodyPr bIns="45700" rIns="91425" lIns="91425" tIns="45700" anchor="ctr" anchorCtr="0">
               <a:noAutofit/>
             </a:bodyPr>
             <a:lstStyle/>
@@ -1678,6 +1965,9 @@
                 </a:spcBef>
                 <a:buNone/>
               </a:pPr>
+              <a:r>
+                <a:t/>
+              </a:r>
               <a:endParaRPr/>
             </a:p>
           </p:txBody>
@@ -1690,31 +1980,26 @@
           </p:nvSpPr>
           <p:spPr>
             <a:xfrm>
-              <a:off x="0" y="0"/>
-              <a:ext cx="500331" cy="6858065"/>
+              <a:off y="0" x="0"/>
+              <a:ext cy="6858065" cx="500331"/>
             </a:xfrm>
             <a:custGeom>
-              <a:avLst/>
-              <a:gdLst/>
-              <a:ahLst/>
-              <a:cxnLst/>
-              <a:rect l="0" t="0" r="0" b="0"/>
               <a:pathLst>
-                <a:path w="500332" h="6875253" extrusionOk="0">
+                <a:path w="500332" extrusionOk="0" h="6875253">
                   <a:moveTo>
-                    <a:pt x="0" y="0"/>
+                    <a:pt y="0" x="0"/>
                   </a:moveTo>
                   <a:lnTo>
-                    <a:pt x="500332" y="0"/>
-                  </a:lnTo>
-                  <a:lnTo>
-                    <a:pt x="301925" y="6875253"/>
-                  </a:lnTo>
-                  <a:lnTo>
-                    <a:pt x="0" y="6875253"/>
-                  </a:lnTo>
-                  <a:lnTo>
-                    <a:pt x="0" y="0"/>
+                    <a:pt y="0" x="500332"/>
+                  </a:lnTo>
+                  <a:lnTo>
+                    <a:pt y="6875253" x="301925"/>
+                  </a:lnTo>
+                  <a:lnTo>
+                    <a:pt y="6875253" x="0"/>
+                  </a:lnTo>
+                  <a:lnTo>
+                    <a:pt y="0" x="0"/>
                   </a:lnTo>
                   <a:close/>
                 </a:path>
@@ -1730,7 +2015,7 @@
             </a:ln>
           </p:spPr>
           <p:txBody>
-            <a:bodyPr lIns="91425" tIns="45700" rIns="91425" bIns="45700" anchor="ctr" anchorCtr="0">
+            <a:bodyPr bIns="45700" rIns="91425" lIns="91425" tIns="45700" anchor="ctr" anchorCtr="0">
               <a:noAutofit/>
             </a:bodyPr>
             <a:lstStyle/>
@@ -1741,6 +2026,9 @@
                 </a:spcBef>
                 <a:buNone/>
               </a:pPr>
+              <a:r>
+                <a:t/>
+              </a:r>
               <a:endParaRPr/>
             </a:p>
           </p:txBody>
@@ -1754,8 +2042,8 @@
         </p:nvSpPr>
         <p:spPr>
           <a:xfrm>
-            <a:off x="0" y="4743450"/>
-            <a:ext cx="9144000" cy="401099"/>
+            <a:off y="4743450" x="0"/>
+            <a:ext cy="401099" cx="9144000"/>
           </a:xfrm>
           <a:prstGeom prst="rect">
             <a:avLst/>
@@ -1770,7 +2058,7 @@
           </a:ln>
         </p:spPr>
         <p:txBody>
-          <a:bodyPr lIns="91425" tIns="45700" rIns="91425" bIns="45700" anchor="ctr" anchorCtr="0">
+          <a:bodyPr bIns="45700" rIns="91425" lIns="91425" tIns="45700" anchor="ctr" anchorCtr="0">
             <a:noAutofit/>
           </a:bodyPr>
           <a:lstStyle/>
@@ -1781,6 +2069,9 @@
               </a:spcBef>
               <a:buNone/>
             </a:pPr>
+            <a:r>
+              <a:t/>
+            </a:r>
             <a:endParaRPr/>
           </a:p>
         </p:txBody>
@@ -1788,24 +2079,22 @@
       <p:sp>
         <p:nvSpPr>
           <p:cNvPr id="26" name="Shape 26"/>
-          <p:cNvSpPr txBox="1">
-            <a:spLocks noGrp="1"/>
-          </p:cNvSpPr>
+          <p:cNvSpPr txBox="1"/>
           <p:nvPr>
             <p:ph type="title"/>
           </p:nvPr>
         </p:nvSpPr>
         <p:spPr>
           <a:xfrm>
-            <a:off x="457200" y="205978"/>
-            <a:ext cx="8229600" cy="857400"/>
+            <a:off y="205978" x="457200"/>
+            <a:ext cy="857400" cx="8229600"/>
           </a:xfrm>
           <a:prstGeom prst="rect">
             <a:avLst/>
           </a:prstGeom>
         </p:spPr>
         <p:txBody>
-          <a:bodyPr lIns="91425" tIns="91425" rIns="91425" bIns="91425" anchor="b" anchorCtr="0"/>
+          <a:bodyPr bIns="91425" rIns="91425" lIns="91425" tIns="91425" anchor="b" anchorCtr="0"/>
           <a:lstStyle>
             <a:lvl1pPr>
               <a:spcBef>
@@ -1862,32 +2151,28 @@
               <a:defRPr/>
             </a:lvl9pPr>
           </a:lstStyle>
-          <a:p>
-            <a:endParaRPr/>
-          </a:p>
+          <a:p/>
         </p:txBody>
       </p:sp>
       <p:sp>
         <p:nvSpPr>
           <p:cNvPr id="27" name="Shape 27"/>
-          <p:cNvSpPr txBox="1">
-            <a:spLocks noGrp="1"/>
-          </p:cNvSpPr>
+          <p:cNvSpPr txBox="1"/>
           <p:nvPr>
-            <p:ph type="body" idx="1"/>
+            <p:ph idx="1" type="body"/>
           </p:nvPr>
         </p:nvSpPr>
         <p:spPr>
           <a:xfrm>
-            <a:off x="457200" y="1200150"/>
-            <a:ext cx="8229600" cy="3725699"/>
+            <a:off y="1200150" x="457200"/>
+            <a:ext cy="3725699" cx="8229600"/>
           </a:xfrm>
           <a:prstGeom prst="rect">
             <a:avLst/>
           </a:prstGeom>
         </p:spPr>
         <p:txBody>
-          <a:bodyPr lIns="91425" tIns="91425" rIns="91425" bIns="91425" anchor="t" anchorCtr="0"/>
+          <a:bodyPr bIns="91425" rIns="91425" lIns="91425" tIns="91425" anchor="t" anchorCtr="0"/>
           <a:lstStyle>
             <a:lvl1pPr>
               <a:spcBef>
@@ -1944,9 +2229,7 @@
               <a:defRPr/>
             </a:lvl9pPr>
           </a:lstStyle>
-          <a:p>
-            <a:endParaRPr/>
-          </a:p>
+          <a:p/>
         </p:txBody>
       </p:sp>
     </p:spTree>
@@ -1958,20 +2241,20 @@
 </file>
 
 <file path=ppt/slideLayouts/slideLayout3.xml><?xml version="1.0" encoding="utf-8"?>
-<p:sldLayout xmlns:a="http://schemas.openxmlformats.org/drawingml/2006/main" xmlns:r="http://schemas.openxmlformats.org/officeDocument/2006/relationships" xmlns:p="http://schemas.openxmlformats.org/presentationml/2006/main" type="twoColTx">
+<p:sldLayout xmlns:a="http://schemas.openxmlformats.org/drawingml/2006/main" xmlns:r="http://schemas.openxmlformats.org/officeDocument/2006/relationships" xmlns:mc="http://schemas.openxmlformats.org/markup-compatibility/2006" xmlns:mv="urn:schemas-microsoft-com:mac:vml" xmlns:p="http://schemas.openxmlformats.org/presentationml/2006/main" xmlns:c="http://schemas.openxmlformats.org/drawingml/2006/chart" xmlns:dgm="http://schemas.openxmlformats.org/drawingml/2006/diagram" xmlns:o="urn:schemas-microsoft-com:office:office" xmlns:v="urn:schemas-microsoft-com:vml" xmlns:pvml="urn:schemas-microsoft-com:office:powerpoint" xmlns:com="http://schemas.openxmlformats.org/drawingml/2006/compatibility" xmlns:p14="http://schemas.microsoft.com/office/powerpoint/2010/main" type="twoColTx">
   <p:cSld name="Title and Two Columns">
     <p:spTree>
       <p:nvGrpSpPr>
-        <p:cNvPr id="1" name="Shape 28"/>
+        <p:cNvPr id="28" name="Shape 28"/>
         <p:cNvGrpSpPr/>
         <p:nvPr/>
       </p:nvGrpSpPr>
       <p:grpSpPr>
         <a:xfrm>
-          <a:off x="0" y="0"/>
-          <a:ext cx="0" cy="0"/>
-          <a:chOff x="0" y="0"/>
-          <a:chExt cx="0" cy="0"/>
+          <a:off y="0" x="0"/>
+          <a:ext cy="0" cx="0"/>
+          <a:chOff y="0" x="0"/>
+          <a:chExt cy="0" cx="0"/>
         </a:xfrm>
       </p:grpSpPr>
       <p:sp>
@@ -1982,8 +2265,8 @@
         </p:nvSpPr>
         <p:spPr>
           <a:xfrm>
-            <a:off x="0" y="-1078"/>
-            <a:ext cx="9144000" cy="1144199"/>
+            <a:off y="-1078" x="0"/>
+            <a:ext cy="1144199" cx="9144000"/>
           </a:xfrm>
           <a:prstGeom prst="rect">
             <a:avLst/>
@@ -1998,7 +2281,7 @@
           </a:ln>
         </p:spPr>
         <p:txBody>
-          <a:bodyPr lIns="91425" tIns="45700" rIns="91425" bIns="45700" anchor="ctr" anchorCtr="0">
+          <a:bodyPr bIns="45700" rIns="91425" lIns="91425" tIns="45700" anchor="ctr" anchorCtr="0">
             <a:noAutofit/>
           </a:bodyPr>
           <a:lstStyle/>
@@ -2009,6 +2292,9 @@
               </a:spcBef>
               <a:buNone/>
             </a:pPr>
+            <a:r>
+              <a:t/>
+            </a:r>
             <a:endParaRPr/>
           </a:p>
         </p:txBody>
@@ -2021,10 +2307,10 @@
         </p:nvGrpSpPr>
         <p:grpSpPr>
           <a:xfrm>
-            <a:off x="0" y="-1078"/>
-            <a:ext cx="649180" cy="5144627"/>
-            <a:chOff x="0" y="-1438"/>
-            <a:chExt cx="649180" cy="6859503"/>
+            <a:off y="-1078" x="0"/>
+            <a:ext cy="5144627" cx="649180"/>
+            <a:chOff y="-1438" x="0"/>
+            <a:chExt cy="6859503" cx="649180"/>
           </a:xfrm>
         </p:grpSpPr>
         <p:sp>
@@ -2035,31 +2321,26 @@
           </p:nvSpPr>
           <p:spPr>
             <a:xfrm>
-              <a:off x="0" y="-1438"/>
-              <a:ext cx="649180" cy="6858065"/>
+              <a:off y="-1438" x="0"/>
+              <a:ext cy="6858065" cx="649180"/>
             </a:xfrm>
             <a:custGeom>
-              <a:avLst/>
-              <a:gdLst/>
-              <a:ahLst/>
-              <a:cxnLst/>
-              <a:rect l="0" t="0" r="0" b="0"/>
               <a:pathLst>
-                <a:path w="500332" h="6875253" extrusionOk="0">
+                <a:path w="500332" extrusionOk="0" h="6875253">
                   <a:moveTo>
-                    <a:pt x="0" y="0"/>
+                    <a:pt y="0" x="0"/>
                   </a:moveTo>
                   <a:lnTo>
-                    <a:pt x="500332" y="0"/>
-                  </a:lnTo>
-                  <a:lnTo>
-                    <a:pt x="301925" y="6875253"/>
-                  </a:lnTo>
-                  <a:lnTo>
-                    <a:pt x="0" y="6875253"/>
-                  </a:lnTo>
-                  <a:lnTo>
-                    <a:pt x="0" y="0"/>
+                    <a:pt y="0" x="500332"/>
+                  </a:lnTo>
+                  <a:lnTo>
+                    <a:pt y="6875253" x="301925"/>
+                  </a:lnTo>
+                  <a:lnTo>
+                    <a:pt y="6875253" x="0"/>
+                  </a:lnTo>
+                  <a:lnTo>
+                    <a:pt y="0" x="0"/>
                   </a:lnTo>
                   <a:close/>
                 </a:path>
@@ -2075,7 +2356,7 @@
             </a:ln>
           </p:spPr>
           <p:txBody>
-            <a:bodyPr lIns="91425" tIns="45700" rIns="91425" bIns="45700" anchor="ctr" anchorCtr="0">
+            <a:bodyPr bIns="45700" rIns="91425" lIns="91425" tIns="45700" anchor="ctr" anchorCtr="0">
               <a:noAutofit/>
             </a:bodyPr>
             <a:lstStyle/>
@@ -2086,6 +2367,9 @@
                 </a:spcBef>
                 <a:buNone/>
               </a:pPr>
+              <a:r>
+                <a:t/>
+              </a:r>
               <a:endParaRPr/>
             </a:p>
           </p:txBody>
@@ -2098,31 +2382,26 @@
           </p:nvSpPr>
           <p:spPr>
             <a:xfrm>
-              <a:off x="0" y="0"/>
-              <a:ext cx="500331" cy="6858065"/>
+              <a:off y="0" x="0"/>
+              <a:ext cy="6858065" cx="500331"/>
             </a:xfrm>
             <a:custGeom>
-              <a:avLst/>
-              <a:gdLst/>
-              <a:ahLst/>
-              <a:cxnLst/>
-              <a:rect l="0" t="0" r="0" b="0"/>
               <a:pathLst>
-                <a:path w="500332" h="6875253" extrusionOk="0">
+                <a:path w="500332" extrusionOk="0" h="6875253">
                   <a:moveTo>
-                    <a:pt x="0" y="0"/>
+                    <a:pt y="0" x="0"/>
                   </a:moveTo>
                   <a:lnTo>
-                    <a:pt x="500332" y="0"/>
-                  </a:lnTo>
-                  <a:lnTo>
-                    <a:pt x="301925" y="6875253"/>
-                  </a:lnTo>
-                  <a:lnTo>
-                    <a:pt x="0" y="6875253"/>
-                  </a:lnTo>
-                  <a:lnTo>
-                    <a:pt x="0" y="0"/>
+                    <a:pt y="0" x="500332"/>
+                  </a:lnTo>
+                  <a:lnTo>
+                    <a:pt y="6875253" x="301925"/>
+                  </a:lnTo>
+                  <a:lnTo>
+                    <a:pt y="6875253" x="0"/>
+                  </a:lnTo>
+                  <a:lnTo>
+                    <a:pt y="0" x="0"/>
                   </a:lnTo>
                   <a:close/>
                 </a:path>
@@ -2138,7 +2417,7 @@
             </a:ln>
           </p:spPr>
           <p:txBody>
-            <a:bodyPr lIns="91425" tIns="45700" rIns="91425" bIns="45700" anchor="ctr" anchorCtr="0">
+            <a:bodyPr bIns="45700" rIns="91425" lIns="91425" tIns="45700" anchor="ctr" anchorCtr="0">
               <a:noAutofit/>
             </a:bodyPr>
             <a:lstStyle/>
@@ -2149,6 +2428,9 @@
                 </a:spcBef>
                 <a:buNone/>
               </a:pPr>
+              <a:r>
+                <a:t/>
+              </a:r>
               <a:endParaRPr/>
             </a:p>
           </p:txBody>
@@ -2162,10 +2444,10 @@
         </p:nvGrpSpPr>
         <p:grpSpPr>
           <a:xfrm flipH="1">
-            <a:off x="8494493" y="0"/>
-            <a:ext cx="649180" cy="5144627"/>
-            <a:chOff x="0" y="-1438"/>
-            <a:chExt cx="649180" cy="6859503"/>
+            <a:off y="0" x="8494493"/>
+            <a:ext cy="5144627" cx="649180"/>
+            <a:chOff y="-1438" x="0"/>
+            <a:chExt cy="6859503" cx="649180"/>
           </a:xfrm>
         </p:grpSpPr>
         <p:sp>
@@ -2176,31 +2458,26 @@
           </p:nvSpPr>
           <p:spPr>
             <a:xfrm>
-              <a:off x="0" y="-1438"/>
-              <a:ext cx="649180" cy="6858065"/>
+              <a:off y="-1438" x="0"/>
+              <a:ext cy="6858065" cx="649180"/>
             </a:xfrm>
             <a:custGeom>
-              <a:avLst/>
-              <a:gdLst/>
-              <a:ahLst/>
-              <a:cxnLst/>
-              <a:rect l="0" t="0" r="0" b="0"/>
               <a:pathLst>
-                <a:path w="500332" h="6875253" extrusionOk="0">
+                <a:path w="500332" extrusionOk="0" h="6875253">
                   <a:moveTo>
-                    <a:pt x="0" y="0"/>
+                    <a:pt y="0" x="0"/>
                   </a:moveTo>
                   <a:lnTo>
-                    <a:pt x="500332" y="0"/>
-                  </a:lnTo>
-                  <a:lnTo>
-                    <a:pt x="301925" y="6875253"/>
-                  </a:lnTo>
-                  <a:lnTo>
-                    <a:pt x="0" y="6875253"/>
-                  </a:lnTo>
-                  <a:lnTo>
-                    <a:pt x="0" y="0"/>
+                    <a:pt y="0" x="500332"/>
+                  </a:lnTo>
+                  <a:lnTo>
+                    <a:pt y="6875253" x="301925"/>
+                  </a:lnTo>
+                  <a:lnTo>
+                    <a:pt y="6875253" x="0"/>
+                  </a:lnTo>
+                  <a:lnTo>
+                    <a:pt y="0" x="0"/>
                   </a:lnTo>
                   <a:close/>
                 </a:path>
@@ -2216,7 +2493,7 @@
             </a:ln>
           </p:spPr>
           <p:txBody>
-            <a:bodyPr lIns="91425" tIns="45700" rIns="91425" bIns="45700" anchor="ctr" anchorCtr="0">
+            <a:bodyPr bIns="45700" rIns="91425" lIns="91425" tIns="45700" anchor="ctr" anchorCtr="0">
               <a:noAutofit/>
             </a:bodyPr>
             <a:lstStyle/>
@@ -2227,6 +2504,9 @@
                 </a:spcBef>
                 <a:buNone/>
               </a:pPr>
+              <a:r>
+                <a:t/>
+              </a:r>
               <a:endParaRPr/>
             </a:p>
           </p:txBody>
@@ -2239,31 +2519,26 @@
           </p:nvSpPr>
           <p:spPr>
             <a:xfrm>
-              <a:off x="0" y="0"/>
-              <a:ext cx="500331" cy="6858065"/>
+              <a:off y="0" x="0"/>
+              <a:ext cy="6858065" cx="500331"/>
             </a:xfrm>
             <a:custGeom>
-              <a:avLst/>
-              <a:gdLst/>
-              <a:ahLst/>
-              <a:cxnLst/>
-              <a:rect l="0" t="0" r="0" b="0"/>
               <a:pathLst>
-                <a:path w="500332" h="6875253" extrusionOk="0">
+                <a:path w="500332" extrusionOk="0" h="6875253">
                   <a:moveTo>
-                    <a:pt x="0" y="0"/>
+                    <a:pt y="0" x="0"/>
                   </a:moveTo>
                   <a:lnTo>
-                    <a:pt x="500332" y="0"/>
-                  </a:lnTo>
-                  <a:lnTo>
-                    <a:pt x="301925" y="6875253"/>
-                  </a:lnTo>
-                  <a:lnTo>
-                    <a:pt x="0" y="6875253"/>
-                  </a:lnTo>
-                  <a:lnTo>
-                    <a:pt x="0" y="0"/>
+                    <a:pt y="0" x="500332"/>
+                  </a:lnTo>
+                  <a:lnTo>
+                    <a:pt y="6875253" x="301925"/>
+                  </a:lnTo>
+                  <a:lnTo>
+                    <a:pt y="6875253" x="0"/>
+                  </a:lnTo>
+                  <a:lnTo>
+                    <a:pt y="0" x="0"/>
                   </a:lnTo>
                   <a:close/>
                 </a:path>
@@ -2279,7 +2554,7 @@
             </a:ln>
           </p:spPr>
           <p:txBody>
-            <a:bodyPr lIns="91425" tIns="45700" rIns="91425" bIns="45700" anchor="ctr" anchorCtr="0">
+            <a:bodyPr bIns="45700" rIns="91425" lIns="91425" tIns="45700" anchor="ctr" anchorCtr="0">
               <a:noAutofit/>
             </a:bodyPr>
             <a:lstStyle/>
@@ -2290,6 +2565,9 @@
                 </a:spcBef>
                 <a:buNone/>
               </a:pPr>
+              <a:r>
+                <a:t/>
+              </a:r>
               <a:endParaRPr/>
             </a:p>
           </p:txBody>
@@ -2303,8 +2581,8 @@
         </p:nvSpPr>
         <p:spPr>
           <a:xfrm>
-            <a:off x="0" y="4743450"/>
-            <a:ext cx="9144000" cy="401099"/>
+            <a:off y="4743450" x="0"/>
+            <a:ext cy="401099" cx="9144000"/>
           </a:xfrm>
           <a:prstGeom prst="rect">
             <a:avLst/>
@@ -2319,7 +2597,7 @@
           </a:ln>
         </p:spPr>
         <p:txBody>
-          <a:bodyPr lIns="91425" tIns="45700" rIns="91425" bIns="45700" anchor="ctr" anchorCtr="0">
+          <a:bodyPr bIns="45700" rIns="91425" lIns="91425" tIns="45700" anchor="ctr" anchorCtr="0">
             <a:noAutofit/>
           </a:bodyPr>
           <a:lstStyle/>
@@ -2330,6 +2608,9 @@
               </a:spcBef>
               <a:buNone/>
             </a:pPr>
+            <a:r>
+              <a:t/>
+            </a:r>
             <a:endParaRPr/>
           </a:p>
         </p:txBody>
@@ -2337,24 +2618,22 @@
       <p:sp>
         <p:nvSpPr>
           <p:cNvPr id="37" name="Shape 37"/>
-          <p:cNvSpPr txBox="1">
-            <a:spLocks noGrp="1"/>
-          </p:cNvSpPr>
+          <p:cNvSpPr txBox="1"/>
           <p:nvPr>
             <p:ph type="title"/>
           </p:nvPr>
         </p:nvSpPr>
         <p:spPr>
           <a:xfrm>
-            <a:off x="457200" y="205978"/>
-            <a:ext cx="8229600" cy="857400"/>
+            <a:off y="205978" x="457200"/>
+            <a:ext cy="857400" cx="8229600"/>
           </a:xfrm>
           <a:prstGeom prst="rect">
             <a:avLst/>
           </a:prstGeom>
         </p:spPr>
         <p:txBody>
-          <a:bodyPr lIns="91425" tIns="91425" rIns="91425" bIns="91425" anchor="b" anchorCtr="0"/>
+          <a:bodyPr bIns="91425" rIns="91425" lIns="91425" tIns="91425" anchor="b" anchorCtr="0"/>
           <a:lstStyle>
             <a:lvl1pPr>
               <a:spcBef>
@@ -2411,32 +2690,28 @@
               <a:defRPr/>
             </a:lvl9pPr>
           </a:lstStyle>
-          <a:p>
-            <a:endParaRPr/>
-          </a:p>
+          <a:p/>
         </p:txBody>
       </p:sp>
       <p:sp>
         <p:nvSpPr>
           <p:cNvPr id="38" name="Shape 38"/>
-          <p:cNvSpPr txBox="1">
-            <a:spLocks noGrp="1"/>
-          </p:cNvSpPr>
+          <p:cNvSpPr txBox="1"/>
           <p:nvPr>
-            <p:ph type="body" idx="1"/>
+            <p:ph idx="1" type="body"/>
           </p:nvPr>
         </p:nvSpPr>
         <p:spPr>
           <a:xfrm>
-            <a:off x="457200" y="1200150"/>
-            <a:ext cx="3994500" cy="3725699"/>
+            <a:off y="1200150" x="457200"/>
+            <a:ext cy="3725699" cx="3994500"/>
           </a:xfrm>
           <a:prstGeom prst="rect">
             <a:avLst/>
           </a:prstGeom>
         </p:spPr>
         <p:txBody>
-          <a:bodyPr lIns="91425" tIns="91425" rIns="91425" bIns="91425" anchor="t" anchorCtr="0"/>
+          <a:bodyPr bIns="91425" rIns="91425" lIns="91425" tIns="91425" anchor="t" anchorCtr="0"/>
           <a:lstStyle>
             <a:lvl1pPr>
               <a:spcBef>
@@ -2493,32 +2768,28 @@
               <a:defRPr/>
             </a:lvl9pPr>
           </a:lstStyle>
-          <a:p>
-            <a:endParaRPr/>
-          </a:p>
+          <a:p/>
         </p:txBody>
       </p:sp>
       <p:sp>
         <p:nvSpPr>
           <p:cNvPr id="39" name="Shape 39"/>
-          <p:cNvSpPr txBox="1">
-            <a:spLocks noGrp="1"/>
-          </p:cNvSpPr>
+          <p:cNvSpPr txBox="1"/>
           <p:nvPr>
-            <p:ph type="body" idx="2"/>
+            <p:ph idx="2" type="body"/>
           </p:nvPr>
         </p:nvSpPr>
         <p:spPr>
           <a:xfrm>
-            <a:off x="4692273" y="1200150"/>
-            <a:ext cx="3994500" cy="3725699"/>
+            <a:off y="1200150" x="4692273"/>
+            <a:ext cy="3725699" cx="3994500"/>
           </a:xfrm>
           <a:prstGeom prst="rect">
             <a:avLst/>
           </a:prstGeom>
         </p:spPr>
         <p:txBody>
-          <a:bodyPr lIns="91425" tIns="91425" rIns="91425" bIns="91425" anchor="t" anchorCtr="0"/>
+          <a:bodyPr bIns="91425" rIns="91425" lIns="91425" tIns="91425" anchor="t" anchorCtr="0"/>
           <a:lstStyle>
             <a:lvl1pPr>
               <a:spcBef>
@@ -2575,9 +2846,7 @@
               <a:defRPr/>
             </a:lvl9pPr>
           </a:lstStyle>
-          <a:p>
-            <a:endParaRPr/>
-          </a:p>
+          <a:p/>
         </p:txBody>
       </p:sp>
     </p:spTree>
@@ -2589,20 +2858,20 @@
 </file>
 
 <file path=ppt/slideLayouts/slideLayout4.xml><?xml version="1.0" encoding="utf-8"?>
-<p:sldLayout xmlns:a="http://schemas.openxmlformats.org/drawingml/2006/main" xmlns:r="http://schemas.openxmlformats.org/officeDocument/2006/relationships" xmlns:p="http://schemas.openxmlformats.org/presentationml/2006/main" type="titleOnly">
+<p:sldLayout xmlns:a="http://schemas.openxmlformats.org/drawingml/2006/main" xmlns:r="http://schemas.openxmlformats.org/officeDocument/2006/relationships" xmlns:mc="http://schemas.openxmlformats.org/markup-compatibility/2006" xmlns:mv="urn:schemas-microsoft-com:mac:vml" xmlns:p="http://schemas.openxmlformats.org/presentationml/2006/main" xmlns:c="http://schemas.openxmlformats.org/drawingml/2006/chart" xmlns:dgm="http://schemas.openxmlformats.org/drawingml/2006/diagram" xmlns:o="urn:schemas-microsoft-com:office:office" xmlns:v="urn:schemas-microsoft-com:vml" xmlns:pvml="urn:schemas-microsoft-com:office:powerpoint" xmlns:com="http://schemas.openxmlformats.org/drawingml/2006/compatibility" xmlns:p14="http://schemas.microsoft.com/office/powerpoint/2010/main" type="titleOnly">
   <p:cSld name="Title Only">
     <p:spTree>
       <p:nvGrpSpPr>
-        <p:cNvPr id="1" name="Shape 40"/>
+        <p:cNvPr id="40" name="Shape 40"/>
         <p:cNvGrpSpPr/>
         <p:nvPr/>
       </p:nvGrpSpPr>
       <p:grpSpPr>
         <a:xfrm>
-          <a:off x="0" y="0"/>
-          <a:ext cx="0" cy="0"/>
-          <a:chOff x="0" y="0"/>
-          <a:chExt cx="0" cy="0"/>
+          <a:off y="0" x="0"/>
+          <a:ext cy="0" cx="0"/>
+          <a:chOff y="0" x="0"/>
+          <a:chExt cy="0" cx="0"/>
         </a:xfrm>
       </p:grpSpPr>
       <p:sp>
@@ -2613,8 +2882,8 @@
         </p:nvSpPr>
         <p:spPr>
           <a:xfrm>
-            <a:off x="0" y="-1078"/>
-            <a:ext cx="9144000" cy="1144199"/>
+            <a:off y="-1078" x="0"/>
+            <a:ext cy="1144199" cx="9144000"/>
           </a:xfrm>
           <a:prstGeom prst="rect">
             <a:avLst/>
@@ -2629,7 +2898,7 @@
           </a:ln>
         </p:spPr>
         <p:txBody>
-          <a:bodyPr lIns="91425" tIns="45700" rIns="91425" bIns="45700" anchor="ctr" anchorCtr="0">
+          <a:bodyPr bIns="45700" rIns="91425" lIns="91425" tIns="45700" anchor="ctr" anchorCtr="0">
             <a:noAutofit/>
           </a:bodyPr>
           <a:lstStyle/>
@@ -2640,6 +2909,9 @@
               </a:spcBef>
               <a:buNone/>
             </a:pPr>
+            <a:r>
+              <a:t/>
+            </a:r>
             <a:endParaRPr/>
           </a:p>
         </p:txBody>
@@ -2652,10 +2924,10 @@
         </p:nvGrpSpPr>
         <p:grpSpPr>
           <a:xfrm>
-            <a:off x="0" y="-1078"/>
-            <a:ext cx="649180" cy="5144627"/>
-            <a:chOff x="0" y="-1438"/>
-            <a:chExt cx="649180" cy="6859503"/>
+            <a:off y="-1078" x="0"/>
+            <a:ext cy="5144627" cx="649180"/>
+            <a:chOff y="-1438" x="0"/>
+            <a:chExt cy="6859503" cx="649180"/>
           </a:xfrm>
         </p:grpSpPr>
         <p:sp>
@@ -2666,31 +2938,26 @@
           </p:nvSpPr>
           <p:spPr>
             <a:xfrm>
-              <a:off x="0" y="-1438"/>
-              <a:ext cx="649180" cy="6858065"/>
+              <a:off y="-1438" x="0"/>
+              <a:ext cy="6858065" cx="649180"/>
             </a:xfrm>
             <a:custGeom>
-              <a:avLst/>
-              <a:gdLst/>
-              <a:ahLst/>
-              <a:cxnLst/>
-              <a:rect l="0" t="0" r="0" b="0"/>
               <a:pathLst>
-                <a:path w="500332" h="6875253" extrusionOk="0">
+                <a:path w="500332" extrusionOk="0" h="6875253">
                   <a:moveTo>
-                    <a:pt x="0" y="0"/>
+                    <a:pt y="0" x="0"/>
                   </a:moveTo>
                   <a:lnTo>
-                    <a:pt x="500332" y="0"/>
-                  </a:lnTo>
-                  <a:lnTo>
-                    <a:pt x="301925" y="6875253"/>
-                  </a:lnTo>
-                  <a:lnTo>
-                    <a:pt x="0" y="6875253"/>
-                  </a:lnTo>
-                  <a:lnTo>
-                    <a:pt x="0" y="0"/>
+                    <a:pt y="0" x="500332"/>
+                  </a:lnTo>
+                  <a:lnTo>
+                    <a:pt y="6875253" x="301925"/>
+                  </a:lnTo>
+                  <a:lnTo>
+                    <a:pt y="6875253" x="0"/>
+                  </a:lnTo>
+                  <a:lnTo>
+                    <a:pt y="0" x="0"/>
                   </a:lnTo>
                   <a:close/>
                 </a:path>
@@ -2706,7 +2973,7 @@
             </a:ln>
           </p:spPr>
           <p:txBody>
-            <a:bodyPr lIns="91425" tIns="45700" rIns="91425" bIns="45700" anchor="ctr" anchorCtr="0">
+            <a:bodyPr bIns="45700" rIns="91425" lIns="91425" tIns="45700" anchor="ctr" anchorCtr="0">
               <a:noAutofit/>
             </a:bodyPr>
             <a:lstStyle/>
@@ -2717,6 +2984,9 @@
                 </a:spcBef>
                 <a:buNone/>
               </a:pPr>
+              <a:r>
+                <a:t/>
+              </a:r>
               <a:endParaRPr/>
             </a:p>
           </p:txBody>
@@ -2729,31 +2999,26 @@
           </p:nvSpPr>
           <p:spPr>
             <a:xfrm>
-              <a:off x="0" y="0"/>
-              <a:ext cx="500331" cy="6858065"/>
+              <a:off y="0" x="0"/>
+              <a:ext cy="6858065" cx="500331"/>
             </a:xfrm>
             <a:custGeom>
-              <a:avLst/>
-              <a:gdLst/>
-              <a:ahLst/>
-              <a:cxnLst/>
-              <a:rect l="0" t="0" r="0" b="0"/>
               <a:pathLst>
-                <a:path w="500332" h="6875253" extrusionOk="0">
+                <a:path w="500332" extrusionOk="0" h="6875253">
                   <a:moveTo>
-                    <a:pt x="0" y="0"/>
+                    <a:pt y="0" x="0"/>
                   </a:moveTo>
                   <a:lnTo>
-                    <a:pt x="500332" y="0"/>
-                  </a:lnTo>
-                  <a:lnTo>
-                    <a:pt x="301925" y="6875253"/>
-                  </a:lnTo>
-                  <a:lnTo>
-                    <a:pt x="0" y="6875253"/>
-                  </a:lnTo>
-                  <a:lnTo>
-                    <a:pt x="0" y="0"/>
+                    <a:pt y="0" x="500332"/>
+                  </a:lnTo>
+                  <a:lnTo>
+                    <a:pt y="6875253" x="301925"/>
+                  </a:lnTo>
+                  <a:lnTo>
+                    <a:pt y="6875253" x="0"/>
+                  </a:lnTo>
+                  <a:lnTo>
+                    <a:pt y="0" x="0"/>
                   </a:lnTo>
                   <a:close/>
                 </a:path>
@@ -2769,7 +3034,7 @@
             </a:ln>
           </p:spPr>
           <p:txBody>
-            <a:bodyPr lIns="91425" tIns="45700" rIns="91425" bIns="45700" anchor="ctr" anchorCtr="0">
+            <a:bodyPr bIns="45700" rIns="91425" lIns="91425" tIns="45700" anchor="ctr" anchorCtr="0">
               <a:noAutofit/>
             </a:bodyPr>
             <a:lstStyle/>
@@ -2780,6 +3045,9 @@
                 </a:spcBef>
                 <a:buNone/>
               </a:pPr>
+              <a:r>
+                <a:t/>
+              </a:r>
               <a:endParaRPr/>
             </a:p>
           </p:txBody>
@@ -2793,10 +3061,10 @@
         </p:nvGrpSpPr>
         <p:grpSpPr>
           <a:xfrm flipH="1">
-            <a:off x="8494493" y="0"/>
-            <a:ext cx="649180" cy="5144627"/>
-            <a:chOff x="0" y="-1438"/>
-            <a:chExt cx="649180" cy="6859503"/>
+            <a:off y="0" x="8494493"/>
+            <a:ext cy="5144627" cx="649180"/>
+            <a:chOff y="-1438" x="0"/>
+            <a:chExt cy="6859503" cx="649180"/>
           </a:xfrm>
         </p:grpSpPr>
         <p:sp>
@@ -2807,31 +3075,26 @@
           </p:nvSpPr>
           <p:spPr>
             <a:xfrm>
-              <a:off x="0" y="-1438"/>
-              <a:ext cx="649180" cy="6858065"/>
+              <a:off y="-1438" x="0"/>
+              <a:ext cy="6858065" cx="649180"/>
             </a:xfrm>
             <a:custGeom>
-              <a:avLst/>
-              <a:gdLst/>
-              <a:ahLst/>
-              <a:cxnLst/>
-              <a:rect l="0" t="0" r="0" b="0"/>
               <a:pathLst>
-                <a:path w="500332" h="6875253" extrusionOk="0">
+                <a:path w="500332" extrusionOk="0" h="6875253">
                   <a:moveTo>
-                    <a:pt x="0" y="0"/>
+                    <a:pt y="0" x="0"/>
                   </a:moveTo>
                   <a:lnTo>
-                    <a:pt x="500332" y="0"/>
-                  </a:lnTo>
-                  <a:lnTo>
-                    <a:pt x="301925" y="6875253"/>
-                  </a:lnTo>
-                  <a:lnTo>
-                    <a:pt x="0" y="6875253"/>
-                  </a:lnTo>
-                  <a:lnTo>
-                    <a:pt x="0" y="0"/>
+                    <a:pt y="0" x="500332"/>
+                  </a:lnTo>
+                  <a:lnTo>
+                    <a:pt y="6875253" x="301925"/>
+                  </a:lnTo>
+                  <a:lnTo>
+                    <a:pt y="6875253" x="0"/>
+                  </a:lnTo>
+                  <a:lnTo>
+                    <a:pt y="0" x="0"/>
                   </a:lnTo>
                   <a:close/>
                 </a:path>
@@ -2847,7 +3110,7 @@
             </a:ln>
           </p:spPr>
           <p:txBody>
-            <a:bodyPr lIns="91425" tIns="45700" rIns="91425" bIns="45700" anchor="ctr" anchorCtr="0">
+            <a:bodyPr bIns="45700" rIns="91425" lIns="91425" tIns="45700" anchor="ctr" anchorCtr="0">
               <a:noAutofit/>
             </a:bodyPr>
             <a:lstStyle/>
@@ -2858,6 +3121,9 @@
                 </a:spcBef>
                 <a:buNone/>
               </a:pPr>
+              <a:r>
+                <a:t/>
+              </a:r>
               <a:endParaRPr/>
             </a:p>
           </p:txBody>
@@ -2870,31 +3136,26 @@
           </p:nvSpPr>
           <p:spPr>
             <a:xfrm>
-              <a:off x="0" y="0"/>
-              <a:ext cx="500331" cy="6858065"/>
+              <a:off y="0" x="0"/>
+              <a:ext cy="6858065" cx="500331"/>
             </a:xfrm>
             <a:custGeom>
-              <a:avLst/>
-              <a:gdLst/>
-              <a:ahLst/>
-              <a:cxnLst/>
-              <a:rect l="0" t="0" r="0" b="0"/>
               <a:pathLst>
-                <a:path w="500332" h="6875253" extrusionOk="0">
+                <a:path w="500332" extrusionOk="0" h="6875253">
                   <a:moveTo>
-                    <a:pt x="0" y="0"/>
+                    <a:pt y="0" x="0"/>
                   </a:moveTo>
                   <a:lnTo>
-                    <a:pt x="500332" y="0"/>
-                  </a:lnTo>
-                  <a:lnTo>
-                    <a:pt x="301925" y="6875253"/>
-                  </a:lnTo>
-                  <a:lnTo>
-                    <a:pt x="0" y="6875253"/>
-                  </a:lnTo>
-                  <a:lnTo>
-                    <a:pt x="0" y="0"/>
+                    <a:pt y="0" x="500332"/>
+                  </a:lnTo>
+                  <a:lnTo>
+                    <a:pt y="6875253" x="301925"/>
+                  </a:lnTo>
+                  <a:lnTo>
+                    <a:pt y="6875253" x="0"/>
+                  </a:lnTo>
+                  <a:lnTo>
+                    <a:pt y="0" x="0"/>
                   </a:lnTo>
                   <a:close/>
                 </a:path>
@@ -2910,7 +3171,7 @@
             </a:ln>
           </p:spPr>
           <p:txBody>
-            <a:bodyPr lIns="91425" tIns="45700" rIns="91425" bIns="45700" anchor="ctr" anchorCtr="0">
+            <a:bodyPr bIns="45700" rIns="91425" lIns="91425" tIns="45700" anchor="ctr" anchorCtr="0">
               <a:noAutofit/>
             </a:bodyPr>
             <a:lstStyle/>
@@ -2921,6 +3182,9 @@
                 </a:spcBef>
                 <a:buNone/>
               </a:pPr>
+              <a:r>
+                <a:t/>
+              </a:r>
               <a:endParaRPr/>
             </a:p>
           </p:txBody>
@@ -2934,8 +3198,8 @@
         </p:nvSpPr>
         <p:spPr>
           <a:xfrm>
-            <a:off x="0" y="4743450"/>
-            <a:ext cx="9144000" cy="401099"/>
+            <a:off y="4743450" x="0"/>
+            <a:ext cy="401099" cx="9144000"/>
           </a:xfrm>
           <a:prstGeom prst="rect">
             <a:avLst/>
@@ -2950,7 +3214,7 @@
           </a:ln>
         </p:spPr>
         <p:txBody>
-          <a:bodyPr lIns="91425" tIns="45700" rIns="91425" bIns="45700" anchor="ctr" anchorCtr="0">
+          <a:bodyPr bIns="45700" rIns="91425" lIns="91425" tIns="45700" anchor="ctr" anchorCtr="0">
             <a:noAutofit/>
           </a:bodyPr>
           <a:lstStyle/>
@@ -2961,6 +3225,9 @@
               </a:spcBef>
               <a:buNone/>
             </a:pPr>
+            <a:r>
+              <a:t/>
+            </a:r>
             <a:endParaRPr/>
           </a:p>
         </p:txBody>
@@ -2968,24 +3235,22 @@
       <p:sp>
         <p:nvSpPr>
           <p:cNvPr id="49" name="Shape 49"/>
-          <p:cNvSpPr txBox="1">
-            <a:spLocks noGrp="1"/>
-          </p:cNvSpPr>
+          <p:cNvSpPr txBox="1"/>
           <p:nvPr>
             <p:ph type="title"/>
           </p:nvPr>
         </p:nvSpPr>
         <p:spPr>
           <a:xfrm>
-            <a:off x="457200" y="205978"/>
-            <a:ext cx="8229600" cy="857400"/>
+            <a:off y="205978" x="457200"/>
+            <a:ext cy="857400" cx="8229600"/>
           </a:xfrm>
           <a:prstGeom prst="rect">
             <a:avLst/>
           </a:prstGeom>
         </p:spPr>
         <p:txBody>
-          <a:bodyPr lIns="91425" tIns="91425" rIns="91425" bIns="91425" anchor="b" anchorCtr="0"/>
+          <a:bodyPr bIns="91425" rIns="91425" lIns="91425" tIns="91425" anchor="b" anchorCtr="0"/>
           <a:lstStyle>
             <a:lvl1pPr>
               <a:spcBef>
@@ -3042,9 +3307,7 @@
               <a:defRPr/>
             </a:lvl9pPr>
           </a:lstStyle>
-          <a:p>
-            <a:endParaRPr/>
-          </a:p>
+          <a:p/>
         </p:txBody>
       </p:sp>
     </p:spTree>
@@ -3056,20 +3319,20 @@
 </file>
 
 <file path=ppt/slideLayouts/slideLayout5.xml><?xml version="1.0" encoding="utf-8"?>
-<p:sldLayout xmlns:a="http://schemas.openxmlformats.org/drawingml/2006/main" xmlns:r="http://schemas.openxmlformats.org/officeDocument/2006/relationships" xmlns:p="http://schemas.openxmlformats.org/presentationml/2006/main">
+<p:sldLayout xmlns:a="http://schemas.openxmlformats.org/drawingml/2006/main" xmlns:r="http://schemas.openxmlformats.org/officeDocument/2006/relationships" xmlns:mc="http://schemas.openxmlformats.org/markup-compatibility/2006" xmlns:mv="urn:schemas-microsoft-com:mac:vml" xmlns:p="http://schemas.openxmlformats.org/presentationml/2006/main" xmlns:c="http://schemas.openxmlformats.org/drawingml/2006/chart" xmlns:dgm="http://schemas.openxmlformats.org/drawingml/2006/diagram" xmlns:o="urn:schemas-microsoft-com:office:office" xmlns:v="urn:schemas-microsoft-com:vml" xmlns:pvml="urn:schemas-microsoft-com:office:powerpoint" xmlns:com="http://schemas.openxmlformats.org/drawingml/2006/compatibility" xmlns:p14="http://schemas.microsoft.com/office/powerpoint/2010/main">
   <p:cSld name="Caption">
     <p:spTree>
       <p:nvGrpSpPr>
-        <p:cNvPr id="1" name="Shape 50"/>
+        <p:cNvPr id="50" name="Shape 50"/>
         <p:cNvGrpSpPr/>
         <p:nvPr/>
       </p:nvGrpSpPr>
       <p:grpSpPr>
         <a:xfrm>
-          <a:off x="0" y="0"/>
-          <a:ext cx="0" cy="0"/>
-          <a:chOff x="0" y="0"/>
-          <a:chExt cx="0" cy="0"/>
+          <a:off y="0" x="0"/>
+          <a:ext cy="0" cx="0"/>
+          <a:chOff y="0" x="0"/>
+          <a:chExt cy="0" cx="0"/>
         </a:xfrm>
       </p:grpSpPr>
       <p:sp>
@@ -3080,8 +3343,8 @@
         </p:nvSpPr>
         <p:spPr>
           <a:xfrm>
-            <a:off x="0" y="-1078"/>
-            <a:ext cx="9144000" cy="1144199"/>
+            <a:off y="-1078" x="0"/>
+            <a:ext cy="1144199" cx="9144000"/>
           </a:xfrm>
           <a:prstGeom prst="rect">
             <a:avLst/>
@@ -3096,7 +3359,7 @@
           </a:ln>
         </p:spPr>
         <p:txBody>
-          <a:bodyPr lIns="91425" tIns="45700" rIns="91425" bIns="45700" anchor="ctr" anchorCtr="0">
+          <a:bodyPr bIns="45700" rIns="91425" lIns="91425" tIns="45700" anchor="ctr" anchorCtr="0">
             <a:noAutofit/>
           </a:bodyPr>
           <a:lstStyle/>
@@ -3107,6 +3370,9 @@
               </a:spcBef>
               <a:buNone/>
             </a:pPr>
+            <a:r>
+              <a:t/>
+            </a:r>
             <a:endParaRPr/>
           </a:p>
         </p:txBody>
@@ -3119,10 +3385,10 @@
         </p:nvGrpSpPr>
         <p:grpSpPr>
           <a:xfrm>
-            <a:off x="0" y="-1078"/>
-            <a:ext cx="649180" cy="5144627"/>
-            <a:chOff x="0" y="-1438"/>
-            <a:chExt cx="649180" cy="6859503"/>
+            <a:off y="-1078" x="0"/>
+            <a:ext cy="5144627" cx="649180"/>
+            <a:chOff y="-1438" x="0"/>
+            <a:chExt cy="6859503" cx="649180"/>
           </a:xfrm>
         </p:grpSpPr>
         <p:sp>
@@ -3133,31 +3399,26 @@
           </p:nvSpPr>
           <p:spPr>
             <a:xfrm>
-              <a:off x="0" y="-1438"/>
-              <a:ext cx="649180" cy="6858065"/>
+              <a:off y="-1438" x="0"/>
+              <a:ext cy="6858065" cx="649180"/>
             </a:xfrm>
             <a:custGeom>
-              <a:avLst/>
-              <a:gdLst/>
-              <a:ahLst/>
-              <a:cxnLst/>
-              <a:rect l="0" t="0" r="0" b="0"/>
               <a:pathLst>
-                <a:path w="500332" h="6875253" extrusionOk="0">
+                <a:path w="500332" extrusionOk="0" h="6875253">
                   <a:moveTo>
-                    <a:pt x="0" y="0"/>
+                    <a:pt y="0" x="0"/>
                   </a:moveTo>
                   <a:lnTo>
-                    <a:pt x="500332" y="0"/>
-                  </a:lnTo>
-                  <a:lnTo>
-                    <a:pt x="301925" y="6875253"/>
-                  </a:lnTo>
-                  <a:lnTo>
-                    <a:pt x="0" y="6875253"/>
-                  </a:lnTo>
-                  <a:lnTo>
-                    <a:pt x="0" y="0"/>
+                    <a:pt y="0" x="500332"/>
+                  </a:lnTo>
+                  <a:lnTo>
+                    <a:pt y="6875253" x="301925"/>
+                  </a:lnTo>
+                  <a:lnTo>
+                    <a:pt y="6875253" x="0"/>
+                  </a:lnTo>
+                  <a:lnTo>
+                    <a:pt y="0" x="0"/>
                   </a:lnTo>
                   <a:close/>
                 </a:path>
@@ -3173,7 +3434,7 @@
             </a:ln>
           </p:spPr>
           <p:txBody>
-            <a:bodyPr lIns="91425" tIns="45700" rIns="91425" bIns="45700" anchor="ctr" anchorCtr="0">
+            <a:bodyPr bIns="45700" rIns="91425" lIns="91425" tIns="45700" anchor="ctr" anchorCtr="0">
               <a:noAutofit/>
             </a:bodyPr>
             <a:lstStyle/>
@@ -3184,6 +3445,9 @@
                 </a:spcBef>
                 <a:buNone/>
               </a:pPr>
+              <a:r>
+                <a:t/>
+              </a:r>
               <a:endParaRPr/>
             </a:p>
           </p:txBody>
@@ -3196,31 +3460,26 @@
           </p:nvSpPr>
           <p:spPr>
             <a:xfrm>
-              <a:off x="0" y="0"/>
-              <a:ext cx="500331" cy="6858065"/>
+              <a:off y="0" x="0"/>
+              <a:ext cy="6858065" cx="500331"/>
             </a:xfrm>
             <a:custGeom>
-              <a:avLst/>
-              <a:gdLst/>
-              <a:ahLst/>
-              <a:cxnLst/>
-              <a:rect l="0" t="0" r="0" b="0"/>
               <a:pathLst>
-                <a:path w="500332" h="6875253" extrusionOk="0">
+                <a:path w="500332" extrusionOk="0" h="6875253">
                   <a:moveTo>
-                    <a:pt x="0" y="0"/>
+                    <a:pt y="0" x="0"/>
                   </a:moveTo>
                   <a:lnTo>
-                    <a:pt x="500332" y="0"/>
-                  </a:lnTo>
-                  <a:lnTo>
-                    <a:pt x="301925" y="6875253"/>
-                  </a:lnTo>
-                  <a:lnTo>
-                    <a:pt x="0" y="6875253"/>
-                  </a:lnTo>
-                  <a:lnTo>
-                    <a:pt x="0" y="0"/>
+                    <a:pt y="0" x="500332"/>
+                  </a:lnTo>
+                  <a:lnTo>
+                    <a:pt y="6875253" x="301925"/>
+                  </a:lnTo>
+                  <a:lnTo>
+                    <a:pt y="6875253" x="0"/>
+                  </a:lnTo>
+                  <a:lnTo>
+                    <a:pt y="0" x="0"/>
                   </a:lnTo>
                   <a:close/>
                 </a:path>
@@ -3236,7 +3495,7 @@
             </a:ln>
           </p:spPr>
           <p:txBody>
-            <a:bodyPr lIns="91425" tIns="45700" rIns="91425" bIns="45700" anchor="ctr" anchorCtr="0">
+            <a:bodyPr bIns="45700" rIns="91425" lIns="91425" tIns="45700" anchor="ctr" anchorCtr="0">
               <a:noAutofit/>
             </a:bodyPr>
             <a:lstStyle/>
@@ -3247,6 +3506,9 @@
                 </a:spcBef>
                 <a:buNone/>
               </a:pPr>
+              <a:r>
+                <a:t/>
+              </a:r>
               <a:endParaRPr/>
             </a:p>
           </p:txBody>
@@ -3260,10 +3522,10 @@
         </p:nvGrpSpPr>
         <p:grpSpPr>
           <a:xfrm flipH="1">
-            <a:off x="8494493" y="0"/>
-            <a:ext cx="649180" cy="5144627"/>
-            <a:chOff x="0" y="-1438"/>
-            <a:chExt cx="649180" cy="6859503"/>
+            <a:off y="0" x="8494493"/>
+            <a:ext cy="5144627" cx="649180"/>
+            <a:chOff y="-1438" x="0"/>
+            <a:chExt cy="6859503" cx="649180"/>
           </a:xfrm>
         </p:grpSpPr>
         <p:sp>
@@ -3274,31 +3536,26 @@
           </p:nvSpPr>
           <p:spPr>
             <a:xfrm>
-              <a:off x="0" y="-1438"/>
-              <a:ext cx="649180" cy="6858065"/>
+              <a:off y="-1438" x="0"/>
+              <a:ext cy="6858065" cx="649180"/>
             </a:xfrm>
             <a:custGeom>
-              <a:avLst/>
-              <a:gdLst/>
-              <a:ahLst/>
-              <a:cxnLst/>
-              <a:rect l="0" t="0" r="0" b="0"/>
               <a:pathLst>
-                <a:path w="500332" h="6875253" extrusionOk="0">
+                <a:path w="500332" extrusionOk="0" h="6875253">
                   <a:moveTo>
-                    <a:pt x="0" y="0"/>
+                    <a:pt y="0" x="0"/>
                   </a:moveTo>
                   <a:lnTo>
-                    <a:pt x="500332" y="0"/>
-                  </a:lnTo>
-                  <a:lnTo>
-                    <a:pt x="301925" y="6875253"/>
-                  </a:lnTo>
-                  <a:lnTo>
-                    <a:pt x="0" y="6875253"/>
-                  </a:lnTo>
-                  <a:lnTo>
-                    <a:pt x="0" y="0"/>
+                    <a:pt y="0" x="500332"/>
+                  </a:lnTo>
+                  <a:lnTo>
+                    <a:pt y="6875253" x="301925"/>
+                  </a:lnTo>
+                  <a:lnTo>
+                    <a:pt y="6875253" x="0"/>
+                  </a:lnTo>
+                  <a:lnTo>
+                    <a:pt y="0" x="0"/>
                   </a:lnTo>
                   <a:close/>
                 </a:path>
@@ -3314,7 +3571,7 @@
             </a:ln>
           </p:spPr>
           <p:txBody>
-            <a:bodyPr lIns="91425" tIns="45700" rIns="91425" bIns="45700" anchor="ctr" anchorCtr="0">
+            <a:bodyPr bIns="45700" rIns="91425" lIns="91425" tIns="45700" anchor="ctr" anchorCtr="0">
               <a:noAutofit/>
             </a:bodyPr>
             <a:lstStyle/>
@@ -3325,6 +3582,9 @@
                 </a:spcBef>
                 <a:buNone/>
               </a:pPr>
+              <a:r>
+                <a:t/>
+              </a:r>
               <a:endParaRPr/>
             </a:p>
           </p:txBody>
@@ -3337,31 +3597,26 @@
           </p:nvSpPr>
           <p:spPr>
             <a:xfrm>
-              <a:off x="0" y="0"/>
-              <a:ext cx="500331" cy="6858065"/>
+              <a:off y="0" x="0"/>
+              <a:ext cy="6858065" cx="500331"/>
             </a:xfrm>
             <a:custGeom>
-              <a:avLst/>
-              <a:gdLst/>
-              <a:ahLst/>
-              <a:cxnLst/>
-              <a:rect l="0" t="0" r="0" b="0"/>
               <a:pathLst>
-                <a:path w="500332" h="6875253" extrusionOk="0">
+                <a:path w="500332" extrusionOk="0" h="6875253">
                   <a:moveTo>
-                    <a:pt x="0" y="0"/>
+                    <a:pt y="0" x="0"/>
                   </a:moveTo>
                   <a:lnTo>
-                    <a:pt x="500332" y="0"/>
-                  </a:lnTo>
-                  <a:lnTo>
-                    <a:pt x="301925" y="6875253"/>
-                  </a:lnTo>
-                  <a:lnTo>
-                    <a:pt x="0" y="6875253"/>
-                  </a:lnTo>
-                  <a:lnTo>
-                    <a:pt x="0" y="0"/>
+                    <a:pt y="0" x="500332"/>
+                  </a:lnTo>
+                  <a:lnTo>
+                    <a:pt y="6875253" x="301925"/>
+                  </a:lnTo>
+                  <a:lnTo>
+                    <a:pt y="6875253" x="0"/>
+                  </a:lnTo>
+                  <a:lnTo>
+                    <a:pt y="0" x="0"/>
                   </a:lnTo>
                   <a:close/>
                 </a:path>
@@ -3377,7 +3632,7 @@
             </a:ln>
           </p:spPr>
           <p:txBody>
-            <a:bodyPr lIns="91425" tIns="45700" rIns="91425" bIns="45700" anchor="ctr" anchorCtr="0">
+            <a:bodyPr bIns="45700" rIns="91425" lIns="91425" tIns="45700" anchor="ctr" anchorCtr="0">
               <a:noAutofit/>
             </a:bodyPr>
             <a:lstStyle/>
@@ -3388,6 +3643,9 @@
                 </a:spcBef>
                 <a:buNone/>
               </a:pPr>
+              <a:r>
+                <a:t/>
+              </a:r>
               <a:endParaRPr/>
             </a:p>
           </p:txBody>
@@ -3401,8 +3659,8 @@
         </p:nvSpPr>
         <p:spPr>
           <a:xfrm>
-            <a:off x="0" y="4743450"/>
-            <a:ext cx="9144000" cy="401099"/>
+            <a:off y="4743450" x="0"/>
+            <a:ext cy="401099" cx="9144000"/>
           </a:xfrm>
           <a:prstGeom prst="rect">
             <a:avLst/>
@@ -3417,7 +3675,7 @@
           </a:ln>
         </p:spPr>
         <p:txBody>
-          <a:bodyPr lIns="91425" tIns="45700" rIns="91425" bIns="45700" anchor="ctr" anchorCtr="0">
+          <a:bodyPr bIns="45700" rIns="91425" lIns="91425" tIns="45700" anchor="ctr" anchorCtr="0">
             <a:noAutofit/>
           </a:bodyPr>
           <a:lstStyle/>
@@ -3428,6 +3686,9 @@
               </a:spcBef>
               <a:buNone/>
             </a:pPr>
+            <a:r>
+              <a:t/>
+            </a:r>
             <a:endParaRPr/>
           </a:p>
         </p:txBody>
@@ -3435,24 +3696,22 @@
       <p:sp>
         <p:nvSpPr>
           <p:cNvPr id="59" name="Shape 59"/>
-          <p:cNvSpPr txBox="1">
-            <a:spLocks noGrp="1"/>
-          </p:cNvSpPr>
+          <p:cNvSpPr txBox="1"/>
           <p:nvPr>
-            <p:ph type="body" idx="1"/>
+            <p:ph idx="1" type="body"/>
           </p:nvPr>
         </p:nvSpPr>
         <p:spPr>
           <a:xfrm>
-            <a:off x="457200" y="4406309"/>
-            <a:ext cx="8229600" cy="519599"/>
+            <a:off y="4406309" x="457200"/>
+            <a:ext cy="519599" cx="8229600"/>
           </a:xfrm>
           <a:prstGeom prst="rect">
             <a:avLst/>
           </a:prstGeom>
         </p:spPr>
         <p:txBody>
-          <a:bodyPr lIns="91425" tIns="91425" rIns="91425" bIns="91425" anchor="t" anchorCtr="0"/>
+          <a:bodyPr bIns="91425" rIns="91425" lIns="91425" tIns="91425" anchor="t" anchorCtr="0"/>
           <a:lstStyle>
             <a:lvl1pPr algn="ctr">
               <a:spcBef>
@@ -3470,9 +3729,7 @@
               </a:defRPr>
             </a:lvl1pPr>
           </a:lstStyle>
-          <a:p>
-            <a:endParaRPr/>
-          </a:p>
+          <a:p/>
         </p:txBody>
       </p:sp>
     </p:spTree>
@@ -3484,20 +3741,20 @@
 </file>
 
 <file path=ppt/slideLayouts/slideLayout6.xml><?xml version="1.0" encoding="utf-8"?>
-<p:sldLayout xmlns:a="http://schemas.openxmlformats.org/drawingml/2006/main" xmlns:r="http://schemas.openxmlformats.org/officeDocument/2006/relationships" xmlns:p="http://schemas.openxmlformats.org/presentationml/2006/main" type="blank">
+<p:sldLayout xmlns:a="http://schemas.openxmlformats.org/drawingml/2006/main" xmlns:r="http://schemas.openxmlformats.org/officeDocument/2006/relationships" xmlns:mc="http://schemas.openxmlformats.org/markup-compatibility/2006" xmlns:mv="urn:schemas-microsoft-com:mac:vml" xmlns:p="http://schemas.openxmlformats.org/presentationml/2006/main" xmlns:c="http://schemas.openxmlformats.org/drawingml/2006/chart" xmlns:dgm="http://schemas.openxmlformats.org/drawingml/2006/diagram" xmlns:o="urn:schemas-microsoft-com:office:office" xmlns:v="urn:schemas-microsoft-com:vml" xmlns:pvml="urn:schemas-microsoft-com:office:powerpoint" xmlns:com="http://schemas.openxmlformats.org/drawingml/2006/compatibility" xmlns:p14="http://schemas.microsoft.com/office/powerpoint/2010/main" type="blank">
   <p:cSld name="Blank">
     <p:spTree>
       <p:nvGrpSpPr>
-        <p:cNvPr id="1" name="Shape 60"/>
+        <p:cNvPr id="60" name="Shape 60"/>
         <p:cNvGrpSpPr/>
         <p:nvPr/>
       </p:nvGrpSpPr>
       <p:grpSpPr>
         <a:xfrm>
-          <a:off x="0" y="0"/>
-          <a:ext cx="0" cy="0"/>
-          <a:chOff x="0" y="0"/>
-          <a:chExt cx="0" cy="0"/>
+          <a:off y="0" x="0"/>
+          <a:ext cy="0" cx="0"/>
+          <a:chOff y="0" x="0"/>
+          <a:chExt cy="0" cx="0"/>
         </a:xfrm>
       </p:grpSpPr>
       <p:sp>
@@ -3508,8 +3765,8 @@
         </p:nvSpPr>
         <p:spPr>
           <a:xfrm>
-            <a:off x="0" y="-1078"/>
-            <a:ext cx="9144000" cy="1144199"/>
+            <a:off y="-1078" x="0"/>
+            <a:ext cy="1144199" cx="9144000"/>
           </a:xfrm>
           <a:prstGeom prst="rect">
             <a:avLst/>
@@ -3524,7 +3781,7 @@
           </a:ln>
         </p:spPr>
         <p:txBody>
-          <a:bodyPr lIns="91425" tIns="45700" rIns="91425" bIns="45700" anchor="ctr" anchorCtr="0">
+          <a:bodyPr bIns="45700" rIns="91425" lIns="91425" tIns="45700" anchor="ctr" anchorCtr="0">
             <a:noAutofit/>
           </a:bodyPr>
           <a:lstStyle/>
@@ -3535,6 +3792,9 @@
               </a:spcBef>
               <a:buNone/>
             </a:pPr>
+            <a:r>
+              <a:t/>
+            </a:r>
             <a:endParaRPr/>
           </a:p>
         </p:txBody>
@@ -3547,10 +3807,10 @@
         </p:nvGrpSpPr>
         <p:grpSpPr>
           <a:xfrm>
-            <a:off x="0" y="-1078"/>
-            <a:ext cx="649180" cy="5144627"/>
-            <a:chOff x="0" y="-1438"/>
-            <a:chExt cx="649180" cy="6859503"/>
+            <a:off y="-1078" x="0"/>
+            <a:ext cy="5144627" cx="649180"/>
+            <a:chOff y="-1438" x="0"/>
+            <a:chExt cy="6859503" cx="649180"/>
           </a:xfrm>
         </p:grpSpPr>
         <p:sp>
@@ -3561,31 +3821,26 @@
           </p:nvSpPr>
           <p:spPr>
             <a:xfrm>
-              <a:off x="0" y="-1438"/>
-              <a:ext cx="649180" cy="6858065"/>
+              <a:off y="-1438" x="0"/>
+              <a:ext cy="6858065" cx="649180"/>
             </a:xfrm>
             <a:custGeom>
-              <a:avLst/>
-              <a:gdLst/>
-              <a:ahLst/>
-              <a:cxnLst/>
-              <a:rect l="0" t="0" r="0" b="0"/>
               <a:pathLst>
-                <a:path w="500332" h="6875253" extrusionOk="0">
+                <a:path w="500332" extrusionOk="0" h="6875253">
                   <a:moveTo>
-                    <a:pt x="0" y="0"/>
+                    <a:pt y="0" x="0"/>
                   </a:moveTo>
                   <a:lnTo>
-                    <a:pt x="500332" y="0"/>
-                  </a:lnTo>
-                  <a:lnTo>
-                    <a:pt x="301925" y="6875253"/>
-                  </a:lnTo>
-                  <a:lnTo>
-                    <a:pt x="0" y="6875253"/>
-                  </a:lnTo>
-                  <a:lnTo>
-                    <a:pt x="0" y="0"/>
+                    <a:pt y="0" x="500332"/>
+                  </a:lnTo>
+                  <a:lnTo>
+                    <a:pt y="6875253" x="301925"/>
+                  </a:lnTo>
+                  <a:lnTo>
+                    <a:pt y="6875253" x="0"/>
+                  </a:lnTo>
+                  <a:lnTo>
+                    <a:pt y="0" x="0"/>
                   </a:lnTo>
                   <a:close/>
                 </a:path>
@@ -3601,7 +3856,7 @@
             </a:ln>
           </p:spPr>
           <p:txBody>
-            <a:bodyPr lIns="91425" tIns="45700" rIns="91425" bIns="45700" anchor="ctr" anchorCtr="0">
+            <a:bodyPr bIns="45700" rIns="91425" lIns="91425" tIns="45700" anchor="ctr" anchorCtr="0">
               <a:noAutofit/>
             </a:bodyPr>
             <a:lstStyle/>
@@ -3612,6 +3867,9 @@
                 </a:spcBef>
                 <a:buNone/>
               </a:pPr>
+              <a:r>
+                <a:t/>
+              </a:r>
               <a:endParaRPr/>
             </a:p>
           </p:txBody>
@@ -3624,31 +3882,26 @@
           </p:nvSpPr>
           <p:spPr>
             <a:xfrm>
-              <a:off x="0" y="0"/>
-              <a:ext cx="500331" cy="6858065"/>
+              <a:off y="0" x="0"/>
+              <a:ext cy="6858065" cx="500331"/>
             </a:xfrm>
             <a:custGeom>
-              <a:avLst/>
-              <a:gdLst/>
-              <a:ahLst/>
-              <a:cxnLst/>
-              <a:rect l="0" t="0" r="0" b="0"/>
               <a:pathLst>
-                <a:path w="500332" h="6875253" extrusionOk="0">
+                <a:path w="500332" extrusionOk="0" h="6875253">
                   <a:moveTo>
-                    <a:pt x="0" y="0"/>
+                    <a:pt y="0" x="0"/>
                   </a:moveTo>
                   <a:lnTo>
-                    <a:pt x="500332" y="0"/>
-                  </a:lnTo>
-                  <a:lnTo>
-                    <a:pt x="301925" y="6875253"/>
-                  </a:lnTo>
-                  <a:lnTo>
-                    <a:pt x="0" y="6875253"/>
-                  </a:lnTo>
-                  <a:lnTo>
-                    <a:pt x="0" y="0"/>
+                    <a:pt y="0" x="500332"/>
+                  </a:lnTo>
+                  <a:lnTo>
+                    <a:pt y="6875253" x="301925"/>
+                  </a:lnTo>
+                  <a:lnTo>
+                    <a:pt y="6875253" x="0"/>
+                  </a:lnTo>
+                  <a:lnTo>
+                    <a:pt y="0" x="0"/>
                   </a:lnTo>
                   <a:close/>
                 </a:path>
@@ -3664,7 +3917,7 @@
             </a:ln>
           </p:spPr>
           <p:txBody>
-            <a:bodyPr lIns="91425" tIns="45700" rIns="91425" bIns="45700" anchor="ctr" anchorCtr="0">
+            <a:bodyPr bIns="45700" rIns="91425" lIns="91425" tIns="45700" anchor="ctr" anchorCtr="0">
               <a:noAutofit/>
             </a:bodyPr>
             <a:lstStyle/>
@@ -3675,6 +3928,9 @@
                 </a:spcBef>
                 <a:buNone/>
               </a:pPr>
+              <a:r>
+                <a:t/>
+              </a:r>
               <a:endParaRPr/>
             </a:p>
           </p:txBody>
@@ -3688,10 +3944,10 @@
         </p:nvGrpSpPr>
         <p:grpSpPr>
           <a:xfrm flipH="1">
-            <a:off x="8494493" y="0"/>
-            <a:ext cx="649180" cy="5144627"/>
-            <a:chOff x="0" y="-1438"/>
-            <a:chExt cx="649180" cy="6859503"/>
+            <a:off y="0" x="8494493"/>
+            <a:ext cy="5144627" cx="649180"/>
+            <a:chOff y="-1438" x="0"/>
+            <a:chExt cy="6859503" cx="649180"/>
           </a:xfrm>
         </p:grpSpPr>
         <p:sp>
@@ -3702,31 +3958,26 @@
           </p:nvSpPr>
           <p:spPr>
             <a:xfrm>
-              <a:off x="0" y="-1438"/>
-              <a:ext cx="649180" cy="6858065"/>
+              <a:off y="-1438" x="0"/>
+              <a:ext cy="6858065" cx="649180"/>
             </a:xfrm>
             <a:custGeom>
-              <a:avLst/>
-              <a:gdLst/>
-              <a:ahLst/>
-              <a:cxnLst/>
-              <a:rect l="0" t="0" r="0" b="0"/>
               <a:pathLst>
-                <a:path w="500332" h="6875253" extrusionOk="0">
+                <a:path w="500332" extrusionOk="0" h="6875253">
                   <a:moveTo>
-                    <a:pt x="0" y="0"/>
+                    <a:pt y="0" x="0"/>
                   </a:moveTo>
                   <a:lnTo>
-                    <a:pt x="500332" y="0"/>
-                  </a:lnTo>
-                  <a:lnTo>
-                    <a:pt x="301925" y="6875253"/>
-                  </a:lnTo>
-                  <a:lnTo>
-                    <a:pt x="0" y="6875253"/>
-                  </a:lnTo>
-                  <a:lnTo>
-                    <a:pt x="0" y="0"/>
+                    <a:pt y="0" x="500332"/>
+                  </a:lnTo>
+                  <a:lnTo>
+                    <a:pt y="6875253" x="301925"/>
+                  </a:lnTo>
+                  <a:lnTo>
+                    <a:pt y="6875253" x="0"/>
+                  </a:lnTo>
+                  <a:lnTo>
+                    <a:pt y="0" x="0"/>
                   </a:lnTo>
                   <a:close/>
                 </a:path>
@@ -3742,7 +3993,7 @@
             </a:ln>
           </p:spPr>
           <p:txBody>
-            <a:bodyPr lIns="91425" tIns="45700" rIns="91425" bIns="45700" anchor="ctr" anchorCtr="0">
+            <a:bodyPr bIns="45700" rIns="91425" lIns="91425" tIns="45700" anchor="ctr" anchorCtr="0">
               <a:noAutofit/>
             </a:bodyPr>
             <a:lstStyle/>
@@ -3753,6 +4004,9 @@
                 </a:spcBef>
                 <a:buNone/>
               </a:pPr>
+              <a:r>
+                <a:t/>
+              </a:r>
               <a:endParaRPr/>
             </a:p>
           </p:txBody>
@@ -3765,31 +4019,26 @@
           </p:nvSpPr>
           <p:spPr>
             <a:xfrm>
-              <a:off x="0" y="0"/>
-              <a:ext cx="500331" cy="6858065"/>
+              <a:off y="0" x="0"/>
+              <a:ext cy="6858065" cx="500331"/>
             </a:xfrm>
             <a:custGeom>
-              <a:avLst/>
-              <a:gdLst/>
-              <a:ahLst/>
-              <a:cxnLst/>
-              <a:rect l="0" t="0" r="0" b="0"/>
               <a:pathLst>
-                <a:path w="500332" h="6875253" extrusionOk="0">
+                <a:path w="500332" extrusionOk="0" h="6875253">
                   <a:moveTo>
-                    <a:pt x="0" y="0"/>
+                    <a:pt y="0" x="0"/>
                   </a:moveTo>
                   <a:lnTo>
-                    <a:pt x="500332" y="0"/>
-                  </a:lnTo>
-                  <a:lnTo>
-                    <a:pt x="301925" y="6875253"/>
-                  </a:lnTo>
-                  <a:lnTo>
-                    <a:pt x="0" y="6875253"/>
-                  </a:lnTo>
-                  <a:lnTo>
-                    <a:pt x="0" y="0"/>
+                    <a:pt y="0" x="500332"/>
+                  </a:lnTo>
+                  <a:lnTo>
+                    <a:pt y="6875253" x="301925"/>
+                  </a:lnTo>
+                  <a:lnTo>
+                    <a:pt y="6875253" x="0"/>
+                  </a:lnTo>
+                  <a:lnTo>
+                    <a:pt y="0" x="0"/>
                   </a:lnTo>
                   <a:close/>
                 </a:path>
@@ -3805,7 +4054,7 @@
             </a:ln>
           </p:spPr>
           <p:txBody>
-            <a:bodyPr lIns="91425" tIns="45700" rIns="91425" bIns="45700" anchor="ctr" anchorCtr="0">
+            <a:bodyPr bIns="45700" rIns="91425" lIns="91425" tIns="45700" anchor="ctr" anchorCtr="0">
               <a:noAutofit/>
             </a:bodyPr>
             <a:lstStyle/>
@@ -3816,6 +4065,9 @@
                 </a:spcBef>
                 <a:buNone/>
               </a:pPr>
+              <a:r>
+                <a:t/>
+              </a:r>
               <a:endParaRPr/>
             </a:p>
           </p:txBody>
@@ -3829,8 +4081,8 @@
         </p:nvSpPr>
         <p:spPr>
           <a:xfrm>
-            <a:off x="0" y="4743450"/>
-            <a:ext cx="9144000" cy="401099"/>
+            <a:off y="4743450" x="0"/>
+            <a:ext cy="401099" cx="9144000"/>
           </a:xfrm>
           <a:prstGeom prst="rect">
             <a:avLst/>
@@ -3845,7 +4097,7 @@
           </a:ln>
         </p:spPr>
         <p:txBody>
-          <a:bodyPr lIns="91425" tIns="45700" rIns="91425" bIns="45700" anchor="ctr" anchorCtr="0">
+          <a:bodyPr bIns="45700" rIns="91425" lIns="91425" tIns="45700" anchor="ctr" anchorCtr="0">
             <a:noAutofit/>
           </a:bodyPr>
           <a:lstStyle/>
@@ -3856,6 +4108,9 @@
               </a:spcBef>
               <a:buNone/>
             </a:pPr>
+            <a:r>
+              <a:t/>
+            </a:r>
             <a:endParaRPr/>
           </a:p>
         </p:txBody>
@@ -3869,44 +4124,41 @@
 </file>
 
 <file path=ppt/slideMasters/slideMaster1.xml><?xml version="1.0" encoding="utf-8"?>
-<p:sldMaster xmlns:a="http://schemas.openxmlformats.org/drawingml/2006/main" xmlns:r="http://schemas.openxmlformats.org/officeDocument/2006/relationships" xmlns:p="http://schemas.openxmlformats.org/presentationml/2006/main">
+<p:sldMaster xmlns:a="http://schemas.openxmlformats.org/drawingml/2006/main" xmlns:r="http://schemas.openxmlformats.org/officeDocument/2006/relationships" xmlns:mc="http://schemas.openxmlformats.org/markup-compatibility/2006" xmlns:mv="urn:schemas-microsoft-com:mac:vml" xmlns:p="http://schemas.openxmlformats.org/presentationml/2006/main" xmlns:c="http://schemas.openxmlformats.org/drawingml/2006/chart" xmlns:dgm="http://schemas.openxmlformats.org/drawingml/2006/diagram" xmlns:o="urn:schemas-microsoft-com:office:office" xmlns:v="urn:schemas-microsoft-com:vml" xmlns:pvml="urn:schemas-microsoft-com:office:powerpoint" xmlns:com="http://schemas.openxmlformats.org/drawingml/2006/compatibility" xmlns:p14="http://schemas.microsoft.com/office/powerpoint/2010/main">
   <p:cSld>
     <p:bg>
       <p:bgPr>
         <a:solidFill>
           <a:srgbClr val="D9D2E9"/>
         </a:solidFill>
-        <a:effectLst/>
       </p:bgPr>
     </p:bg>
     <p:spTree>
       <p:nvGrpSpPr>
-        <p:cNvPr id="1" name="Shape 4"/>
+        <p:cNvPr id="4" name="Shape 4"/>
         <p:cNvGrpSpPr/>
         <p:nvPr/>
       </p:nvGrpSpPr>
       <p:grpSpPr>
         <a:xfrm>
-          <a:off x="0" y="0"/>
-          <a:ext cx="0" cy="0"/>
-          <a:chOff x="0" y="0"/>
-          <a:chExt cx="0" cy="0"/>
+          <a:off y="0" x="0"/>
+          <a:ext cy="0" cx="0"/>
+          <a:chOff y="0" x="0"/>
+          <a:chExt cy="0" cx="0"/>
         </a:xfrm>
       </p:grpSpPr>
       <p:sp>
         <p:nvSpPr>
           <p:cNvPr id="5" name="Shape 5"/>
-          <p:cNvSpPr txBox="1">
-            <a:spLocks noGrp="1"/>
-          </p:cNvSpPr>
+          <p:cNvSpPr txBox="1"/>
           <p:nvPr>
             <p:ph type="title"/>
           </p:nvPr>
         </p:nvSpPr>
         <p:spPr>
           <a:xfrm>
-            <a:off x="457200" y="205978"/>
-            <a:ext cx="8229600" cy="857400"/>
+            <a:off y="205978" x="457200"/>
+            <a:ext cy="857400" cx="8229600"/>
           </a:xfrm>
           <a:prstGeom prst="rect">
             <a:avLst/>
@@ -3917,7 +4169,7 @@
           </a:ln>
         </p:spPr>
         <p:txBody>
-          <a:bodyPr lIns="91425" tIns="91425" rIns="91425" bIns="91425" anchor="b" anchorCtr="0"/>
+          <a:bodyPr bIns="91425" rIns="91425" lIns="91425" tIns="91425" anchor="b" anchorCtr="0"/>
           <a:lstStyle>
             <a:lvl1pPr>
               <a:spcBef>
@@ -3929,7 +4181,7 @@
               <a:buSzPct val="100000"/>
               <a:buFont typeface="Trebuchet MS"/>
               <a:buNone/>
-              <a:defRPr sz="3600" b="1">
+              <a:defRPr b="1" sz="3600">
                 <a:solidFill>
                   <a:schemeClr val="lt2"/>
                 </a:solidFill>
@@ -3949,7 +4201,7 @@
               <a:buSzPct val="100000"/>
               <a:buFont typeface="Trebuchet MS"/>
               <a:buNone/>
-              <a:defRPr sz="3600" b="1">
+              <a:defRPr b="1" sz="3600">
                 <a:solidFill>
                   <a:schemeClr val="lt2"/>
                 </a:solidFill>
@@ -3969,7 +4221,7 @@
               <a:buSzPct val="100000"/>
               <a:buFont typeface="Trebuchet MS"/>
               <a:buNone/>
-              <a:defRPr sz="3600" b="1">
+              <a:defRPr b="1" sz="3600">
                 <a:solidFill>
                   <a:schemeClr val="lt2"/>
                 </a:solidFill>
@@ -3989,7 +4241,7 @@
               <a:buSzPct val="100000"/>
               <a:buFont typeface="Trebuchet MS"/>
               <a:buNone/>
-              <a:defRPr sz="3600" b="1">
+              <a:defRPr b="1" sz="3600">
                 <a:solidFill>
                   <a:schemeClr val="lt2"/>
                 </a:solidFill>
@@ -4009,7 +4261,7 @@
               <a:buSzPct val="100000"/>
               <a:buFont typeface="Trebuchet MS"/>
               <a:buNone/>
-              <a:defRPr sz="3600" b="1">
+              <a:defRPr b="1" sz="3600">
                 <a:solidFill>
                   <a:schemeClr val="lt2"/>
                 </a:solidFill>
@@ -4029,7 +4281,7 @@
               <a:buSzPct val="100000"/>
               <a:buFont typeface="Trebuchet MS"/>
               <a:buNone/>
-              <a:defRPr sz="3600" b="1">
+              <a:defRPr b="1" sz="3600">
                 <a:solidFill>
                   <a:schemeClr val="lt2"/>
                 </a:solidFill>
@@ -4049,7 +4301,7 @@
               <a:buSzPct val="100000"/>
               <a:buFont typeface="Trebuchet MS"/>
               <a:buNone/>
-              <a:defRPr sz="3600" b="1">
+              <a:defRPr b="1" sz="3600">
                 <a:solidFill>
                   <a:schemeClr val="lt2"/>
                 </a:solidFill>
@@ -4069,7 +4321,7 @@
               <a:buSzPct val="100000"/>
               <a:buFont typeface="Trebuchet MS"/>
               <a:buNone/>
-              <a:defRPr sz="3600" b="1">
+              <a:defRPr b="1" sz="3600">
                 <a:solidFill>
                   <a:schemeClr val="lt2"/>
                 </a:solidFill>
@@ -4089,7 +4341,7 @@
               <a:buSzPct val="100000"/>
               <a:buFont typeface="Trebuchet MS"/>
               <a:buNone/>
-              <a:defRPr sz="3600" b="1">
+              <a:defRPr b="1" sz="3600">
                 <a:solidFill>
                   <a:schemeClr val="lt2"/>
                 </a:solidFill>
@@ -4100,25 +4352,21 @@
               </a:defRPr>
             </a:lvl9pPr>
           </a:lstStyle>
-          <a:p>
-            <a:endParaRPr/>
-          </a:p>
+          <a:p/>
         </p:txBody>
       </p:sp>
       <p:sp>
         <p:nvSpPr>
           <p:cNvPr id="6" name="Shape 6"/>
-          <p:cNvSpPr txBox="1">
-            <a:spLocks noGrp="1"/>
-          </p:cNvSpPr>
+          <p:cNvSpPr txBox="1"/>
           <p:nvPr>
-            <p:ph type="body" idx="1"/>
+            <p:ph idx="1" type="body"/>
           </p:nvPr>
         </p:nvSpPr>
         <p:spPr>
           <a:xfrm>
-            <a:off x="457200" y="1200150"/>
-            <a:ext cx="8229600" cy="3725699"/>
+            <a:off y="1200150" x="457200"/>
+            <a:ext cy="3725699" cx="8229600"/>
           </a:xfrm>
           <a:prstGeom prst="rect">
             <a:avLst/>
@@ -4129,7 +4377,7 @@
           </a:ln>
         </p:spPr>
         <p:txBody>
-          <a:bodyPr lIns="91425" tIns="91425" rIns="91425" bIns="91425" anchor="t" anchorCtr="0"/>
+          <a:bodyPr bIns="91425" rIns="91425" lIns="91425" tIns="91425" anchor="t" anchorCtr="0"/>
           <a:lstStyle>
             <a:lvl1pPr>
               <a:spcBef>
@@ -4303,14 +4551,12 @@
               </a:defRPr>
             </a:lvl9pPr>
           </a:lstStyle>
-          <a:p>
-            <a:endParaRPr/>
-          </a:p>
+          <a:p/>
         </p:txBody>
       </p:sp>
     </p:spTree>
   </p:cSld>
-  <p:clrMap bg1="lt1" tx1="dk1" bg2="dk2" tx2="lt2" accent1="accent1" accent2="accent2" accent3="accent3" accent4="accent4" accent5="accent5" accent6="accent6" hlink="hlink" folHlink="folHlink"/>
+  <p:clrMap accent2="accent2" accent3="accent3" accent4="accent4" accent5="accent5" accent6="accent6" hlink="hlink" tx2="lt2" tx1="dk1" bg2="dk2" bg1="lt1" folHlink="folHlink" accent1="accent1"/>
   <p:sldLayoutIdLst>
     <p:sldLayoutId id="2147483648" r:id="rId1"/>
     <p:sldLayoutId id="2147483649" r:id="rId2"/>
@@ -4319,10 +4565,10 @@
     <p:sldLayoutId id="2147483652" r:id="rId5"/>
     <p:sldLayoutId id="2147483653" r:id="rId6"/>
   </p:sldLayoutIdLst>
-  <p:hf sldNum="0" hdr="0" ftr="0" dt="0"/>
+  <p:hf dt="0" ftr="0" sldNum="0" hdr="0"/>
   <p:txStyles>
     <p:titleStyle>
-      <a:defPPr marR="0" algn="l" rtl="0">
+      <a:defPPr algn="l" rtl="0" marR="0">
         <a:lnSpc>
           <a:spcPct val="100000"/>
         </a:lnSpc>
@@ -4333,7 +4579,7 @@
           <a:spcPts val="0"/>
         </a:spcAft>
       </a:defPPr>
-      <a:lvl1pPr marR="0" algn="l" rtl="0">
+      <a:lvl1pPr algn="l" rtl="0" marR="0">
         <a:lnSpc>
           <a:spcPct val="100000"/>
         </a:lnSpc>
@@ -4344,7 +4590,7 @@
           <a:spcPts val="0"/>
         </a:spcAft>
         <a:buNone/>
-        <a:defRPr sz="1400" b="0" i="0" u="none" strike="noStrike" cap="none" baseline="0">
+        <a:defRPr strike="noStrike" u="none" b="0" cap="none" baseline="0" sz="1400" i="0">
           <a:solidFill>
             <a:srgbClr val="000000"/>
           </a:solidFill>
@@ -4352,9 +4598,10 @@
           <a:ea typeface="Arial"/>
           <a:cs typeface="Arial"/>
           <a:sym typeface="Arial"/>
+          <a:rtl val="0"/>
         </a:defRPr>
       </a:lvl1pPr>
-      <a:lvl2pPr marR="0" algn="l" rtl="0">
+      <a:lvl2pPr algn="l" rtl="0" marR="0">
         <a:lnSpc>
           <a:spcPct val="100000"/>
         </a:lnSpc>
@@ -4365,7 +4612,7 @@
           <a:spcPts val="0"/>
         </a:spcAft>
         <a:buNone/>
-        <a:defRPr sz="1400" b="0" i="0" u="none" strike="noStrike" cap="none" baseline="0">
+        <a:defRPr strike="noStrike" u="none" b="0" cap="none" baseline="0" sz="1400" i="0">
           <a:solidFill>
             <a:srgbClr val="000000"/>
           </a:solidFill>
@@ -4373,11 +4620,12 @@
           <a:ea typeface="Arial"/>
           <a:cs typeface="Arial"/>
           <a:sym typeface="Arial"/>
+          <a:rtl val="0"/>
         </a:defRPr>
       </a:lvl2pPr>
     </p:titleStyle>
     <p:bodyStyle>
-      <a:defPPr marR="0" algn="l" rtl="0">
+      <a:defPPr algn="l" rtl="0" marR="0">
         <a:lnSpc>
           <a:spcPct val="100000"/>
         </a:lnSpc>
@@ -4388,7 +4636,7 @@
           <a:spcPts val="0"/>
         </a:spcAft>
       </a:defPPr>
-      <a:lvl1pPr marR="0" algn="l" rtl="0">
+      <a:lvl1pPr algn="l" rtl="0" marR="0">
         <a:lnSpc>
           <a:spcPct val="100000"/>
         </a:lnSpc>
@@ -4399,7 +4647,7 @@
           <a:spcPts val="0"/>
         </a:spcAft>
         <a:buNone/>
-        <a:defRPr sz="1400" b="0" i="0" u="none" strike="noStrike" cap="none" baseline="0">
+        <a:defRPr strike="noStrike" u="none" b="0" cap="none" baseline="0" sz="1400" i="0">
           <a:solidFill>
             <a:srgbClr val="000000"/>
           </a:solidFill>
@@ -4407,9 +4655,10 @@
           <a:ea typeface="Arial"/>
           <a:cs typeface="Arial"/>
           <a:sym typeface="Arial"/>
+          <a:rtl val="0"/>
         </a:defRPr>
       </a:lvl1pPr>
-      <a:lvl2pPr marR="0" algn="l" rtl="0">
+      <a:lvl2pPr algn="l" rtl="0" marR="0">
         <a:lnSpc>
           <a:spcPct val="100000"/>
         </a:lnSpc>
@@ -4420,7 +4669,7 @@
           <a:spcPts val="0"/>
         </a:spcAft>
         <a:buNone/>
-        <a:defRPr sz="1400" b="0" i="0" u="none" strike="noStrike" cap="none" baseline="0">
+        <a:defRPr strike="noStrike" u="none" b="0" cap="none" baseline="0" sz="1400" i="0">
           <a:solidFill>
             <a:srgbClr val="000000"/>
           </a:solidFill>
@@ -4428,9 +4677,10 @@
           <a:ea typeface="Arial"/>
           <a:cs typeface="Arial"/>
           <a:sym typeface="Arial"/>
+          <a:rtl val="0"/>
         </a:defRPr>
       </a:lvl2pPr>
-      <a:lvl3pPr marR="0" algn="l" rtl="0">
+      <a:lvl3pPr algn="l" rtl="0" marR="0">
         <a:lnSpc>
           <a:spcPct val="100000"/>
         </a:lnSpc>
@@ -4441,7 +4691,7 @@
           <a:spcPts val="0"/>
         </a:spcAft>
         <a:buNone/>
-        <a:defRPr sz="1400" b="0" i="0" u="none" strike="noStrike" cap="none" baseline="0">
+        <a:defRPr strike="noStrike" u="none" b="0" cap="none" baseline="0" sz="1400" i="0">
           <a:solidFill>
             <a:srgbClr val="000000"/>
           </a:solidFill>
@@ -4449,9 +4699,10 @@
           <a:ea typeface="Arial"/>
           <a:cs typeface="Arial"/>
           <a:sym typeface="Arial"/>
+          <a:rtl val="0"/>
         </a:defRPr>
       </a:lvl3pPr>
-      <a:lvl4pPr marR="0" algn="l" rtl="0">
+      <a:lvl4pPr algn="l" rtl="0" marR="0">
         <a:lnSpc>
           <a:spcPct val="100000"/>
         </a:lnSpc>
@@ -4462,7 +4713,7 @@
           <a:spcPts val="0"/>
         </a:spcAft>
         <a:buNone/>
-        <a:defRPr sz="1400" b="0" i="0" u="none" strike="noStrike" cap="none" baseline="0">
+        <a:defRPr strike="noStrike" u="none" b="0" cap="none" baseline="0" sz="1400" i="0">
           <a:solidFill>
             <a:srgbClr val="000000"/>
           </a:solidFill>
@@ -4470,9 +4721,10 @@
           <a:ea typeface="Arial"/>
           <a:cs typeface="Arial"/>
           <a:sym typeface="Arial"/>
+          <a:rtl val="0"/>
         </a:defRPr>
       </a:lvl4pPr>
-      <a:lvl5pPr marR="0" algn="l" rtl="0">
+      <a:lvl5pPr algn="l" rtl="0" marR="0">
         <a:lnSpc>
           <a:spcPct val="100000"/>
         </a:lnSpc>
@@ -4483,7 +4735,7 @@
           <a:spcPts val="0"/>
         </a:spcAft>
         <a:buNone/>
-        <a:defRPr sz="1400" b="0" i="0" u="none" strike="noStrike" cap="none" baseline="0">
+        <a:defRPr strike="noStrike" u="none" b="0" cap="none" baseline="0" sz="1400" i="0">
           <a:solidFill>
             <a:srgbClr val="000000"/>
           </a:solidFill>
@@ -4491,9 +4743,10 @@
           <a:ea typeface="Arial"/>
           <a:cs typeface="Arial"/>
           <a:sym typeface="Arial"/>
+          <a:rtl val="0"/>
         </a:defRPr>
       </a:lvl5pPr>
-      <a:lvl6pPr marR="0" algn="l" rtl="0">
+      <a:lvl6pPr algn="l" rtl="0" marR="0">
         <a:lnSpc>
           <a:spcPct val="100000"/>
         </a:lnSpc>
@@ -4504,7 +4757,7 @@
           <a:spcPts val="0"/>
         </a:spcAft>
         <a:buNone/>
-        <a:defRPr sz="1400" b="0" i="0" u="none" strike="noStrike" cap="none" baseline="0">
+        <a:defRPr strike="noStrike" u="none" b="0" cap="none" baseline="0" sz="1400" i="0">
           <a:solidFill>
             <a:srgbClr val="000000"/>
           </a:solidFill>
@@ -4512,9 +4765,10 @@
           <a:ea typeface="Arial"/>
           <a:cs typeface="Arial"/>
           <a:sym typeface="Arial"/>
+          <a:rtl val="0"/>
         </a:defRPr>
       </a:lvl6pPr>
-      <a:lvl7pPr marR="0" algn="l" rtl="0">
+      <a:lvl7pPr algn="l" rtl="0" marR="0">
         <a:lnSpc>
           <a:spcPct val="100000"/>
         </a:lnSpc>
@@ -4525,7 +4779,7 @@
           <a:spcPts val="0"/>
         </a:spcAft>
         <a:buNone/>
-        <a:defRPr sz="1400" b="0" i="0" u="none" strike="noStrike" cap="none" baseline="0">
+        <a:defRPr strike="noStrike" u="none" b="0" cap="none" baseline="0" sz="1400" i="0">
           <a:solidFill>
             <a:srgbClr val="000000"/>
           </a:solidFill>
@@ -4533,9 +4787,10 @@
           <a:ea typeface="Arial"/>
           <a:cs typeface="Arial"/>
           <a:sym typeface="Arial"/>
+          <a:rtl val="0"/>
         </a:defRPr>
       </a:lvl7pPr>
-      <a:lvl8pPr marR="0" algn="l" rtl="0">
+      <a:lvl8pPr algn="l" rtl="0" marR="0">
         <a:lnSpc>
           <a:spcPct val="100000"/>
         </a:lnSpc>
@@ -4546,7 +4801,7 @@
           <a:spcPts val="0"/>
         </a:spcAft>
         <a:buNone/>
-        <a:defRPr sz="1400" b="0" i="0" u="none" strike="noStrike" cap="none" baseline="0">
+        <a:defRPr strike="noStrike" u="none" b="0" cap="none" baseline="0" sz="1400" i="0">
           <a:solidFill>
             <a:srgbClr val="000000"/>
           </a:solidFill>
@@ -4554,9 +4809,10 @@
           <a:ea typeface="Arial"/>
           <a:cs typeface="Arial"/>
           <a:sym typeface="Arial"/>
+          <a:rtl val="0"/>
         </a:defRPr>
       </a:lvl8pPr>
-      <a:lvl9pPr marR="0" algn="l" rtl="0">
+      <a:lvl9pPr algn="l" rtl="0" marR="0">
         <a:lnSpc>
           <a:spcPct val="100000"/>
         </a:lnSpc>
@@ -4567,7 +4823,7 @@
           <a:spcPts val="0"/>
         </a:spcAft>
         <a:buNone/>
-        <a:defRPr sz="1400" b="0" i="0" u="none" strike="noStrike" cap="none" baseline="0">
+        <a:defRPr strike="noStrike" u="none" b="0" cap="none" baseline="0" sz="1400" i="0">
           <a:solidFill>
             <a:srgbClr val="000000"/>
           </a:solidFill>
@@ -4575,11 +4831,12 @@
           <a:ea typeface="Arial"/>
           <a:cs typeface="Arial"/>
           <a:sym typeface="Arial"/>
+          <a:rtl val="0"/>
         </a:defRPr>
       </a:lvl9pPr>
     </p:bodyStyle>
     <p:otherStyle>
-      <a:defPPr marR="0" algn="l" rtl="0">
+      <a:defPPr algn="l" rtl="0" marR="0">
         <a:lnSpc>
           <a:spcPct val="100000"/>
         </a:lnSpc>
@@ -4590,7 +4847,7 @@
           <a:spcPts val="0"/>
         </a:spcAft>
       </a:defPPr>
-      <a:lvl1pPr marR="0" algn="l" rtl="0">
+      <a:lvl1pPr algn="l" rtl="0" marR="0">
         <a:lnSpc>
           <a:spcPct val="100000"/>
         </a:lnSpc>
@@ -4601,7 +4858,7 @@
           <a:spcPts val="0"/>
         </a:spcAft>
         <a:buNone/>
-        <a:defRPr sz="1400" b="0" i="0" u="none" strike="noStrike" cap="none" baseline="0">
+        <a:defRPr strike="noStrike" u="none" b="0" cap="none" baseline="0" sz="1400" i="0">
           <a:solidFill>
             <a:srgbClr val="000000"/>
           </a:solidFill>
@@ -4609,9 +4866,10 @@
           <a:ea typeface="Arial"/>
           <a:cs typeface="Arial"/>
           <a:sym typeface="Arial"/>
+          <a:rtl val="0"/>
         </a:defRPr>
       </a:lvl1pPr>
-      <a:lvl2pPr marR="0" algn="l" rtl="0">
+      <a:lvl2pPr algn="l" rtl="0" marR="0">
         <a:lnSpc>
           <a:spcPct val="100000"/>
         </a:lnSpc>
@@ -4622,7 +4880,7 @@
           <a:spcPts val="0"/>
         </a:spcAft>
         <a:buNone/>
-        <a:defRPr sz="1400" b="0" i="0" u="none" strike="noStrike" cap="none" baseline="0">
+        <a:defRPr strike="noStrike" u="none" b="0" cap="none" baseline="0" sz="1400" i="0">
           <a:solidFill>
             <a:srgbClr val="000000"/>
           </a:solidFill>
@@ -4630,9 +4888,10 @@
           <a:ea typeface="Arial"/>
           <a:cs typeface="Arial"/>
           <a:sym typeface="Arial"/>
+          <a:rtl val="0"/>
         </a:defRPr>
       </a:lvl2pPr>
-      <a:lvl3pPr marR="0" algn="l" rtl="0">
+      <a:lvl3pPr algn="l" rtl="0" marR="0">
         <a:lnSpc>
           <a:spcPct val="100000"/>
         </a:lnSpc>
@@ -4643,7 +4902,7 @@
           <a:spcPts val="0"/>
         </a:spcAft>
         <a:buNone/>
-        <a:defRPr sz="1400" b="0" i="0" u="none" strike="noStrike" cap="none" baseline="0">
+        <a:defRPr strike="noStrike" u="none" b="0" cap="none" baseline="0" sz="1400" i="0">
           <a:solidFill>
             <a:srgbClr val="000000"/>
           </a:solidFill>
@@ -4651,9 +4910,10 @@
           <a:ea typeface="Arial"/>
           <a:cs typeface="Arial"/>
           <a:sym typeface="Arial"/>
+          <a:rtl val="0"/>
         </a:defRPr>
       </a:lvl3pPr>
-      <a:lvl4pPr marR="0" algn="l" rtl="0">
+      <a:lvl4pPr algn="l" rtl="0" marR="0">
         <a:lnSpc>
           <a:spcPct val="100000"/>
         </a:lnSpc>
@@ -4664,7 +4924,7 @@
           <a:spcPts val="0"/>
         </a:spcAft>
         <a:buNone/>
-        <a:defRPr sz="1400" b="0" i="0" u="none" strike="noStrike" cap="none" baseline="0">
+        <a:defRPr strike="noStrike" u="none" b="0" cap="none" baseline="0" sz="1400" i="0">
           <a:solidFill>
             <a:srgbClr val="000000"/>
           </a:solidFill>
@@ -4672,9 +4932,10 @@
           <a:ea typeface="Arial"/>
           <a:cs typeface="Arial"/>
           <a:sym typeface="Arial"/>
+          <a:rtl val="0"/>
         </a:defRPr>
       </a:lvl4pPr>
-      <a:lvl5pPr marR="0" algn="l" rtl="0">
+      <a:lvl5pPr algn="l" rtl="0" marR="0">
         <a:lnSpc>
           <a:spcPct val="100000"/>
         </a:lnSpc>
@@ -4685,7 +4946,7 @@
           <a:spcPts val="0"/>
         </a:spcAft>
         <a:buNone/>
-        <a:defRPr sz="1400" b="0" i="0" u="none" strike="noStrike" cap="none" baseline="0">
+        <a:defRPr strike="noStrike" u="none" b="0" cap="none" baseline="0" sz="1400" i="0">
           <a:solidFill>
             <a:srgbClr val="000000"/>
           </a:solidFill>
@@ -4693,9 +4954,10 @@
           <a:ea typeface="Arial"/>
           <a:cs typeface="Arial"/>
           <a:sym typeface="Arial"/>
+          <a:rtl val="0"/>
         </a:defRPr>
       </a:lvl5pPr>
-      <a:lvl6pPr marR="0" algn="l" rtl="0">
+      <a:lvl6pPr algn="l" rtl="0" marR="0">
         <a:lnSpc>
           <a:spcPct val="100000"/>
         </a:lnSpc>
@@ -4706,7 +4968,7 @@
           <a:spcPts val="0"/>
         </a:spcAft>
         <a:buNone/>
-        <a:defRPr sz="1400" b="0" i="0" u="none" strike="noStrike" cap="none" baseline="0">
+        <a:defRPr strike="noStrike" u="none" b="0" cap="none" baseline="0" sz="1400" i="0">
           <a:solidFill>
             <a:srgbClr val="000000"/>
           </a:solidFill>
@@ -4714,9 +4976,10 @@
           <a:ea typeface="Arial"/>
           <a:cs typeface="Arial"/>
           <a:sym typeface="Arial"/>
+          <a:rtl val="0"/>
         </a:defRPr>
       </a:lvl6pPr>
-      <a:lvl7pPr marR="0" algn="l" rtl="0">
+      <a:lvl7pPr algn="l" rtl="0" marR="0">
         <a:lnSpc>
           <a:spcPct val="100000"/>
         </a:lnSpc>
@@ -4727,7 +4990,7 @@
           <a:spcPts val="0"/>
         </a:spcAft>
         <a:buNone/>
-        <a:defRPr sz="1400" b="0" i="0" u="none" strike="noStrike" cap="none" baseline="0">
+        <a:defRPr strike="noStrike" u="none" b="0" cap="none" baseline="0" sz="1400" i="0">
           <a:solidFill>
             <a:srgbClr val="000000"/>
           </a:solidFill>
@@ -4735,9 +4998,10 @@
           <a:ea typeface="Arial"/>
           <a:cs typeface="Arial"/>
           <a:sym typeface="Arial"/>
+          <a:rtl val="0"/>
         </a:defRPr>
       </a:lvl7pPr>
-      <a:lvl8pPr marR="0" algn="l" rtl="0">
+      <a:lvl8pPr algn="l" rtl="0" marR="0">
         <a:lnSpc>
           <a:spcPct val="100000"/>
         </a:lnSpc>
@@ -4748,7 +5012,7 @@
           <a:spcPts val="0"/>
         </a:spcAft>
         <a:buNone/>
-        <a:defRPr sz="1400" b="0" i="0" u="none" strike="noStrike" cap="none" baseline="0">
+        <a:defRPr strike="noStrike" u="none" b="0" cap="none" baseline="0" sz="1400" i="0">
           <a:solidFill>
             <a:srgbClr val="000000"/>
           </a:solidFill>
@@ -4756,9 +5020,10 @@
           <a:ea typeface="Arial"/>
           <a:cs typeface="Arial"/>
           <a:sym typeface="Arial"/>
+          <a:rtl val="0"/>
         </a:defRPr>
       </a:lvl8pPr>
-      <a:lvl9pPr marR="0" algn="l" rtl="0">
+      <a:lvl9pPr algn="l" rtl="0" marR="0">
         <a:lnSpc>
           <a:spcPct val="100000"/>
         </a:lnSpc>
@@ -4769,7 +5034,7 @@
           <a:spcPts val="0"/>
         </a:spcAft>
         <a:buNone/>
-        <a:defRPr sz="1400" b="0" i="0" u="none" strike="noStrike" cap="none" baseline="0">
+        <a:defRPr strike="noStrike" u="none" b="0" cap="none" baseline="0" sz="1400" i="0">
           <a:solidFill>
             <a:srgbClr val="000000"/>
           </a:solidFill>
@@ -4777,6 +5042,7 @@
           <a:ea typeface="Arial"/>
           <a:cs typeface="Arial"/>
           <a:sym typeface="Arial"/>
+          <a:rtl val="0"/>
         </a:defRPr>
       </a:lvl9pPr>
     </p:otherStyle>
@@ -4785,43 +5051,41 @@
 </file>
 
 <file path=ppt/slides/slide1.xml><?xml version="1.0" encoding="utf-8"?>
-<p:sld xmlns:a="http://schemas.openxmlformats.org/drawingml/2006/main" xmlns:r="http://schemas.openxmlformats.org/officeDocument/2006/relationships" xmlns:p="http://schemas.openxmlformats.org/presentationml/2006/main">
+<p:sld xmlns:a="http://schemas.openxmlformats.org/drawingml/2006/main" xmlns:r="http://schemas.openxmlformats.org/officeDocument/2006/relationships" xmlns:mc="http://schemas.openxmlformats.org/markup-compatibility/2006" xmlns:mv="urn:schemas-microsoft-com:mac:vml" xmlns:p="http://schemas.openxmlformats.org/presentationml/2006/main" xmlns:c="http://schemas.openxmlformats.org/drawingml/2006/chart" xmlns:dgm="http://schemas.openxmlformats.org/drawingml/2006/diagram" xmlns:o="urn:schemas-microsoft-com:office:office" xmlns:v="urn:schemas-microsoft-com:vml" xmlns:pvml="urn:schemas-microsoft-com:office:powerpoint" xmlns:com="http://schemas.openxmlformats.org/drawingml/2006/compatibility" xmlns:p14="http://schemas.microsoft.com/office/powerpoint/2010/main">
   <p:cSld>
     <p:spTree>
       <p:nvGrpSpPr>
-        <p:cNvPr id="1" name="Shape 69"/>
+        <p:cNvPr id="69" name="Shape 69"/>
         <p:cNvGrpSpPr/>
         <p:nvPr/>
       </p:nvGrpSpPr>
       <p:grpSpPr>
         <a:xfrm>
-          <a:off x="0" y="0"/>
-          <a:ext cx="0" cy="0"/>
-          <a:chOff x="0" y="0"/>
-          <a:chExt cx="0" cy="0"/>
+          <a:off y="0" x="0"/>
+          <a:ext cy="0" cx="0"/>
+          <a:chOff y="0" x="0"/>
+          <a:chExt cy="0" cx="0"/>
         </a:xfrm>
       </p:grpSpPr>
       <p:sp>
         <p:nvSpPr>
           <p:cNvPr id="70" name="Shape 70"/>
-          <p:cNvSpPr txBox="1">
-            <a:spLocks noGrp="1"/>
-          </p:cNvSpPr>
+          <p:cNvSpPr txBox="1"/>
           <p:nvPr>
             <p:ph type="ctrTitle"/>
           </p:nvPr>
         </p:nvSpPr>
         <p:spPr>
           <a:xfrm>
-            <a:off x="216450" y="1046875"/>
-            <a:ext cx="8824499" cy="1248000"/>
+            <a:off y="1338450" x="159750"/>
+            <a:ext cy="876899" cx="8824499"/>
           </a:xfrm>
           <a:prstGeom prst="rect">
             <a:avLst/>
           </a:prstGeom>
         </p:spPr>
         <p:txBody>
-          <a:bodyPr lIns="91425" tIns="91425" rIns="91425" bIns="91425" anchor="b" anchorCtr="0">
+          <a:bodyPr bIns="91425" rIns="91425" lIns="91425" tIns="91425" anchor="b" anchorCtr="0">
             <a:noAutofit/>
           </a:bodyPr>
           <a:lstStyle/>
@@ -4846,49 +5110,34 @@
       <p:sp>
         <p:nvSpPr>
           <p:cNvPr id="71" name="Shape 71"/>
-          <p:cNvSpPr txBox="1">
-            <a:spLocks noGrp="1"/>
-          </p:cNvSpPr>
+          <p:cNvSpPr txBox="1"/>
           <p:nvPr>
-            <p:ph type="subTitle" idx="1"/>
+            <p:ph idx="1" type="subTitle"/>
           </p:nvPr>
         </p:nvSpPr>
         <p:spPr>
           <a:xfrm>
-            <a:off x="0" y="1918500"/>
-            <a:ext cx="9144000" cy="2194799"/>
+            <a:off y="2294875" x="0"/>
+            <a:ext cy="2382900" cx="9144000"/>
           </a:xfrm>
           <a:prstGeom prst="rect">
             <a:avLst/>
           </a:prstGeom>
         </p:spPr>
         <p:txBody>
-          <a:bodyPr lIns="91425" tIns="91425" rIns="91425" bIns="91425" anchor="t" anchorCtr="0">
+          <a:bodyPr bIns="91425" rIns="91425" lIns="91425" tIns="91425" anchor="t" anchorCtr="0">
             <a:noAutofit/>
           </a:bodyPr>
           <a:lstStyle/>
           <a:p>
-            <a:pPr algn="l" rtl="0">
-              <a:spcBef>
-                <a:spcPts val="0"/>
-              </a:spcBef>
-              <a:buNone/>
-            </a:pPr>
-            <a:endParaRPr b="1">
-              <a:solidFill>
-                <a:srgbClr val="000000"/>
-              </a:solidFill>
-            </a:endParaRPr>
-          </a:p>
-          <a:p>
-            <a:pPr marL="0" indent="0" rtl="0">
+            <a:pPr rtl="0" indent="0" marL="0">
               <a:spcBef>
                 <a:spcPts val="0"/>
               </a:spcBef>
               <a:buNone/>
             </a:pPr>
             <a:r>
-              <a:rPr lang="en" b="1">
+              <a:rPr b="1" lang="en">
                 <a:solidFill>
                   <a:srgbClr val="000000"/>
                 </a:solidFill>
@@ -4897,14 +5146,14 @@
             </a:r>
           </a:p>
           <a:p>
-            <a:pPr marL="0" indent="0" rtl="0">
+            <a:pPr rtl="0" indent="0" marL="0">
               <a:spcBef>
                 <a:spcPts val="0"/>
               </a:spcBef>
               <a:buNone/>
             </a:pPr>
             <a:r>
-              <a:rPr lang="en" b="1">
+              <a:rPr b="1" lang="en">
                 <a:solidFill>
                   <a:srgbClr val="000000"/>
                 </a:solidFill>
@@ -4913,14 +5162,14 @@
             </a:r>
           </a:p>
           <a:p>
-            <a:pPr marL="0" indent="0" rtl="0">
+            <a:pPr rtl="0" indent="0" marL="0">
               <a:spcBef>
                 <a:spcPts val="0"/>
               </a:spcBef>
               <a:buNone/>
             </a:pPr>
             <a:r>
-              <a:rPr lang="en" b="1">
+              <a:rPr b="1" lang="en">
                 <a:solidFill>
                   <a:srgbClr val="000000"/>
                 </a:solidFill>
@@ -4929,19 +5178,51 @@
             </a:r>
           </a:p>
           <a:p>
-            <a:pPr marL="0" indent="0">
+            <a:pPr rtl="0" indent="0" marL="0">
               <a:spcBef>
                 <a:spcPts val="0"/>
               </a:spcBef>
               <a:buNone/>
             </a:pPr>
             <a:r>
-              <a:rPr lang="en" b="1">
+              <a:rPr b="1" lang="en">
                 <a:solidFill>
                   <a:srgbClr val="000000"/>
                 </a:solidFill>
               </a:rPr>
               <a:t>Adam Henry</a:t>
+            </a:r>
+          </a:p>
+          <a:p>
+            <a:pPr rtl="0" indent="0" marL="0">
+              <a:spcBef>
+                <a:spcPts val="0"/>
+              </a:spcBef>
+              <a:buNone/>
+            </a:pPr>
+            <a:r>
+              <a:t/>
+            </a:r>
+            <a:endParaRPr b="1">
+              <a:solidFill>
+                <a:srgbClr val="000000"/>
+              </a:solidFill>
+            </a:endParaRPr>
+          </a:p>
+          <a:p>
+            <a:pPr rtl="0" indent="0" marL="0">
+              <a:spcBef>
+                <a:spcPts val="0"/>
+              </a:spcBef>
+              <a:buNone/>
+            </a:pPr>
+            <a:r>
+              <a:rPr b="1" lang="en">
+                <a:solidFill>
+                  <a:srgbClr val="000000"/>
+                </a:solidFill>
+              </a:rPr>
+              <a:t>December 5, 2014</a:t>
             </a:r>
           </a:p>
         </p:txBody>
@@ -4954,8 +5235,8 @@
         </p:nvSpPr>
         <p:spPr>
           <a:xfrm>
-            <a:off x="0" y="374575"/>
-            <a:ext cx="9144000" cy="672299"/>
+            <a:off y="374575" x="0"/>
+            <a:ext cy="672299" cx="9144000"/>
           </a:xfrm>
           <a:prstGeom prst="rect">
             <a:avLst/>
@@ -4966,7 +5247,7 @@
           </a:ln>
         </p:spPr>
         <p:txBody>
-          <a:bodyPr lIns="91425" tIns="91425" rIns="91425" bIns="91425" anchor="t" anchorCtr="0">
+          <a:bodyPr bIns="91425" rIns="91425" lIns="91425" tIns="91425" anchor="t" anchorCtr="0">
             <a:noAutofit/>
           </a:bodyPr>
           <a:lstStyle/>
@@ -4977,7 +5258,10 @@
               </a:spcBef>
               <a:buNone/>
             </a:pPr>
-            <a:endParaRPr sz="1800"/>
+            <a:r>
+              <a:rPr sz="3600" lang="en"/>
+              <a:t>Team Llama Food</a:t>
+            </a:r>
           </a:p>
         </p:txBody>
       </p:sp>
@@ -4993,43 +5277,41 @@
 </file>
 
 <file path=ppt/slides/slide2.xml><?xml version="1.0" encoding="utf-8"?>
-<p:sld xmlns:a="http://schemas.openxmlformats.org/drawingml/2006/main" xmlns:r="http://schemas.openxmlformats.org/officeDocument/2006/relationships" xmlns:p="http://schemas.openxmlformats.org/presentationml/2006/main">
+<p:sld xmlns:a="http://schemas.openxmlformats.org/drawingml/2006/main" xmlns:r="http://schemas.openxmlformats.org/officeDocument/2006/relationships" xmlns:mc="http://schemas.openxmlformats.org/markup-compatibility/2006" xmlns:mv="urn:schemas-microsoft-com:mac:vml" xmlns:p="http://schemas.openxmlformats.org/presentationml/2006/main" xmlns:c="http://schemas.openxmlformats.org/drawingml/2006/chart" xmlns:dgm="http://schemas.openxmlformats.org/drawingml/2006/diagram" xmlns:o="urn:schemas-microsoft-com:office:office" xmlns:v="urn:schemas-microsoft-com:vml" xmlns:pvml="urn:schemas-microsoft-com:office:powerpoint" xmlns:com="http://schemas.openxmlformats.org/drawingml/2006/compatibility" xmlns:p14="http://schemas.microsoft.com/office/powerpoint/2010/main">
   <p:cSld>
     <p:spTree>
       <p:nvGrpSpPr>
-        <p:cNvPr id="1" name="Shape 76"/>
+        <p:cNvPr id="76" name="Shape 76"/>
         <p:cNvGrpSpPr/>
         <p:nvPr/>
       </p:nvGrpSpPr>
       <p:grpSpPr>
         <a:xfrm>
-          <a:off x="0" y="0"/>
-          <a:ext cx="0" cy="0"/>
-          <a:chOff x="0" y="0"/>
-          <a:chExt cx="0" cy="0"/>
+          <a:off y="0" x="0"/>
+          <a:ext cy="0" cx="0"/>
+          <a:chOff y="0" x="0"/>
+          <a:chExt cy="0" cx="0"/>
         </a:xfrm>
       </p:grpSpPr>
       <p:sp>
         <p:nvSpPr>
           <p:cNvPr id="77" name="Shape 77"/>
-          <p:cNvSpPr txBox="1">
-            <a:spLocks noGrp="1"/>
-          </p:cNvSpPr>
+          <p:cNvSpPr txBox="1"/>
           <p:nvPr>
             <p:ph type="title"/>
           </p:nvPr>
         </p:nvSpPr>
         <p:spPr>
           <a:xfrm>
-            <a:off x="457200" y="205978"/>
-            <a:ext cx="8229600" cy="857400"/>
+            <a:off y="205978" x="457200"/>
+            <a:ext cy="857400" cx="8229600"/>
           </a:xfrm>
           <a:prstGeom prst="rect">
             <a:avLst/>
           </a:prstGeom>
         </p:spPr>
         <p:txBody>
-          <a:bodyPr lIns="91425" tIns="91425" rIns="91425" bIns="91425" anchor="b" anchorCtr="0">
+          <a:bodyPr bIns="91425" rIns="91425" lIns="91425" tIns="91425" anchor="b" anchorCtr="0">
             <a:noAutofit/>
           </a:bodyPr>
           <a:lstStyle/>
@@ -5046,7 +5328,7 @@
                   <a:schemeClr val="dk1"/>
                 </a:solidFill>
               </a:rPr>
-              <a:t>Puzzle Dots Preamble</a:t>
+              <a:t>The Project</a:t>
             </a:r>
           </a:p>
         </p:txBody>
@@ -5054,29 +5336,27 @@
       <p:sp>
         <p:nvSpPr>
           <p:cNvPr id="78" name="Shape 78"/>
-          <p:cNvSpPr txBox="1">
-            <a:spLocks noGrp="1"/>
-          </p:cNvSpPr>
+          <p:cNvSpPr txBox="1"/>
           <p:nvPr>
-            <p:ph type="body" idx="1"/>
+            <p:ph idx="1" type="body"/>
           </p:nvPr>
         </p:nvSpPr>
         <p:spPr>
           <a:xfrm>
-            <a:off x="457200" y="1200150"/>
-            <a:ext cx="8229600" cy="3725699"/>
+            <a:off y="1200150" x="457200"/>
+            <a:ext cy="3725699" cx="8229600"/>
           </a:xfrm>
           <a:prstGeom prst="rect">
             <a:avLst/>
           </a:prstGeom>
         </p:spPr>
         <p:txBody>
-          <a:bodyPr lIns="91425" tIns="91425" rIns="91425" bIns="91425" anchor="t" anchorCtr="0">
+          <a:bodyPr bIns="91425" rIns="91425" lIns="91425" tIns="91425" anchor="t" anchorCtr="0">
             <a:noAutofit/>
           </a:bodyPr>
           <a:lstStyle/>
           <a:p>
-            <a:pPr lvl="0" rtl="0">
+            <a:pPr rtl="0" lvl="0" indent="-393700" marL="457200">
               <a:lnSpc>
                 <a:spcPct val="115000"/>
               </a:lnSpc>
@@ -5086,12 +5366,12 @@
               <a:buClr>
                 <a:schemeClr val="dk1"/>
               </a:buClr>
-              <a:buSzPct val="45833"/>
+              <a:buSzPct val="100000"/>
               <a:buFont typeface="Arial"/>
-              <a:buNone/>
+              <a:buChar char="●"/>
             </a:pPr>
             <a:r>
-              <a:rPr lang="en" sz="2400">
+              <a:rPr sz="2600" lang="en">
                 <a:solidFill>
                   <a:schemeClr val="dk1"/>
                 </a:solidFill>
@@ -5100,11 +5380,11 @@
                 <a:cs typeface="Arial"/>
                 <a:sym typeface="Arial"/>
               </a:rPr>
-              <a:t>A puzzle game made in HTML5 with Javascript about directing the behavior of dots. </a:t>
+              <a:t>Puzzles Dots is a web-based game in which colored dots are manipulated to solve puzzles. </a:t>
             </a:r>
           </a:p>
           <a:p>
-            <a:pPr lvl="0" rtl="0">
+            <a:pPr rtl="0" lvl="0" indent="-393700" marL="457200">
               <a:lnSpc>
                 <a:spcPct val="115000"/>
               </a:lnSpc>
@@ -5114,36 +5394,12 @@
               <a:buClr>
                 <a:schemeClr val="dk1"/>
               </a:buClr>
+              <a:buSzPct val="100000"/>
               <a:buFont typeface="Arial"/>
-              <a:buNone/>
-            </a:pPr>
-            <a:endParaRPr sz="2400">
-              <a:solidFill>
-                <a:schemeClr val="dk1"/>
-              </a:solidFill>
-              <a:latin typeface="Arial"/>
-              <a:ea typeface="Arial"/>
-              <a:cs typeface="Arial"/>
-              <a:sym typeface="Arial"/>
-            </a:endParaRPr>
-          </a:p>
-          <a:p>
-            <a:pPr lvl="0" rtl="0">
-              <a:lnSpc>
-                <a:spcPct val="115000"/>
-              </a:lnSpc>
-              <a:spcBef>
-                <a:spcPts val="800"/>
-              </a:spcBef>
-              <a:buClr>
-                <a:schemeClr val="dk1"/>
-              </a:buClr>
-              <a:buSzPct val="45833"/>
-              <a:buFont typeface="Arial"/>
-              <a:buNone/>
+              <a:buChar char="●"/>
             </a:pPr>
             <a:r>
-              <a:rPr lang="en" sz="2400">
+              <a:rPr sz="2600" lang="en">
                 <a:solidFill>
                   <a:schemeClr val="dk1"/>
                 </a:solidFill>
@@ -5152,11 +5408,11 @@
                 <a:cs typeface="Arial"/>
                 <a:sym typeface="Arial"/>
               </a:rPr>
-              <a:t>The game offers short levels with varying complexity and replayability through finding improved solutions.</a:t>
+              <a:t>The game offers short levels with varying complexity and replayability through finding improved solutions. </a:t>
             </a:r>
           </a:p>
           <a:p>
-            <a:pPr lvl="0" rtl="0">
+            <a:pPr rtl="0" lvl="0" indent="-393700" marL="457200">
               <a:lnSpc>
                 <a:spcPct val="115000"/>
               </a:lnSpc>
@@ -5166,18 +5422,22 @@
               <a:buClr>
                 <a:schemeClr val="dk1"/>
               </a:buClr>
+              <a:buSzPct val="100000"/>
               <a:buFont typeface="Arial"/>
-              <a:buNone/>
+              <a:buChar char="●"/>
             </a:pPr>
-            <a:endParaRPr sz="3200">
-              <a:solidFill>
-                <a:schemeClr val="dk1"/>
-              </a:solidFill>
-              <a:latin typeface="Arial"/>
-              <a:ea typeface="Arial"/>
-              <a:cs typeface="Arial"/>
-              <a:sym typeface="Arial"/>
-            </a:endParaRPr>
+            <a:r>
+              <a:rPr sz="2600" lang="en">
+                <a:solidFill>
+                  <a:schemeClr val="dk1"/>
+                </a:solidFill>
+                <a:latin typeface="Arial"/>
+                <a:ea typeface="Arial"/>
+                <a:cs typeface="Arial"/>
+                <a:sym typeface="Arial"/>
+              </a:rPr>
+              <a:t>Written in Javascript, HTML5, and CSS.</a:t>
+            </a:r>
           </a:p>
           <a:p>
             <a:pPr>
@@ -5186,6 +5446,9 @@
               </a:spcBef>
               <a:buNone/>
             </a:pPr>
+            <a:r>
+              <a:t/>
+            </a:r>
             <a:endParaRPr>
               <a:solidFill>
                 <a:srgbClr val="000000"/>
@@ -5206,43 +5469,41 @@
 </file>
 
 <file path=ppt/slides/slide3.xml><?xml version="1.0" encoding="utf-8"?>
-<p:sld xmlns:a="http://schemas.openxmlformats.org/drawingml/2006/main" xmlns:r="http://schemas.openxmlformats.org/officeDocument/2006/relationships" xmlns:p="http://schemas.openxmlformats.org/presentationml/2006/main">
+<p:sld xmlns:a="http://schemas.openxmlformats.org/drawingml/2006/main" xmlns:r="http://schemas.openxmlformats.org/officeDocument/2006/relationships" xmlns:mc="http://schemas.openxmlformats.org/markup-compatibility/2006" xmlns:mv="urn:schemas-microsoft-com:mac:vml" xmlns:p="http://schemas.openxmlformats.org/presentationml/2006/main" xmlns:c="http://schemas.openxmlformats.org/drawingml/2006/chart" xmlns:dgm="http://schemas.openxmlformats.org/drawingml/2006/diagram" xmlns:o="urn:schemas-microsoft-com:office:office" xmlns:v="urn:schemas-microsoft-com:vml" xmlns:pvml="urn:schemas-microsoft-com:office:powerpoint" xmlns:com="http://schemas.openxmlformats.org/drawingml/2006/compatibility" xmlns:p14="http://schemas.microsoft.com/office/powerpoint/2010/main">
   <p:cSld>
     <p:spTree>
       <p:nvGrpSpPr>
-        <p:cNvPr id="1" name="Shape 82"/>
+        <p:cNvPr id="82" name="Shape 82"/>
         <p:cNvGrpSpPr/>
         <p:nvPr/>
       </p:nvGrpSpPr>
       <p:grpSpPr>
         <a:xfrm>
-          <a:off x="0" y="0"/>
-          <a:ext cx="0" cy="0"/>
-          <a:chOff x="0" y="0"/>
-          <a:chExt cx="0" cy="0"/>
+          <a:off y="0" x="0"/>
+          <a:ext cy="0" cx="0"/>
+          <a:chOff y="0" x="0"/>
+          <a:chExt cy="0" cx="0"/>
         </a:xfrm>
       </p:grpSpPr>
       <p:sp>
         <p:nvSpPr>
           <p:cNvPr id="83" name="Shape 83"/>
-          <p:cNvSpPr txBox="1">
-            <a:spLocks noGrp="1"/>
-          </p:cNvSpPr>
+          <p:cNvSpPr txBox="1"/>
           <p:nvPr>
             <p:ph type="title"/>
           </p:nvPr>
         </p:nvSpPr>
         <p:spPr>
           <a:xfrm>
-            <a:off x="457200" y="205978"/>
-            <a:ext cx="8229600" cy="857400"/>
+            <a:off y="205978" x="457200"/>
+            <a:ext cy="857400" cx="8229600"/>
           </a:xfrm>
           <a:prstGeom prst="rect">
             <a:avLst/>
           </a:prstGeom>
         </p:spPr>
         <p:txBody>
-          <a:bodyPr lIns="91425" tIns="91425" rIns="91425" bIns="91425" anchor="b" anchorCtr="0">
+          <a:bodyPr bIns="91425" rIns="91425" lIns="91425" tIns="91425" anchor="b" anchorCtr="0">
             <a:noAutofit/>
           </a:bodyPr>
           <a:lstStyle/>
@@ -5259,14 +5520,173 @@
                   <a:srgbClr val="000000"/>
                 </a:solidFill>
               </a:rPr>
-              <a:t>Puzzle Dots Game Concept</a:t>
+              <a:t>Game Concept</a:t>
+            </a:r>
+          </a:p>
+        </p:txBody>
+      </p:sp>
+      <p:sp>
+        <p:nvSpPr>
+          <p:cNvPr id="84" name="Shape 84"/>
+          <p:cNvSpPr txBox="1"/>
+          <p:nvPr/>
+        </p:nvSpPr>
+        <p:spPr>
+          <a:xfrm>
+            <a:off y="1237000" x="577400"/>
+            <a:ext cy="3425999" cx="4312199"/>
+          </a:xfrm>
+          <a:prstGeom prst="rect">
+            <a:avLst/>
+          </a:prstGeom>
+          <a:noFill/>
+          <a:ln>
+            <a:noFill/>
+          </a:ln>
+        </p:spPr>
+        <p:txBody>
+          <a:bodyPr bIns="91425" rIns="91425" lIns="91425" tIns="91425" anchor="t" anchorCtr="0">
+            <a:noAutofit/>
+          </a:bodyPr>
+          <a:lstStyle/>
+          <a:p>
+            <a:pPr rtl="0" lvl="0" indent="-330200" marL="457200">
+              <a:spcBef>
+                <a:spcPts val="0"/>
+              </a:spcBef>
+              <a:buClr>
+                <a:srgbClr val="000000"/>
+              </a:buClr>
+              <a:buSzPct val="100000"/>
+              <a:buFont typeface="Arial"/>
+              <a:buChar char="●"/>
+            </a:pPr>
+            <a:r>
+              <a:rPr sz="1600" lang="en"/>
+              <a:t>Pieces move in different directions.</a:t>
+            </a:r>
+          </a:p>
+          <a:p>
+            <a:pPr rtl="0" lvl="0">
+              <a:spcBef>
+                <a:spcPts val="0"/>
+              </a:spcBef>
+              <a:buNone/>
+            </a:pPr>
+            <a:r>
+              <a:t/>
+            </a:r>
+            <a:endParaRPr sz="1600"/>
+          </a:p>
+          <a:p>
+            <a:pPr rtl="0" lvl="0" indent="-330200" marL="457200">
+              <a:spcBef>
+                <a:spcPts val="0"/>
+              </a:spcBef>
+              <a:buClr>
+                <a:srgbClr val="000000"/>
+              </a:buClr>
+              <a:buSzPct val="100000"/>
+              <a:buFont typeface="Arial"/>
+              <a:buChar char="●"/>
+            </a:pPr>
+            <a:r>
+              <a:rPr sz="1600" lang="en"/>
+              <a:t>Players strike two compatible pieces to combine them into a new piece.</a:t>
+            </a:r>
+          </a:p>
+          <a:p>
+            <a:pPr rtl="0" lvl="0">
+              <a:spcBef>
+                <a:spcPts val="0"/>
+              </a:spcBef>
+              <a:buNone/>
+            </a:pPr>
+            <a:r>
+              <a:t/>
+            </a:r>
+            <a:endParaRPr sz="1600"/>
+          </a:p>
+          <a:p>
+            <a:pPr rtl="0" lvl="0" indent="-330200" marL="457200">
+              <a:spcBef>
+                <a:spcPts val="0"/>
+              </a:spcBef>
+              <a:buClr>
+                <a:srgbClr val="000000"/>
+              </a:buClr>
+              <a:buSzPct val="100000"/>
+              <a:buFont typeface="Arial"/>
+              <a:buChar char="●"/>
+            </a:pPr>
+            <a:r>
+              <a:rPr sz="1600" lang="en"/>
+              <a:t>Forming a new piece through gameplay is called a reaction.</a:t>
+            </a:r>
+          </a:p>
+          <a:p>
+            <a:pPr rtl="0" lvl="0">
+              <a:spcBef>
+                <a:spcPts val="0"/>
+              </a:spcBef>
+              <a:buNone/>
+            </a:pPr>
+            <a:r>
+              <a:t/>
+            </a:r>
+            <a:endParaRPr sz="1600"/>
+          </a:p>
+          <a:p>
+            <a:pPr rtl="0" lvl="0" indent="-330200" marL="457200">
+              <a:spcBef>
+                <a:spcPts val="0"/>
+              </a:spcBef>
+              <a:buClr>
+                <a:srgbClr val="000000"/>
+              </a:buClr>
+              <a:buSzPct val="100000"/>
+              <a:buFont typeface="Arial"/>
+              <a:buChar char="●"/>
+            </a:pPr>
+            <a:r>
+              <a:rPr sz="1600" lang="en"/>
+              <a:t>Via experimentation, a player learns new combinations.</a:t>
+            </a:r>
+          </a:p>
+          <a:p>
+            <a:pPr rtl="0" lvl="0">
+              <a:spcBef>
+                <a:spcPts val="0"/>
+              </a:spcBef>
+              <a:buNone/>
+            </a:pPr>
+            <a:r>
+              <a:t/>
+            </a:r>
+            <a:endParaRPr sz="1600"/>
+          </a:p>
+          <a:p>
+            <a:pPr rtl="0" lvl="0" indent="-330200" marL="457200">
+              <a:spcBef>
+                <a:spcPts val="0"/>
+              </a:spcBef>
+              <a:buClr>
+                <a:srgbClr val="000000"/>
+              </a:buClr>
+              <a:buSzPct val="100000"/>
+              <a:buFont typeface="Arial"/>
+              <a:buChar char="●"/>
+            </a:pPr>
+            <a:r>
+              <a:rPr sz="1600" lang="en"/>
+              <a:t>The goal is to bring all pieces into their designated squares.</a:t>
             </a:r>
           </a:p>
         </p:txBody>
       </p:sp>
       <p:pic>
         <p:nvPicPr>
-          <p:cNvPr id="84" name="Shape 84"/>
+          <p:cNvPr id="85" name="Shape 85"/>
           <p:cNvPicPr preferRelativeResize="0"/>
           <p:nvPr/>
         </p:nvPicPr>
@@ -5280,8 +5700,8 @@
         </p:blipFill>
         <p:spPr>
           <a:xfrm>
-            <a:off x="5228712" y="1204850"/>
-            <a:ext cx="3458075" cy="3458075"/>
+            <a:off y="1191650" x="5013400"/>
+            <a:ext cy="3516699" cx="3500524"/>
           </a:xfrm>
           <a:prstGeom prst="rect">
             <a:avLst/>
@@ -5292,16 +5712,84 @@
           </a:ln>
         </p:spPr>
       </p:pic>
+    </p:spTree>
+  </p:cSld>
+  <p:clrMapOvr>
+    <a:masterClrMapping/>
+  </p:clrMapOvr>
+  <p:transition spd="slow">
+    <p:cut/>
+  </p:transition>
+</p:sld>
+</file>
+
+<file path=ppt/slides/slide4.xml><?xml version="1.0" encoding="utf-8"?>
+<p:sld xmlns:a="http://schemas.openxmlformats.org/drawingml/2006/main" xmlns:r="http://schemas.openxmlformats.org/officeDocument/2006/relationships" xmlns:mc="http://schemas.openxmlformats.org/markup-compatibility/2006" xmlns:mv="urn:schemas-microsoft-com:mac:vml" xmlns:p="http://schemas.openxmlformats.org/presentationml/2006/main" xmlns:c="http://schemas.openxmlformats.org/drawingml/2006/chart" xmlns:dgm="http://schemas.openxmlformats.org/drawingml/2006/diagram" xmlns:o="urn:schemas-microsoft-com:office:office" xmlns:v="urn:schemas-microsoft-com:vml" xmlns:pvml="urn:schemas-microsoft-com:office:powerpoint" xmlns:com="http://schemas.openxmlformats.org/drawingml/2006/compatibility" xmlns:p14="http://schemas.microsoft.com/office/powerpoint/2010/main">
+  <p:cSld>
+    <p:spTree>
+      <p:nvGrpSpPr>
+        <p:cNvPr id="89" name="Shape 89"/>
+        <p:cNvGrpSpPr/>
+        <p:nvPr/>
+      </p:nvGrpSpPr>
+      <p:grpSpPr>
+        <a:xfrm>
+          <a:off y="0" x="0"/>
+          <a:ext cy="0" cx="0"/>
+          <a:chOff y="0" x="0"/>
+          <a:chExt cy="0" cx="0"/>
+        </a:xfrm>
+      </p:grpSpPr>
       <p:sp>
         <p:nvSpPr>
-          <p:cNvPr id="85" name="Shape 85"/>
+          <p:cNvPr id="90" name="Shape 90"/>
+          <p:cNvSpPr txBox="1"/>
+          <p:nvPr>
+            <p:ph type="title"/>
+          </p:nvPr>
+        </p:nvSpPr>
+        <p:spPr>
+          <a:xfrm>
+            <a:off y="205978" x="457200"/>
+            <a:ext cy="857400" cx="8229600"/>
+          </a:xfrm>
+          <a:prstGeom prst="rect">
+            <a:avLst/>
+          </a:prstGeom>
+        </p:spPr>
+        <p:txBody>
+          <a:bodyPr bIns="91425" rIns="91425" lIns="91425" tIns="91425" anchor="b" anchorCtr="0">
+            <a:noAutofit/>
+          </a:bodyPr>
+          <a:lstStyle/>
+          <a:p>
+            <a:pPr algn="ctr">
+              <a:spcBef>
+                <a:spcPts val="0"/>
+              </a:spcBef>
+              <a:buNone/>
+            </a:pPr>
+            <a:r>
+              <a:rPr lang="en">
+                <a:solidFill>
+                  <a:srgbClr val="000000"/>
+                </a:solidFill>
+              </a:rPr>
+              <a:t>Goals and Challenges</a:t>
+            </a:r>
+          </a:p>
+        </p:txBody>
+      </p:sp>
+      <p:sp>
+        <p:nvSpPr>
+          <p:cNvPr id="91" name="Shape 91"/>
           <p:cNvSpPr txBox="1"/>
           <p:nvPr/>
         </p:nvSpPr>
         <p:spPr>
           <a:xfrm>
-            <a:off x="577400" y="1237000"/>
-            <a:ext cx="4312199" cy="3425999"/>
+            <a:off y="1230375" x="457200"/>
+            <a:ext cy="3524999" cx="8368499"/>
           </a:xfrm>
           <a:prstGeom prst="rect">
             <a:avLst/>
@@ -5312,12 +5800,567 @@
           </a:ln>
         </p:spPr>
         <p:txBody>
-          <a:bodyPr lIns="91425" tIns="91425" rIns="91425" bIns="91425" anchor="t" anchorCtr="0">
+          <a:bodyPr bIns="91425" rIns="91425" lIns="91425" tIns="91425" anchor="t" anchorCtr="0">
             <a:noAutofit/>
           </a:bodyPr>
           <a:lstStyle/>
           <a:p>
-            <a:pPr marL="457200" lvl="0" indent="-317500" rtl="0">
+            <a:pPr rtl="0">
+              <a:spcBef>
+                <a:spcPts val="0"/>
+              </a:spcBef>
+              <a:buNone/>
+            </a:pPr>
+            <a:r>
+              <a:rPr b="1" sz="2400" lang="en"/>
+              <a:t>Goals:</a:t>
+            </a:r>
+            <a:r>
+              <a:rPr sz="2400" lang="en"/>
+              <a:t> A fun and challenging game players could enjoy.</a:t>
+            </a:r>
+          </a:p>
+          <a:p>
+            <a:pPr rtl="0">
+              <a:spcBef>
+                <a:spcPts val="0"/>
+              </a:spcBef>
+              <a:buNone/>
+            </a:pPr>
+            <a:r>
+              <a:rPr sz="2400" lang="en"/>
+              <a:t>		  A way to share in-game records with other players.</a:t>
+            </a:r>
+          </a:p>
+          <a:p>
+            <a:pPr rtl="0">
+              <a:spcBef>
+                <a:spcPts val="0"/>
+              </a:spcBef>
+              <a:buNone/>
+            </a:pPr>
+            <a:r>
+              <a:t/>
+            </a:r>
+            <a:endParaRPr sz="2400"/>
+          </a:p>
+          <a:p>
+            <a:pPr rtl="0">
+              <a:spcBef>
+                <a:spcPts val="0"/>
+              </a:spcBef>
+              <a:buNone/>
+            </a:pPr>
+            <a:r>
+              <a:rPr sz="2400" lang="en"/>
+              <a:t>		We achieved the first goal, but not the second.</a:t>
+            </a:r>
+          </a:p>
+          <a:p>
+            <a:pPr rtl="0">
+              <a:spcBef>
+                <a:spcPts val="0"/>
+              </a:spcBef>
+              <a:buNone/>
+            </a:pPr>
+            <a:r>
+              <a:t/>
+            </a:r>
+            <a:endParaRPr sz="2400"/>
+          </a:p>
+          <a:p>
+            <a:pPr rtl="0">
+              <a:spcBef>
+                <a:spcPts val="0"/>
+              </a:spcBef>
+              <a:buNone/>
+            </a:pPr>
+            <a:r>
+              <a:rPr b="1" sz="2400" lang="en"/>
+              <a:t>Challenges: </a:t>
+            </a:r>
+            <a:r>
+              <a:rPr sz="2400" lang="en"/>
+              <a:t>Some of us were new to web development.</a:t>
+            </a:r>
+          </a:p>
+          <a:p>
+            <a:pPr rtl="0">
+              <a:spcBef>
+                <a:spcPts val="0"/>
+              </a:spcBef>
+              <a:buNone/>
+            </a:pPr>
+            <a:r>
+              <a:rPr sz="2400" lang="en"/>
+              <a:t>				We encountered cross-browser bugs.</a:t>
+            </a:r>
+          </a:p>
+          <a:p>
+            <a:pPr rtl="0">
+              <a:spcBef>
+                <a:spcPts val="0"/>
+              </a:spcBef>
+              <a:buNone/>
+            </a:pPr>
+            <a:r>
+              <a:t/>
+            </a:r>
+            <a:endParaRPr sz="2400"/>
+          </a:p>
+          <a:p>
+            <a:pPr>
+              <a:spcBef>
+                <a:spcPts val="0"/>
+              </a:spcBef>
+              <a:buNone/>
+            </a:pPr>
+            <a:r>
+              <a:t/>
+            </a:r>
+            <a:endParaRPr sz="2400"/>
+          </a:p>
+        </p:txBody>
+      </p:sp>
+    </p:spTree>
+  </p:cSld>
+  <p:clrMapOvr>
+    <a:masterClrMapping/>
+  </p:clrMapOvr>
+  <p:transition spd="slow">
+    <p:cut/>
+  </p:transition>
+</p:sld>
+</file>
+
+<file path=ppt/slides/slide5.xml><?xml version="1.0" encoding="utf-8"?>
+<p:sld xmlns:a="http://schemas.openxmlformats.org/drawingml/2006/main" xmlns:r="http://schemas.openxmlformats.org/officeDocument/2006/relationships" xmlns:mc="http://schemas.openxmlformats.org/markup-compatibility/2006" xmlns:mv="urn:schemas-microsoft-com:mac:vml" xmlns:p="http://schemas.openxmlformats.org/presentationml/2006/main" xmlns:c="http://schemas.openxmlformats.org/drawingml/2006/chart" xmlns:dgm="http://schemas.openxmlformats.org/drawingml/2006/diagram" xmlns:o="urn:schemas-microsoft-com:office:office" xmlns:v="urn:schemas-microsoft-com:vml" xmlns:pvml="urn:schemas-microsoft-com:office:powerpoint" xmlns:com="http://schemas.openxmlformats.org/drawingml/2006/compatibility" xmlns:p14="http://schemas.microsoft.com/office/powerpoint/2010/main">
+  <p:cSld>
+    <p:spTree>
+      <p:nvGrpSpPr>
+        <p:cNvPr id="95" name="Shape 95"/>
+        <p:cNvGrpSpPr/>
+        <p:nvPr/>
+      </p:nvGrpSpPr>
+      <p:grpSpPr>
+        <a:xfrm>
+          <a:off y="0" x="0"/>
+          <a:ext cy="0" cx="0"/>
+          <a:chOff y="0" x="0"/>
+          <a:chExt cy="0" cx="0"/>
+        </a:xfrm>
+      </p:grpSpPr>
+      <p:sp>
+        <p:nvSpPr>
+          <p:cNvPr id="96" name="Shape 96"/>
+          <p:cNvSpPr txBox="1"/>
+          <p:nvPr>
+            <p:ph type="title"/>
+          </p:nvPr>
+        </p:nvSpPr>
+        <p:spPr>
+          <a:xfrm>
+            <a:off y="205978" x="457200"/>
+            <a:ext cy="857400" cx="8229600"/>
+          </a:xfrm>
+          <a:prstGeom prst="rect">
+            <a:avLst/>
+          </a:prstGeom>
+        </p:spPr>
+        <p:txBody>
+          <a:bodyPr bIns="91425" rIns="91425" lIns="91425" tIns="91425" anchor="b" anchorCtr="0">
+            <a:noAutofit/>
+          </a:bodyPr>
+          <a:lstStyle/>
+          <a:p>
+            <a:pPr algn="ctr">
+              <a:spcBef>
+                <a:spcPts val="0"/>
+              </a:spcBef>
+              <a:buNone/>
+            </a:pPr>
+            <a:r>
+              <a:rPr lang="en">
+                <a:solidFill>
+                  <a:srgbClr val="000000"/>
+                </a:solidFill>
+              </a:rPr>
+              <a:t>Project Management</a:t>
+            </a:r>
+          </a:p>
+        </p:txBody>
+      </p:sp>
+      <p:sp>
+        <p:nvSpPr>
+          <p:cNvPr id="97" name="Shape 97"/>
+          <p:cNvSpPr txBox="1"/>
+          <p:nvPr/>
+        </p:nvSpPr>
+        <p:spPr>
+          <a:xfrm>
+            <a:off y="4704550" x="7934725"/>
+            <a:ext cy="756299" cx="6482700"/>
+          </a:xfrm>
+          <a:prstGeom prst="rect">
+            <a:avLst/>
+          </a:prstGeom>
+          <a:noFill/>
+          <a:ln>
+            <a:noFill/>
+          </a:ln>
+        </p:spPr>
+        <p:txBody>
+          <a:bodyPr bIns="91425" rIns="91425" lIns="91425" tIns="91425" anchor="t" anchorCtr="0">
+            <a:noAutofit/>
+          </a:bodyPr>
+          <a:lstStyle/>
+          <a:p>
+            <a:pPr>
+              <a:spcBef>
+                <a:spcPts val="0"/>
+              </a:spcBef>
+              <a:buNone/>
+            </a:pPr>
+            <a:r>
+              <a:t/>
+            </a:r>
+            <a:endParaRPr/>
+          </a:p>
+        </p:txBody>
+      </p:sp>
+      <p:sp>
+        <p:nvSpPr>
+          <p:cNvPr id="98" name="Shape 98"/>
+          <p:cNvSpPr txBox="1"/>
+          <p:nvPr/>
+        </p:nvSpPr>
+        <p:spPr>
+          <a:xfrm>
+            <a:off y="1125500" x="292625"/>
+            <a:ext cy="3185099" cx="7495800"/>
+          </a:xfrm>
+          <a:prstGeom prst="rect">
+            <a:avLst/>
+          </a:prstGeom>
+          <a:noFill/>
+          <a:ln>
+            <a:noFill/>
+          </a:ln>
+        </p:spPr>
+        <p:txBody>
+          <a:bodyPr bIns="91425" rIns="91425" lIns="91425" tIns="91425" anchor="t" anchorCtr="0">
+            <a:noAutofit/>
+          </a:bodyPr>
+          <a:lstStyle/>
+          <a:p>
+            <a:pPr>
+              <a:spcBef>
+                <a:spcPts val="0"/>
+              </a:spcBef>
+              <a:buNone/>
+            </a:pPr>
+            <a:r>
+              <a:t/>
+            </a:r>
+            <a:endParaRPr/>
+          </a:p>
+        </p:txBody>
+      </p:sp>
+      <p:sp>
+        <p:nvSpPr>
+          <p:cNvPr id="99" name="Shape 99"/>
+          <p:cNvSpPr txBox="1"/>
+          <p:nvPr/>
+        </p:nvSpPr>
+        <p:spPr>
+          <a:xfrm>
+            <a:off y="1181775" x="517725"/>
+            <a:ext cy="3657900" cx="7157999"/>
+          </a:xfrm>
+          <a:prstGeom prst="rect">
+            <a:avLst/>
+          </a:prstGeom>
+          <a:noFill/>
+          <a:ln>
+            <a:noFill/>
+          </a:ln>
+        </p:spPr>
+        <p:txBody>
+          <a:bodyPr bIns="91425" rIns="91425" lIns="91425" tIns="91425" anchor="t" anchorCtr="0">
+            <a:noAutofit/>
+          </a:bodyPr>
+          <a:lstStyle/>
+          <a:p>
+            <a:pPr rtl="0" lvl="0">
+              <a:lnSpc>
+                <a:spcPct val="150000"/>
+              </a:lnSpc>
+              <a:spcBef>
+                <a:spcPts val="0"/>
+              </a:spcBef>
+              <a:buNone/>
+            </a:pPr>
+            <a:r>
+              <a:rPr b="1" sz="2400" lang="en">
+                <a:solidFill>
+                  <a:schemeClr val="dk1"/>
+                </a:solidFill>
+              </a:rPr>
+              <a:t>Enjoyed</a:t>
+            </a:r>
+          </a:p>
+          <a:p>
+            <a:pPr rtl="0" lvl="0" indent="-330200" marL="914400">
+              <a:lnSpc>
+                <a:spcPct val="150000"/>
+              </a:lnSpc>
+              <a:spcBef>
+                <a:spcPts val="0"/>
+              </a:spcBef>
+              <a:buClr>
+                <a:schemeClr val="dk1"/>
+              </a:buClr>
+              <a:buSzPct val="100000"/>
+              <a:buFont typeface="Arial"/>
+              <a:buChar char="●"/>
+            </a:pPr>
+            <a:r>
+              <a:rPr sz="1600" lang="en">
+                <a:solidFill>
+                  <a:schemeClr val="dk1"/>
+                </a:solidFill>
+              </a:rPr>
+              <a:t>Consistent line of communication</a:t>
+            </a:r>
+          </a:p>
+          <a:p>
+            <a:pPr rtl="0" lvl="0" indent="-330200" marL="914400">
+              <a:lnSpc>
+                <a:spcPct val="150000"/>
+              </a:lnSpc>
+              <a:spcBef>
+                <a:spcPts val="0"/>
+              </a:spcBef>
+              <a:buClr>
+                <a:schemeClr val="dk1"/>
+              </a:buClr>
+              <a:buSzPct val="100000"/>
+              <a:buFont typeface="Arial"/>
+              <a:buChar char="●"/>
+            </a:pPr>
+            <a:r>
+              <a:rPr sz="1600" lang="en">
+                <a:solidFill>
+                  <a:schemeClr val="dk1"/>
+                </a:solidFill>
+              </a:rPr>
+              <a:t>Online Scrum Board</a:t>
+            </a:r>
+          </a:p>
+          <a:p>
+            <a:pPr rtl="0" lvl="0">
+              <a:lnSpc>
+                <a:spcPct val="150000"/>
+              </a:lnSpc>
+              <a:spcBef>
+                <a:spcPts val="0"/>
+              </a:spcBef>
+              <a:buClr>
+                <a:schemeClr val="dk1"/>
+              </a:buClr>
+              <a:buSzPct val="45833"/>
+              <a:buFont typeface="Arial"/>
+              <a:buNone/>
+            </a:pPr>
+            <a:r>
+              <a:rPr b="1" sz="2400" lang="en">
+                <a:solidFill>
+                  <a:schemeClr val="dk1"/>
+                </a:solidFill>
+              </a:rPr>
+              <a:t>Didn’t Enjoy</a:t>
+            </a:r>
+          </a:p>
+          <a:p>
+            <a:pPr rtl="0" lvl="0" indent="-330200" marL="914400">
+              <a:lnSpc>
+                <a:spcPct val="150000"/>
+              </a:lnSpc>
+              <a:spcBef>
+                <a:spcPts val="0"/>
+              </a:spcBef>
+              <a:buClr>
+                <a:schemeClr val="dk1"/>
+              </a:buClr>
+              <a:buSzPct val="100000"/>
+              <a:buFont typeface="Arial"/>
+              <a:buChar char="●"/>
+            </a:pPr>
+            <a:r>
+              <a:rPr sz="1600" lang="en">
+                <a:solidFill>
+                  <a:schemeClr val="dk1"/>
+                </a:solidFill>
+              </a:rPr>
+              <a:t>Frequency of Scrum Meetings</a:t>
+            </a:r>
+          </a:p>
+          <a:p>
+            <a:pPr rtl="0" lvl="0" indent="-330200" marL="914400">
+              <a:lnSpc>
+                <a:spcPct val="150000"/>
+              </a:lnSpc>
+              <a:spcBef>
+                <a:spcPts val="0"/>
+              </a:spcBef>
+              <a:buClr>
+                <a:schemeClr val="dk1"/>
+              </a:buClr>
+              <a:buSzPct val="100000"/>
+              <a:buFont typeface="Arial"/>
+              <a:buChar char="●"/>
+            </a:pPr>
+            <a:r>
+              <a:rPr sz="1600" lang="en">
+                <a:solidFill>
+                  <a:schemeClr val="dk1"/>
+                </a:solidFill>
+              </a:rPr>
+              <a:t>Fitting meetings into everyone’s schedule</a:t>
+            </a:r>
+          </a:p>
+          <a:p>
+            <a:pPr rtl="0" lvl="0" indent="-330200" marL="914400">
+              <a:lnSpc>
+                <a:spcPct val="150000"/>
+              </a:lnSpc>
+              <a:spcBef>
+                <a:spcPts val="0"/>
+              </a:spcBef>
+              <a:buClr>
+                <a:schemeClr val="dk1"/>
+              </a:buClr>
+              <a:buSzPct val="100000"/>
+              <a:buFont typeface="Arial"/>
+              <a:buChar char="●"/>
+            </a:pPr>
+            <a:r>
+              <a:rPr sz="1600" lang="en">
+                <a:solidFill>
+                  <a:schemeClr val="dk1"/>
+                </a:solidFill>
+              </a:rPr>
+              <a:t>Online meetings</a:t>
+            </a:r>
+          </a:p>
+          <a:p>
+            <a:pPr>
+              <a:spcBef>
+                <a:spcPts val="0"/>
+              </a:spcBef>
+              <a:buNone/>
+            </a:pPr>
+            <a:r>
+              <a:t/>
+            </a:r>
+            <a:endParaRPr/>
+          </a:p>
+        </p:txBody>
+      </p:sp>
+    </p:spTree>
+  </p:cSld>
+  <p:clrMapOvr>
+    <a:masterClrMapping/>
+  </p:clrMapOvr>
+  <p:transition spd="slow">
+    <p:cut/>
+  </p:transition>
+</p:sld>
+</file>
+
+<file path=ppt/slides/slide6.xml><?xml version="1.0" encoding="utf-8"?>
+<p:sld xmlns:a="http://schemas.openxmlformats.org/drawingml/2006/main" xmlns:r="http://schemas.openxmlformats.org/officeDocument/2006/relationships" xmlns:mc="http://schemas.openxmlformats.org/markup-compatibility/2006" xmlns:mv="urn:schemas-microsoft-com:mac:vml" xmlns:p="http://schemas.openxmlformats.org/presentationml/2006/main" xmlns:c="http://schemas.openxmlformats.org/drawingml/2006/chart" xmlns:dgm="http://schemas.openxmlformats.org/drawingml/2006/diagram" xmlns:o="urn:schemas-microsoft-com:office:office" xmlns:v="urn:schemas-microsoft-com:vml" xmlns:pvml="urn:schemas-microsoft-com:office:powerpoint" xmlns:com="http://schemas.openxmlformats.org/drawingml/2006/compatibility" xmlns:p14="http://schemas.microsoft.com/office/powerpoint/2010/main">
+  <p:cSld>
+    <p:spTree>
+      <p:nvGrpSpPr>
+        <p:cNvPr id="103" name="Shape 103"/>
+        <p:cNvGrpSpPr/>
+        <p:nvPr/>
+      </p:nvGrpSpPr>
+      <p:grpSpPr>
+        <a:xfrm>
+          <a:off y="0" x="0"/>
+          <a:ext cy="0" cx="0"/>
+          <a:chOff y="0" x="0"/>
+          <a:chExt cy="0" cx="0"/>
+        </a:xfrm>
+      </p:grpSpPr>
+      <p:sp>
+        <p:nvSpPr>
+          <p:cNvPr id="104" name="Shape 104"/>
+          <p:cNvSpPr txBox="1"/>
+          <p:nvPr>
+            <p:ph type="title"/>
+          </p:nvPr>
+        </p:nvSpPr>
+        <p:spPr>
+          <a:xfrm>
+            <a:off y="205978" x="457200"/>
+            <a:ext cy="857400" cx="8229600"/>
+          </a:xfrm>
+          <a:prstGeom prst="rect">
+            <a:avLst/>
+          </a:prstGeom>
+        </p:spPr>
+        <p:txBody>
+          <a:bodyPr bIns="91425" rIns="91425" lIns="91425" tIns="91425" anchor="b" anchorCtr="0">
+            <a:noAutofit/>
+          </a:bodyPr>
+          <a:lstStyle/>
+          <a:p>
+            <a:pPr algn="ctr">
+              <a:spcBef>
+                <a:spcPts val="0"/>
+              </a:spcBef>
+              <a:buNone/>
+            </a:pPr>
+            <a:r>
+              <a:rPr lang="en">
+                <a:solidFill>
+                  <a:srgbClr val="000000"/>
+                </a:solidFill>
+              </a:rPr>
+              <a:t>Lessons Learned</a:t>
+            </a:r>
+          </a:p>
+        </p:txBody>
+      </p:sp>
+      <p:sp>
+        <p:nvSpPr>
+          <p:cNvPr id="105" name="Shape 105"/>
+          <p:cNvSpPr txBox="1"/>
+          <p:nvPr/>
+        </p:nvSpPr>
+        <p:spPr>
+          <a:xfrm>
+            <a:off y="1136750" x="551500"/>
+            <a:ext cy="3792899" cx="8081100"/>
+          </a:xfrm>
+          <a:prstGeom prst="rect">
+            <a:avLst/>
+          </a:prstGeom>
+          <a:noFill/>
+          <a:ln>
+            <a:noFill/>
+          </a:ln>
+        </p:spPr>
+        <p:txBody>
+          <a:bodyPr bIns="91425" rIns="91425" lIns="91425" tIns="91425" anchor="t" anchorCtr="0">
+            <a:noAutofit/>
+          </a:bodyPr>
+          <a:lstStyle/>
+          <a:p>
+            <a:pPr rtl="0" lvl="0" indent="-381000" marL="457200">
               <a:spcBef>
                 <a:spcPts val="0"/>
               </a:spcBef>
@@ -5329,21 +6372,24 @@
               <a:buChar char="●"/>
             </a:pPr>
             <a:r>
-              <a:rPr lang="en" dirty="0"/>
-              <a:t>Pieces move in different directions.</a:t>
+              <a:rPr sz="2400" lang="en"/>
+              <a:t>Using GitHub allowed us to sync our work remotely.</a:t>
             </a:r>
           </a:p>
           <a:p>
-            <a:pPr lvl="0" rtl="0">
+            <a:pPr rtl="0" lvl="0">
               <a:spcBef>
                 <a:spcPts val="0"/>
               </a:spcBef>
               <a:buNone/>
             </a:pPr>
-            <a:endParaRPr dirty="0"/>
+            <a:r>
+              <a:t/>
+            </a:r>
+            <a:endParaRPr sz="2400"/>
           </a:p>
           <a:p>
-            <a:pPr marL="457200" lvl="0" indent="-317500" rtl="0">
+            <a:pPr rtl="0" lvl="0" indent="-381000" marL="457200">
               <a:spcBef>
                 <a:spcPts val="0"/>
               </a:spcBef>
@@ -5355,21 +6401,24 @@
               <a:buChar char="●"/>
             </a:pPr>
             <a:r>
-              <a:rPr lang="en" dirty="0"/>
-              <a:t>Players strike two compatible pieces to combine them into a new piece.</a:t>
+              <a:rPr sz="2400" lang="en"/>
+              <a:t>Lack of a prescribed architecture made feature implementation difficult.</a:t>
             </a:r>
           </a:p>
           <a:p>
-            <a:pPr lvl="0" rtl="0">
+            <a:pPr rtl="0" lvl="0">
               <a:spcBef>
                 <a:spcPts val="0"/>
               </a:spcBef>
               <a:buNone/>
             </a:pPr>
-            <a:endParaRPr dirty="0"/>
+            <a:r>
+              <a:t/>
+            </a:r>
+            <a:endParaRPr sz="2400"/>
           </a:p>
           <a:p>
-            <a:pPr marL="457200" lvl="0" indent="-317500" rtl="0">
+            <a:pPr lvl="0" indent="-381000" marL="457200">
               <a:spcBef>
                 <a:spcPts val="0"/>
               </a:spcBef>
@@ -5381,60 +6430,8 @@
               <a:buChar char="●"/>
             </a:pPr>
             <a:r>
-              <a:rPr lang="en" dirty="0"/>
-              <a:t>Forming a new piece through gameplay is called a reaction.</a:t>
-            </a:r>
-          </a:p>
-          <a:p>
-            <a:pPr lvl="0" rtl="0">
-              <a:spcBef>
-                <a:spcPts val="0"/>
-              </a:spcBef>
-              <a:buNone/>
-            </a:pPr>
-            <a:endParaRPr dirty="0"/>
-          </a:p>
-          <a:p>
-            <a:pPr marL="457200" lvl="0" indent="-317500" rtl="0">
-              <a:spcBef>
-                <a:spcPts val="0"/>
-              </a:spcBef>
-              <a:buClr>
-                <a:srgbClr val="000000"/>
-              </a:buClr>
-              <a:buSzPct val="100000"/>
-              <a:buFont typeface="Arial"/>
-              <a:buChar char="●"/>
-            </a:pPr>
-            <a:r>
-              <a:rPr lang="en" dirty="0"/>
-              <a:t>Via experimentation, a player learns new combinations.</a:t>
-            </a:r>
-          </a:p>
-          <a:p>
-            <a:pPr lvl="0" rtl="0">
-              <a:spcBef>
-                <a:spcPts val="0"/>
-              </a:spcBef>
-              <a:buNone/>
-            </a:pPr>
-            <a:endParaRPr dirty="0"/>
-          </a:p>
-          <a:p>
-            <a:pPr marL="457200" lvl="0" indent="-317500" rtl="0">
-              <a:spcBef>
-                <a:spcPts val="0"/>
-              </a:spcBef>
-              <a:buClr>
-                <a:srgbClr val="000000"/>
-              </a:buClr>
-              <a:buSzPct val="100000"/>
-              <a:buFont typeface="Arial"/>
-              <a:buChar char="●"/>
-            </a:pPr>
-            <a:r>
-              <a:rPr lang="en" dirty="0"/>
-              <a:t>The goal is to bring all pieces into their designated squares.</a:t>
+              <a:rPr sz="2400" lang="en"/>
+              <a:t>Using UML diagrams in the future would be wise.</a:t>
             </a:r>
           </a:p>
         </p:txBody>
@@ -5450,51 +6447,177 @@
 </p:sld>
 </file>
 
-<file path=ppt/slides/slide4.xml><?xml version="1.0" encoding="utf-8"?>
-<p:sld xmlns:a="http://schemas.openxmlformats.org/drawingml/2006/main" xmlns:r="http://schemas.openxmlformats.org/officeDocument/2006/relationships" xmlns:p="http://schemas.openxmlformats.org/presentationml/2006/main">
+<file path=ppt/slides/slide7.xml><?xml version="1.0" encoding="utf-8"?>
+<p:sld xmlns:a="http://schemas.openxmlformats.org/drawingml/2006/main" xmlns:r="http://schemas.openxmlformats.org/officeDocument/2006/relationships" xmlns:mc="http://schemas.openxmlformats.org/markup-compatibility/2006" xmlns:mv="urn:schemas-microsoft-com:mac:vml" xmlns:p="http://schemas.openxmlformats.org/presentationml/2006/main" xmlns:c="http://schemas.openxmlformats.org/drawingml/2006/chart" xmlns:dgm="http://schemas.openxmlformats.org/drawingml/2006/diagram" xmlns:o="urn:schemas-microsoft-com:office:office" xmlns:v="urn:schemas-microsoft-com:vml" xmlns:pvml="urn:schemas-microsoft-com:office:powerpoint" xmlns:com="http://schemas.openxmlformats.org/drawingml/2006/compatibility" xmlns:p14="http://schemas.microsoft.com/office/powerpoint/2010/main">
   <p:cSld>
     <p:spTree>
       <p:nvGrpSpPr>
-        <p:cNvPr id="1" name=""/>
+        <p:cNvPr id="109" name="Shape 109"/>
         <p:cNvGrpSpPr/>
         <p:nvPr/>
       </p:nvGrpSpPr>
       <p:grpSpPr>
         <a:xfrm>
-          <a:off x="0" y="0"/>
-          <a:ext cx="0" cy="0"/>
-          <a:chOff x="0" y="0"/>
-          <a:chExt cx="0" cy="0"/>
+          <a:off y="0" x="0"/>
+          <a:ext cy="0" cx="0"/>
+          <a:chOff y="0" x="0"/>
+          <a:chExt cy="0" cx="0"/>
         </a:xfrm>
       </p:grpSpPr>
       <p:sp>
         <p:nvSpPr>
-          <p:cNvPr id="2" name="Title 1"/>
-          <p:cNvSpPr>
-            <a:spLocks noGrp="1"/>
-          </p:cNvSpPr>
+          <p:cNvPr id="110" name="Shape 110"/>
+          <p:cNvSpPr txBox="1"/>
           <p:nvPr>
             <p:ph type="title"/>
           </p:nvPr>
         </p:nvSpPr>
-        <p:spPr/>
+        <p:spPr>
+          <a:xfrm>
+            <a:off y="205978" x="457200"/>
+            <a:ext cy="857400" cx="8229600"/>
+          </a:xfrm>
+          <a:prstGeom prst="rect">
+            <a:avLst/>
+          </a:prstGeom>
+        </p:spPr>
         <p:txBody>
-          <a:bodyPr/>
+          <a:bodyPr bIns="91425" rIns="91425" lIns="91425" tIns="91425" anchor="b" anchorCtr="0">
+            <a:noAutofit/>
+          </a:bodyPr>
           <a:lstStyle/>
           <a:p>
+            <a:pPr algn="ctr">
+              <a:spcBef>
+                <a:spcPts val="0"/>
+              </a:spcBef>
+              <a:buNone/>
+            </a:pPr>
             <a:r>
-              <a:rPr lang="en-US" dirty="0" smtClean="0">
+              <a:rPr lang="en">
                 <a:solidFill>
-                  <a:schemeClr val="tx1"/>
+                  <a:srgbClr val="000000"/>
                 </a:solidFill>
               </a:rPr>
-              <a:t>Demo</a:t>
+              <a:t>Demo Time!</a:t>
             </a:r>
-            <a:endParaRPr lang="en-US" dirty="0">
-              <a:solidFill>
-                <a:schemeClr val="tx1"/>
-              </a:solidFill>
-            </a:endParaRPr>
+          </a:p>
+        </p:txBody>
+      </p:sp>
+      <p:pic>
+        <p:nvPicPr>
+          <p:cNvPr id="111" name="Shape 111"/>
+          <p:cNvPicPr preferRelativeResize="0"/>
+          <p:nvPr/>
+        </p:nvPicPr>
+        <p:blipFill>
+          <a:blip r:embed="rId3">
+            <a:alphaModFix/>
+          </a:blip>
+          <a:stretch>
+            <a:fillRect/>
+          </a:stretch>
+        </p:blipFill>
+        <p:spPr>
+          <a:xfrm>
+            <a:off y="1457750" x="2157400"/>
+            <a:ext cy="3048000" cx="4829175"/>
+          </a:xfrm>
+          <a:prstGeom prst="rect">
+            <a:avLst/>
+          </a:prstGeom>
+          <a:noFill/>
+          <a:ln>
+            <a:noFill/>
+          </a:ln>
+        </p:spPr>
+      </p:pic>
+      <p:sp>
+        <p:nvSpPr>
+          <p:cNvPr id="112" name="Shape 112"/>
+          <p:cNvSpPr txBox="1"/>
+          <p:nvPr/>
+        </p:nvSpPr>
+        <p:spPr>
+          <a:xfrm rot="1115290">
+            <a:off y="3749818" x="6060515"/>
+            <a:ext cy="549763" cx="1383469"/>
+          </a:xfrm>
+          <a:prstGeom prst="rect">
+            <a:avLst/>
+          </a:prstGeom>
+          <a:noFill/>
+          <a:ln>
+            <a:noFill/>
+          </a:ln>
+        </p:spPr>
+        <p:txBody>
+          <a:bodyPr bIns="91425" rIns="91425" lIns="91425" tIns="91425" anchor="t" anchorCtr="0">
+            <a:noAutofit/>
+          </a:bodyPr>
+          <a:lstStyle/>
+          <a:p>
+            <a:pPr>
+              <a:spcBef>
+                <a:spcPts val="0"/>
+              </a:spcBef>
+              <a:buNone/>
+            </a:pPr>
+            <a:r>
+              <a:rPr b="1" sz="1800" lang="en">
+                <a:solidFill>
+                  <a:srgbClr val="FFFFFF"/>
+                </a:solidFill>
+                <a:latin typeface="Impact"/>
+                <a:ea typeface="Impact"/>
+                <a:cs typeface="Impact"/>
+                <a:sym typeface="Impact"/>
+              </a:rPr>
+              <a:t>I  love puzzles!</a:t>
+            </a:r>
+          </a:p>
+        </p:txBody>
+      </p:sp>
+      <p:sp>
+        <p:nvSpPr>
+          <p:cNvPr id="113" name="Shape 113"/>
+          <p:cNvSpPr txBox="1"/>
+          <p:nvPr/>
+        </p:nvSpPr>
+        <p:spPr>
+          <a:xfrm rot="-626633">
+            <a:off y="1473559" x="1506410"/>
+            <a:ext cy="506980" cx="1525879"/>
+          </a:xfrm>
+          <a:prstGeom prst="rect">
+            <a:avLst/>
+          </a:prstGeom>
+          <a:noFill/>
+          <a:ln>
+            <a:noFill/>
+          </a:ln>
+        </p:spPr>
+        <p:txBody>
+          <a:bodyPr bIns="91425" rIns="91425" lIns="91425" tIns="91425" anchor="t" anchorCtr="0">
+            <a:noAutofit/>
+          </a:bodyPr>
+          <a:lstStyle/>
+          <a:p>
+            <a:pPr>
+              <a:spcBef>
+                <a:spcPts val="0"/>
+              </a:spcBef>
+              <a:buNone/>
+            </a:pPr>
+            <a:r>
+              <a:rPr b="1" sz="2400" lang="en">
+                <a:latin typeface="Impact"/>
+                <a:ea typeface="Impact"/>
+                <a:cs typeface="Impact"/>
+                <a:sym typeface="Impact"/>
+              </a:rPr>
+              <a:t>So Swag!</a:t>
+            </a:r>
           </a:p>
         </p:txBody>
       </p:sp>
@@ -5503,13 +6626,16 @@
   <p:clrMapOvr>
     <a:masterClrMapping/>
   </p:clrMapOvr>
+  <p:transition spd="slow">
+    <p:cut/>
+  </p:transition>
 </p:sld>
 </file>
 
 <file path=ppt/theme/theme1.xml><?xml version="1.0" encoding="utf-8"?>
-<a:theme xmlns:a="http://schemas.openxmlformats.org/drawingml/2006/main" name="spotlight">
+<a:theme xmlns:a="http://schemas.openxmlformats.org/drawingml/2006/main" xmlns:r="http://schemas.openxmlformats.org/officeDocument/2006/relationships" name="Custom Theme">
   <a:themeElements>
-    <a:clrScheme name="Custom 439">
+    <a:clrScheme name="Default">
       <a:dk1>
         <a:srgbClr val="000000"/>
       </a:dk1>
@@ -5517,34 +6643,34 @@
         <a:srgbClr val="FFFFFF"/>
       </a:lt1>
       <a:dk2>
-        <a:srgbClr val="5C6E95"/>
+        <a:srgbClr val="158158"/>
       </a:dk2>
       <a:lt2>
-        <a:srgbClr val="ACB4C2"/>
+        <a:srgbClr val="F3F3F3"/>
       </a:lt2>
       <a:accent1>
-        <a:srgbClr val="667E50"/>
+        <a:srgbClr val="058DC7"/>
       </a:accent1>
       <a:accent2>
-        <a:srgbClr val="CFBF73"/>
+        <a:srgbClr val="50B432"/>
       </a:accent2>
       <a:accent3>
-        <a:srgbClr val="8C7C82"/>
+        <a:srgbClr val="ED561B"/>
       </a:accent3>
       <a:accent4>
-        <a:srgbClr val="9ABF87"/>
+        <a:srgbClr val="EDEF00"/>
       </a:accent4>
       <a:accent5>
-        <a:srgbClr val="CF9462"/>
+        <a:srgbClr val="24CBE5"/>
       </a:accent5>
       <a:accent6>
-        <a:srgbClr val="A25642"/>
+        <a:srgbClr val="64E572"/>
       </a:accent6>
       <a:hlink>
-        <a:srgbClr val="5173A5"/>
+        <a:srgbClr val="2200CC"/>
       </a:hlink>
       <a:folHlink>
-        <a:srgbClr val="687282"/>
+        <a:srgbClr val="551A8B"/>
       </a:folHlink>
     </a:clrScheme>
     <a:fontScheme name="Office">
@@ -5552,69 +6678,69 @@
         <a:latin typeface="Arial"/>
         <a:ea typeface=""/>
         <a:cs typeface=""/>
-        <a:font script="Jpan" typeface="ＭＳ Ｐゴシック"/>
-        <a:font script="Hang" typeface="맑은 고딕"/>
-        <a:font script="Hans" typeface="宋体"/>
-        <a:font script="Hant" typeface="新細明體"/>
-        <a:font script="Arab" typeface="Times New Roman"/>
-        <a:font script="Hebr" typeface="Times New Roman"/>
-        <a:font script="Thai" typeface="Angsana New"/>
-        <a:font script="Ethi" typeface="Nyala"/>
-        <a:font script="Beng" typeface="Vrinda"/>
-        <a:font script="Gujr" typeface="Shruti"/>
-        <a:font script="Khmr" typeface="MoolBoran"/>
-        <a:font script="Knda" typeface="Tunga"/>
-        <a:font script="Guru" typeface="Raavi"/>
-        <a:font script="Cans" typeface="Euphemia"/>
-        <a:font script="Cher" typeface="Plantagenet Cherokee"/>
-        <a:font script="Yiii" typeface="Microsoft Yi Baiti"/>
-        <a:font script="Tibt" typeface="Microsoft Himalaya"/>
-        <a:font script="Thaa" typeface="MV Boli"/>
-        <a:font script="Deva" typeface="Mangal"/>
-        <a:font script="Telu" typeface="Gautami"/>
-        <a:font script="Taml" typeface="Latha"/>
-        <a:font script="Syrc" typeface="Estrangelo Edessa"/>
-        <a:font script="Orya" typeface="Kalinga"/>
-        <a:font script="Mlym" typeface="Kartika"/>
-        <a:font script="Laoo" typeface="DokChampa"/>
-        <a:font script="Sinh" typeface="Iskoola Pota"/>
-        <a:font script="Mong" typeface="Mongolian Baiti"/>
-        <a:font script="Viet" typeface="Times New Roman"/>
-        <a:font script="Uigh" typeface="Microsoft Uighur"/>
+        <a:font typeface="ＭＳ Ｐゴシック" script="Jpan"/>
+        <a:font typeface="맑은 고딕" script="Hang"/>
+        <a:font typeface="宋体" script="Hans"/>
+        <a:font typeface="新細明體" script="Hant"/>
+        <a:font typeface="Times New Roman" script="Arab"/>
+        <a:font typeface="Times New Roman" script="Hebr"/>
+        <a:font typeface="Angsana New" script="Thai"/>
+        <a:font typeface="Nyala" script="Ethi"/>
+        <a:font typeface="Vrinda" script="Beng"/>
+        <a:font typeface="Shruti" script="Gujr"/>
+        <a:font typeface="MoolBoran" script="Khmr"/>
+        <a:font typeface="Tunga" script="Knda"/>
+        <a:font typeface="Raavi" script="Guru"/>
+        <a:font typeface="Euphemia" script="Cans"/>
+        <a:font typeface="Plantagenet Cherokee" script="Cher"/>
+        <a:font typeface="Microsoft Yi Baiti" script="Yiii"/>
+        <a:font typeface="Microsoft Himalaya" script="Tibt"/>
+        <a:font typeface="MV Boli" script="Thaa"/>
+        <a:font typeface="Mangal" script="Deva"/>
+        <a:font typeface="Gautami" script="Telu"/>
+        <a:font typeface="Latha" script="Taml"/>
+        <a:font typeface="Estrangelo Edessa" script="Syrc"/>
+        <a:font typeface="Kalinga" script="Orya"/>
+        <a:font typeface="Kartika" script="Mlym"/>
+        <a:font typeface="DokChampa" script="Laoo"/>
+        <a:font typeface="Iskoola Pota" script="Sinh"/>
+        <a:font typeface="Mongolian Baiti" script="Mong"/>
+        <a:font typeface="Times New Roman" script="Viet"/>
+        <a:font typeface="Microsoft Uighur" script="Uigh"/>
       </a:majorFont>
       <a:minorFont>
         <a:latin typeface="Arial"/>
         <a:ea typeface=""/>
         <a:cs typeface=""/>
-        <a:font script="Jpan" typeface="ＭＳ Ｐゴシック"/>
-        <a:font script="Hang" typeface="맑은 고딕"/>
-        <a:font script="Hans" typeface="宋体"/>
-        <a:font script="Hant" typeface="新細明體"/>
-        <a:font script="Arab" typeface="Times New Roman"/>
-        <a:font script="Hebr" typeface="Times New Roman"/>
-        <a:font script="Thai" typeface="Angsana New"/>
-        <a:font script="Ethi" typeface="Nyala"/>
-        <a:font script="Beng" typeface="Vrinda"/>
-        <a:font script="Gujr" typeface="Shruti"/>
-        <a:font script="Khmr" typeface="MoolBoran"/>
-        <a:font script="Knda" typeface="Tunga"/>
-        <a:font script="Guru" typeface="Raavi"/>
-        <a:font script="Cans" typeface="Euphemia"/>
-        <a:font script="Cher" typeface="Plantagenet Cherokee"/>
-        <a:font script="Yiii" typeface="Microsoft Yi Baiti"/>
-        <a:font script="Tibt" typeface="Microsoft Himalaya"/>
-        <a:font script="Thaa" typeface="MV Boli"/>
-        <a:font script="Deva" typeface="Mangal"/>
-        <a:font script="Telu" typeface="Gautami"/>
-        <a:font script="Taml" typeface="Latha"/>
-        <a:font script="Syrc" typeface="Estrangelo Edessa"/>
-        <a:font script="Orya" typeface="Kalinga"/>
-        <a:font script="Mlym" typeface="Kartika"/>
-        <a:font script="Laoo" typeface="DokChampa"/>
-        <a:font script="Sinh" typeface="Iskoola Pota"/>
-        <a:font script="Mong" typeface="Mongolian Baiti"/>
-        <a:font script="Viet" typeface="Times New Roman"/>
-        <a:font script="Uigh" typeface="Microsoft Uighur"/>
+        <a:font typeface="ＭＳ Ｐゴシック" script="Jpan"/>
+        <a:font typeface="맑은 고딕" script="Hang"/>
+        <a:font typeface="宋体" script="Hans"/>
+        <a:font typeface="新細明體" script="Hant"/>
+        <a:font typeface="Times New Roman" script="Arab"/>
+        <a:font typeface="Times New Roman" script="Hebr"/>
+        <a:font typeface="Angsana New" script="Thai"/>
+        <a:font typeface="Nyala" script="Ethi"/>
+        <a:font typeface="Vrinda" script="Beng"/>
+        <a:font typeface="Shruti" script="Gujr"/>
+        <a:font typeface="MoolBoran" script="Khmr"/>
+        <a:font typeface="Tunga" script="Knda"/>
+        <a:font typeface="Raavi" script="Guru"/>
+        <a:font typeface="Euphemia" script="Cans"/>
+        <a:font typeface="Plantagenet Cherokee" script="Cher"/>
+        <a:font typeface="Microsoft Yi Baiti" script="Yiii"/>
+        <a:font typeface="Microsoft Himalaya" script="Tibt"/>
+        <a:font typeface="MV Boli" script="Thaa"/>
+        <a:font typeface="Mangal" script="Deva"/>
+        <a:font typeface="Gautami" script="Telu"/>
+        <a:font typeface="Latha" script="Taml"/>
+        <a:font typeface="Estrangelo Edessa" script="Syrc"/>
+        <a:font typeface="Kalinga" script="Orya"/>
+        <a:font typeface="Kartika" script="Mlym"/>
+        <a:font typeface="DokChampa" script="Laoo"/>
+        <a:font typeface="Iskoola Pota" script="Sinh"/>
+        <a:font typeface="Mongolian Baiti" script="Mong"/>
+        <a:font typeface="Times New Roman" script="Viet"/>
+        <a:font typeface="Microsoft Uighur" script="Uigh"/>
       </a:minorFont>
     </a:fontScheme>
     <a:fmtScheme name="Office">
@@ -5666,7 +6792,7 @@
         </a:gradFill>
       </a:fillStyleLst>
       <a:lnStyleLst>
-        <a:ln w="9525" cap="flat" cmpd="sng" algn="ctr">
+        <a:ln w="9525" algn="ctr" cap="flat" cmpd="sng">
           <a:solidFill>
             <a:schemeClr val="phClr">
               <a:shade val="95000"/>
@@ -5675,13 +6801,13 @@
           </a:solidFill>
           <a:prstDash val="solid"/>
         </a:ln>
-        <a:ln w="25400" cap="flat" cmpd="sng" algn="ctr">
+        <a:ln w="25400" algn="ctr" cap="flat" cmpd="sng">
           <a:solidFill>
             <a:schemeClr val="phClr"/>
           </a:solidFill>
           <a:prstDash val="solid"/>
         </a:ln>
-        <a:ln w="38100" cap="flat" cmpd="sng" algn="ctr">
+        <a:ln w="38100" algn="ctr" cap="flat" cmpd="sng">
           <a:solidFill>
             <a:schemeClr val="phClr"/>
           </a:solidFill>
@@ -5691,7 +6817,7 @@
       <a:effectStyleLst>
         <a:effectStyle>
           <a:effectLst>
-            <a:outerShdw blurRad="40000" dist="20000" dir="5400000" rotWithShape="0">
+            <a:outerShdw rotWithShape="0" dir="5400000" blurRad="40000" dist="20000">
               <a:srgbClr val="000000">
                 <a:alpha val="38000"/>
               </a:srgbClr>
@@ -5700,7 +6826,7 @@
         </a:effectStyle>
         <a:effectStyle>
           <a:effectLst>
-            <a:outerShdw blurRad="40000" dist="23000" dir="5400000" rotWithShape="0">
+            <a:outerShdw rotWithShape="0" dir="5400000" blurRad="40000" dist="23000">
               <a:srgbClr val="000000">
                 <a:alpha val="35000"/>
               </a:srgbClr>
@@ -5709,7 +6835,7 @@
         </a:effectStyle>
         <a:effectStyle>
           <a:effectLst>
-            <a:outerShdw blurRad="40000" dist="23000" dir="5400000" rotWithShape="0">
+            <a:outerShdw rotWithShape="0" dir="5400000" blurRad="40000" dist="23000">
               <a:srgbClr val="000000">
                 <a:alpha val="35000"/>
               </a:srgbClr>
@@ -5717,10 +6843,10 @@
           </a:effectLst>
           <a:scene3d>
             <a:camera prst="orthographicFront">
-              <a:rot lat="0" lon="0" rev="0"/>
+              <a:rot rev="0" lon="0" lat="0"/>
             </a:camera>
-            <a:lightRig rig="threePt" dir="t">
-              <a:rot lat="0" lon="0" rev="1200000"/>
+            <a:lightRig dir="t" rig="threePt">
+              <a:rot rev="1200000" lon="0" lat="0"/>
             </a:lightRig>
           </a:scene3d>
           <a:sp3d>
@@ -5755,7 +6881,7 @@
             </a:gs>
           </a:gsLst>
           <a:path path="circle">
-            <a:fillToRect l="50000" t="-80000" r="50000" b="180000"/>
+            <a:fillToRect t="-80000" b="180000" r="50000" l="50000"/>
           </a:path>
         </a:gradFill>
         <a:gradFill rotWithShape="1">
@@ -5774,21 +6900,19 @@
             </a:gs>
           </a:gsLst>
           <a:path path="circle">
-            <a:fillToRect l="50000" t="50000" r="50000" b="50000"/>
+            <a:fillToRect t="50000" b="50000" r="50000" l="50000"/>
           </a:path>
         </a:gradFill>
       </a:bgFillStyleLst>
     </a:fmtScheme>
   </a:themeElements>
-  <a:objectDefaults/>
-  <a:extraClrSchemeLst/>
 </a:theme>
 </file>
 
 <file path=ppt/theme/theme2.xml><?xml version="1.0" encoding="utf-8"?>
-<a:theme xmlns:a="http://schemas.openxmlformats.org/drawingml/2006/main" name="Custom Theme">
+<a:theme xmlns:a="http://schemas.openxmlformats.org/drawingml/2006/main" xmlns:r="http://schemas.openxmlformats.org/officeDocument/2006/relationships" name="spotlight">
   <a:themeElements>
-    <a:clrScheme name="Default">
+    <a:clrScheme name="Custom 439">
       <a:dk1>
         <a:srgbClr val="000000"/>
       </a:dk1>
@@ -5796,34 +6920,34 @@
         <a:srgbClr val="FFFFFF"/>
       </a:lt1>
       <a:dk2>
-        <a:srgbClr val="158158"/>
+        <a:srgbClr val="5C6E95"/>
       </a:dk2>
       <a:lt2>
-        <a:srgbClr val="F3F3F3"/>
+        <a:srgbClr val="ACB4C2"/>
       </a:lt2>
       <a:accent1>
-        <a:srgbClr val="058DC7"/>
+        <a:srgbClr val="667E50"/>
       </a:accent1>
       <a:accent2>
-        <a:srgbClr val="50B432"/>
+        <a:srgbClr val="CFBF73"/>
       </a:accent2>
       <a:accent3>
-        <a:srgbClr val="ED561B"/>
+        <a:srgbClr val="8C7C82"/>
       </a:accent3>
       <a:accent4>
-        <a:srgbClr val="EDEF00"/>
+        <a:srgbClr val="9ABF87"/>
       </a:accent4>
       <a:accent5>
-        <a:srgbClr val="24CBE5"/>
+        <a:srgbClr val="CF9462"/>
       </a:accent5>
       <a:accent6>
-        <a:srgbClr val="64E572"/>
+        <a:srgbClr val="A25642"/>
       </a:accent6>
       <a:hlink>
-        <a:srgbClr val="2200CC"/>
+        <a:srgbClr val="5173A5"/>
       </a:hlink>
       <a:folHlink>
-        <a:srgbClr val="551A8B"/>
+        <a:srgbClr val="687282"/>
       </a:folHlink>
     </a:clrScheme>
     <a:fontScheme name="Office">
@@ -5831,69 +6955,69 @@
         <a:latin typeface="Arial"/>
         <a:ea typeface=""/>
         <a:cs typeface=""/>
-        <a:font script="Jpan" typeface="ＭＳ Ｐゴシック"/>
-        <a:font script="Hang" typeface="맑은 고딕"/>
-        <a:font script="Hans" typeface="宋体"/>
-        <a:font script="Hant" typeface="新細明體"/>
-        <a:font script="Arab" typeface="Times New Roman"/>
-        <a:font script="Hebr" typeface="Times New Roman"/>
-        <a:font script="Thai" typeface="Angsana New"/>
-        <a:font script="Ethi" typeface="Nyala"/>
-        <a:font script="Beng" typeface="Vrinda"/>
-        <a:font script="Gujr" typeface="Shruti"/>
-        <a:font script="Khmr" typeface="MoolBoran"/>
-        <a:font script="Knda" typeface="Tunga"/>
-        <a:font script="Guru" typeface="Raavi"/>
-        <a:font script="Cans" typeface="Euphemia"/>
-        <a:font script="Cher" typeface="Plantagenet Cherokee"/>
-        <a:font script="Yiii" typeface="Microsoft Yi Baiti"/>
-        <a:font script="Tibt" typeface="Microsoft Himalaya"/>
-        <a:font script="Thaa" typeface="MV Boli"/>
-        <a:font script="Deva" typeface="Mangal"/>
-        <a:font script="Telu" typeface="Gautami"/>
-        <a:font script="Taml" typeface="Latha"/>
-        <a:font script="Syrc" typeface="Estrangelo Edessa"/>
-        <a:font script="Orya" typeface="Kalinga"/>
-        <a:font script="Mlym" typeface="Kartika"/>
-        <a:font script="Laoo" typeface="DokChampa"/>
-        <a:font script="Sinh" typeface="Iskoola Pota"/>
-        <a:font script="Mong" typeface="Mongolian Baiti"/>
-        <a:font script="Viet" typeface="Times New Roman"/>
-        <a:font script="Uigh" typeface="Microsoft Uighur"/>
+        <a:font typeface="ＭＳ Ｐゴシック" script="Jpan"/>
+        <a:font typeface="맑은 고딕" script="Hang"/>
+        <a:font typeface="宋体" script="Hans"/>
+        <a:font typeface="新細明體" script="Hant"/>
+        <a:font typeface="Times New Roman" script="Arab"/>
+        <a:font typeface="Times New Roman" script="Hebr"/>
+        <a:font typeface="Angsana New" script="Thai"/>
+        <a:font typeface="Nyala" script="Ethi"/>
+        <a:font typeface="Vrinda" script="Beng"/>
+        <a:font typeface="Shruti" script="Gujr"/>
+        <a:font typeface="MoolBoran" script="Khmr"/>
+        <a:font typeface="Tunga" script="Knda"/>
+        <a:font typeface="Raavi" script="Guru"/>
+        <a:font typeface="Euphemia" script="Cans"/>
+        <a:font typeface="Plantagenet Cherokee" script="Cher"/>
+        <a:font typeface="Microsoft Yi Baiti" script="Yiii"/>
+        <a:font typeface="Microsoft Himalaya" script="Tibt"/>
+        <a:font typeface="MV Boli" script="Thaa"/>
+        <a:font typeface="Mangal" script="Deva"/>
+        <a:font typeface="Gautami" script="Telu"/>
+        <a:font typeface="Latha" script="Taml"/>
+        <a:font typeface="Estrangelo Edessa" script="Syrc"/>
+        <a:font typeface="Kalinga" script="Orya"/>
+        <a:font typeface="Kartika" script="Mlym"/>
+        <a:font typeface="DokChampa" script="Laoo"/>
+        <a:font typeface="Iskoola Pota" script="Sinh"/>
+        <a:font typeface="Mongolian Baiti" script="Mong"/>
+        <a:font typeface="Times New Roman" script="Viet"/>
+        <a:font typeface="Microsoft Uighur" script="Uigh"/>
       </a:majorFont>
       <a:minorFont>
         <a:latin typeface="Arial"/>
         <a:ea typeface=""/>
         <a:cs typeface=""/>
-        <a:font script="Jpan" typeface="ＭＳ Ｐゴシック"/>
-        <a:font script="Hang" typeface="맑은 고딕"/>
-        <a:font script="Hans" typeface="宋体"/>
-        <a:font script="Hant" typeface="新細明體"/>
-        <a:font script="Arab" typeface="Times New Roman"/>
-        <a:font script="Hebr" typeface="Times New Roman"/>
-        <a:font script="Thai" typeface="Angsana New"/>
-        <a:font script="Ethi" typeface="Nyala"/>
-        <a:font script="Beng" typeface="Vrinda"/>
-        <a:font script="Gujr" typeface="Shruti"/>
-        <a:font script="Khmr" typeface="MoolBoran"/>
-        <a:font script="Knda" typeface="Tunga"/>
-        <a:font script="Guru" typeface="Raavi"/>
-        <a:font script="Cans" typeface="Euphemia"/>
-        <a:font script="Cher" typeface="Plantagenet Cherokee"/>
-        <a:font script="Yiii" typeface="Microsoft Yi Baiti"/>
-        <a:font script="Tibt" typeface="Microsoft Himalaya"/>
-        <a:font script="Thaa" typeface="MV Boli"/>
-        <a:font script="Deva" typeface="Mangal"/>
-        <a:font script="Telu" typeface="Gautami"/>
-        <a:font script="Taml" typeface="Latha"/>
-        <a:font script="Syrc" typeface="Estrangelo Edessa"/>
-        <a:font script="Orya" typeface="Kalinga"/>
-        <a:font script="Mlym" typeface="Kartika"/>
-        <a:font script="Laoo" typeface="DokChampa"/>
-        <a:font script="Sinh" typeface="Iskoola Pota"/>
-        <a:font script="Mong" typeface="Mongolian Baiti"/>
-        <a:font script="Viet" typeface="Times New Roman"/>
-        <a:font script="Uigh" typeface="Microsoft Uighur"/>
+        <a:font typeface="ＭＳ Ｐゴシック" script="Jpan"/>
+        <a:font typeface="맑은 고딕" script="Hang"/>
+        <a:font typeface="宋体" script="Hans"/>
+        <a:font typeface="新細明體" script="Hant"/>
+        <a:font typeface="Times New Roman" script="Arab"/>
+        <a:font typeface="Times New Roman" script="Hebr"/>
+        <a:font typeface="Angsana New" script="Thai"/>
+        <a:font typeface="Nyala" script="Ethi"/>
+        <a:font typeface="Vrinda" script="Beng"/>
+        <a:font typeface="Shruti" script="Gujr"/>
+        <a:font typeface="MoolBoran" script="Khmr"/>
+        <a:font typeface="Tunga" script="Knda"/>
+        <a:font typeface="Raavi" script="Guru"/>
+        <a:font typeface="Euphemia" script="Cans"/>
+        <a:font typeface="Plantagenet Cherokee" script="Cher"/>
+        <a:font typeface="Microsoft Yi Baiti" script="Yiii"/>
+        <a:font typeface="Microsoft Himalaya" script="Tibt"/>
+        <a:font typeface="MV Boli" script="Thaa"/>
+        <a:font typeface="Mangal" script="Deva"/>
+        <a:font typeface="Gautami" script="Telu"/>
+        <a:font typeface="Latha" script="Taml"/>
+        <a:font typeface="Estrangelo Edessa" script="Syrc"/>
+        <a:font typeface="Kalinga" script="Orya"/>
+        <a:font typeface="Kartika" script="Mlym"/>
+        <a:font typeface="DokChampa" script="Laoo"/>
+        <a:font typeface="Iskoola Pota" script="Sinh"/>
+        <a:font typeface="Mongolian Baiti" script="Mong"/>
+        <a:font typeface="Times New Roman" script="Viet"/>
+        <a:font typeface="Microsoft Uighur" script="Uigh"/>
       </a:minorFont>
     </a:fontScheme>
     <a:fmtScheme name="Office">
@@ -5945,7 +7069,7 @@
         </a:gradFill>
       </a:fillStyleLst>
       <a:lnStyleLst>
-        <a:ln w="9525" cap="flat" cmpd="sng" algn="ctr">
+        <a:ln w="9525" algn="ctr" cap="flat" cmpd="sng">
           <a:solidFill>
             <a:schemeClr val="phClr">
               <a:shade val="95000"/>
@@ -5954,13 +7078,13 @@
           </a:solidFill>
           <a:prstDash val="solid"/>
         </a:ln>
-        <a:ln w="25400" cap="flat" cmpd="sng" algn="ctr">
+        <a:ln w="25400" algn="ctr" cap="flat" cmpd="sng">
           <a:solidFill>
             <a:schemeClr val="phClr"/>
           </a:solidFill>
           <a:prstDash val="solid"/>
         </a:ln>
-        <a:ln w="38100" cap="flat" cmpd="sng" algn="ctr">
+        <a:ln w="38100" algn="ctr" cap="flat" cmpd="sng">
           <a:solidFill>
             <a:schemeClr val="phClr"/>
           </a:solidFill>
@@ -5970,7 +7094,7 @@
       <a:effectStyleLst>
         <a:effectStyle>
           <a:effectLst>
-            <a:outerShdw blurRad="40000" dist="20000" dir="5400000" rotWithShape="0">
+            <a:outerShdw rotWithShape="0" dir="5400000" blurRad="40000" dist="20000">
               <a:srgbClr val="000000">
                 <a:alpha val="38000"/>
               </a:srgbClr>
@@ -5979,7 +7103,7 @@
         </a:effectStyle>
         <a:effectStyle>
           <a:effectLst>
-            <a:outerShdw blurRad="40000" dist="23000" dir="5400000" rotWithShape="0">
+            <a:outerShdw rotWithShape="0" dir="5400000" blurRad="40000" dist="23000">
               <a:srgbClr val="000000">
                 <a:alpha val="35000"/>
               </a:srgbClr>
@@ -5988,7 +7112,7 @@
         </a:effectStyle>
         <a:effectStyle>
           <a:effectLst>
-            <a:outerShdw blurRad="40000" dist="23000" dir="5400000" rotWithShape="0">
+            <a:outerShdw rotWithShape="0" dir="5400000" blurRad="40000" dist="23000">
               <a:srgbClr val="000000">
                 <a:alpha val="35000"/>
               </a:srgbClr>
@@ -5996,10 +7120,10 @@
           </a:effectLst>
           <a:scene3d>
             <a:camera prst="orthographicFront">
-              <a:rot lat="0" lon="0" rev="0"/>
+              <a:rot rev="0" lon="0" lat="0"/>
             </a:camera>
-            <a:lightRig rig="threePt" dir="t">
-              <a:rot lat="0" lon="0" rev="1200000"/>
+            <a:lightRig dir="t" rig="threePt">
+              <a:rot rev="1200000" lon="0" lat="0"/>
             </a:lightRig>
           </a:scene3d>
           <a:sp3d>
@@ -6034,7 +7158,7 @@
             </a:gs>
           </a:gsLst>
           <a:path path="circle">
-            <a:fillToRect l="50000" t="-80000" r="50000" b="180000"/>
+            <a:fillToRect t="-80000" b="180000" r="50000" l="50000"/>
           </a:path>
         </a:gradFill>
         <a:gradFill rotWithShape="1">
@@ -6053,13 +7177,328 @@
             </a:gs>
           </a:gsLst>
           <a:path path="circle">
-            <a:fillToRect l="50000" t="50000" r="50000" b="50000"/>
+            <a:fillToRect t="50000" b="50000" r="50000" l="50000"/>
           </a:path>
         </a:gradFill>
       </a:bgFillStyleLst>
     </a:fmtScheme>
   </a:themeElements>
-  <a:objectDefaults/>
-  <a:extraClrSchemeLst/>
+</a:theme>
+</file>
+
+<file path=ppt/theme/theme3.xml><?xml version="1.0" encoding="utf-8"?>
+<a:theme xmlns:a="http://schemas.openxmlformats.org/drawingml/2006/main" xmlns:r="http://schemas.openxmlformats.org/officeDocument/2006/relationships" name="Office Theme">
+  <a:themeElements>
+    <a:clrScheme name="Office">
+      <a:dk1>
+        <a:sysClr val="windowText" lastClr="000000"/>
+      </a:dk1>
+      <a:lt1>
+        <a:sysClr val="window" lastClr="FFFFFF"/>
+      </a:lt1>
+      <a:dk2>
+        <a:srgbClr val="1F497D"/>
+      </a:dk2>
+      <a:lt2>
+        <a:srgbClr val="EEECE1"/>
+      </a:lt2>
+      <a:accent1>
+        <a:srgbClr val="4F81BD"/>
+      </a:accent1>
+      <a:accent2>
+        <a:srgbClr val="C0504D"/>
+      </a:accent2>
+      <a:accent3>
+        <a:srgbClr val="9BBB59"/>
+      </a:accent3>
+      <a:accent4>
+        <a:srgbClr val="8064A2"/>
+      </a:accent4>
+      <a:accent5>
+        <a:srgbClr val="4BACC6"/>
+      </a:accent5>
+      <a:accent6>
+        <a:srgbClr val="F79646"/>
+      </a:accent6>
+      <a:hlink>
+        <a:srgbClr val="0000FF"/>
+      </a:hlink>
+      <a:folHlink>
+        <a:srgbClr val="800080"/>
+      </a:folHlink>
+    </a:clrScheme>
+    <a:fontScheme name="Office">
+      <a:majorFont>
+        <a:latin typeface="Arial"/>
+        <a:ea typeface=""/>
+        <a:cs typeface=""/>
+        <a:font typeface="ＭＳ Ｐゴシック" script="Jpan"/>
+        <a:font typeface="맑은 고딕" script="Hang"/>
+        <a:font typeface="宋体" script="Hans"/>
+        <a:font typeface="新細明體" script="Hant"/>
+        <a:font typeface="Times New Roman" script="Arab"/>
+        <a:font typeface="Times New Roman" script="Hebr"/>
+        <a:font typeface="Angsana New" script="Thai"/>
+        <a:font typeface="Nyala" script="Ethi"/>
+        <a:font typeface="Vrinda" script="Beng"/>
+        <a:font typeface="Shruti" script="Gujr"/>
+        <a:font typeface="MoolBoran" script="Khmr"/>
+        <a:font typeface="Tunga" script="Knda"/>
+        <a:font typeface="Raavi" script="Guru"/>
+        <a:font typeface="Euphemia" script="Cans"/>
+        <a:font typeface="Plantagenet Cherokee" script="Cher"/>
+        <a:font typeface="Microsoft Yi Baiti" script="Yiii"/>
+        <a:font typeface="Microsoft Himalaya" script="Tibt"/>
+        <a:font typeface="MV Boli" script="Thaa"/>
+        <a:font typeface="Mangal" script="Deva"/>
+        <a:font typeface="Gautami" script="Telu"/>
+        <a:font typeface="Latha" script="Taml"/>
+        <a:font typeface="Estrangelo Edessa" script="Syrc"/>
+        <a:font typeface="Kalinga" script="Orya"/>
+        <a:font typeface="Kartika" script="Mlym"/>
+        <a:font typeface="DokChampa" script="Laoo"/>
+        <a:font typeface="Iskoola Pota" script="Sinh"/>
+        <a:font typeface="Mongolian Baiti" script="Mong"/>
+        <a:font typeface="Times New Roman" script="Viet"/>
+        <a:font typeface="Microsoft Uighur" script="Uigh"/>
+      </a:majorFont>
+      <a:minorFont>
+        <a:latin typeface="Arial"/>
+        <a:ea typeface=""/>
+        <a:cs typeface=""/>
+        <a:font typeface="ＭＳ Ｐゴシック" script="Jpan"/>
+        <a:font typeface="맑은 고딕" script="Hang"/>
+        <a:font typeface="宋体" script="Hans"/>
+        <a:font typeface="新細明體" script="Hant"/>
+        <a:font typeface="Times New Roman" script="Arab"/>
+        <a:font typeface="Times New Roman" script="Hebr"/>
+        <a:font typeface="Angsana New" script="Thai"/>
+        <a:font typeface="Nyala" script="Ethi"/>
+        <a:font typeface="Vrinda" script="Beng"/>
+        <a:font typeface="Shruti" script="Gujr"/>
+        <a:font typeface="MoolBoran" script="Khmr"/>
+        <a:font typeface="Tunga" script="Knda"/>
+        <a:font typeface="Raavi" script="Guru"/>
+        <a:font typeface="Euphemia" script="Cans"/>
+        <a:font typeface="Plantagenet Cherokee" script="Cher"/>
+        <a:font typeface="Microsoft Yi Baiti" script="Yiii"/>
+        <a:font typeface="Microsoft Himalaya" script="Tibt"/>
+        <a:font typeface="MV Boli" script="Thaa"/>
+        <a:font typeface="Mangal" script="Deva"/>
+        <a:font typeface="Gautami" script="Telu"/>
+        <a:font typeface="Latha" script="Taml"/>
+        <a:font typeface="Estrangelo Edessa" script="Syrc"/>
+        <a:font typeface="Kalinga" script="Orya"/>
+        <a:font typeface="Kartika" script="Mlym"/>
+        <a:font typeface="DokChampa" script="Laoo"/>
+        <a:font typeface="Iskoola Pota" script="Sinh"/>
+        <a:font typeface="Mongolian Baiti" script="Mong"/>
+        <a:font typeface="Times New Roman" script="Viet"/>
+        <a:font typeface="Microsoft Uighur" script="Uigh"/>
+      </a:minorFont>
+    </a:fontScheme>
+    <a:fmtScheme name="Office">
+      <a:fillStyleLst>
+        <a:solidFill>
+          <a:schemeClr val="phClr"/>
+        </a:solidFill>
+        <a:gradFill rotWithShape="1">
+          <a:gsLst>
+            <a:gs pos="0">
+              <a:schemeClr val="phClr">
+                <a:tint val="50000"/>
+                <a:satMod val="300000"/>
+              </a:schemeClr>
+            </a:gs>
+            <a:gs pos="35000">
+              <a:schemeClr val="phClr">
+                <a:tint val="37000"/>
+                <a:satMod val="300000"/>
+              </a:schemeClr>
+            </a:gs>
+            <a:gs pos="100000">
+              <a:schemeClr val="phClr">
+                <a:tint val="15000"/>
+                <a:satMod val="350000"/>
+              </a:schemeClr>
+            </a:gs>
+          </a:gsLst>
+          <a:lin ang="16200000" scaled="1"/>
+        </a:gradFill>
+        <a:gradFill rotWithShape="1">
+          <a:gsLst>
+            <a:gs pos="0">
+              <a:schemeClr val="phClr">
+                <a:tint val="100000"/>
+                <a:shade val="100000"/>
+                <a:satMod val="130000"/>
+              </a:schemeClr>
+            </a:gs>
+            <a:gs pos="100000">
+              <a:schemeClr val="phClr">
+                <a:tint val="50000"/>
+                <a:shade val="100000"/>
+                <a:satMod val="350000"/>
+              </a:schemeClr>
+            </a:gs>
+          </a:gsLst>
+          <a:lin ang="16200000" scaled="0"/>
+        </a:gradFill>
+      </a:fillStyleLst>
+      <a:lnStyleLst>
+        <a:ln w="9525" algn="ctr" cap="flat" cmpd="sng">
+          <a:solidFill>
+            <a:schemeClr val="phClr">
+              <a:shade val="95000"/>
+              <a:satMod val="105000"/>
+            </a:schemeClr>
+          </a:solidFill>
+          <a:prstDash val="solid"/>
+        </a:ln>
+        <a:ln w="25400" algn="ctr" cap="flat" cmpd="sng">
+          <a:solidFill>
+            <a:schemeClr val="phClr"/>
+          </a:solidFill>
+          <a:prstDash val="solid"/>
+        </a:ln>
+        <a:ln w="38100" algn="ctr" cap="flat" cmpd="sng">
+          <a:solidFill>
+            <a:schemeClr val="phClr"/>
+          </a:solidFill>
+          <a:prstDash val="solid"/>
+        </a:ln>
+      </a:lnStyleLst>
+      <a:effectStyleLst>
+        <a:effectStyle>
+          <a:effectLst>
+            <a:outerShdw rotWithShape="0" dir="5400000" blurRad="40000" dist="20000">
+              <a:srgbClr val="000000">
+                <a:alpha val="38000"/>
+              </a:srgbClr>
+            </a:outerShdw>
+          </a:effectLst>
+        </a:effectStyle>
+        <a:effectStyle>
+          <a:effectLst>
+            <a:outerShdw rotWithShape="0" dir="5400000" blurRad="40000" dist="23000">
+              <a:srgbClr val="000000">
+                <a:alpha val="35000"/>
+              </a:srgbClr>
+            </a:outerShdw>
+          </a:effectLst>
+        </a:effectStyle>
+        <a:effectStyle>
+          <a:effectLst>
+            <a:outerShdw rotWithShape="0" dir="5400000" blurRad="40000" dist="23000">
+              <a:srgbClr val="000000">
+                <a:alpha val="35000"/>
+              </a:srgbClr>
+            </a:outerShdw>
+          </a:effectLst>
+          <a:scene3d>
+            <a:camera prst="orthographicFront">
+              <a:rot rev="0" lon="0" lat="0"/>
+            </a:camera>
+            <a:lightRig dir="t" rig="threePt">
+              <a:rot rev="1200000" lon="0" lat="0"/>
+            </a:lightRig>
+          </a:scene3d>
+          <a:sp3d>
+            <a:bevelT w="63500" h="25400"/>
+          </a:sp3d>
+        </a:effectStyle>
+      </a:effectStyleLst>
+      <a:bgFillStyleLst>
+        <a:solidFill>
+          <a:schemeClr val="phClr"/>
+        </a:solidFill>
+        <a:gradFill rotWithShape="1">
+          <a:gsLst>
+            <a:gs pos="0">
+              <a:schemeClr val="phClr">
+                <a:tint val="40000"/>
+                <a:satMod val="350000"/>
+              </a:schemeClr>
+            </a:gs>
+            <a:gs pos="40000">
+              <a:schemeClr val="phClr">
+                <a:tint val="45000"/>
+                <a:shade val="99000"/>
+                <a:satMod val="350000"/>
+              </a:schemeClr>
+            </a:gs>
+            <a:gs pos="100000">
+              <a:schemeClr val="phClr">
+                <a:shade val="20000"/>
+                <a:satMod val="255000"/>
+              </a:schemeClr>
+            </a:gs>
+          </a:gsLst>
+          <a:path path="circle">
+            <a:fillToRect t="-80000" b="180000" r="50000" l="50000"/>
+          </a:path>
+        </a:gradFill>
+        <a:gradFill rotWithShape="1">
+          <a:gsLst>
+            <a:gs pos="0">
+              <a:schemeClr val="phClr">
+                <a:tint val="80000"/>
+                <a:satMod val="300000"/>
+              </a:schemeClr>
+            </a:gs>
+            <a:gs pos="100000">
+              <a:schemeClr val="phClr">
+                <a:shade val="30000"/>
+                <a:satMod val="200000"/>
+              </a:schemeClr>
+            </a:gs>
+          </a:gsLst>
+          <a:path path="circle">
+            <a:fillToRect t="50000" b="50000" r="50000" l="50000"/>
+          </a:path>
+        </a:gradFill>
+      </a:bgFillStyleLst>
+    </a:fmtScheme>
+  </a:themeElements>
+  <a:objectDefaults>
+    <a:spDef>
+      <a:spPr/>
+      <a:bodyPr/>
+      <a:lstStyle/>
+      <a:style>
+        <a:lnRef idx="1">
+          <a:schemeClr val="accent1"/>
+        </a:lnRef>
+        <a:fillRef idx="3">
+          <a:schemeClr val="accent1"/>
+        </a:fillRef>
+        <a:effectRef idx="2">
+          <a:schemeClr val="accent1"/>
+        </a:effectRef>
+        <a:fontRef idx="minor">
+          <a:schemeClr val="lt1"/>
+        </a:fontRef>
+      </a:style>
+    </a:spDef>
+    <a:lnDef>
+      <a:spPr/>
+      <a:bodyPr/>
+      <a:lstStyle/>
+      <a:style>
+        <a:lnRef idx="2">
+          <a:schemeClr val="accent1"/>
+        </a:lnRef>
+        <a:fillRef idx="0">
+          <a:schemeClr val="accent1"/>
+        </a:fillRef>
+        <a:effectRef idx="1">
+          <a:schemeClr val="accent1"/>
+        </a:effectRef>
+        <a:fontRef idx="minor">
+          <a:schemeClr val="tx1"/>
+        </a:fontRef>
+      </a:style>
+    </a:lnDef>
+  </a:objectDefaults>
 </a:theme>
 </file>
--- a/docs/CS115 Final Presentation.pptx
+++ b/docs/CS115 Final Presentation.pptx
@@ -5380,7 +5380,7 @@
                 <a:cs typeface="Arial"/>
                 <a:sym typeface="Arial"/>
               </a:rPr>
-              <a:t>Puzzles Dots is a web-based game in which colored dots are manipulated to solve puzzles. </a:t>
+              <a:t>Puzzle Dots is a web-based game in which colored dots are manipulated to solve puzzles. </a:t>
             </a:r>
           </a:p>
           <a:p>
@@ -5408,7 +5408,7 @@
                 <a:cs typeface="Arial"/>
                 <a:sym typeface="Arial"/>
               </a:rPr>
-              <a:t>The game offers short levels with varying complexity and replayability through finding improved solutions. </a:t>
+              <a:t>The game offers short levels with varying complexity and replayability through finding improved solutions that require less moves. </a:t>
             </a:r>
           </a:p>
           <a:p>
@@ -5436,7 +5436,7 @@
                 <a:cs typeface="Arial"/>
                 <a:sym typeface="Arial"/>
               </a:rPr>
-              <a:t>Written in Javascript, HTML5, and CSS.</a:t>
+              <a:t>Written in Javascript and HTML5 with CSS.</a:t>
             </a:r>
           </a:p>
           <a:p>
@@ -5563,20 +5563,8 @@
             </a:pPr>
             <a:r>
               <a:rPr sz="1600" lang="en"/>
-              <a:t>Pieces move in different directions.</a:t>
+              <a:t>Pieces move simultaneously in groups, where each dot can have a different direction.</a:t>
             </a:r>
-          </a:p>
-          <a:p>
-            <a:pPr rtl="0" lvl="0">
-              <a:spcBef>
-                <a:spcPts val="0"/>
-              </a:spcBef>
-              <a:buNone/>
-            </a:pPr>
-            <a:r>
-              <a:t/>
-            </a:r>
-            <a:endParaRPr sz="1600"/>
           </a:p>
           <a:p>
             <a:pPr rtl="0" lvl="0" indent="-330200" marL="457200">
@@ -5592,20 +5580,8 @@
             </a:pPr>
             <a:r>
               <a:rPr sz="1600" lang="en"/>
-              <a:t>Players strike two compatible pieces to combine them into a new piece.</a:t>
+              <a:t>When pieces move into each other, different reactions occur.</a:t>
             </a:r>
-          </a:p>
-          <a:p>
-            <a:pPr rtl="0" lvl="0">
-              <a:spcBef>
-                <a:spcPts val="0"/>
-              </a:spcBef>
-              <a:buNone/>
-            </a:pPr>
-            <a:r>
-              <a:t/>
-            </a:r>
-            <a:endParaRPr sz="1600"/>
           </a:p>
           <a:p>
             <a:pPr rtl="0" lvl="0" indent="-330200" marL="457200">
@@ -5621,20 +5597,8 @@
             </a:pPr>
             <a:r>
               <a:rPr sz="1600" lang="en"/>
-              <a:t>Forming a new piece through gameplay is called a reaction.</a:t>
+              <a:t>Forming a new piece through a reaction is called blending.</a:t>
             </a:r>
-          </a:p>
-          <a:p>
-            <a:pPr rtl="0" lvl="0">
-              <a:spcBef>
-                <a:spcPts val="0"/>
-              </a:spcBef>
-              <a:buNone/>
-            </a:pPr>
-            <a:r>
-              <a:t/>
-            </a:r>
-            <a:endParaRPr sz="1600"/>
           </a:p>
           <a:p>
             <a:pPr rtl="0" lvl="0" indent="-330200" marL="457200">
@@ -5650,20 +5614,8 @@
             </a:pPr>
             <a:r>
               <a:rPr sz="1600" lang="en"/>
-              <a:t>Via experimentation, a player learns new combinations.</a:t>
+              <a:t>Reactions between pieces can be learned through experimentation or by reading the rules.</a:t>
             </a:r>
-          </a:p>
-          <a:p>
-            <a:pPr rtl="0" lvl="0">
-              <a:spcBef>
-                <a:spcPts val="0"/>
-              </a:spcBef>
-              <a:buNone/>
-            </a:pPr>
-            <a:r>
-              <a:t/>
-            </a:r>
-            <a:endParaRPr sz="1600"/>
           </a:p>
           <a:p>
             <a:pPr rtl="0" lvl="0" indent="-330200" marL="457200">
@@ -5679,7 +5631,7 @@
             </a:pPr>
             <a:r>
               <a:rPr sz="1600" lang="en"/>
-              <a:t>The goal is to bring all pieces into their designated squares.</a:t>
+              <a:t>The goal is to pair all pieces and spaces marked with goals by matching colors.</a:t>
             </a:r>
           </a:p>
         </p:txBody>
@@ -6633,560 +6585,6 @@
 </file>
 
 <file path=ppt/theme/theme1.xml><?xml version="1.0" encoding="utf-8"?>
-<a:theme xmlns:a="http://schemas.openxmlformats.org/drawingml/2006/main" xmlns:r="http://schemas.openxmlformats.org/officeDocument/2006/relationships" name="Custom Theme">
-  <a:themeElements>
-    <a:clrScheme name="Default">
-      <a:dk1>
-        <a:srgbClr val="000000"/>
-      </a:dk1>
-      <a:lt1>
-        <a:srgbClr val="FFFFFF"/>
-      </a:lt1>
-      <a:dk2>
-        <a:srgbClr val="158158"/>
-      </a:dk2>
-      <a:lt2>
-        <a:srgbClr val="F3F3F3"/>
-      </a:lt2>
-      <a:accent1>
-        <a:srgbClr val="058DC7"/>
-      </a:accent1>
-      <a:accent2>
-        <a:srgbClr val="50B432"/>
-      </a:accent2>
-      <a:accent3>
-        <a:srgbClr val="ED561B"/>
-      </a:accent3>
-      <a:accent4>
-        <a:srgbClr val="EDEF00"/>
-      </a:accent4>
-      <a:accent5>
-        <a:srgbClr val="24CBE5"/>
-      </a:accent5>
-      <a:accent6>
-        <a:srgbClr val="64E572"/>
-      </a:accent6>
-      <a:hlink>
-        <a:srgbClr val="2200CC"/>
-      </a:hlink>
-      <a:folHlink>
-        <a:srgbClr val="551A8B"/>
-      </a:folHlink>
-    </a:clrScheme>
-    <a:fontScheme name="Office">
-      <a:majorFont>
-        <a:latin typeface="Arial"/>
-        <a:ea typeface=""/>
-        <a:cs typeface=""/>
-        <a:font typeface="ＭＳ Ｐゴシック" script="Jpan"/>
-        <a:font typeface="맑은 고딕" script="Hang"/>
-        <a:font typeface="宋体" script="Hans"/>
-        <a:font typeface="新細明體" script="Hant"/>
-        <a:font typeface="Times New Roman" script="Arab"/>
-        <a:font typeface="Times New Roman" script="Hebr"/>
-        <a:font typeface="Angsana New" script="Thai"/>
-        <a:font typeface="Nyala" script="Ethi"/>
-        <a:font typeface="Vrinda" script="Beng"/>
-        <a:font typeface="Shruti" script="Gujr"/>
-        <a:font typeface="MoolBoran" script="Khmr"/>
-        <a:font typeface="Tunga" script="Knda"/>
-        <a:font typeface="Raavi" script="Guru"/>
-        <a:font typeface="Euphemia" script="Cans"/>
-        <a:font typeface="Plantagenet Cherokee" script="Cher"/>
-        <a:font typeface="Microsoft Yi Baiti" script="Yiii"/>
-        <a:font typeface="Microsoft Himalaya" script="Tibt"/>
-        <a:font typeface="MV Boli" script="Thaa"/>
-        <a:font typeface="Mangal" script="Deva"/>
-        <a:font typeface="Gautami" script="Telu"/>
-        <a:font typeface="Latha" script="Taml"/>
-        <a:font typeface="Estrangelo Edessa" script="Syrc"/>
-        <a:font typeface="Kalinga" script="Orya"/>
-        <a:font typeface="Kartika" script="Mlym"/>
-        <a:font typeface="DokChampa" script="Laoo"/>
-        <a:font typeface="Iskoola Pota" script="Sinh"/>
-        <a:font typeface="Mongolian Baiti" script="Mong"/>
-        <a:font typeface="Times New Roman" script="Viet"/>
-        <a:font typeface="Microsoft Uighur" script="Uigh"/>
-      </a:majorFont>
-      <a:minorFont>
-        <a:latin typeface="Arial"/>
-        <a:ea typeface=""/>
-        <a:cs typeface=""/>
-        <a:font typeface="ＭＳ Ｐゴシック" script="Jpan"/>
-        <a:font typeface="맑은 고딕" script="Hang"/>
-        <a:font typeface="宋体" script="Hans"/>
-        <a:font typeface="新細明體" script="Hant"/>
-        <a:font typeface="Times New Roman" script="Arab"/>
-        <a:font typeface="Times New Roman" script="Hebr"/>
-        <a:font typeface="Angsana New" script="Thai"/>
-        <a:font typeface="Nyala" script="Ethi"/>
-        <a:font typeface="Vrinda" script="Beng"/>
-        <a:font typeface="Shruti" script="Gujr"/>
-        <a:font typeface="MoolBoran" script="Khmr"/>
-        <a:font typeface="Tunga" script="Knda"/>
-        <a:font typeface="Raavi" script="Guru"/>
-        <a:font typeface="Euphemia" script="Cans"/>
-        <a:font typeface="Plantagenet Cherokee" script="Cher"/>
-        <a:font typeface="Microsoft Yi Baiti" script="Yiii"/>
-        <a:font typeface="Microsoft Himalaya" script="Tibt"/>
-        <a:font typeface="MV Boli" script="Thaa"/>
-        <a:font typeface="Mangal" script="Deva"/>
-        <a:font typeface="Gautami" script="Telu"/>
-        <a:font typeface="Latha" script="Taml"/>
-        <a:font typeface="Estrangelo Edessa" script="Syrc"/>
-        <a:font typeface="Kalinga" script="Orya"/>
-        <a:font typeface="Kartika" script="Mlym"/>
-        <a:font typeface="DokChampa" script="Laoo"/>
-        <a:font typeface="Iskoola Pota" script="Sinh"/>
-        <a:font typeface="Mongolian Baiti" script="Mong"/>
-        <a:font typeface="Times New Roman" script="Viet"/>
-        <a:font typeface="Microsoft Uighur" script="Uigh"/>
-      </a:minorFont>
-    </a:fontScheme>
-    <a:fmtScheme name="Office">
-      <a:fillStyleLst>
-        <a:solidFill>
-          <a:schemeClr val="phClr"/>
-        </a:solidFill>
-        <a:gradFill rotWithShape="1">
-          <a:gsLst>
-            <a:gs pos="0">
-              <a:schemeClr val="phClr">
-                <a:tint val="50000"/>
-                <a:satMod val="300000"/>
-              </a:schemeClr>
-            </a:gs>
-            <a:gs pos="35000">
-              <a:schemeClr val="phClr">
-                <a:tint val="37000"/>
-                <a:satMod val="300000"/>
-              </a:schemeClr>
-            </a:gs>
-            <a:gs pos="100000">
-              <a:schemeClr val="phClr">
-                <a:tint val="15000"/>
-                <a:satMod val="350000"/>
-              </a:schemeClr>
-            </a:gs>
-          </a:gsLst>
-          <a:lin ang="16200000" scaled="1"/>
-        </a:gradFill>
-        <a:gradFill rotWithShape="1">
-          <a:gsLst>
-            <a:gs pos="0">
-              <a:schemeClr val="phClr">
-                <a:tint val="100000"/>
-                <a:shade val="100000"/>
-                <a:satMod val="130000"/>
-              </a:schemeClr>
-            </a:gs>
-            <a:gs pos="100000">
-              <a:schemeClr val="phClr">
-                <a:tint val="50000"/>
-                <a:shade val="100000"/>
-                <a:satMod val="350000"/>
-              </a:schemeClr>
-            </a:gs>
-          </a:gsLst>
-          <a:lin ang="16200000" scaled="0"/>
-        </a:gradFill>
-      </a:fillStyleLst>
-      <a:lnStyleLst>
-        <a:ln w="9525" algn="ctr" cap="flat" cmpd="sng">
-          <a:solidFill>
-            <a:schemeClr val="phClr">
-              <a:shade val="95000"/>
-              <a:satMod val="105000"/>
-            </a:schemeClr>
-          </a:solidFill>
-          <a:prstDash val="solid"/>
-        </a:ln>
-        <a:ln w="25400" algn="ctr" cap="flat" cmpd="sng">
-          <a:solidFill>
-            <a:schemeClr val="phClr"/>
-          </a:solidFill>
-          <a:prstDash val="solid"/>
-        </a:ln>
-        <a:ln w="38100" algn="ctr" cap="flat" cmpd="sng">
-          <a:solidFill>
-            <a:schemeClr val="phClr"/>
-          </a:solidFill>
-          <a:prstDash val="solid"/>
-        </a:ln>
-      </a:lnStyleLst>
-      <a:effectStyleLst>
-        <a:effectStyle>
-          <a:effectLst>
-            <a:outerShdw rotWithShape="0" dir="5400000" blurRad="40000" dist="20000">
-              <a:srgbClr val="000000">
-                <a:alpha val="38000"/>
-              </a:srgbClr>
-            </a:outerShdw>
-          </a:effectLst>
-        </a:effectStyle>
-        <a:effectStyle>
-          <a:effectLst>
-            <a:outerShdw rotWithShape="0" dir="5400000" blurRad="40000" dist="23000">
-              <a:srgbClr val="000000">
-                <a:alpha val="35000"/>
-              </a:srgbClr>
-            </a:outerShdw>
-          </a:effectLst>
-        </a:effectStyle>
-        <a:effectStyle>
-          <a:effectLst>
-            <a:outerShdw rotWithShape="0" dir="5400000" blurRad="40000" dist="23000">
-              <a:srgbClr val="000000">
-                <a:alpha val="35000"/>
-              </a:srgbClr>
-            </a:outerShdw>
-          </a:effectLst>
-          <a:scene3d>
-            <a:camera prst="orthographicFront">
-              <a:rot rev="0" lon="0" lat="0"/>
-            </a:camera>
-            <a:lightRig dir="t" rig="threePt">
-              <a:rot rev="1200000" lon="0" lat="0"/>
-            </a:lightRig>
-          </a:scene3d>
-          <a:sp3d>
-            <a:bevelT w="63500" h="25400"/>
-          </a:sp3d>
-        </a:effectStyle>
-      </a:effectStyleLst>
-      <a:bgFillStyleLst>
-        <a:solidFill>
-          <a:schemeClr val="phClr"/>
-        </a:solidFill>
-        <a:gradFill rotWithShape="1">
-          <a:gsLst>
-            <a:gs pos="0">
-              <a:schemeClr val="phClr">
-                <a:tint val="40000"/>
-                <a:satMod val="350000"/>
-              </a:schemeClr>
-            </a:gs>
-            <a:gs pos="40000">
-              <a:schemeClr val="phClr">
-                <a:tint val="45000"/>
-                <a:shade val="99000"/>
-                <a:satMod val="350000"/>
-              </a:schemeClr>
-            </a:gs>
-            <a:gs pos="100000">
-              <a:schemeClr val="phClr">
-                <a:shade val="20000"/>
-                <a:satMod val="255000"/>
-              </a:schemeClr>
-            </a:gs>
-          </a:gsLst>
-          <a:path path="circle">
-            <a:fillToRect t="-80000" b="180000" r="50000" l="50000"/>
-          </a:path>
-        </a:gradFill>
-        <a:gradFill rotWithShape="1">
-          <a:gsLst>
-            <a:gs pos="0">
-              <a:schemeClr val="phClr">
-                <a:tint val="80000"/>
-                <a:satMod val="300000"/>
-              </a:schemeClr>
-            </a:gs>
-            <a:gs pos="100000">
-              <a:schemeClr val="phClr">
-                <a:shade val="30000"/>
-                <a:satMod val="200000"/>
-              </a:schemeClr>
-            </a:gs>
-          </a:gsLst>
-          <a:path path="circle">
-            <a:fillToRect t="50000" b="50000" r="50000" l="50000"/>
-          </a:path>
-        </a:gradFill>
-      </a:bgFillStyleLst>
-    </a:fmtScheme>
-  </a:themeElements>
-</a:theme>
-</file>
-
-<file path=ppt/theme/theme2.xml><?xml version="1.0" encoding="utf-8"?>
-<a:theme xmlns:a="http://schemas.openxmlformats.org/drawingml/2006/main" xmlns:r="http://schemas.openxmlformats.org/officeDocument/2006/relationships" name="spotlight">
-  <a:themeElements>
-    <a:clrScheme name="Custom 439">
-      <a:dk1>
-        <a:srgbClr val="000000"/>
-      </a:dk1>
-      <a:lt1>
-        <a:srgbClr val="FFFFFF"/>
-      </a:lt1>
-      <a:dk2>
-        <a:srgbClr val="5C6E95"/>
-      </a:dk2>
-      <a:lt2>
-        <a:srgbClr val="ACB4C2"/>
-      </a:lt2>
-      <a:accent1>
-        <a:srgbClr val="667E50"/>
-      </a:accent1>
-      <a:accent2>
-        <a:srgbClr val="CFBF73"/>
-      </a:accent2>
-      <a:accent3>
-        <a:srgbClr val="8C7C82"/>
-      </a:accent3>
-      <a:accent4>
-        <a:srgbClr val="9ABF87"/>
-      </a:accent4>
-      <a:accent5>
-        <a:srgbClr val="CF9462"/>
-      </a:accent5>
-      <a:accent6>
-        <a:srgbClr val="A25642"/>
-      </a:accent6>
-      <a:hlink>
-        <a:srgbClr val="5173A5"/>
-      </a:hlink>
-      <a:folHlink>
-        <a:srgbClr val="687282"/>
-      </a:folHlink>
-    </a:clrScheme>
-    <a:fontScheme name="Office">
-      <a:majorFont>
-        <a:latin typeface="Arial"/>
-        <a:ea typeface=""/>
-        <a:cs typeface=""/>
-        <a:font typeface="ＭＳ Ｐゴシック" script="Jpan"/>
-        <a:font typeface="맑은 고딕" script="Hang"/>
-        <a:font typeface="宋体" script="Hans"/>
-        <a:font typeface="新細明體" script="Hant"/>
-        <a:font typeface="Times New Roman" script="Arab"/>
-        <a:font typeface="Times New Roman" script="Hebr"/>
-        <a:font typeface="Angsana New" script="Thai"/>
-        <a:font typeface="Nyala" script="Ethi"/>
-        <a:font typeface="Vrinda" script="Beng"/>
-        <a:font typeface="Shruti" script="Gujr"/>
-        <a:font typeface="MoolBoran" script="Khmr"/>
-        <a:font typeface="Tunga" script="Knda"/>
-        <a:font typeface="Raavi" script="Guru"/>
-        <a:font typeface="Euphemia" script="Cans"/>
-        <a:font typeface="Plantagenet Cherokee" script="Cher"/>
-        <a:font typeface="Microsoft Yi Baiti" script="Yiii"/>
-        <a:font typeface="Microsoft Himalaya" script="Tibt"/>
-        <a:font typeface="MV Boli" script="Thaa"/>
-        <a:font typeface="Mangal" script="Deva"/>
-        <a:font typeface="Gautami" script="Telu"/>
-        <a:font typeface="Latha" script="Taml"/>
-        <a:font typeface="Estrangelo Edessa" script="Syrc"/>
-        <a:font typeface="Kalinga" script="Orya"/>
-        <a:font typeface="Kartika" script="Mlym"/>
-        <a:font typeface="DokChampa" script="Laoo"/>
-        <a:font typeface="Iskoola Pota" script="Sinh"/>
-        <a:font typeface="Mongolian Baiti" script="Mong"/>
-        <a:font typeface="Times New Roman" script="Viet"/>
-        <a:font typeface="Microsoft Uighur" script="Uigh"/>
-      </a:majorFont>
-      <a:minorFont>
-        <a:latin typeface="Arial"/>
-        <a:ea typeface=""/>
-        <a:cs typeface=""/>
-        <a:font typeface="ＭＳ Ｐゴシック" script="Jpan"/>
-        <a:font typeface="맑은 고딕" script="Hang"/>
-        <a:font typeface="宋体" script="Hans"/>
-        <a:font typeface="新細明體" script="Hant"/>
-        <a:font typeface="Times New Roman" script="Arab"/>
-        <a:font typeface="Times New Roman" script="Hebr"/>
-        <a:font typeface="Angsana New" script="Thai"/>
-        <a:font typeface="Nyala" script="Ethi"/>
-        <a:font typeface="Vrinda" script="Beng"/>
-        <a:font typeface="Shruti" script="Gujr"/>
-        <a:font typeface="MoolBoran" script="Khmr"/>
-        <a:font typeface="Tunga" script="Knda"/>
-        <a:font typeface="Raavi" script="Guru"/>
-        <a:font typeface="Euphemia" script="Cans"/>
-        <a:font typeface="Plantagenet Cherokee" script="Cher"/>
-        <a:font typeface="Microsoft Yi Baiti" script="Yiii"/>
-        <a:font typeface="Microsoft Himalaya" script="Tibt"/>
-        <a:font typeface="MV Boli" script="Thaa"/>
-        <a:font typeface="Mangal" script="Deva"/>
-        <a:font typeface="Gautami" script="Telu"/>
-        <a:font typeface="Latha" script="Taml"/>
-        <a:font typeface="Estrangelo Edessa" script="Syrc"/>
-        <a:font typeface="Kalinga" script="Orya"/>
-        <a:font typeface="Kartika" script="Mlym"/>
-        <a:font typeface="DokChampa" script="Laoo"/>
-        <a:font typeface="Iskoola Pota" script="Sinh"/>
-        <a:font typeface="Mongolian Baiti" script="Mong"/>
-        <a:font typeface="Times New Roman" script="Viet"/>
-        <a:font typeface="Microsoft Uighur" script="Uigh"/>
-      </a:minorFont>
-    </a:fontScheme>
-    <a:fmtScheme name="Office">
-      <a:fillStyleLst>
-        <a:solidFill>
-          <a:schemeClr val="phClr"/>
-        </a:solidFill>
-        <a:gradFill rotWithShape="1">
-          <a:gsLst>
-            <a:gs pos="0">
-              <a:schemeClr val="phClr">
-                <a:tint val="50000"/>
-                <a:satMod val="300000"/>
-              </a:schemeClr>
-            </a:gs>
-            <a:gs pos="35000">
-              <a:schemeClr val="phClr">
-                <a:tint val="37000"/>
-                <a:satMod val="300000"/>
-              </a:schemeClr>
-            </a:gs>
-            <a:gs pos="100000">
-              <a:schemeClr val="phClr">
-                <a:tint val="15000"/>
-                <a:satMod val="350000"/>
-              </a:schemeClr>
-            </a:gs>
-          </a:gsLst>
-          <a:lin ang="16200000" scaled="1"/>
-        </a:gradFill>
-        <a:gradFill rotWithShape="1">
-          <a:gsLst>
-            <a:gs pos="0">
-              <a:schemeClr val="phClr">
-                <a:tint val="100000"/>
-                <a:shade val="100000"/>
-                <a:satMod val="130000"/>
-              </a:schemeClr>
-            </a:gs>
-            <a:gs pos="100000">
-              <a:schemeClr val="phClr">
-                <a:tint val="50000"/>
-                <a:shade val="100000"/>
-                <a:satMod val="350000"/>
-              </a:schemeClr>
-            </a:gs>
-          </a:gsLst>
-          <a:lin ang="16200000" scaled="0"/>
-        </a:gradFill>
-      </a:fillStyleLst>
-      <a:lnStyleLst>
-        <a:ln w="9525" algn="ctr" cap="flat" cmpd="sng">
-          <a:solidFill>
-            <a:schemeClr val="phClr">
-              <a:shade val="95000"/>
-              <a:satMod val="105000"/>
-            </a:schemeClr>
-          </a:solidFill>
-          <a:prstDash val="solid"/>
-        </a:ln>
-        <a:ln w="25400" algn="ctr" cap="flat" cmpd="sng">
-          <a:solidFill>
-            <a:schemeClr val="phClr"/>
-          </a:solidFill>
-          <a:prstDash val="solid"/>
-        </a:ln>
-        <a:ln w="38100" algn="ctr" cap="flat" cmpd="sng">
-          <a:solidFill>
-            <a:schemeClr val="phClr"/>
-          </a:solidFill>
-          <a:prstDash val="solid"/>
-        </a:ln>
-      </a:lnStyleLst>
-      <a:effectStyleLst>
-        <a:effectStyle>
-          <a:effectLst>
-            <a:outerShdw rotWithShape="0" dir="5400000" blurRad="40000" dist="20000">
-              <a:srgbClr val="000000">
-                <a:alpha val="38000"/>
-              </a:srgbClr>
-            </a:outerShdw>
-          </a:effectLst>
-        </a:effectStyle>
-        <a:effectStyle>
-          <a:effectLst>
-            <a:outerShdw rotWithShape="0" dir="5400000" blurRad="40000" dist="23000">
-              <a:srgbClr val="000000">
-                <a:alpha val="35000"/>
-              </a:srgbClr>
-            </a:outerShdw>
-          </a:effectLst>
-        </a:effectStyle>
-        <a:effectStyle>
-          <a:effectLst>
-            <a:outerShdw rotWithShape="0" dir="5400000" blurRad="40000" dist="23000">
-              <a:srgbClr val="000000">
-                <a:alpha val="35000"/>
-              </a:srgbClr>
-            </a:outerShdw>
-          </a:effectLst>
-          <a:scene3d>
-            <a:camera prst="orthographicFront">
-              <a:rot rev="0" lon="0" lat="0"/>
-            </a:camera>
-            <a:lightRig dir="t" rig="threePt">
-              <a:rot rev="1200000" lon="0" lat="0"/>
-            </a:lightRig>
-          </a:scene3d>
-          <a:sp3d>
-            <a:bevelT w="63500" h="25400"/>
-          </a:sp3d>
-        </a:effectStyle>
-      </a:effectStyleLst>
-      <a:bgFillStyleLst>
-        <a:solidFill>
-          <a:schemeClr val="phClr"/>
-        </a:solidFill>
-        <a:gradFill rotWithShape="1">
-          <a:gsLst>
-            <a:gs pos="0">
-              <a:schemeClr val="phClr">
-                <a:tint val="40000"/>
-                <a:satMod val="350000"/>
-              </a:schemeClr>
-            </a:gs>
-            <a:gs pos="40000">
-              <a:schemeClr val="phClr">
-                <a:tint val="45000"/>
-                <a:shade val="99000"/>
-                <a:satMod val="350000"/>
-              </a:schemeClr>
-            </a:gs>
-            <a:gs pos="100000">
-              <a:schemeClr val="phClr">
-                <a:shade val="20000"/>
-                <a:satMod val="255000"/>
-              </a:schemeClr>
-            </a:gs>
-          </a:gsLst>
-          <a:path path="circle">
-            <a:fillToRect t="-80000" b="180000" r="50000" l="50000"/>
-          </a:path>
-        </a:gradFill>
-        <a:gradFill rotWithShape="1">
-          <a:gsLst>
-            <a:gs pos="0">
-              <a:schemeClr val="phClr">
-                <a:tint val="80000"/>
-                <a:satMod val="300000"/>
-              </a:schemeClr>
-            </a:gs>
-            <a:gs pos="100000">
-              <a:schemeClr val="phClr">
-                <a:shade val="30000"/>
-                <a:satMod val="200000"/>
-              </a:schemeClr>
-            </a:gs>
-          </a:gsLst>
-          <a:path path="circle">
-            <a:fillToRect t="50000" b="50000" r="50000" l="50000"/>
-          </a:path>
-        </a:gradFill>
-      </a:bgFillStyleLst>
-    </a:fmtScheme>
-  </a:themeElements>
-</a:theme>
-</file>
-
-<file path=ppt/theme/theme3.xml><?xml version="1.0" encoding="utf-8"?>
 <a:theme xmlns:a="http://schemas.openxmlformats.org/drawingml/2006/main" xmlns:r="http://schemas.openxmlformats.org/officeDocument/2006/relationships" name="Office Theme">
   <a:themeElements>
     <a:clrScheme name="Office">
@@ -7501,4 +6899,558 @@
     </a:lnDef>
   </a:objectDefaults>
 </a:theme>
+</file>
+
+<file path=ppt/theme/theme2.xml><?xml version="1.0" encoding="utf-8"?>
+<a:theme xmlns:a="http://schemas.openxmlformats.org/drawingml/2006/main" xmlns:r="http://schemas.openxmlformats.org/officeDocument/2006/relationships" name="spotlight">
+  <a:themeElements>
+    <a:clrScheme name="Custom 439">
+      <a:dk1>
+        <a:srgbClr val="000000"/>
+      </a:dk1>
+      <a:lt1>
+        <a:srgbClr val="FFFFFF"/>
+      </a:lt1>
+      <a:dk2>
+        <a:srgbClr val="5C6E95"/>
+      </a:dk2>
+      <a:lt2>
+        <a:srgbClr val="ACB4C2"/>
+      </a:lt2>
+      <a:accent1>
+        <a:srgbClr val="667E50"/>
+      </a:accent1>
+      <a:accent2>
+        <a:srgbClr val="CFBF73"/>
+      </a:accent2>
+      <a:accent3>
+        <a:srgbClr val="8C7C82"/>
+      </a:accent3>
+      <a:accent4>
+        <a:srgbClr val="9ABF87"/>
+      </a:accent4>
+      <a:accent5>
+        <a:srgbClr val="CF9462"/>
+      </a:accent5>
+      <a:accent6>
+        <a:srgbClr val="A25642"/>
+      </a:accent6>
+      <a:hlink>
+        <a:srgbClr val="5173A5"/>
+      </a:hlink>
+      <a:folHlink>
+        <a:srgbClr val="687282"/>
+      </a:folHlink>
+    </a:clrScheme>
+    <a:fontScheme name="Office">
+      <a:majorFont>
+        <a:latin typeface="Arial"/>
+        <a:ea typeface=""/>
+        <a:cs typeface=""/>
+        <a:font typeface="ＭＳ Ｐゴシック" script="Jpan"/>
+        <a:font typeface="맑은 고딕" script="Hang"/>
+        <a:font typeface="宋体" script="Hans"/>
+        <a:font typeface="新細明體" script="Hant"/>
+        <a:font typeface="Times New Roman" script="Arab"/>
+        <a:font typeface="Times New Roman" script="Hebr"/>
+        <a:font typeface="Angsana New" script="Thai"/>
+        <a:font typeface="Nyala" script="Ethi"/>
+        <a:font typeface="Vrinda" script="Beng"/>
+        <a:font typeface="Shruti" script="Gujr"/>
+        <a:font typeface="MoolBoran" script="Khmr"/>
+        <a:font typeface="Tunga" script="Knda"/>
+        <a:font typeface="Raavi" script="Guru"/>
+        <a:font typeface="Euphemia" script="Cans"/>
+        <a:font typeface="Plantagenet Cherokee" script="Cher"/>
+        <a:font typeface="Microsoft Yi Baiti" script="Yiii"/>
+        <a:font typeface="Microsoft Himalaya" script="Tibt"/>
+        <a:font typeface="MV Boli" script="Thaa"/>
+        <a:font typeface="Mangal" script="Deva"/>
+        <a:font typeface="Gautami" script="Telu"/>
+        <a:font typeface="Latha" script="Taml"/>
+        <a:font typeface="Estrangelo Edessa" script="Syrc"/>
+        <a:font typeface="Kalinga" script="Orya"/>
+        <a:font typeface="Kartika" script="Mlym"/>
+        <a:font typeface="DokChampa" script="Laoo"/>
+        <a:font typeface="Iskoola Pota" script="Sinh"/>
+        <a:font typeface="Mongolian Baiti" script="Mong"/>
+        <a:font typeface="Times New Roman" script="Viet"/>
+        <a:font typeface="Microsoft Uighur" script="Uigh"/>
+      </a:majorFont>
+      <a:minorFont>
+        <a:latin typeface="Arial"/>
+        <a:ea typeface=""/>
+        <a:cs typeface=""/>
+        <a:font typeface="ＭＳ Ｐゴシック" script="Jpan"/>
+        <a:font typeface="맑은 고딕" script="Hang"/>
+        <a:font typeface="宋体" script="Hans"/>
+        <a:font typeface="新細明體" script="Hant"/>
+        <a:font typeface="Times New Roman" script="Arab"/>
+        <a:font typeface="Times New Roman" script="Hebr"/>
+        <a:font typeface="Angsana New" script="Thai"/>
+        <a:font typeface="Nyala" script="Ethi"/>
+        <a:font typeface="Vrinda" script="Beng"/>
+        <a:font typeface="Shruti" script="Gujr"/>
+        <a:font typeface="MoolBoran" script="Khmr"/>
+        <a:font typeface="Tunga" script="Knda"/>
+        <a:font typeface="Raavi" script="Guru"/>
+        <a:font typeface="Euphemia" script="Cans"/>
+        <a:font typeface="Plantagenet Cherokee" script="Cher"/>
+        <a:font typeface="Microsoft Yi Baiti" script="Yiii"/>
+        <a:font typeface="Microsoft Himalaya" script="Tibt"/>
+        <a:font typeface="MV Boli" script="Thaa"/>
+        <a:font typeface="Mangal" script="Deva"/>
+        <a:font typeface="Gautami" script="Telu"/>
+        <a:font typeface="Latha" script="Taml"/>
+        <a:font typeface="Estrangelo Edessa" script="Syrc"/>
+        <a:font typeface="Kalinga" script="Orya"/>
+        <a:font typeface="Kartika" script="Mlym"/>
+        <a:font typeface="DokChampa" script="Laoo"/>
+        <a:font typeface="Iskoola Pota" script="Sinh"/>
+        <a:font typeface="Mongolian Baiti" script="Mong"/>
+        <a:font typeface="Times New Roman" script="Viet"/>
+        <a:font typeface="Microsoft Uighur" script="Uigh"/>
+      </a:minorFont>
+    </a:fontScheme>
+    <a:fmtScheme name="Office">
+      <a:fillStyleLst>
+        <a:solidFill>
+          <a:schemeClr val="phClr"/>
+        </a:solidFill>
+        <a:gradFill rotWithShape="1">
+          <a:gsLst>
+            <a:gs pos="0">
+              <a:schemeClr val="phClr">
+                <a:tint val="50000"/>
+                <a:satMod val="300000"/>
+              </a:schemeClr>
+            </a:gs>
+            <a:gs pos="35000">
+              <a:schemeClr val="phClr">
+                <a:tint val="37000"/>
+                <a:satMod val="300000"/>
+              </a:schemeClr>
+            </a:gs>
+            <a:gs pos="100000">
+              <a:schemeClr val="phClr">
+                <a:tint val="15000"/>
+                <a:satMod val="350000"/>
+              </a:schemeClr>
+            </a:gs>
+          </a:gsLst>
+          <a:lin ang="16200000" scaled="1"/>
+        </a:gradFill>
+        <a:gradFill rotWithShape="1">
+          <a:gsLst>
+            <a:gs pos="0">
+              <a:schemeClr val="phClr">
+                <a:tint val="100000"/>
+                <a:shade val="100000"/>
+                <a:satMod val="130000"/>
+              </a:schemeClr>
+            </a:gs>
+            <a:gs pos="100000">
+              <a:schemeClr val="phClr">
+                <a:tint val="50000"/>
+                <a:shade val="100000"/>
+                <a:satMod val="350000"/>
+              </a:schemeClr>
+            </a:gs>
+          </a:gsLst>
+          <a:lin ang="16200000" scaled="0"/>
+        </a:gradFill>
+      </a:fillStyleLst>
+      <a:lnStyleLst>
+        <a:ln w="9525" algn="ctr" cap="flat" cmpd="sng">
+          <a:solidFill>
+            <a:schemeClr val="phClr">
+              <a:shade val="95000"/>
+              <a:satMod val="105000"/>
+            </a:schemeClr>
+          </a:solidFill>
+          <a:prstDash val="solid"/>
+        </a:ln>
+        <a:ln w="25400" algn="ctr" cap="flat" cmpd="sng">
+          <a:solidFill>
+            <a:schemeClr val="phClr"/>
+          </a:solidFill>
+          <a:prstDash val="solid"/>
+        </a:ln>
+        <a:ln w="38100" algn="ctr" cap="flat" cmpd="sng">
+          <a:solidFill>
+            <a:schemeClr val="phClr"/>
+          </a:solidFill>
+          <a:prstDash val="solid"/>
+        </a:ln>
+      </a:lnStyleLst>
+      <a:effectStyleLst>
+        <a:effectStyle>
+          <a:effectLst>
+            <a:outerShdw rotWithShape="0" dir="5400000" blurRad="40000" dist="20000">
+              <a:srgbClr val="000000">
+                <a:alpha val="38000"/>
+              </a:srgbClr>
+            </a:outerShdw>
+          </a:effectLst>
+        </a:effectStyle>
+        <a:effectStyle>
+          <a:effectLst>
+            <a:outerShdw rotWithShape="0" dir="5400000" blurRad="40000" dist="23000">
+              <a:srgbClr val="000000">
+                <a:alpha val="35000"/>
+              </a:srgbClr>
+            </a:outerShdw>
+          </a:effectLst>
+        </a:effectStyle>
+        <a:effectStyle>
+          <a:effectLst>
+            <a:outerShdw rotWithShape="0" dir="5400000" blurRad="40000" dist="23000">
+              <a:srgbClr val="000000">
+                <a:alpha val="35000"/>
+              </a:srgbClr>
+            </a:outerShdw>
+          </a:effectLst>
+          <a:scene3d>
+            <a:camera prst="orthographicFront">
+              <a:rot rev="0" lon="0" lat="0"/>
+            </a:camera>
+            <a:lightRig dir="t" rig="threePt">
+              <a:rot rev="1200000" lon="0" lat="0"/>
+            </a:lightRig>
+          </a:scene3d>
+          <a:sp3d>
+            <a:bevelT w="63500" h="25400"/>
+          </a:sp3d>
+        </a:effectStyle>
+      </a:effectStyleLst>
+      <a:bgFillStyleLst>
+        <a:solidFill>
+          <a:schemeClr val="phClr"/>
+        </a:solidFill>
+        <a:gradFill rotWithShape="1">
+          <a:gsLst>
+            <a:gs pos="0">
+              <a:schemeClr val="phClr">
+                <a:tint val="40000"/>
+                <a:satMod val="350000"/>
+              </a:schemeClr>
+            </a:gs>
+            <a:gs pos="40000">
+              <a:schemeClr val="phClr">
+                <a:tint val="45000"/>
+                <a:shade val="99000"/>
+                <a:satMod val="350000"/>
+              </a:schemeClr>
+            </a:gs>
+            <a:gs pos="100000">
+              <a:schemeClr val="phClr">
+                <a:shade val="20000"/>
+                <a:satMod val="255000"/>
+              </a:schemeClr>
+            </a:gs>
+          </a:gsLst>
+          <a:path path="circle">
+            <a:fillToRect t="-80000" b="180000" r="50000" l="50000"/>
+          </a:path>
+        </a:gradFill>
+        <a:gradFill rotWithShape="1">
+          <a:gsLst>
+            <a:gs pos="0">
+              <a:schemeClr val="phClr">
+                <a:tint val="80000"/>
+                <a:satMod val="300000"/>
+              </a:schemeClr>
+            </a:gs>
+            <a:gs pos="100000">
+              <a:schemeClr val="phClr">
+                <a:shade val="30000"/>
+                <a:satMod val="200000"/>
+              </a:schemeClr>
+            </a:gs>
+          </a:gsLst>
+          <a:path path="circle">
+            <a:fillToRect t="50000" b="50000" r="50000" l="50000"/>
+          </a:path>
+        </a:gradFill>
+      </a:bgFillStyleLst>
+    </a:fmtScheme>
+  </a:themeElements>
+</a:theme>
+</file>
+
+<file path=ppt/theme/theme3.xml><?xml version="1.0" encoding="utf-8"?>
+<a:theme xmlns:a="http://schemas.openxmlformats.org/drawingml/2006/main" xmlns:r="http://schemas.openxmlformats.org/officeDocument/2006/relationships" name="Custom Theme">
+  <a:themeElements>
+    <a:clrScheme name="Default">
+      <a:dk1>
+        <a:srgbClr val="000000"/>
+      </a:dk1>
+      <a:lt1>
+        <a:srgbClr val="FFFFFF"/>
+      </a:lt1>
+      <a:dk2>
+        <a:srgbClr val="158158"/>
+      </a:dk2>
+      <a:lt2>
+        <a:srgbClr val="F3F3F3"/>
+      </a:lt2>
+      <a:accent1>
+        <a:srgbClr val="058DC7"/>
+      </a:accent1>
+      <a:accent2>
+        <a:srgbClr val="50B432"/>
+      </a:accent2>
+      <a:accent3>
+        <a:srgbClr val="ED561B"/>
+      </a:accent3>
+      <a:accent4>
+        <a:srgbClr val="EDEF00"/>
+      </a:accent4>
+      <a:accent5>
+        <a:srgbClr val="24CBE5"/>
+      </a:accent5>
+      <a:accent6>
+        <a:srgbClr val="64E572"/>
+      </a:accent6>
+      <a:hlink>
+        <a:srgbClr val="2200CC"/>
+      </a:hlink>
+      <a:folHlink>
+        <a:srgbClr val="551A8B"/>
+      </a:folHlink>
+    </a:clrScheme>
+    <a:fontScheme name="Office">
+      <a:majorFont>
+        <a:latin typeface="Arial"/>
+        <a:ea typeface=""/>
+        <a:cs typeface=""/>
+        <a:font typeface="ＭＳ Ｐゴシック" script="Jpan"/>
+        <a:font typeface="맑은 고딕" script="Hang"/>
+        <a:font typeface="宋体" script="Hans"/>
+        <a:font typeface="新細明體" script="Hant"/>
+        <a:font typeface="Times New Roman" script="Arab"/>
+        <a:font typeface="Times New Roman" script="Hebr"/>
+        <a:font typeface="Angsana New" script="Thai"/>
+        <a:font typeface="Nyala" script="Ethi"/>
+        <a:font typeface="Vrinda" script="Beng"/>
+        <a:font typeface="Shruti" script="Gujr"/>
+        <a:font typeface="MoolBoran" script="Khmr"/>
+        <a:font typeface="Tunga" script="Knda"/>
+        <a:font typeface="Raavi" script="Guru"/>
+        <a:font typeface="Euphemia" script="Cans"/>
+        <a:font typeface="Plantagenet Cherokee" script="Cher"/>
+        <a:font typeface="Microsoft Yi Baiti" script="Yiii"/>
+        <a:font typeface="Microsoft Himalaya" script="Tibt"/>
+        <a:font typeface="MV Boli" script="Thaa"/>
+        <a:font typeface="Mangal" script="Deva"/>
+        <a:font typeface="Gautami" script="Telu"/>
+        <a:font typeface="Latha" script="Taml"/>
+        <a:font typeface="Estrangelo Edessa" script="Syrc"/>
+        <a:font typeface="Kalinga" script="Orya"/>
+        <a:font typeface="Kartika" script="Mlym"/>
+        <a:font typeface="DokChampa" script="Laoo"/>
+        <a:font typeface="Iskoola Pota" script="Sinh"/>
+        <a:font typeface="Mongolian Baiti" script="Mong"/>
+        <a:font typeface="Times New Roman" script="Viet"/>
+        <a:font typeface="Microsoft Uighur" script="Uigh"/>
+      </a:majorFont>
+      <a:minorFont>
+        <a:latin typeface="Arial"/>
+        <a:ea typeface=""/>
+        <a:cs typeface=""/>
+        <a:font typeface="ＭＳ Ｐゴシック" script="Jpan"/>
+        <a:font typeface="맑은 고딕" script="Hang"/>
+        <a:font typeface="宋体" script="Hans"/>
+        <a:font typeface="新細明體" script="Hant"/>
+        <a:font typeface="Times New Roman" script="Arab"/>
+        <a:font typeface="Times New Roman" script="Hebr"/>
+        <a:font typeface="Angsana New" script="Thai"/>
+        <a:font typeface="Nyala" script="Ethi"/>
+        <a:font typeface="Vrinda" script="Beng"/>
+        <a:font typeface="Shruti" script="Gujr"/>
+        <a:font typeface="MoolBoran" script="Khmr"/>
+        <a:font typeface="Tunga" script="Knda"/>
+        <a:font typeface="Raavi" script="Guru"/>
+        <a:font typeface="Euphemia" script="Cans"/>
+        <a:font typeface="Plantagenet Cherokee" script="Cher"/>
+        <a:font typeface="Microsoft Yi Baiti" script="Yiii"/>
+        <a:font typeface="Microsoft Himalaya" script="Tibt"/>
+        <a:font typeface="MV Boli" script="Thaa"/>
+        <a:font typeface="Mangal" script="Deva"/>
+        <a:font typeface="Gautami" script="Telu"/>
+        <a:font typeface="Latha" script="Taml"/>
+        <a:font typeface="Estrangelo Edessa" script="Syrc"/>
+        <a:font typeface="Kalinga" script="Orya"/>
+        <a:font typeface="Kartika" script="Mlym"/>
+        <a:font typeface="DokChampa" script="Laoo"/>
+        <a:font typeface="Iskoola Pota" script="Sinh"/>
+        <a:font typeface="Mongolian Baiti" script="Mong"/>
+        <a:font typeface="Times New Roman" script="Viet"/>
+        <a:font typeface="Microsoft Uighur" script="Uigh"/>
+      </a:minorFont>
+    </a:fontScheme>
+    <a:fmtScheme name="Office">
+      <a:fillStyleLst>
+        <a:solidFill>
+          <a:schemeClr val="phClr"/>
+        </a:solidFill>
+        <a:gradFill rotWithShape="1">
+          <a:gsLst>
+            <a:gs pos="0">
+              <a:schemeClr val="phClr">
+                <a:tint val="50000"/>
+                <a:satMod val="300000"/>
+              </a:schemeClr>
+            </a:gs>
+            <a:gs pos="35000">
+              <a:schemeClr val="phClr">
+                <a:tint val="37000"/>
+                <a:satMod val="300000"/>
+              </a:schemeClr>
+            </a:gs>
+            <a:gs pos="100000">
+              <a:schemeClr val="phClr">
+                <a:tint val="15000"/>
+                <a:satMod val="350000"/>
+              </a:schemeClr>
+            </a:gs>
+          </a:gsLst>
+          <a:lin ang="16200000" scaled="1"/>
+        </a:gradFill>
+        <a:gradFill rotWithShape="1">
+          <a:gsLst>
+            <a:gs pos="0">
+              <a:schemeClr val="phClr">
+                <a:tint val="100000"/>
+                <a:shade val="100000"/>
+                <a:satMod val="130000"/>
+              </a:schemeClr>
+            </a:gs>
+            <a:gs pos="100000">
+              <a:schemeClr val="phClr">
+                <a:tint val="50000"/>
+                <a:shade val="100000"/>
+                <a:satMod val="350000"/>
+              </a:schemeClr>
+            </a:gs>
+          </a:gsLst>
+          <a:lin ang="16200000" scaled="0"/>
+        </a:gradFill>
+      </a:fillStyleLst>
+      <a:lnStyleLst>
+        <a:ln w="9525" algn="ctr" cap="flat" cmpd="sng">
+          <a:solidFill>
+            <a:schemeClr val="phClr">
+              <a:shade val="95000"/>
+              <a:satMod val="105000"/>
+            </a:schemeClr>
+          </a:solidFill>
+          <a:prstDash val="solid"/>
+        </a:ln>
+        <a:ln w="25400" algn="ctr" cap="flat" cmpd="sng">
+          <a:solidFill>
+            <a:schemeClr val="phClr"/>
+          </a:solidFill>
+          <a:prstDash val="solid"/>
+        </a:ln>
+        <a:ln w="38100" algn="ctr" cap="flat" cmpd="sng">
+          <a:solidFill>
+            <a:schemeClr val="phClr"/>
+          </a:solidFill>
+          <a:prstDash val="solid"/>
+        </a:ln>
+      </a:lnStyleLst>
+      <a:effectStyleLst>
+        <a:effectStyle>
+          <a:effectLst>
+            <a:outerShdw rotWithShape="0" dir="5400000" blurRad="40000" dist="20000">
+              <a:srgbClr val="000000">
+                <a:alpha val="38000"/>
+              </a:srgbClr>
+            </a:outerShdw>
+          </a:effectLst>
+        </a:effectStyle>
+        <a:effectStyle>
+          <a:effectLst>
+            <a:outerShdw rotWithShape="0" dir="5400000" blurRad="40000" dist="23000">
+              <a:srgbClr val="000000">
+                <a:alpha val="35000"/>
+              </a:srgbClr>
+            </a:outerShdw>
+          </a:effectLst>
+        </a:effectStyle>
+        <a:effectStyle>
+          <a:effectLst>
+            <a:outerShdw rotWithShape="0" dir="5400000" blurRad="40000" dist="23000">
+              <a:srgbClr val="000000">
+                <a:alpha val="35000"/>
+              </a:srgbClr>
+            </a:outerShdw>
+          </a:effectLst>
+          <a:scene3d>
+            <a:camera prst="orthographicFront">
+              <a:rot rev="0" lon="0" lat="0"/>
+            </a:camera>
+            <a:lightRig dir="t" rig="threePt">
+              <a:rot rev="1200000" lon="0" lat="0"/>
+            </a:lightRig>
+          </a:scene3d>
+          <a:sp3d>
+            <a:bevelT w="63500" h="25400"/>
+          </a:sp3d>
+        </a:effectStyle>
+      </a:effectStyleLst>
+      <a:bgFillStyleLst>
+        <a:solidFill>
+          <a:schemeClr val="phClr"/>
+        </a:solidFill>
+        <a:gradFill rotWithShape="1">
+          <a:gsLst>
+            <a:gs pos="0">
+              <a:schemeClr val="phClr">
+                <a:tint val="40000"/>
+                <a:satMod val="350000"/>
+              </a:schemeClr>
+            </a:gs>
+            <a:gs pos="40000">
+              <a:schemeClr val="phClr">
+                <a:tint val="45000"/>
+                <a:shade val="99000"/>
+                <a:satMod val="350000"/>
+              </a:schemeClr>
+            </a:gs>
+            <a:gs pos="100000">
+              <a:schemeClr val="phClr">
+                <a:shade val="20000"/>
+                <a:satMod val="255000"/>
+              </a:schemeClr>
+            </a:gs>
+          </a:gsLst>
+          <a:path path="circle">
+            <a:fillToRect t="-80000" b="180000" r="50000" l="50000"/>
+          </a:path>
+        </a:gradFill>
+        <a:gradFill rotWithShape="1">
+          <a:gsLst>
+            <a:gs pos="0">
+              <a:schemeClr val="phClr">
+                <a:tint val="80000"/>
+                <a:satMod val="300000"/>
+              </a:schemeClr>
+            </a:gs>
+            <a:gs pos="100000">
+              <a:schemeClr val="phClr">
+                <a:shade val="30000"/>
+                <a:satMod val="200000"/>
+              </a:schemeClr>
+            </a:gs>
+          </a:gsLst>
+          <a:path path="circle">
+            <a:fillToRect t="50000" b="50000" r="50000" l="50000"/>
+          </a:path>
+        </a:gradFill>
+      </a:bgFillStyleLst>
+    </a:fmtScheme>
+  </a:themeElements>
+</a:theme>
 </file>